--- a/Cy_00_IA/Chapitre_01_Introduction_IA/images/Figures.pptx
+++ b/Cy_00_IA/Chapitre_01_Introduction_IA/images/Figures.pptx
@@ -4,12 +4,20 @@
   <p:sldMasterIdLst>
     <p:sldMasterId id="2147483648" r:id="rId1"/>
   </p:sldMasterIdLst>
+  <p:notesMasterIdLst>
+    <p:notesMasterId r:id="rId12"/>
+  </p:notesMasterIdLst>
   <p:sldIdLst>
     <p:sldId id="256" r:id="rId2"/>
     <p:sldId id="258" r:id="rId3"/>
-    <p:sldId id="259" r:id="rId4"/>
-    <p:sldId id="257" r:id="rId5"/>
-    <p:sldId id="260" r:id="rId6"/>
+    <p:sldId id="261" r:id="rId4"/>
+    <p:sldId id="263" r:id="rId5"/>
+    <p:sldId id="259" r:id="rId6"/>
+    <p:sldId id="257" r:id="rId7"/>
+    <p:sldId id="260" r:id="rId8"/>
+    <p:sldId id="264" r:id="rId9"/>
+    <p:sldId id="262" r:id="rId10"/>
+    <p:sldId id="265" r:id="rId11"/>
   </p:sldIdLst>
   <p:sldSz cx="12192000" cy="6858000"/>
   <p:notesSz cx="6858000" cy="9144000"/>
@@ -125,6 +133,439 @@
     </p:ext>
   </p:extLst>
 </p:presentation>
+</file>
+
+<file path=ppt/notesMasters/notesMaster1.xml><?xml version="1.0" encoding="utf-8"?>
+<p:notesMaster xmlns:a="http://schemas.openxmlformats.org/drawingml/2006/main" xmlns:r="http://schemas.openxmlformats.org/officeDocument/2006/relationships" xmlns:p="http://schemas.openxmlformats.org/presentationml/2006/main">
+  <p:cSld>
+    <p:bg>
+      <p:bgRef idx="1001">
+        <a:schemeClr val="bg1"/>
+      </p:bgRef>
+    </p:bg>
+    <p:spTree>
+      <p:nvGrpSpPr>
+        <p:cNvPr id="1" name=""/>
+        <p:cNvGrpSpPr/>
+        <p:nvPr/>
+      </p:nvGrpSpPr>
+      <p:grpSpPr>
+        <a:xfrm>
+          <a:off x="0" y="0"/>
+          <a:ext cx="0" cy="0"/>
+          <a:chOff x="0" y="0"/>
+          <a:chExt cx="0" cy="0"/>
+        </a:xfrm>
+      </p:grpSpPr>
+      <p:sp>
+        <p:nvSpPr>
+          <p:cNvPr id="2" name="Espace réservé de l'en-tête 1"/>
+          <p:cNvSpPr>
+            <a:spLocks noGrp="1"/>
+          </p:cNvSpPr>
+          <p:nvPr>
+            <p:ph type="hdr" sz="quarter"/>
+          </p:nvPr>
+        </p:nvSpPr>
+        <p:spPr>
+          <a:xfrm>
+            <a:off x="0" y="0"/>
+            <a:ext cx="2971800" cy="458788"/>
+          </a:xfrm>
+          <a:prstGeom prst="rect">
+            <a:avLst/>
+          </a:prstGeom>
+        </p:spPr>
+        <p:txBody>
+          <a:bodyPr vert="horz" lIns="91440" tIns="45720" rIns="91440" bIns="45720" rtlCol="0"/>
+          <a:lstStyle>
+            <a:lvl1pPr algn="l">
+              <a:defRPr sz="1200"/>
+            </a:lvl1pPr>
+          </a:lstStyle>
+          <a:p>
+            <a:endParaRPr lang="fr-FR"/>
+          </a:p>
+        </p:txBody>
+      </p:sp>
+      <p:sp>
+        <p:nvSpPr>
+          <p:cNvPr id="3" name="Espace réservé de la date 2"/>
+          <p:cNvSpPr>
+            <a:spLocks noGrp="1"/>
+          </p:cNvSpPr>
+          <p:nvPr>
+            <p:ph type="dt" idx="1"/>
+          </p:nvPr>
+        </p:nvSpPr>
+        <p:spPr>
+          <a:xfrm>
+            <a:off x="3884613" y="0"/>
+            <a:ext cx="2971800" cy="458788"/>
+          </a:xfrm>
+          <a:prstGeom prst="rect">
+            <a:avLst/>
+          </a:prstGeom>
+        </p:spPr>
+        <p:txBody>
+          <a:bodyPr vert="horz" lIns="91440" tIns="45720" rIns="91440" bIns="45720" rtlCol="0"/>
+          <a:lstStyle>
+            <a:lvl1pPr algn="r">
+              <a:defRPr sz="1200"/>
+            </a:lvl1pPr>
+          </a:lstStyle>
+          <a:p>
+            <a:fld id="{396B03FB-B087-4631-8B5B-A1A0D1F293BE}" type="datetimeFigureOut">
+              <a:rPr lang="fr-FR" smtClean="0"/>
+              <a:t>09/02/2021</a:t>
+            </a:fld>
+            <a:endParaRPr lang="fr-FR"/>
+          </a:p>
+        </p:txBody>
+      </p:sp>
+      <p:sp>
+        <p:nvSpPr>
+          <p:cNvPr id="4" name="Espace réservé de l'image des diapositives 3"/>
+          <p:cNvSpPr>
+            <a:spLocks noGrp="1" noRot="1" noChangeAspect="1"/>
+          </p:cNvSpPr>
+          <p:nvPr>
+            <p:ph type="sldImg" idx="2"/>
+          </p:nvPr>
+        </p:nvSpPr>
+        <p:spPr>
+          <a:xfrm>
+            <a:off x="685800" y="1143000"/>
+            <a:ext cx="5486400" cy="3086100"/>
+          </a:xfrm>
+          <a:prstGeom prst="rect">
+            <a:avLst/>
+          </a:prstGeom>
+          <a:noFill/>
+          <a:ln w="12700">
+            <a:solidFill>
+              <a:prstClr val="black"/>
+            </a:solidFill>
+          </a:ln>
+        </p:spPr>
+        <p:txBody>
+          <a:bodyPr vert="horz" lIns="91440" tIns="45720" rIns="91440" bIns="45720" rtlCol="0" anchor="ctr"/>
+          <a:lstStyle/>
+          <a:p>
+            <a:endParaRPr lang="fr-FR"/>
+          </a:p>
+        </p:txBody>
+      </p:sp>
+      <p:sp>
+        <p:nvSpPr>
+          <p:cNvPr id="5" name="Espace réservé des notes 4"/>
+          <p:cNvSpPr>
+            <a:spLocks noGrp="1"/>
+          </p:cNvSpPr>
+          <p:nvPr>
+            <p:ph type="body" sz="quarter" idx="3"/>
+          </p:nvPr>
+        </p:nvSpPr>
+        <p:spPr>
+          <a:xfrm>
+            <a:off x="685800" y="4400550"/>
+            <a:ext cx="5486400" cy="3600450"/>
+          </a:xfrm>
+          <a:prstGeom prst="rect">
+            <a:avLst/>
+          </a:prstGeom>
+        </p:spPr>
+        <p:txBody>
+          <a:bodyPr vert="horz" lIns="91440" tIns="45720" rIns="91440" bIns="45720" rtlCol="0"/>
+          <a:lstStyle/>
+          <a:p>
+            <a:pPr lvl="0"/>
+            <a:r>
+              <a:rPr lang="fr-FR"/>
+              <a:t>Cliquez pour modifier les styles du texte du masque</a:t>
+            </a:r>
+          </a:p>
+          <a:p>
+            <a:pPr lvl="1"/>
+            <a:r>
+              <a:rPr lang="fr-FR"/>
+              <a:t>Deuxième niveau</a:t>
+            </a:r>
+          </a:p>
+          <a:p>
+            <a:pPr lvl="2"/>
+            <a:r>
+              <a:rPr lang="fr-FR"/>
+              <a:t>Troisième niveau</a:t>
+            </a:r>
+          </a:p>
+          <a:p>
+            <a:pPr lvl="3"/>
+            <a:r>
+              <a:rPr lang="fr-FR"/>
+              <a:t>Quatrième niveau</a:t>
+            </a:r>
+          </a:p>
+          <a:p>
+            <a:pPr lvl="4"/>
+            <a:r>
+              <a:rPr lang="fr-FR"/>
+              <a:t>Cinquième niveau</a:t>
+            </a:r>
+          </a:p>
+        </p:txBody>
+      </p:sp>
+      <p:sp>
+        <p:nvSpPr>
+          <p:cNvPr id="6" name="Espace réservé du pied de page 5"/>
+          <p:cNvSpPr>
+            <a:spLocks noGrp="1"/>
+          </p:cNvSpPr>
+          <p:nvPr>
+            <p:ph type="ftr" sz="quarter" idx="4"/>
+          </p:nvPr>
+        </p:nvSpPr>
+        <p:spPr>
+          <a:xfrm>
+            <a:off x="0" y="8685213"/>
+            <a:ext cx="2971800" cy="458787"/>
+          </a:xfrm>
+          <a:prstGeom prst="rect">
+            <a:avLst/>
+          </a:prstGeom>
+        </p:spPr>
+        <p:txBody>
+          <a:bodyPr vert="horz" lIns="91440" tIns="45720" rIns="91440" bIns="45720" rtlCol="0" anchor="b"/>
+          <a:lstStyle>
+            <a:lvl1pPr algn="l">
+              <a:defRPr sz="1200"/>
+            </a:lvl1pPr>
+          </a:lstStyle>
+          <a:p>
+            <a:endParaRPr lang="fr-FR"/>
+          </a:p>
+        </p:txBody>
+      </p:sp>
+      <p:sp>
+        <p:nvSpPr>
+          <p:cNvPr id="7" name="Espace réservé du numéro de diapositive 6"/>
+          <p:cNvSpPr>
+            <a:spLocks noGrp="1"/>
+          </p:cNvSpPr>
+          <p:nvPr>
+            <p:ph type="sldNum" sz="quarter" idx="5"/>
+          </p:nvPr>
+        </p:nvSpPr>
+        <p:spPr>
+          <a:xfrm>
+            <a:off x="3884613" y="8685213"/>
+            <a:ext cx="2971800" cy="458787"/>
+          </a:xfrm>
+          <a:prstGeom prst="rect">
+            <a:avLst/>
+          </a:prstGeom>
+        </p:spPr>
+        <p:txBody>
+          <a:bodyPr vert="horz" lIns="91440" tIns="45720" rIns="91440" bIns="45720" rtlCol="0" anchor="b"/>
+          <a:lstStyle>
+            <a:lvl1pPr algn="r">
+              <a:defRPr sz="1200"/>
+            </a:lvl1pPr>
+          </a:lstStyle>
+          <a:p>
+            <a:fld id="{4EC20C63-8102-4D27-80EE-D2352E13264B}" type="slidenum">
+              <a:rPr lang="fr-FR" smtClean="0"/>
+              <a:t>‹N°›</a:t>
+            </a:fld>
+            <a:endParaRPr lang="fr-FR"/>
+          </a:p>
+        </p:txBody>
+      </p:sp>
+    </p:spTree>
+    <p:extLst>
+      <p:ext uri="{BB962C8B-B14F-4D97-AF65-F5344CB8AC3E}">
+        <p14:creationId xmlns:p14="http://schemas.microsoft.com/office/powerpoint/2010/main" val="1356151532"/>
+      </p:ext>
+    </p:extLst>
+  </p:cSld>
+  <p:clrMap bg1="lt1" tx1="dk1" bg2="lt2" tx2="dk2" accent1="accent1" accent2="accent2" accent3="accent3" accent4="accent4" accent5="accent5" accent6="accent6" hlink="hlink" folHlink="folHlink"/>
+  <p:notesStyle>
+    <a:lvl1pPr marL="0" algn="l" defTabSz="914400" rtl="0" eaLnBrk="1" latinLnBrk="0" hangingPunct="1">
+      <a:defRPr sz="1200" kern="1200">
+        <a:solidFill>
+          <a:schemeClr val="tx1"/>
+        </a:solidFill>
+        <a:latin typeface="+mn-lt"/>
+        <a:ea typeface="+mn-ea"/>
+        <a:cs typeface="+mn-cs"/>
+      </a:defRPr>
+    </a:lvl1pPr>
+    <a:lvl2pPr marL="457200" algn="l" defTabSz="914400" rtl="0" eaLnBrk="1" latinLnBrk="0" hangingPunct="1">
+      <a:defRPr sz="1200" kern="1200">
+        <a:solidFill>
+          <a:schemeClr val="tx1"/>
+        </a:solidFill>
+        <a:latin typeface="+mn-lt"/>
+        <a:ea typeface="+mn-ea"/>
+        <a:cs typeface="+mn-cs"/>
+      </a:defRPr>
+    </a:lvl2pPr>
+    <a:lvl3pPr marL="914400" algn="l" defTabSz="914400" rtl="0" eaLnBrk="1" latinLnBrk="0" hangingPunct="1">
+      <a:defRPr sz="1200" kern="1200">
+        <a:solidFill>
+          <a:schemeClr val="tx1"/>
+        </a:solidFill>
+        <a:latin typeface="+mn-lt"/>
+        <a:ea typeface="+mn-ea"/>
+        <a:cs typeface="+mn-cs"/>
+      </a:defRPr>
+    </a:lvl3pPr>
+    <a:lvl4pPr marL="1371600" algn="l" defTabSz="914400" rtl="0" eaLnBrk="1" latinLnBrk="0" hangingPunct="1">
+      <a:defRPr sz="1200" kern="1200">
+        <a:solidFill>
+          <a:schemeClr val="tx1"/>
+        </a:solidFill>
+        <a:latin typeface="+mn-lt"/>
+        <a:ea typeface="+mn-ea"/>
+        <a:cs typeface="+mn-cs"/>
+      </a:defRPr>
+    </a:lvl4pPr>
+    <a:lvl5pPr marL="1828800" algn="l" defTabSz="914400" rtl="0" eaLnBrk="1" latinLnBrk="0" hangingPunct="1">
+      <a:defRPr sz="1200" kern="1200">
+        <a:solidFill>
+          <a:schemeClr val="tx1"/>
+        </a:solidFill>
+        <a:latin typeface="+mn-lt"/>
+        <a:ea typeface="+mn-ea"/>
+        <a:cs typeface="+mn-cs"/>
+      </a:defRPr>
+    </a:lvl5pPr>
+    <a:lvl6pPr marL="2286000" algn="l" defTabSz="914400" rtl="0" eaLnBrk="1" latinLnBrk="0" hangingPunct="1">
+      <a:defRPr sz="1200" kern="1200">
+        <a:solidFill>
+          <a:schemeClr val="tx1"/>
+        </a:solidFill>
+        <a:latin typeface="+mn-lt"/>
+        <a:ea typeface="+mn-ea"/>
+        <a:cs typeface="+mn-cs"/>
+      </a:defRPr>
+    </a:lvl6pPr>
+    <a:lvl7pPr marL="2743200" algn="l" defTabSz="914400" rtl="0" eaLnBrk="1" latinLnBrk="0" hangingPunct="1">
+      <a:defRPr sz="1200" kern="1200">
+        <a:solidFill>
+          <a:schemeClr val="tx1"/>
+        </a:solidFill>
+        <a:latin typeface="+mn-lt"/>
+        <a:ea typeface="+mn-ea"/>
+        <a:cs typeface="+mn-cs"/>
+      </a:defRPr>
+    </a:lvl7pPr>
+    <a:lvl8pPr marL="3200400" algn="l" defTabSz="914400" rtl="0" eaLnBrk="1" latinLnBrk="0" hangingPunct="1">
+      <a:defRPr sz="1200" kern="1200">
+        <a:solidFill>
+          <a:schemeClr val="tx1"/>
+        </a:solidFill>
+        <a:latin typeface="+mn-lt"/>
+        <a:ea typeface="+mn-ea"/>
+        <a:cs typeface="+mn-cs"/>
+      </a:defRPr>
+    </a:lvl8pPr>
+    <a:lvl9pPr marL="3657600" algn="l" defTabSz="914400" rtl="0" eaLnBrk="1" latinLnBrk="0" hangingPunct="1">
+      <a:defRPr sz="1200" kern="1200">
+        <a:solidFill>
+          <a:schemeClr val="tx1"/>
+        </a:solidFill>
+        <a:latin typeface="+mn-lt"/>
+        <a:ea typeface="+mn-ea"/>
+        <a:cs typeface="+mn-cs"/>
+      </a:defRPr>
+    </a:lvl9pPr>
+  </p:notesStyle>
+</p:notesMaster>
+</file>
+
+<file path=ppt/notesSlides/notesSlide1.xml><?xml version="1.0" encoding="utf-8"?>
+<p:notes xmlns:a="http://schemas.openxmlformats.org/drawingml/2006/main" xmlns:r="http://schemas.openxmlformats.org/officeDocument/2006/relationships" xmlns:p="http://schemas.openxmlformats.org/presentationml/2006/main">
+  <p:cSld>
+    <p:spTree>
+      <p:nvGrpSpPr>
+        <p:cNvPr id="1" name=""/>
+        <p:cNvGrpSpPr/>
+        <p:nvPr/>
+      </p:nvGrpSpPr>
+      <p:grpSpPr>
+        <a:xfrm>
+          <a:off x="0" y="0"/>
+          <a:ext cx="0" cy="0"/>
+          <a:chOff x="0" y="0"/>
+          <a:chExt cx="0" cy="0"/>
+        </a:xfrm>
+      </p:grpSpPr>
+      <p:sp>
+        <p:nvSpPr>
+          <p:cNvPr id="2" name="Espace réservé de l'image des diapositives 1"/>
+          <p:cNvSpPr>
+            <a:spLocks noGrp="1" noRot="1" noChangeAspect="1"/>
+          </p:cNvSpPr>
+          <p:nvPr>
+            <p:ph type="sldImg"/>
+          </p:nvPr>
+        </p:nvSpPr>
+        <p:spPr/>
+      </p:sp>
+      <p:sp>
+        <p:nvSpPr>
+          <p:cNvPr id="3" name="Espace réservé des notes 2"/>
+          <p:cNvSpPr>
+            <a:spLocks noGrp="1"/>
+          </p:cNvSpPr>
+          <p:nvPr>
+            <p:ph type="body" idx="1"/>
+          </p:nvPr>
+        </p:nvSpPr>
+        <p:spPr/>
+        <p:txBody>
+          <a:bodyPr/>
+          <a:lstStyle/>
+          <a:p>
+            <a:endParaRPr lang="fr-FR" dirty="0"/>
+          </a:p>
+        </p:txBody>
+      </p:sp>
+      <p:sp>
+        <p:nvSpPr>
+          <p:cNvPr id="4" name="Espace réservé du numéro de diapositive 3"/>
+          <p:cNvSpPr>
+            <a:spLocks noGrp="1"/>
+          </p:cNvSpPr>
+          <p:nvPr>
+            <p:ph type="sldNum" sz="quarter" idx="5"/>
+          </p:nvPr>
+        </p:nvSpPr>
+        <p:spPr/>
+        <p:txBody>
+          <a:bodyPr/>
+          <a:lstStyle/>
+          <a:p>
+            <a:fld id="{4EC20C63-8102-4D27-80EE-D2352E13264B}" type="slidenum">
+              <a:rPr lang="fr-FR" smtClean="0"/>
+              <a:t>8</a:t>
+            </a:fld>
+            <a:endParaRPr lang="fr-FR"/>
+          </a:p>
+        </p:txBody>
+      </p:sp>
+    </p:spTree>
+    <p:extLst>
+      <p:ext uri="{BB962C8B-B14F-4D97-AF65-F5344CB8AC3E}">
+        <p14:creationId xmlns:p14="http://schemas.microsoft.com/office/powerpoint/2010/main" val="2567595833"/>
+      </p:ext>
+    </p:extLst>
+  </p:cSld>
+  <p:clrMapOvr>
+    <a:masterClrMapping/>
+  </p:clrMapOvr>
+</p:notes>
 </file>
 
 <file path=ppt/slideLayouts/slideLayout1.xml><?xml version="1.0" encoding="utf-8"?>
@@ -274,7 +715,7 @@
           <a:p>
             <a:fld id="{B0AE2BB1-655E-4F57-ABA8-388245A7D361}" type="datetimeFigureOut">
               <a:rPr lang="fr-FR" smtClean="0"/>
-              <a:t>05/02/2021</a:t>
+              <a:t>09/02/2021</a:t>
             </a:fld>
             <a:endParaRPr lang="fr-FR"/>
           </a:p>
@@ -472,7 +913,7 @@
           <a:p>
             <a:fld id="{B0AE2BB1-655E-4F57-ABA8-388245A7D361}" type="datetimeFigureOut">
               <a:rPr lang="fr-FR" smtClean="0"/>
-              <a:t>05/02/2021</a:t>
+              <a:t>09/02/2021</a:t>
             </a:fld>
             <a:endParaRPr lang="fr-FR"/>
           </a:p>
@@ -680,7 +1121,7 @@
           <a:p>
             <a:fld id="{B0AE2BB1-655E-4F57-ABA8-388245A7D361}" type="datetimeFigureOut">
               <a:rPr lang="fr-FR" smtClean="0"/>
-              <a:t>05/02/2021</a:t>
+              <a:t>09/02/2021</a:t>
             </a:fld>
             <a:endParaRPr lang="fr-FR"/>
           </a:p>
@@ -878,7 +1319,7 @@
           <a:p>
             <a:fld id="{B0AE2BB1-655E-4F57-ABA8-388245A7D361}" type="datetimeFigureOut">
               <a:rPr lang="fr-FR" smtClean="0"/>
-              <a:t>05/02/2021</a:t>
+              <a:t>09/02/2021</a:t>
             </a:fld>
             <a:endParaRPr lang="fr-FR"/>
           </a:p>
@@ -1153,7 +1594,7 @@
           <a:p>
             <a:fld id="{B0AE2BB1-655E-4F57-ABA8-388245A7D361}" type="datetimeFigureOut">
               <a:rPr lang="fr-FR" smtClean="0"/>
-              <a:t>05/02/2021</a:t>
+              <a:t>09/02/2021</a:t>
             </a:fld>
             <a:endParaRPr lang="fr-FR"/>
           </a:p>
@@ -1418,7 +1859,7 @@
           <a:p>
             <a:fld id="{B0AE2BB1-655E-4F57-ABA8-388245A7D361}" type="datetimeFigureOut">
               <a:rPr lang="fr-FR" smtClean="0"/>
-              <a:t>05/02/2021</a:t>
+              <a:t>09/02/2021</a:t>
             </a:fld>
             <a:endParaRPr lang="fr-FR"/>
           </a:p>
@@ -1830,7 +2271,7 @@
           <a:p>
             <a:fld id="{B0AE2BB1-655E-4F57-ABA8-388245A7D361}" type="datetimeFigureOut">
               <a:rPr lang="fr-FR" smtClean="0"/>
-              <a:t>05/02/2021</a:t>
+              <a:t>09/02/2021</a:t>
             </a:fld>
             <a:endParaRPr lang="fr-FR"/>
           </a:p>
@@ -1971,7 +2412,7 @@
           <a:p>
             <a:fld id="{B0AE2BB1-655E-4F57-ABA8-388245A7D361}" type="datetimeFigureOut">
               <a:rPr lang="fr-FR" smtClean="0"/>
-              <a:t>05/02/2021</a:t>
+              <a:t>09/02/2021</a:t>
             </a:fld>
             <a:endParaRPr lang="fr-FR"/>
           </a:p>
@@ -2084,7 +2525,7 @@
           <a:p>
             <a:fld id="{B0AE2BB1-655E-4F57-ABA8-388245A7D361}" type="datetimeFigureOut">
               <a:rPr lang="fr-FR" smtClean="0"/>
-              <a:t>05/02/2021</a:t>
+              <a:t>09/02/2021</a:t>
             </a:fld>
             <a:endParaRPr lang="fr-FR"/>
           </a:p>
@@ -2395,7 +2836,7 @@
           <a:p>
             <a:fld id="{B0AE2BB1-655E-4F57-ABA8-388245A7D361}" type="datetimeFigureOut">
               <a:rPr lang="fr-FR" smtClean="0"/>
-              <a:t>05/02/2021</a:t>
+              <a:t>09/02/2021</a:t>
             </a:fld>
             <a:endParaRPr lang="fr-FR"/>
           </a:p>
@@ -2683,7 +3124,7 @@
           <a:p>
             <a:fld id="{B0AE2BB1-655E-4F57-ABA8-388245A7D361}" type="datetimeFigureOut">
               <a:rPr lang="fr-FR" smtClean="0"/>
-              <a:t>05/02/2021</a:t>
+              <a:t>09/02/2021</a:t>
             </a:fld>
             <a:endParaRPr lang="fr-FR"/>
           </a:p>
@@ -2924,7 +3365,7 @@
           <a:p>
             <a:fld id="{B0AE2BB1-655E-4F57-ABA8-388245A7D361}" type="datetimeFigureOut">
               <a:rPr lang="fr-FR" smtClean="0"/>
-              <a:t>05/02/2021</a:t>
+              <a:t>09/02/2021</a:t>
             </a:fld>
             <a:endParaRPr lang="fr-FR"/>
           </a:p>
@@ -3573,6 +4014,448 @@
     <p:extLst>
       <p:ext uri="{BB962C8B-B14F-4D97-AF65-F5344CB8AC3E}">
         <p14:creationId xmlns:p14="http://schemas.microsoft.com/office/powerpoint/2010/main" val="994271155"/>
+      </p:ext>
+    </p:extLst>
+  </p:cSld>
+  <p:clrMapOvr>
+    <a:masterClrMapping/>
+  </p:clrMapOvr>
+</p:sld>
+</file>
+
+<file path=ppt/slides/slide10.xml><?xml version="1.0" encoding="utf-8"?>
+<p:sld xmlns:a="http://schemas.openxmlformats.org/drawingml/2006/main" xmlns:r="http://schemas.openxmlformats.org/officeDocument/2006/relationships" xmlns:p="http://schemas.openxmlformats.org/presentationml/2006/main">
+  <p:cSld>
+    <p:spTree>
+      <p:nvGrpSpPr>
+        <p:cNvPr id="1" name=""/>
+        <p:cNvGrpSpPr/>
+        <p:nvPr/>
+      </p:nvGrpSpPr>
+      <p:grpSpPr>
+        <a:xfrm>
+          <a:off x="0" y="0"/>
+          <a:ext cx="0" cy="0"/>
+          <a:chOff x="0" y="0"/>
+          <a:chExt cx="0" cy="0"/>
+        </a:xfrm>
+      </p:grpSpPr>
+      <p:sp>
+        <p:nvSpPr>
+          <p:cNvPr id="4" name="Rectangle 3">
+            <a:extLst>
+              <a:ext uri="{FF2B5EF4-FFF2-40B4-BE49-F238E27FC236}">
+                <a16:creationId xmlns:a16="http://schemas.microsoft.com/office/drawing/2014/main" id="{23D64E36-973C-4C9A-8FEE-3A061FE98346}"/>
+              </a:ext>
+            </a:extLst>
+          </p:cNvPr>
+          <p:cNvSpPr/>
+          <p:nvPr/>
+        </p:nvSpPr>
+        <p:spPr>
+          <a:xfrm>
+            <a:off x="1782813" y="1539433"/>
+            <a:ext cx="8634402" cy="2569580"/>
+          </a:xfrm>
+          <a:prstGeom prst="rect">
+            <a:avLst/>
+          </a:prstGeom>
+          <a:solidFill>
+            <a:schemeClr val="accent2">
+              <a:lumMod val="20000"/>
+              <a:lumOff val="80000"/>
+            </a:schemeClr>
+          </a:solidFill>
+          <a:ln w="28575">
+            <a:solidFill>
+              <a:schemeClr val="accent2">
+                <a:lumMod val="50000"/>
+              </a:schemeClr>
+            </a:solidFill>
+          </a:ln>
+        </p:spPr>
+        <p:style>
+          <a:lnRef idx="2">
+            <a:schemeClr val="accent1">
+              <a:shade val="50000"/>
+            </a:schemeClr>
+          </a:lnRef>
+          <a:fillRef idx="1">
+            <a:schemeClr val="accent1"/>
+          </a:fillRef>
+          <a:effectRef idx="0">
+            <a:schemeClr val="accent1"/>
+          </a:effectRef>
+          <a:fontRef idx="minor">
+            <a:schemeClr val="lt1"/>
+          </a:fontRef>
+        </p:style>
+        <p:txBody>
+          <a:bodyPr rtlCol="0" anchor="t"/>
+          <a:lstStyle/>
+          <a:p>
+            <a:pPr algn="ctr"/>
+            <a:r>
+              <a:rPr lang="fr-FR" sz="1600" b="1" dirty="0">
+                <a:solidFill>
+                  <a:sysClr val="windowText" lastClr="000000"/>
+                </a:solidFill>
+              </a:rPr>
+              <a:t>Intelligence Artificielle (Première vision d’ensemble)</a:t>
+            </a:r>
+          </a:p>
+        </p:txBody>
+      </p:sp>
+      <p:grpSp>
+        <p:nvGrpSpPr>
+          <p:cNvPr id="2" name="Groupe 1">
+            <a:extLst>
+              <a:ext uri="{FF2B5EF4-FFF2-40B4-BE49-F238E27FC236}">
+                <a16:creationId xmlns:a16="http://schemas.microsoft.com/office/drawing/2014/main" id="{541DF8E7-16A7-4A53-9286-8C0CCC4AF3AF}"/>
+              </a:ext>
+            </a:extLst>
+          </p:cNvPr>
+          <p:cNvGrpSpPr/>
+          <p:nvPr/>
+        </p:nvGrpSpPr>
+        <p:grpSpPr>
+          <a:xfrm>
+            <a:off x="2131518" y="2106592"/>
+            <a:ext cx="7928964" cy="1664208"/>
+            <a:chOff x="1773553" y="4907665"/>
+            <a:chExt cx="7928964" cy="1664208"/>
+          </a:xfrm>
+        </p:grpSpPr>
+        <p:sp>
+          <p:nvSpPr>
+            <p:cNvPr id="10" name="Rectangle : coins arrondis 9">
+              <a:extLst>
+                <a:ext uri="{FF2B5EF4-FFF2-40B4-BE49-F238E27FC236}">
+                  <a16:creationId xmlns:a16="http://schemas.microsoft.com/office/drawing/2014/main" id="{52B40316-C83D-4649-A5DC-D14327066657}"/>
+                </a:ext>
+              </a:extLst>
+            </p:cNvPr>
+            <p:cNvSpPr/>
+            <p:nvPr/>
+          </p:nvSpPr>
+          <p:spPr>
+            <a:xfrm>
+              <a:off x="7544533" y="4907665"/>
+              <a:ext cx="2157984" cy="1664208"/>
+            </a:xfrm>
+            <a:prstGeom prst="roundRect">
+              <a:avLst>
+                <a:gd name="adj" fmla="val 5129"/>
+              </a:avLst>
+            </a:prstGeom>
+            <a:solidFill>
+              <a:schemeClr val="accent2">
+                <a:lumMod val="20000"/>
+                <a:lumOff val="80000"/>
+              </a:schemeClr>
+            </a:solidFill>
+            <a:ln w="28575">
+              <a:solidFill>
+                <a:schemeClr val="accent2">
+                  <a:lumMod val="50000"/>
+                </a:schemeClr>
+              </a:solidFill>
+            </a:ln>
+          </p:spPr>
+          <p:style>
+            <a:lnRef idx="2">
+              <a:schemeClr val="accent1">
+                <a:shade val="50000"/>
+              </a:schemeClr>
+            </a:lnRef>
+            <a:fillRef idx="1">
+              <a:schemeClr val="accent1"/>
+            </a:fillRef>
+            <a:effectRef idx="0">
+              <a:schemeClr val="accent1"/>
+            </a:effectRef>
+            <a:fontRef idx="minor">
+              <a:schemeClr val="lt1"/>
+            </a:fontRef>
+          </p:style>
+          <p:txBody>
+            <a:bodyPr rtlCol="0" anchor="t"/>
+            <a:lstStyle/>
+            <a:p>
+              <a:pPr algn="ctr"/>
+              <a:r>
+                <a:rPr lang="fr-FR" sz="1200" b="1" dirty="0">
+                  <a:solidFill>
+                    <a:sysClr val="windowText" lastClr="000000"/>
+                  </a:solidFill>
+                </a:rPr>
+                <a:t>Apprentissage par renforcement</a:t>
+              </a:r>
+            </a:p>
+            <a:p>
+              <a:pPr algn="ctr"/>
+              <a:endParaRPr lang="fr-FR" sz="1200" dirty="0">
+                <a:solidFill>
+                  <a:sysClr val="windowText" lastClr="000000"/>
+                </a:solidFill>
+              </a:endParaRPr>
+            </a:p>
+            <a:p>
+              <a:pPr algn="ctr"/>
+              <a:r>
+                <a:rPr lang="fr-FR" sz="1200" i="1" dirty="0">
+                  <a:solidFill>
+                    <a:sysClr val="windowText" lastClr="000000"/>
+                  </a:solidFill>
+                </a:rPr>
+                <a:t>L’humain connait le lien entre les données. L’algorithme va tenter d’apprendre ce lien et sera récompensé quand il progressera.</a:t>
+              </a:r>
+            </a:p>
+          </p:txBody>
+        </p:sp>
+        <p:sp>
+          <p:nvSpPr>
+            <p:cNvPr id="11" name="Rectangle : coins arrondis 10">
+              <a:extLst>
+                <a:ext uri="{FF2B5EF4-FFF2-40B4-BE49-F238E27FC236}">
+                  <a16:creationId xmlns:a16="http://schemas.microsoft.com/office/drawing/2014/main" id="{D090B649-945B-45FD-989E-1D4CDBC6B3DA}"/>
+                </a:ext>
+              </a:extLst>
+            </p:cNvPr>
+            <p:cNvSpPr/>
+            <p:nvPr/>
+          </p:nvSpPr>
+          <p:spPr>
+            <a:xfrm>
+              <a:off x="4659043" y="4907665"/>
+              <a:ext cx="2157984" cy="1664208"/>
+            </a:xfrm>
+            <a:prstGeom prst="roundRect">
+              <a:avLst>
+                <a:gd name="adj" fmla="val 5129"/>
+              </a:avLst>
+            </a:prstGeom>
+            <a:solidFill>
+              <a:schemeClr val="accent2">
+                <a:lumMod val="20000"/>
+                <a:lumOff val="80000"/>
+              </a:schemeClr>
+            </a:solidFill>
+            <a:ln w="28575">
+              <a:solidFill>
+                <a:schemeClr val="accent2">
+                  <a:lumMod val="50000"/>
+                </a:schemeClr>
+              </a:solidFill>
+            </a:ln>
+          </p:spPr>
+          <p:style>
+            <a:lnRef idx="2">
+              <a:schemeClr val="accent1">
+                <a:shade val="50000"/>
+              </a:schemeClr>
+            </a:lnRef>
+            <a:fillRef idx="1">
+              <a:schemeClr val="accent1"/>
+            </a:fillRef>
+            <a:effectRef idx="0">
+              <a:schemeClr val="accent1"/>
+            </a:effectRef>
+            <a:fontRef idx="minor">
+              <a:schemeClr val="lt1"/>
+            </a:fontRef>
+          </p:style>
+          <p:txBody>
+            <a:bodyPr rtlCol="0" anchor="t"/>
+            <a:lstStyle/>
+            <a:p>
+              <a:pPr algn="ctr"/>
+              <a:endParaRPr lang="fr-FR" sz="1200" b="1" dirty="0">
+                <a:solidFill>
+                  <a:sysClr val="windowText" lastClr="000000"/>
+                </a:solidFill>
+              </a:endParaRPr>
+            </a:p>
+            <a:p>
+              <a:pPr algn="ctr"/>
+              <a:r>
+                <a:rPr lang="fr-FR" sz="1200" b="1" dirty="0">
+                  <a:solidFill>
+                    <a:sysClr val="windowText" lastClr="000000"/>
+                  </a:solidFill>
+                </a:rPr>
+                <a:t>Apprentissage non supervisé</a:t>
+              </a:r>
+            </a:p>
+            <a:p>
+              <a:pPr algn="ctr"/>
+              <a:endParaRPr lang="fr-FR" sz="1200" dirty="0">
+                <a:solidFill>
+                  <a:sysClr val="windowText" lastClr="000000"/>
+                </a:solidFill>
+              </a:endParaRPr>
+            </a:p>
+            <a:p>
+              <a:pPr algn="ctr"/>
+              <a:endParaRPr lang="fr-FR" sz="1200" dirty="0">
+                <a:solidFill>
+                  <a:sysClr val="windowText" lastClr="000000"/>
+                </a:solidFill>
+              </a:endParaRPr>
+            </a:p>
+            <a:p>
+              <a:pPr algn="ctr"/>
+              <a:r>
+                <a:rPr lang="fr-FR" sz="1200" i="1" dirty="0">
+                  <a:solidFill>
+                    <a:sysClr val="windowText" lastClr="000000"/>
+                  </a:solidFill>
+                </a:rPr>
+                <a:t>L’humain </a:t>
+              </a:r>
+              <a:r>
+                <a:rPr lang="fr-FR" sz="1200" b="1" i="1" dirty="0">
+                  <a:solidFill>
+                    <a:sysClr val="windowText" lastClr="000000"/>
+                  </a:solidFill>
+                </a:rPr>
+                <a:t>ne</a:t>
+              </a:r>
+              <a:r>
+                <a:rPr lang="fr-FR" sz="1200" i="1" dirty="0">
+                  <a:solidFill>
+                    <a:sysClr val="windowText" lastClr="000000"/>
+                  </a:solidFill>
+                </a:rPr>
+                <a:t> connait </a:t>
+              </a:r>
+              <a:r>
+                <a:rPr lang="fr-FR" sz="1200" b="1" i="1" dirty="0">
+                  <a:solidFill>
+                    <a:sysClr val="windowText" lastClr="000000"/>
+                  </a:solidFill>
+                </a:rPr>
+                <a:t>pas</a:t>
+              </a:r>
+              <a:r>
+                <a:rPr lang="fr-FR" sz="1200" i="1" dirty="0">
+                  <a:solidFill>
+                    <a:sysClr val="windowText" lastClr="000000"/>
+                  </a:solidFill>
+                </a:rPr>
+                <a:t> le lien entre les données. L’algorithme va tenter d’en trouver un.</a:t>
+              </a:r>
+            </a:p>
+          </p:txBody>
+        </p:sp>
+        <p:sp>
+          <p:nvSpPr>
+            <p:cNvPr id="12" name="Rectangle : coins arrondis 11">
+              <a:extLst>
+                <a:ext uri="{FF2B5EF4-FFF2-40B4-BE49-F238E27FC236}">
+                  <a16:creationId xmlns:a16="http://schemas.microsoft.com/office/drawing/2014/main" id="{0B2429E5-D405-40C4-A911-EBF449894B7B}"/>
+                </a:ext>
+              </a:extLst>
+            </p:cNvPr>
+            <p:cNvSpPr/>
+            <p:nvPr/>
+          </p:nvSpPr>
+          <p:spPr>
+            <a:xfrm>
+              <a:off x="1773553" y="4907665"/>
+              <a:ext cx="2157984" cy="1664208"/>
+            </a:xfrm>
+            <a:prstGeom prst="roundRect">
+              <a:avLst>
+                <a:gd name="adj" fmla="val 5129"/>
+              </a:avLst>
+            </a:prstGeom>
+            <a:solidFill>
+              <a:schemeClr val="accent2">
+                <a:lumMod val="20000"/>
+                <a:lumOff val="80000"/>
+              </a:schemeClr>
+            </a:solidFill>
+            <a:ln w="28575">
+              <a:solidFill>
+                <a:schemeClr val="accent2">
+                  <a:lumMod val="50000"/>
+                </a:schemeClr>
+              </a:solidFill>
+            </a:ln>
+          </p:spPr>
+          <p:style>
+            <a:lnRef idx="2">
+              <a:schemeClr val="accent1">
+                <a:shade val="50000"/>
+              </a:schemeClr>
+            </a:lnRef>
+            <a:fillRef idx="1">
+              <a:schemeClr val="accent1"/>
+            </a:fillRef>
+            <a:effectRef idx="0">
+              <a:schemeClr val="accent1"/>
+            </a:effectRef>
+            <a:fontRef idx="minor">
+              <a:schemeClr val="lt1"/>
+            </a:fontRef>
+          </p:style>
+          <p:txBody>
+            <a:bodyPr rtlCol="0" anchor="t"/>
+            <a:lstStyle/>
+            <a:p>
+              <a:pPr algn="ctr"/>
+              <a:endParaRPr lang="fr-FR" sz="1200" b="1" dirty="0">
+                <a:solidFill>
+                  <a:sysClr val="windowText" lastClr="000000"/>
+                </a:solidFill>
+              </a:endParaRPr>
+            </a:p>
+            <a:p>
+              <a:pPr algn="ctr"/>
+              <a:r>
+                <a:rPr lang="fr-FR" sz="1200" b="1" dirty="0">
+                  <a:solidFill>
+                    <a:sysClr val="windowText" lastClr="000000"/>
+                  </a:solidFill>
+                </a:rPr>
+                <a:t>Apprentissage supervisé</a:t>
+              </a:r>
+            </a:p>
+            <a:p>
+              <a:pPr algn="ctr"/>
+              <a:endParaRPr lang="fr-FR" sz="1200" dirty="0">
+                <a:solidFill>
+                  <a:sysClr val="windowText" lastClr="000000"/>
+                </a:solidFill>
+              </a:endParaRPr>
+            </a:p>
+            <a:p>
+              <a:pPr algn="ctr"/>
+              <a:endParaRPr lang="fr-FR" sz="1200" dirty="0">
+                <a:solidFill>
+                  <a:sysClr val="windowText" lastClr="000000"/>
+                </a:solidFill>
+              </a:endParaRPr>
+            </a:p>
+            <a:p>
+              <a:pPr algn="ctr"/>
+              <a:r>
+                <a:rPr lang="fr-FR" sz="1200" i="1" dirty="0">
+                  <a:solidFill>
+                    <a:sysClr val="windowText" lastClr="000000"/>
+                  </a:solidFill>
+                </a:rPr>
+                <a:t>L’humain connait le lien entre les données. L’algorithme va tenter d’apprendre ce lien.</a:t>
+              </a:r>
+            </a:p>
+          </p:txBody>
+        </p:sp>
+      </p:grpSp>
+    </p:spTree>
+    <p:extLst>
+      <p:ext uri="{BB962C8B-B14F-4D97-AF65-F5344CB8AC3E}">
+        <p14:creationId xmlns:p14="http://schemas.microsoft.com/office/powerpoint/2010/main" val="737262533"/>
       </p:ext>
     </p:extLst>
   </p:cSld>
@@ -4252,6 +5135,1532 @@
 </file>
 
 <file path=ppt/slides/slide3.xml><?xml version="1.0" encoding="utf-8"?>
+<p:sld xmlns:a="http://schemas.openxmlformats.org/drawingml/2006/main" xmlns:r="http://schemas.openxmlformats.org/officeDocument/2006/relationships" xmlns:p="http://schemas.openxmlformats.org/presentationml/2006/main">
+  <p:cSld>
+    <p:spTree>
+      <p:nvGrpSpPr>
+        <p:cNvPr id="1" name=""/>
+        <p:cNvGrpSpPr/>
+        <p:nvPr/>
+      </p:nvGrpSpPr>
+      <p:grpSpPr>
+        <a:xfrm>
+          <a:off x="0" y="0"/>
+          <a:ext cx="0" cy="0"/>
+          <a:chOff x="0" y="0"/>
+          <a:chExt cx="0" cy="0"/>
+        </a:xfrm>
+      </p:grpSpPr>
+      <p:sp>
+        <p:nvSpPr>
+          <p:cNvPr id="6" name="Rectangle 5">
+            <a:extLst>
+              <a:ext uri="{FF2B5EF4-FFF2-40B4-BE49-F238E27FC236}">
+                <a16:creationId xmlns:a16="http://schemas.microsoft.com/office/drawing/2014/main" id="{2BBC1617-C813-4602-8ABC-1F55D8512D5F}"/>
+              </a:ext>
+            </a:extLst>
+          </p:cNvPr>
+          <p:cNvSpPr/>
+          <p:nvPr/>
+        </p:nvSpPr>
+        <p:spPr>
+          <a:xfrm>
+            <a:off x="1041990" y="1275907"/>
+            <a:ext cx="1456661" cy="2753833"/>
+          </a:xfrm>
+          <a:prstGeom prst="rect">
+            <a:avLst/>
+          </a:prstGeom>
+          <a:solidFill>
+            <a:schemeClr val="accent6">
+              <a:lumMod val="20000"/>
+              <a:lumOff val="80000"/>
+            </a:schemeClr>
+          </a:solidFill>
+          <a:ln w="19050">
+            <a:solidFill>
+              <a:schemeClr val="accent6">
+                <a:lumMod val="50000"/>
+              </a:schemeClr>
+            </a:solidFill>
+          </a:ln>
+        </p:spPr>
+        <p:style>
+          <a:lnRef idx="2">
+            <a:schemeClr val="accent1">
+              <a:shade val="50000"/>
+            </a:schemeClr>
+          </a:lnRef>
+          <a:fillRef idx="1">
+            <a:schemeClr val="accent1"/>
+          </a:fillRef>
+          <a:effectRef idx="0">
+            <a:schemeClr val="accent1"/>
+          </a:effectRef>
+          <a:fontRef idx="minor">
+            <a:schemeClr val="lt1"/>
+          </a:fontRef>
+        </p:style>
+        <p:txBody>
+          <a:bodyPr rtlCol="0" anchor="t"/>
+          <a:lstStyle/>
+          <a:p>
+            <a:pPr algn="ctr"/>
+            <a:r>
+              <a:rPr lang="fr-FR" b="1" dirty="0">
+                <a:solidFill>
+                  <a:sysClr val="windowText" lastClr="000000"/>
+                </a:solidFill>
+              </a:rPr>
+              <a:t>Données</a:t>
+            </a:r>
+          </a:p>
+        </p:txBody>
+      </p:sp>
+      <p:sp>
+        <p:nvSpPr>
+          <p:cNvPr id="7" name="Rectangle 6">
+            <a:extLst>
+              <a:ext uri="{FF2B5EF4-FFF2-40B4-BE49-F238E27FC236}">
+                <a16:creationId xmlns:a16="http://schemas.microsoft.com/office/drawing/2014/main" id="{3F0F66DC-6284-4570-AA38-6B1EE1E61054}"/>
+              </a:ext>
+            </a:extLst>
+          </p:cNvPr>
+          <p:cNvSpPr/>
+          <p:nvPr/>
+        </p:nvSpPr>
+        <p:spPr>
+          <a:xfrm>
+            <a:off x="3937589" y="1273249"/>
+            <a:ext cx="1456661" cy="2753833"/>
+          </a:xfrm>
+          <a:prstGeom prst="rect">
+            <a:avLst/>
+          </a:prstGeom>
+          <a:solidFill>
+            <a:schemeClr val="accent2">
+              <a:lumMod val="20000"/>
+              <a:lumOff val="80000"/>
+            </a:schemeClr>
+          </a:solidFill>
+          <a:ln w="19050">
+            <a:solidFill>
+              <a:schemeClr val="accent2">
+                <a:lumMod val="50000"/>
+              </a:schemeClr>
+            </a:solidFill>
+          </a:ln>
+        </p:spPr>
+        <p:style>
+          <a:lnRef idx="2">
+            <a:schemeClr val="accent1">
+              <a:shade val="50000"/>
+            </a:schemeClr>
+          </a:lnRef>
+          <a:fillRef idx="1">
+            <a:schemeClr val="accent1"/>
+          </a:fillRef>
+          <a:effectRef idx="0">
+            <a:schemeClr val="accent1"/>
+          </a:effectRef>
+          <a:fontRef idx="minor">
+            <a:schemeClr val="lt1"/>
+          </a:fontRef>
+        </p:style>
+        <p:txBody>
+          <a:bodyPr rtlCol="0" anchor="t"/>
+          <a:lstStyle/>
+          <a:p>
+            <a:pPr algn="ctr"/>
+            <a:r>
+              <a:rPr lang="fr-FR" b="1" dirty="0">
+                <a:solidFill>
+                  <a:sysClr val="windowText" lastClr="000000"/>
+                </a:solidFill>
+              </a:rPr>
+              <a:t>Modèle</a:t>
+            </a:r>
+          </a:p>
+        </p:txBody>
+      </p:sp>
+      <p:sp>
+        <p:nvSpPr>
+          <p:cNvPr id="8" name="Rectangle 7">
+            <a:extLst>
+              <a:ext uri="{FF2B5EF4-FFF2-40B4-BE49-F238E27FC236}">
+                <a16:creationId xmlns:a16="http://schemas.microsoft.com/office/drawing/2014/main" id="{E26924C5-46D6-4BEC-A919-810F5E75F12A}"/>
+              </a:ext>
+            </a:extLst>
+          </p:cNvPr>
+          <p:cNvSpPr/>
+          <p:nvPr/>
+        </p:nvSpPr>
+        <p:spPr>
+          <a:xfrm>
+            <a:off x="6797751" y="1273250"/>
+            <a:ext cx="1456661" cy="2753832"/>
+          </a:xfrm>
+          <a:prstGeom prst="rect">
+            <a:avLst/>
+          </a:prstGeom>
+          <a:solidFill>
+            <a:schemeClr val="accent5">
+              <a:lumMod val="20000"/>
+              <a:lumOff val="80000"/>
+            </a:schemeClr>
+          </a:solidFill>
+          <a:ln w="19050">
+            <a:solidFill>
+              <a:schemeClr val="accent1">
+                <a:lumMod val="50000"/>
+              </a:schemeClr>
+            </a:solidFill>
+          </a:ln>
+        </p:spPr>
+        <p:style>
+          <a:lnRef idx="2">
+            <a:schemeClr val="accent1">
+              <a:shade val="50000"/>
+            </a:schemeClr>
+          </a:lnRef>
+          <a:fillRef idx="1">
+            <a:schemeClr val="accent1"/>
+          </a:fillRef>
+          <a:effectRef idx="0">
+            <a:schemeClr val="accent1"/>
+          </a:effectRef>
+          <a:fontRef idx="minor">
+            <a:schemeClr val="lt1"/>
+          </a:fontRef>
+        </p:style>
+        <p:txBody>
+          <a:bodyPr rtlCol="0" anchor="t"/>
+          <a:lstStyle/>
+          <a:p>
+            <a:pPr algn="ctr"/>
+            <a:r>
+              <a:rPr lang="fr-FR" b="1" dirty="0">
+                <a:solidFill>
+                  <a:schemeClr val="tx1"/>
+                </a:solidFill>
+              </a:rPr>
+              <a:t>Résultats</a:t>
+            </a:r>
+          </a:p>
+        </p:txBody>
+      </p:sp>
+      <p:sp>
+        <p:nvSpPr>
+          <p:cNvPr id="9" name="Rectangle 8">
+            <a:extLst>
+              <a:ext uri="{FF2B5EF4-FFF2-40B4-BE49-F238E27FC236}">
+                <a16:creationId xmlns:a16="http://schemas.microsoft.com/office/drawing/2014/main" id="{72336FB6-EDC7-4BFD-AAB0-2A41C525E37D}"/>
+              </a:ext>
+            </a:extLst>
+          </p:cNvPr>
+          <p:cNvSpPr/>
+          <p:nvPr/>
+        </p:nvSpPr>
+        <p:spPr>
+          <a:xfrm>
+            <a:off x="1192617" y="1831164"/>
+            <a:ext cx="1155405" cy="882797"/>
+          </a:xfrm>
+          <a:prstGeom prst="rect">
+            <a:avLst/>
+          </a:prstGeom>
+          <a:solidFill>
+            <a:schemeClr val="accent6">
+              <a:lumMod val="20000"/>
+              <a:lumOff val="80000"/>
+            </a:schemeClr>
+          </a:solidFill>
+          <a:ln w="19050">
+            <a:solidFill>
+              <a:schemeClr val="accent6">
+                <a:lumMod val="50000"/>
+              </a:schemeClr>
+            </a:solidFill>
+          </a:ln>
+        </p:spPr>
+        <p:style>
+          <a:lnRef idx="2">
+            <a:schemeClr val="accent1">
+              <a:shade val="50000"/>
+            </a:schemeClr>
+          </a:lnRef>
+          <a:fillRef idx="1">
+            <a:schemeClr val="accent1"/>
+          </a:fillRef>
+          <a:effectRef idx="0">
+            <a:schemeClr val="accent1"/>
+          </a:effectRef>
+          <a:fontRef idx="minor">
+            <a:schemeClr val="lt1"/>
+          </a:fontRef>
+        </p:style>
+        <p:txBody>
+          <a:bodyPr lIns="0" tIns="0" rIns="0" bIns="0" rtlCol="0" anchor="ctr"/>
+          <a:lstStyle/>
+          <a:p>
+            <a:pPr algn="ctr"/>
+            <a:r>
+              <a:rPr lang="fr-FR" sz="1400" b="1" dirty="0">
+                <a:solidFill>
+                  <a:sysClr val="windowText" lastClr="000000"/>
+                </a:solidFill>
+              </a:rPr>
+              <a:t>Données d’observations</a:t>
+            </a:r>
+          </a:p>
+        </p:txBody>
+      </p:sp>
+      <p:sp>
+        <p:nvSpPr>
+          <p:cNvPr id="11" name="Rectangle 10">
+            <a:extLst>
+              <a:ext uri="{FF2B5EF4-FFF2-40B4-BE49-F238E27FC236}">
+                <a16:creationId xmlns:a16="http://schemas.microsoft.com/office/drawing/2014/main" id="{B7905899-A738-4364-AE75-E671545E3C95}"/>
+              </a:ext>
+            </a:extLst>
+          </p:cNvPr>
+          <p:cNvSpPr/>
+          <p:nvPr/>
+        </p:nvSpPr>
+        <p:spPr>
+          <a:xfrm>
+            <a:off x="6896103" y="1972047"/>
+            <a:ext cx="1259956" cy="594388"/>
+          </a:xfrm>
+          <a:prstGeom prst="rect">
+            <a:avLst/>
+          </a:prstGeom>
+          <a:solidFill>
+            <a:schemeClr val="accent5">
+              <a:lumMod val="20000"/>
+              <a:lumOff val="80000"/>
+            </a:schemeClr>
+          </a:solidFill>
+          <a:ln w="19050">
+            <a:solidFill>
+              <a:schemeClr val="accent1">
+                <a:lumMod val="50000"/>
+              </a:schemeClr>
+            </a:solidFill>
+          </a:ln>
+        </p:spPr>
+        <p:style>
+          <a:lnRef idx="2">
+            <a:schemeClr val="accent1">
+              <a:shade val="50000"/>
+            </a:schemeClr>
+          </a:lnRef>
+          <a:fillRef idx="1">
+            <a:schemeClr val="accent1"/>
+          </a:fillRef>
+          <a:effectRef idx="0">
+            <a:schemeClr val="accent1"/>
+          </a:effectRef>
+          <a:fontRef idx="minor">
+            <a:schemeClr val="lt1"/>
+          </a:fontRef>
+        </p:style>
+        <p:txBody>
+          <a:bodyPr rtlCol="0" anchor="ctr"/>
+          <a:lstStyle/>
+          <a:p>
+            <a:pPr algn="ctr"/>
+            <a:r>
+              <a:rPr lang="fr-FR" b="1" dirty="0">
+                <a:solidFill>
+                  <a:schemeClr val="tx1"/>
+                </a:solidFill>
+              </a:rPr>
+              <a:t>Résultat</a:t>
+            </a:r>
+          </a:p>
+        </p:txBody>
+      </p:sp>
+      <p:cxnSp>
+        <p:nvCxnSpPr>
+          <p:cNvPr id="12" name="Connecteur droit avec flèche 11">
+            <a:extLst>
+              <a:ext uri="{FF2B5EF4-FFF2-40B4-BE49-F238E27FC236}">
+                <a16:creationId xmlns:a16="http://schemas.microsoft.com/office/drawing/2014/main" id="{3B5BF938-0B25-42A7-B3AC-EF535EB04844}"/>
+              </a:ext>
+            </a:extLst>
+          </p:cNvPr>
+          <p:cNvCxnSpPr>
+            <a:cxnSpLocks/>
+            <a:stCxn id="9" idx="3"/>
+          </p:cNvCxnSpPr>
+          <p:nvPr/>
+        </p:nvCxnSpPr>
+        <p:spPr>
+          <a:xfrm>
+            <a:off x="2348022" y="2272563"/>
+            <a:ext cx="1589567" cy="0"/>
+          </a:xfrm>
+          <a:prstGeom prst="straightConnector1">
+            <a:avLst/>
+          </a:prstGeom>
+          <a:ln w="28575">
+            <a:solidFill>
+              <a:srgbClr val="C00000"/>
+            </a:solidFill>
+            <a:tailEnd type="stealth" w="med" len="lg"/>
+          </a:ln>
+        </p:spPr>
+        <p:style>
+          <a:lnRef idx="1">
+            <a:schemeClr val="accent1"/>
+          </a:lnRef>
+          <a:fillRef idx="0">
+            <a:schemeClr val="accent1"/>
+          </a:fillRef>
+          <a:effectRef idx="0">
+            <a:schemeClr val="accent1"/>
+          </a:effectRef>
+          <a:fontRef idx="minor">
+            <a:schemeClr val="tx1"/>
+          </a:fontRef>
+        </p:style>
+      </p:cxnSp>
+      <p:cxnSp>
+        <p:nvCxnSpPr>
+          <p:cNvPr id="16" name="Connecteur droit avec flèche 15">
+            <a:extLst>
+              <a:ext uri="{FF2B5EF4-FFF2-40B4-BE49-F238E27FC236}">
+                <a16:creationId xmlns:a16="http://schemas.microsoft.com/office/drawing/2014/main" id="{10574D35-DA42-43CA-B2CE-03A35EF92EA5}"/>
+              </a:ext>
+            </a:extLst>
+          </p:cNvPr>
+          <p:cNvCxnSpPr>
+            <a:cxnSpLocks/>
+            <a:endCxn id="11" idx="1"/>
+          </p:cNvCxnSpPr>
+          <p:nvPr/>
+        </p:nvCxnSpPr>
+        <p:spPr>
+          <a:xfrm>
+            <a:off x="5382729" y="2269241"/>
+            <a:ext cx="1513374" cy="0"/>
+          </a:xfrm>
+          <a:prstGeom prst="straightConnector1">
+            <a:avLst/>
+          </a:prstGeom>
+          <a:ln w="28575">
+            <a:solidFill>
+              <a:srgbClr val="C00000"/>
+            </a:solidFill>
+            <a:tailEnd type="stealth" w="med" len="lg"/>
+          </a:ln>
+        </p:spPr>
+        <p:style>
+          <a:lnRef idx="1">
+            <a:schemeClr val="accent1"/>
+          </a:lnRef>
+          <a:fillRef idx="0">
+            <a:schemeClr val="accent1"/>
+          </a:fillRef>
+          <a:effectRef idx="0">
+            <a:schemeClr val="accent1"/>
+          </a:effectRef>
+          <a:fontRef idx="minor">
+            <a:schemeClr val="tx1"/>
+          </a:fontRef>
+        </p:style>
+      </p:cxnSp>
+      <p:sp>
+        <p:nvSpPr>
+          <p:cNvPr id="24" name="Rectangle 23">
+            <a:extLst>
+              <a:ext uri="{FF2B5EF4-FFF2-40B4-BE49-F238E27FC236}">
+                <a16:creationId xmlns:a16="http://schemas.microsoft.com/office/drawing/2014/main" id="{136A775F-8D2A-4A9E-9F6E-365EB89D03FC}"/>
+              </a:ext>
+            </a:extLst>
+          </p:cNvPr>
+          <p:cNvSpPr/>
+          <p:nvPr/>
+        </p:nvSpPr>
+        <p:spPr>
+          <a:xfrm>
+            <a:off x="4003157" y="1972047"/>
+            <a:ext cx="1325525" cy="601032"/>
+          </a:xfrm>
+          <a:prstGeom prst="rect">
+            <a:avLst/>
+          </a:prstGeom>
+          <a:solidFill>
+            <a:schemeClr val="accent2">
+              <a:lumMod val="20000"/>
+              <a:lumOff val="80000"/>
+            </a:schemeClr>
+          </a:solidFill>
+          <a:ln w="28575">
+            <a:noFill/>
+          </a:ln>
+        </p:spPr>
+        <p:style>
+          <a:lnRef idx="2">
+            <a:schemeClr val="accent1">
+              <a:shade val="50000"/>
+            </a:schemeClr>
+          </a:lnRef>
+          <a:fillRef idx="1">
+            <a:schemeClr val="accent1"/>
+          </a:fillRef>
+          <a:effectRef idx="0">
+            <a:schemeClr val="accent1"/>
+          </a:effectRef>
+          <a:fontRef idx="minor">
+            <a:schemeClr val="lt1"/>
+          </a:fontRef>
+        </p:style>
+        <p:txBody>
+          <a:bodyPr rtlCol="0" anchor="ctr"/>
+          <a:lstStyle/>
+          <a:p>
+            <a:pPr algn="ctr"/>
+            <a:r>
+              <a:rPr lang="fr-FR" sz="1400" b="1" dirty="0">
+                <a:solidFill>
+                  <a:sysClr val="windowText" lastClr="000000"/>
+                </a:solidFill>
+              </a:rPr>
+              <a:t>Apprentissage</a:t>
+            </a:r>
+          </a:p>
+        </p:txBody>
+      </p:sp>
+      <p:pic>
+        <p:nvPicPr>
+          <p:cNvPr id="38" name="Image 37">
+            <a:extLst>
+              <a:ext uri="{FF2B5EF4-FFF2-40B4-BE49-F238E27FC236}">
+                <a16:creationId xmlns:a16="http://schemas.microsoft.com/office/drawing/2014/main" id="{3DC04CE0-500D-4027-BE8F-3E6110B89E48}"/>
+              </a:ext>
+            </a:extLst>
+          </p:cNvPr>
+          <p:cNvPicPr>
+            <a:picLocks noChangeAspect="1"/>
+          </p:cNvPicPr>
+          <p:nvPr/>
+        </p:nvPicPr>
+        <p:blipFill>
+          <a:blip r:embed="rId2"/>
+          <a:stretch>
+            <a:fillRect/>
+          </a:stretch>
+        </p:blipFill>
+        <p:spPr>
+          <a:xfrm>
+            <a:off x="4265982" y="2423338"/>
+            <a:ext cx="764437" cy="677826"/>
+          </a:xfrm>
+          <a:prstGeom prst="rect">
+            <a:avLst/>
+          </a:prstGeom>
+        </p:spPr>
+      </p:pic>
+      <p:sp>
+        <p:nvSpPr>
+          <p:cNvPr id="39" name="Rectangle 38">
+            <a:extLst>
+              <a:ext uri="{FF2B5EF4-FFF2-40B4-BE49-F238E27FC236}">
+                <a16:creationId xmlns:a16="http://schemas.microsoft.com/office/drawing/2014/main" id="{9CA0EF30-C41D-440D-9CFC-543951FD8C6D}"/>
+              </a:ext>
+            </a:extLst>
+          </p:cNvPr>
+          <p:cNvSpPr/>
+          <p:nvPr/>
+        </p:nvSpPr>
+        <p:spPr>
+          <a:xfrm>
+            <a:off x="1192617" y="2994247"/>
+            <a:ext cx="1155405" cy="812359"/>
+          </a:xfrm>
+          <a:prstGeom prst="rect">
+            <a:avLst/>
+          </a:prstGeom>
+          <a:solidFill>
+            <a:schemeClr val="accent6">
+              <a:lumMod val="20000"/>
+              <a:lumOff val="80000"/>
+            </a:schemeClr>
+          </a:solidFill>
+          <a:ln w="19050">
+            <a:solidFill>
+              <a:schemeClr val="accent6">
+                <a:lumMod val="50000"/>
+              </a:schemeClr>
+            </a:solidFill>
+          </a:ln>
+        </p:spPr>
+        <p:style>
+          <a:lnRef idx="2">
+            <a:schemeClr val="accent1">
+              <a:shade val="50000"/>
+            </a:schemeClr>
+          </a:lnRef>
+          <a:fillRef idx="1">
+            <a:schemeClr val="accent1"/>
+          </a:fillRef>
+          <a:effectRef idx="0">
+            <a:schemeClr val="accent1"/>
+          </a:effectRef>
+          <a:fontRef idx="minor">
+            <a:schemeClr val="lt1"/>
+          </a:fontRef>
+        </p:style>
+        <p:txBody>
+          <a:bodyPr lIns="0" tIns="0" rIns="0" bIns="0" rtlCol="0" anchor="ctr"/>
+          <a:lstStyle/>
+          <a:p>
+            <a:pPr algn="ctr"/>
+            <a:r>
+              <a:rPr lang="fr-FR" sz="1400" b="1" dirty="0">
+                <a:solidFill>
+                  <a:sysClr val="windowText" lastClr="000000"/>
+                </a:solidFill>
+              </a:rPr>
+              <a:t>Données de production</a:t>
+            </a:r>
+          </a:p>
+        </p:txBody>
+      </p:sp>
+      <p:cxnSp>
+        <p:nvCxnSpPr>
+          <p:cNvPr id="40" name="Connecteur droit avec flèche 39">
+            <a:extLst>
+              <a:ext uri="{FF2B5EF4-FFF2-40B4-BE49-F238E27FC236}">
+                <a16:creationId xmlns:a16="http://schemas.microsoft.com/office/drawing/2014/main" id="{43FC7D12-D0F1-4B98-8520-E04A920B0825}"/>
+              </a:ext>
+            </a:extLst>
+          </p:cNvPr>
+          <p:cNvCxnSpPr>
+            <a:cxnSpLocks/>
+          </p:cNvCxnSpPr>
+          <p:nvPr/>
+        </p:nvCxnSpPr>
+        <p:spPr>
+          <a:xfrm>
+            <a:off x="2348021" y="3398358"/>
+            <a:ext cx="1589568" cy="0"/>
+          </a:xfrm>
+          <a:prstGeom prst="straightConnector1">
+            <a:avLst/>
+          </a:prstGeom>
+          <a:ln w="28575">
+            <a:solidFill>
+              <a:srgbClr val="C00000"/>
+            </a:solidFill>
+            <a:tailEnd type="stealth" w="med" len="lg"/>
+          </a:ln>
+        </p:spPr>
+        <p:style>
+          <a:lnRef idx="1">
+            <a:schemeClr val="accent1"/>
+          </a:lnRef>
+          <a:fillRef idx="0">
+            <a:schemeClr val="accent1"/>
+          </a:fillRef>
+          <a:effectRef idx="0">
+            <a:schemeClr val="accent1"/>
+          </a:effectRef>
+          <a:fontRef idx="minor">
+            <a:schemeClr val="tx1"/>
+          </a:fontRef>
+        </p:style>
+      </p:cxnSp>
+      <p:cxnSp>
+        <p:nvCxnSpPr>
+          <p:cNvPr id="42" name="Connecteur droit avec flèche 41">
+            <a:extLst>
+              <a:ext uri="{FF2B5EF4-FFF2-40B4-BE49-F238E27FC236}">
+                <a16:creationId xmlns:a16="http://schemas.microsoft.com/office/drawing/2014/main" id="{83FCCE5A-70C5-48B4-A017-8ED0591CB6E3}"/>
+              </a:ext>
+            </a:extLst>
+          </p:cNvPr>
+          <p:cNvCxnSpPr>
+            <a:cxnSpLocks/>
+            <a:endCxn id="43" idx="1"/>
+          </p:cNvCxnSpPr>
+          <p:nvPr/>
+        </p:nvCxnSpPr>
+        <p:spPr>
+          <a:xfrm>
+            <a:off x="5394250" y="3398358"/>
+            <a:ext cx="1501853" cy="0"/>
+          </a:xfrm>
+          <a:prstGeom prst="straightConnector1">
+            <a:avLst/>
+          </a:prstGeom>
+          <a:ln w="28575">
+            <a:solidFill>
+              <a:srgbClr val="C00000"/>
+            </a:solidFill>
+            <a:tailEnd type="stealth" w="med" len="lg"/>
+          </a:ln>
+        </p:spPr>
+        <p:style>
+          <a:lnRef idx="1">
+            <a:schemeClr val="accent1"/>
+          </a:lnRef>
+          <a:fillRef idx="0">
+            <a:schemeClr val="accent1"/>
+          </a:fillRef>
+          <a:effectRef idx="0">
+            <a:schemeClr val="accent1"/>
+          </a:effectRef>
+          <a:fontRef idx="minor">
+            <a:schemeClr val="tx1"/>
+          </a:fontRef>
+        </p:style>
+      </p:cxnSp>
+      <p:sp>
+        <p:nvSpPr>
+          <p:cNvPr id="43" name="Rectangle 42">
+            <a:extLst>
+              <a:ext uri="{FF2B5EF4-FFF2-40B4-BE49-F238E27FC236}">
+                <a16:creationId xmlns:a16="http://schemas.microsoft.com/office/drawing/2014/main" id="{3F6904FF-6993-4A6A-9121-141337BF94FB}"/>
+              </a:ext>
+            </a:extLst>
+          </p:cNvPr>
+          <p:cNvSpPr/>
+          <p:nvPr/>
+        </p:nvSpPr>
+        <p:spPr>
+          <a:xfrm>
+            <a:off x="6896103" y="3101164"/>
+            <a:ext cx="1259956" cy="594388"/>
+          </a:xfrm>
+          <a:prstGeom prst="rect">
+            <a:avLst/>
+          </a:prstGeom>
+          <a:solidFill>
+            <a:schemeClr val="accent5">
+              <a:lumMod val="20000"/>
+              <a:lumOff val="80000"/>
+            </a:schemeClr>
+          </a:solidFill>
+          <a:ln w="19050">
+            <a:solidFill>
+              <a:schemeClr val="accent1">
+                <a:lumMod val="50000"/>
+              </a:schemeClr>
+            </a:solidFill>
+          </a:ln>
+        </p:spPr>
+        <p:style>
+          <a:lnRef idx="2">
+            <a:schemeClr val="accent1">
+              <a:shade val="50000"/>
+            </a:schemeClr>
+          </a:lnRef>
+          <a:fillRef idx="1">
+            <a:schemeClr val="accent1"/>
+          </a:fillRef>
+          <a:effectRef idx="0">
+            <a:schemeClr val="accent1"/>
+          </a:effectRef>
+          <a:fontRef idx="minor">
+            <a:schemeClr val="lt1"/>
+          </a:fontRef>
+        </p:style>
+        <p:txBody>
+          <a:bodyPr rtlCol="0" anchor="ctr"/>
+          <a:lstStyle/>
+          <a:p>
+            <a:pPr algn="ctr"/>
+            <a:r>
+              <a:rPr lang="fr-FR" b="1" dirty="0">
+                <a:solidFill>
+                  <a:schemeClr val="tx1"/>
+                </a:solidFill>
+              </a:rPr>
+              <a:t>Résultat</a:t>
+            </a:r>
+          </a:p>
+        </p:txBody>
+      </p:sp>
+    </p:spTree>
+    <p:extLst>
+      <p:ext uri="{BB962C8B-B14F-4D97-AF65-F5344CB8AC3E}">
+        <p14:creationId xmlns:p14="http://schemas.microsoft.com/office/powerpoint/2010/main" val="2982506971"/>
+      </p:ext>
+    </p:extLst>
+  </p:cSld>
+  <p:clrMapOvr>
+    <a:masterClrMapping/>
+  </p:clrMapOvr>
+</p:sld>
+</file>
+
+<file path=ppt/slides/slide4.xml><?xml version="1.0" encoding="utf-8"?>
+<p:sld xmlns:a="http://schemas.openxmlformats.org/drawingml/2006/main" xmlns:r="http://schemas.openxmlformats.org/officeDocument/2006/relationships" xmlns:p="http://schemas.openxmlformats.org/presentationml/2006/main">
+  <p:cSld>
+    <p:spTree>
+      <p:nvGrpSpPr>
+        <p:cNvPr id="1" name=""/>
+        <p:cNvGrpSpPr/>
+        <p:nvPr/>
+      </p:nvGrpSpPr>
+      <p:grpSpPr>
+        <a:xfrm>
+          <a:off x="0" y="0"/>
+          <a:ext cx="0" cy="0"/>
+          <a:chOff x="0" y="0"/>
+          <a:chExt cx="0" cy="0"/>
+        </a:xfrm>
+      </p:grpSpPr>
+      <p:sp>
+        <p:nvSpPr>
+          <p:cNvPr id="6" name="Rectangle 5">
+            <a:extLst>
+              <a:ext uri="{FF2B5EF4-FFF2-40B4-BE49-F238E27FC236}">
+                <a16:creationId xmlns:a16="http://schemas.microsoft.com/office/drawing/2014/main" id="{2BBC1617-C813-4602-8ABC-1F55D8512D5F}"/>
+              </a:ext>
+            </a:extLst>
+          </p:cNvPr>
+          <p:cNvSpPr/>
+          <p:nvPr/>
+        </p:nvSpPr>
+        <p:spPr>
+          <a:xfrm>
+            <a:off x="1041990" y="1275907"/>
+            <a:ext cx="1456661" cy="2753833"/>
+          </a:xfrm>
+          <a:prstGeom prst="rect">
+            <a:avLst/>
+          </a:prstGeom>
+          <a:solidFill>
+            <a:schemeClr val="accent6">
+              <a:lumMod val="20000"/>
+              <a:lumOff val="80000"/>
+            </a:schemeClr>
+          </a:solidFill>
+          <a:ln w="19050">
+            <a:solidFill>
+              <a:schemeClr val="accent6">
+                <a:lumMod val="50000"/>
+              </a:schemeClr>
+            </a:solidFill>
+          </a:ln>
+        </p:spPr>
+        <p:style>
+          <a:lnRef idx="2">
+            <a:schemeClr val="accent1">
+              <a:shade val="50000"/>
+            </a:schemeClr>
+          </a:lnRef>
+          <a:fillRef idx="1">
+            <a:schemeClr val="accent1"/>
+          </a:fillRef>
+          <a:effectRef idx="0">
+            <a:schemeClr val="accent1"/>
+          </a:effectRef>
+          <a:fontRef idx="minor">
+            <a:schemeClr val="lt1"/>
+          </a:fontRef>
+        </p:style>
+        <p:txBody>
+          <a:bodyPr rtlCol="0" anchor="t"/>
+          <a:lstStyle/>
+          <a:p>
+            <a:pPr algn="ctr"/>
+            <a:r>
+              <a:rPr lang="fr-FR" b="1" dirty="0">
+                <a:solidFill>
+                  <a:sysClr val="windowText" lastClr="000000"/>
+                </a:solidFill>
+              </a:rPr>
+              <a:t>Données</a:t>
+            </a:r>
+          </a:p>
+        </p:txBody>
+      </p:sp>
+      <p:sp>
+        <p:nvSpPr>
+          <p:cNvPr id="7" name="Rectangle 6">
+            <a:extLst>
+              <a:ext uri="{FF2B5EF4-FFF2-40B4-BE49-F238E27FC236}">
+                <a16:creationId xmlns:a16="http://schemas.microsoft.com/office/drawing/2014/main" id="{3F0F66DC-6284-4570-AA38-6B1EE1E61054}"/>
+              </a:ext>
+            </a:extLst>
+          </p:cNvPr>
+          <p:cNvSpPr/>
+          <p:nvPr/>
+        </p:nvSpPr>
+        <p:spPr>
+          <a:xfrm>
+            <a:off x="3937589" y="1273249"/>
+            <a:ext cx="1456661" cy="2753833"/>
+          </a:xfrm>
+          <a:prstGeom prst="rect">
+            <a:avLst/>
+          </a:prstGeom>
+          <a:solidFill>
+            <a:schemeClr val="accent2">
+              <a:lumMod val="20000"/>
+              <a:lumOff val="80000"/>
+            </a:schemeClr>
+          </a:solidFill>
+          <a:ln w="19050">
+            <a:solidFill>
+              <a:schemeClr val="accent2">
+                <a:lumMod val="50000"/>
+              </a:schemeClr>
+            </a:solidFill>
+          </a:ln>
+        </p:spPr>
+        <p:style>
+          <a:lnRef idx="2">
+            <a:schemeClr val="accent1">
+              <a:shade val="50000"/>
+            </a:schemeClr>
+          </a:lnRef>
+          <a:fillRef idx="1">
+            <a:schemeClr val="accent1"/>
+          </a:fillRef>
+          <a:effectRef idx="0">
+            <a:schemeClr val="accent1"/>
+          </a:effectRef>
+          <a:fontRef idx="minor">
+            <a:schemeClr val="lt1"/>
+          </a:fontRef>
+        </p:style>
+        <p:txBody>
+          <a:bodyPr rtlCol="0" anchor="t"/>
+          <a:lstStyle/>
+          <a:p>
+            <a:pPr algn="ctr"/>
+            <a:r>
+              <a:rPr lang="fr-FR" b="1" dirty="0">
+                <a:solidFill>
+                  <a:sysClr val="windowText" lastClr="000000"/>
+                </a:solidFill>
+              </a:rPr>
+              <a:t>Modèle</a:t>
+            </a:r>
+          </a:p>
+        </p:txBody>
+      </p:sp>
+      <p:sp>
+        <p:nvSpPr>
+          <p:cNvPr id="8" name="Rectangle 7">
+            <a:extLst>
+              <a:ext uri="{FF2B5EF4-FFF2-40B4-BE49-F238E27FC236}">
+                <a16:creationId xmlns:a16="http://schemas.microsoft.com/office/drawing/2014/main" id="{E26924C5-46D6-4BEC-A919-810F5E75F12A}"/>
+              </a:ext>
+            </a:extLst>
+          </p:cNvPr>
+          <p:cNvSpPr/>
+          <p:nvPr/>
+        </p:nvSpPr>
+        <p:spPr>
+          <a:xfrm>
+            <a:off x="6797751" y="1273250"/>
+            <a:ext cx="1456661" cy="2753832"/>
+          </a:xfrm>
+          <a:prstGeom prst="rect">
+            <a:avLst/>
+          </a:prstGeom>
+          <a:solidFill>
+            <a:schemeClr val="accent5">
+              <a:lumMod val="20000"/>
+              <a:lumOff val="80000"/>
+            </a:schemeClr>
+          </a:solidFill>
+          <a:ln w="19050">
+            <a:solidFill>
+              <a:schemeClr val="accent1">
+                <a:lumMod val="50000"/>
+              </a:schemeClr>
+            </a:solidFill>
+          </a:ln>
+        </p:spPr>
+        <p:style>
+          <a:lnRef idx="2">
+            <a:schemeClr val="accent1">
+              <a:shade val="50000"/>
+            </a:schemeClr>
+          </a:lnRef>
+          <a:fillRef idx="1">
+            <a:schemeClr val="accent1"/>
+          </a:fillRef>
+          <a:effectRef idx="0">
+            <a:schemeClr val="accent1"/>
+          </a:effectRef>
+          <a:fontRef idx="minor">
+            <a:schemeClr val="lt1"/>
+          </a:fontRef>
+        </p:style>
+        <p:txBody>
+          <a:bodyPr rtlCol="0" anchor="t"/>
+          <a:lstStyle/>
+          <a:p>
+            <a:pPr algn="ctr"/>
+            <a:r>
+              <a:rPr lang="fr-FR" b="1" dirty="0">
+                <a:solidFill>
+                  <a:schemeClr val="tx1"/>
+                </a:solidFill>
+              </a:rPr>
+              <a:t>Résultats</a:t>
+            </a:r>
+          </a:p>
+        </p:txBody>
+      </p:sp>
+      <p:sp>
+        <p:nvSpPr>
+          <p:cNvPr id="9" name="Rectangle 8">
+            <a:extLst>
+              <a:ext uri="{FF2B5EF4-FFF2-40B4-BE49-F238E27FC236}">
+                <a16:creationId xmlns:a16="http://schemas.microsoft.com/office/drawing/2014/main" id="{72336FB6-EDC7-4BFD-AAB0-2A41C525E37D}"/>
+              </a:ext>
+            </a:extLst>
+          </p:cNvPr>
+          <p:cNvSpPr/>
+          <p:nvPr/>
+        </p:nvSpPr>
+        <p:spPr>
+          <a:xfrm>
+            <a:off x="1192617" y="1831164"/>
+            <a:ext cx="1155405" cy="882797"/>
+          </a:xfrm>
+          <a:prstGeom prst="rect">
+            <a:avLst/>
+          </a:prstGeom>
+          <a:solidFill>
+            <a:schemeClr val="accent6">
+              <a:lumMod val="20000"/>
+              <a:lumOff val="80000"/>
+            </a:schemeClr>
+          </a:solidFill>
+          <a:ln w="19050">
+            <a:solidFill>
+              <a:schemeClr val="accent6">
+                <a:lumMod val="50000"/>
+              </a:schemeClr>
+            </a:solidFill>
+          </a:ln>
+        </p:spPr>
+        <p:style>
+          <a:lnRef idx="2">
+            <a:schemeClr val="accent1">
+              <a:shade val="50000"/>
+            </a:schemeClr>
+          </a:lnRef>
+          <a:fillRef idx="1">
+            <a:schemeClr val="accent1"/>
+          </a:fillRef>
+          <a:effectRef idx="0">
+            <a:schemeClr val="accent1"/>
+          </a:effectRef>
+          <a:fontRef idx="minor">
+            <a:schemeClr val="lt1"/>
+          </a:fontRef>
+        </p:style>
+        <p:txBody>
+          <a:bodyPr lIns="0" tIns="0" rIns="0" bIns="0" rtlCol="0" anchor="ctr"/>
+          <a:lstStyle/>
+          <a:p>
+            <a:pPr algn="ctr"/>
+            <a:r>
+              <a:rPr lang="fr-FR" sz="1400" b="1" dirty="0">
+                <a:solidFill>
+                  <a:sysClr val="windowText" lastClr="000000"/>
+                </a:solidFill>
+              </a:rPr>
+              <a:t>Données d’observations</a:t>
+            </a:r>
+          </a:p>
+        </p:txBody>
+      </p:sp>
+      <p:sp>
+        <p:nvSpPr>
+          <p:cNvPr id="11" name="Rectangle 10">
+            <a:extLst>
+              <a:ext uri="{FF2B5EF4-FFF2-40B4-BE49-F238E27FC236}">
+                <a16:creationId xmlns:a16="http://schemas.microsoft.com/office/drawing/2014/main" id="{B7905899-A738-4364-AE75-E671545E3C95}"/>
+              </a:ext>
+            </a:extLst>
+          </p:cNvPr>
+          <p:cNvSpPr/>
+          <p:nvPr/>
+        </p:nvSpPr>
+        <p:spPr>
+          <a:xfrm>
+            <a:off x="6896103" y="1972047"/>
+            <a:ext cx="1259956" cy="594388"/>
+          </a:xfrm>
+          <a:prstGeom prst="rect">
+            <a:avLst/>
+          </a:prstGeom>
+          <a:solidFill>
+            <a:schemeClr val="accent5">
+              <a:lumMod val="20000"/>
+              <a:lumOff val="80000"/>
+            </a:schemeClr>
+          </a:solidFill>
+          <a:ln w="19050">
+            <a:solidFill>
+              <a:schemeClr val="accent1">
+                <a:lumMod val="50000"/>
+              </a:schemeClr>
+            </a:solidFill>
+          </a:ln>
+        </p:spPr>
+        <p:style>
+          <a:lnRef idx="2">
+            <a:schemeClr val="accent1">
+              <a:shade val="50000"/>
+            </a:schemeClr>
+          </a:lnRef>
+          <a:fillRef idx="1">
+            <a:schemeClr val="accent1"/>
+          </a:fillRef>
+          <a:effectRef idx="0">
+            <a:schemeClr val="accent1"/>
+          </a:effectRef>
+          <a:fontRef idx="minor">
+            <a:schemeClr val="lt1"/>
+          </a:fontRef>
+        </p:style>
+        <p:txBody>
+          <a:bodyPr rtlCol="0" anchor="ctr"/>
+          <a:lstStyle/>
+          <a:p>
+            <a:pPr algn="ctr"/>
+            <a:r>
+              <a:rPr lang="fr-FR" b="1" dirty="0">
+                <a:solidFill>
+                  <a:schemeClr val="tx1"/>
+                </a:solidFill>
+              </a:rPr>
+              <a:t>Résultat</a:t>
+            </a:r>
+          </a:p>
+        </p:txBody>
+      </p:sp>
+      <p:cxnSp>
+        <p:nvCxnSpPr>
+          <p:cNvPr id="12" name="Connecteur droit avec flèche 11">
+            <a:extLst>
+              <a:ext uri="{FF2B5EF4-FFF2-40B4-BE49-F238E27FC236}">
+                <a16:creationId xmlns:a16="http://schemas.microsoft.com/office/drawing/2014/main" id="{3B5BF938-0B25-42A7-B3AC-EF535EB04844}"/>
+              </a:ext>
+            </a:extLst>
+          </p:cNvPr>
+          <p:cNvCxnSpPr>
+            <a:cxnSpLocks/>
+            <a:stCxn id="9" idx="3"/>
+          </p:cNvCxnSpPr>
+          <p:nvPr/>
+        </p:nvCxnSpPr>
+        <p:spPr>
+          <a:xfrm>
+            <a:off x="2348022" y="2272563"/>
+            <a:ext cx="1589567" cy="0"/>
+          </a:xfrm>
+          <a:prstGeom prst="straightConnector1">
+            <a:avLst/>
+          </a:prstGeom>
+          <a:ln w="28575">
+            <a:solidFill>
+              <a:srgbClr val="C00000"/>
+            </a:solidFill>
+            <a:tailEnd type="stealth" w="med" len="lg"/>
+          </a:ln>
+        </p:spPr>
+        <p:style>
+          <a:lnRef idx="1">
+            <a:schemeClr val="accent1"/>
+          </a:lnRef>
+          <a:fillRef idx="0">
+            <a:schemeClr val="accent1"/>
+          </a:fillRef>
+          <a:effectRef idx="0">
+            <a:schemeClr val="accent1"/>
+          </a:effectRef>
+          <a:fontRef idx="minor">
+            <a:schemeClr val="tx1"/>
+          </a:fontRef>
+        </p:style>
+      </p:cxnSp>
+      <p:cxnSp>
+        <p:nvCxnSpPr>
+          <p:cNvPr id="16" name="Connecteur droit avec flèche 15">
+            <a:extLst>
+              <a:ext uri="{FF2B5EF4-FFF2-40B4-BE49-F238E27FC236}">
+                <a16:creationId xmlns:a16="http://schemas.microsoft.com/office/drawing/2014/main" id="{10574D35-DA42-43CA-B2CE-03A35EF92EA5}"/>
+              </a:ext>
+            </a:extLst>
+          </p:cNvPr>
+          <p:cNvCxnSpPr>
+            <a:cxnSpLocks/>
+            <a:endCxn id="11" idx="1"/>
+          </p:cNvCxnSpPr>
+          <p:nvPr/>
+        </p:nvCxnSpPr>
+        <p:spPr>
+          <a:xfrm>
+            <a:off x="5382729" y="2269241"/>
+            <a:ext cx="1513374" cy="0"/>
+          </a:xfrm>
+          <a:prstGeom prst="straightConnector1">
+            <a:avLst/>
+          </a:prstGeom>
+          <a:ln w="28575">
+            <a:solidFill>
+              <a:srgbClr val="C00000"/>
+            </a:solidFill>
+            <a:tailEnd type="stealth" w="med" len="lg"/>
+          </a:ln>
+        </p:spPr>
+        <p:style>
+          <a:lnRef idx="1">
+            <a:schemeClr val="accent1"/>
+          </a:lnRef>
+          <a:fillRef idx="0">
+            <a:schemeClr val="accent1"/>
+          </a:fillRef>
+          <a:effectRef idx="0">
+            <a:schemeClr val="accent1"/>
+          </a:effectRef>
+          <a:fontRef idx="minor">
+            <a:schemeClr val="tx1"/>
+          </a:fontRef>
+        </p:style>
+      </p:cxnSp>
+      <p:sp>
+        <p:nvSpPr>
+          <p:cNvPr id="24" name="Rectangle 23">
+            <a:extLst>
+              <a:ext uri="{FF2B5EF4-FFF2-40B4-BE49-F238E27FC236}">
+                <a16:creationId xmlns:a16="http://schemas.microsoft.com/office/drawing/2014/main" id="{136A775F-8D2A-4A9E-9F6E-365EB89D03FC}"/>
+              </a:ext>
+            </a:extLst>
+          </p:cNvPr>
+          <p:cNvSpPr/>
+          <p:nvPr/>
+        </p:nvSpPr>
+        <p:spPr>
+          <a:xfrm>
+            <a:off x="4003157" y="1972047"/>
+            <a:ext cx="1325525" cy="601032"/>
+          </a:xfrm>
+          <a:prstGeom prst="rect">
+            <a:avLst/>
+          </a:prstGeom>
+          <a:solidFill>
+            <a:schemeClr val="accent2">
+              <a:lumMod val="20000"/>
+              <a:lumOff val="80000"/>
+            </a:schemeClr>
+          </a:solidFill>
+          <a:ln w="28575">
+            <a:noFill/>
+          </a:ln>
+        </p:spPr>
+        <p:style>
+          <a:lnRef idx="2">
+            <a:schemeClr val="accent1">
+              <a:shade val="50000"/>
+            </a:schemeClr>
+          </a:lnRef>
+          <a:fillRef idx="1">
+            <a:schemeClr val="accent1"/>
+          </a:fillRef>
+          <a:effectRef idx="0">
+            <a:schemeClr val="accent1"/>
+          </a:effectRef>
+          <a:fontRef idx="minor">
+            <a:schemeClr val="lt1"/>
+          </a:fontRef>
+        </p:style>
+        <p:txBody>
+          <a:bodyPr rtlCol="0" anchor="ctr"/>
+          <a:lstStyle/>
+          <a:p>
+            <a:pPr algn="ctr"/>
+            <a:r>
+              <a:rPr lang="fr-FR" sz="1400" b="1" dirty="0">
+                <a:solidFill>
+                  <a:sysClr val="windowText" lastClr="000000"/>
+                </a:solidFill>
+              </a:rPr>
+              <a:t>Apprentissage</a:t>
+            </a:r>
+          </a:p>
+        </p:txBody>
+      </p:sp>
+      <p:pic>
+        <p:nvPicPr>
+          <p:cNvPr id="38" name="Image 37">
+            <a:extLst>
+              <a:ext uri="{FF2B5EF4-FFF2-40B4-BE49-F238E27FC236}">
+                <a16:creationId xmlns:a16="http://schemas.microsoft.com/office/drawing/2014/main" id="{3DC04CE0-500D-4027-BE8F-3E6110B89E48}"/>
+              </a:ext>
+            </a:extLst>
+          </p:cNvPr>
+          <p:cNvPicPr>
+            <a:picLocks noChangeAspect="1"/>
+          </p:cNvPicPr>
+          <p:nvPr/>
+        </p:nvPicPr>
+        <p:blipFill>
+          <a:blip r:embed="rId2"/>
+          <a:stretch>
+            <a:fillRect/>
+          </a:stretch>
+        </p:blipFill>
+        <p:spPr>
+          <a:xfrm>
+            <a:off x="4265982" y="2423338"/>
+            <a:ext cx="764437" cy="677826"/>
+          </a:xfrm>
+          <a:prstGeom prst="rect">
+            <a:avLst/>
+          </a:prstGeom>
+        </p:spPr>
+      </p:pic>
+      <p:sp>
+        <p:nvSpPr>
+          <p:cNvPr id="39" name="Rectangle 38">
+            <a:extLst>
+              <a:ext uri="{FF2B5EF4-FFF2-40B4-BE49-F238E27FC236}">
+                <a16:creationId xmlns:a16="http://schemas.microsoft.com/office/drawing/2014/main" id="{9CA0EF30-C41D-440D-9CFC-543951FD8C6D}"/>
+              </a:ext>
+            </a:extLst>
+          </p:cNvPr>
+          <p:cNvSpPr/>
+          <p:nvPr/>
+        </p:nvSpPr>
+        <p:spPr>
+          <a:xfrm>
+            <a:off x="1192617" y="2994247"/>
+            <a:ext cx="1155405" cy="812359"/>
+          </a:xfrm>
+          <a:prstGeom prst="rect">
+            <a:avLst/>
+          </a:prstGeom>
+          <a:solidFill>
+            <a:schemeClr val="accent6">
+              <a:lumMod val="20000"/>
+              <a:lumOff val="80000"/>
+            </a:schemeClr>
+          </a:solidFill>
+          <a:ln w="19050">
+            <a:solidFill>
+              <a:schemeClr val="accent6">
+                <a:lumMod val="50000"/>
+              </a:schemeClr>
+            </a:solidFill>
+          </a:ln>
+        </p:spPr>
+        <p:style>
+          <a:lnRef idx="2">
+            <a:schemeClr val="accent1">
+              <a:shade val="50000"/>
+            </a:schemeClr>
+          </a:lnRef>
+          <a:fillRef idx="1">
+            <a:schemeClr val="accent1"/>
+          </a:fillRef>
+          <a:effectRef idx="0">
+            <a:schemeClr val="accent1"/>
+          </a:effectRef>
+          <a:fontRef idx="minor">
+            <a:schemeClr val="lt1"/>
+          </a:fontRef>
+        </p:style>
+        <p:txBody>
+          <a:bodyPr lIns="0" tIns="0" rIns="0" bIns="0" rtlCol="0" anchor="ctr"/>
+          <a:lstStyle/>
+          <a:p>
+            <a:pPr algn="ctr"/>
+            <a:r>
+              <a:rPr lang="fr-FR" sz="1400" b="1" dirty="0">
+                <a:solidFill>
+                  <a:sysClr val="windowText" lastClr="000000"/>
+                </a:solidFill>
+              </a:rPr>
+              <a:t>Données de production</a:t>
+            </a:r>
+          </a:p>
+        </p:txBody>
+      </p:sp>
+      <p:cxnSp>
+        <p:nvCxnSpPr>
+          <p:cNvPr id="40" name="Connecteur droit avec flèche 39">
+            <a:extLst>
+              <a:ext uri="{FF2B5EF4-FFF2-40B4-BE49-F238E27FC236}">
+                <a16:creationId xmlns:a16="http://schemas.microsoft.com/office/drawing/2014/main" id="{43FC7D12-D0F1-4B98-8520-E04A920B0825}"/>
+              </a:ext>
+            </a:extLst>
+          </p:cNvPr>
+          <p:cNvCxnSpPr>
+            <a:cxnSpLocks/>
+          </p:cNvCxnSpPr>
+          <p:nvPr/>
+        </p:nvCxnSpPr>
+        <p:spPr>
+          <a:xfrm>
+            <a:off x="2348021" y="3398358"/>
+            <a:ext cx="1589568" cy="0"/>
+          </a:xfrm>
+          <a:prstGeom prst="straightConnector1">
+            <a:avLst/>
+          </a:prstGeom>
+          <a:ln w="28575">
+            <a:solidFill>
+              <a:srgbClr val="C00000"/>
+            </a:solidFill>
+            <a:tailEnd type="stealth" w="med" len="lg"/>
+          </a:ln>
+        </p:spPr>
+        <p:style>
+          <a:lnRef idx="1">
+            <a:schemeClr val="accent1"/>
+          </a:lnRef>
+          <a:fillRef idx="0">
+            <a:schemeClr val="accent1"/>
+          </a:fillRef>
+          <a:effectRef idx="0">
+            <a:schemeClr val="accent1"/>
+          </a:effectRef>
+          <a:fontRef idx="minor">
+            <a:schemeClr val="tx1"/>
+          </a:fontRef>
+        </p:style>
+      </p:cxnSp>
+      <p:cxnSp>
+        <p:nvCxnSpPr>
+          <p:cNvPr id="42" name="Connecteur droit avec flèche 41">
+            <a:extLst>
+              <a:ext uri="{FF2B5EF4-FFF2-40B4-BE49-F238E27FC236}">
+                <a16:creationId xmlns:a16="http://schemas.microsoft.com/office/drawing/2014/main" id="{83FCCE5A-70C5-48B4-A017-8ED0591CB6E3}"/>
+              </a:ext>
+            </a:extLst>
+          </p:cNvPr>
+          <p:cNvCxnSpPr>
+            <a:cxnSpLocks/>
+            <a:endCxn id="43" idx="1"/>
+          </p:cNvCxnSpPr>
+          <p:nvPr/>
+        </p:nvCxnSpPr>
+        <p:spPr>
+          <a:xfrm>
+            <a:off x="5394250" y="3398358"/>
+            <a:ext cx="1501853" cy="0"/>
+          </a:xfrm>
+          <a:prstGeom prst="straightConnector1">
+            <a:avLst/>
+          </a:prstGeom>
+          <a:ln w="28575">
+            <a:solidFill>
+              <a:srgbClr val="C00000"/>
+            </a:solidFill>
+            <a:tailEnd type="stealth" w="med" len="lg"/>
+          </a:ln>
+        </p:spPr>
+        <p:style>
+          <a:lnRef idx="1">
+            <a:schemeClr val="accent1"/>
+          </a:lnRef>
+          <a:fillRef idx="0">
+            <a:schemeClr val="accent1"/>
+          </a:fillRef>
+          <a:effectRef idx="0">
+            <a:schemeClr val="accent1"/>
+          </a:effectRef>
+          <a:fontRef idx="minor">
+            <a:schemeClr val="tx1"/>
+          </a:fontRef>
+        </p:style>
+      </p:cxnSp>
+      <p:sp>
+        <p:nvSpPr>
+          <p:cNvPr id="43" name="Rectangle 42">
+            <a:extLst>
+              <a:ext uri="{FF2B5EF4-FFF2-40B4-BE49-F238E27FC236}">
+                <a16:creationId xmlns:a16="http://schemas.microsoft.com/office/drawing/2014/main" id="{3F6904FF-6993-4A6A-9121-141337BF94FB}"/>
+              </a:ext>
+            </a:extLst>
+          </p:cNvPr>
+          <p:cNvSpPr/>
+          <p:nvPr/>
+        </p:nvSpPr>
+        <p:spPr>
+          <a:xfrm>
+            <a:off x="6896103" y="3101164"/>
+            <a:ext cx="1259956" cy="594388"/>
+          </a:xfrm>
+          <a:prstGeom prst="rect">
+            <a:avLst/>
+          </a:prstGeom>
+          <a:solidFill>
+            <a:schemeClr val="accent5">
+              <a:lumMod val="20000"/>
+              <a:lumOff val="80000"/>
+            </a:schemeClr>
+          </a:solidFill>
+          <a:ln w="19050">
+            <a:solidFill>
+              <a:schemeClr val="accent1">
+                <a:lumMod val="50000"/>
+              </a:schemeClr>
+            </a:solidFill>
+          </a:ln>
+        </p:spPr>
+        <p:style>
+          <a:lnRef idx="2">
+            <a:schemeClr val="accent1">
+              <a:shade val="50000"/>
+            </a:schemeClr>
+          </a:lnRef>
+          <a:fillRef idx="1">
+            <a:schemeClr val="accent1"/>
+          </a:fillRef>
+          <a:effectRef idx="0">
+            <a:schemeClr val="accent1"/>
+          </a:effectRef>
+          <a:fontRef idx="minor">
+            <a:schemeClr val="lt1"/>
+          </a:fontRef>
+        </p:style>
+        <p:txBody>
+          <a:bodyPr rtlCol="0" anchor="ctr"/>
+          <a:lstStyle/>
+          <a:p>
+            <a:pPr algn="ctr"/>
+            <a:r>
+              <a:rPr lang="fr-FR" b="1" dirty="0">
+                <a:solidFill>
+                  <a:schemeClr val="tx1"/>
+                </a:solidFill>
+              </a:rPr>
+              <a:t>Résultat</a:t>
+            </a:r>
+          </a:p>
+        </p:txBody>
+      </p:sp>
+    </p:spTree>
+    <p:extLst>
+      <p:ext uri="{BB962C8B-B14F-4D97-AF65-F5344CB8AC3E}">
+        <p14:creationId xmlns:p14="http://schemas.microsoft.com/office/powerpoint/2010/main" val="4052284627"/>
+      </p:ext>
+    </p:extLst>
+  </p:cSld>
+  <p:clrMapOvr>
+    <a:masterClrMapping/>
+  </p:clrMapOvr>
+</p:sld>
+</file>
+
+<file path=ppt/slides/slide5.xml><?xml version="1.0" encoding="utf-8"?>
 <p:sld xmlns:a="http://schemas.openxmlformats.org/drawingml/2006/main" xmlns:r="http://schemas.openxmlformats.org/officeDocument/2006/relationships" xmlns:p="http://schemas.openxmlformats.org/presentationml/2006/main">
   <p:cSld>
     <p:spTree>
@@ -5376,7 +7785,7 @@
 </p:sld>
 </file>
 
-<file path=ppt/slides/slide4.xml><?xml version="1.0" encoding="utf-8"?>
+<file path=ppt/slides/slide6.xml><?xml version="1.0" encoding="utf-8"?>
 <p:sld xmlns:a="http://schemas.openxmlformats.org/drawingml/2006/main" xmlns:r="http://schemas.openxmlformats.org/officeDocument/2006/relationships" xmlns:p="http://schemas.openxmlformats.org/presentationml/2006/main">
   <p:cSld>
     <p:spTree>
@@ -6022,7 +8431,6104 @@
 </p:sld>
 </file>
 
-<file path=ppt/slides/slide5.xml><?xml version="1.0" encoding="utf-8"?>
+<file path=ppt/slides/slide7.xml><?xml version="1.0" encoding="utf-8"?>
+<p:sld xmlns:a="http://schemas.openxmlformats.org/drawingml/2006/main" xmlns:r="http://schemas.openxmlformats.org/officeDocument/2006/relationships" xmlns:p="http://schemas.openxmlformats.org/presentationml/2006/main">
+  <p:cSld>
+    <p:spTree>
+      <p:nvGrpSpPr>
+        <p:cNvPr id="1" name=""/>
+        <p:cNvGrpSpPr/>
+        <p:nvPr/>
+      </p:nvGrpSpPr>
+      <p:grpSpPr>
+        <a:xfrm>
+          <a:off x="0" y="0"/>
+          <a:ext cx="0" cy="0"/>
+          <a:chOff x="0" y="0"/>
+          <a:chExt cx="0" cy="0"/>
+        </a:xfrm>
+      </p:grpSpPr>
+      <p:sp>
+        <p:nvSpPr>
+          <p:cNvPr id="2" name="Titre 1">
+            <a:extLst>
+              <a:ext uri="{FF2B5EF4-FFF2-40B4-BE49-F238E27FC236}">
+                <a16:creationId xmlns:a16="http://schemas.microsoft.com/office/drawing/2014/main" id="{9E3CB60B-07C0-4B60-9769-1F041E53DDC6}"/>
+              </a:ext>
+            </a:extLst>
+          </p:cNvPr>
+          <p:cNvSpPr>
+            <a:spLocks noGrp="1"/>
+          </p:cNvSpPr>
+          <p:nvPr>
+            <p:ph type="title"/>
+          </p:nvPr>
+        </p:nvSpPr>
+        <p:spPr>
+          <a:xfrm>
+            <a:off x="1622357" y="-264267"/>
+            <a:ext cx="10515600" cy="1325563"/>
+          </a:xfrm>
+        </p:spPr>
+        <p:txBody>
+          <a:bodyPr/>
+          <a:lstStyle/>
+          <a:p>
+            <a:r>
+              <a:rPr lang="fr-FR" dirty="0"/>
+              <a:t>Apprentissage supervisé - Classification</a:t>
+            </a:r>
+          </a:p>
+        </p:txBody>
+      </p:sp>
+      <p:grpSp>
+        <p:nvGrpSpPr>
+          <p:cNvPr id="19" name="Groupe 18">
+            <a:extLst>
+              <a:ext uri="{FF2B5EF4-FFF2-40B4-BE49-F238E27FC236}">
+                <a16:creationId xmlns:a16="http://schemas.microsoft.com/office/drawing/2014/main" id="{74520BAB-E065-4FD9-B90A-9671F5CB636B}"/>
+              </a:ext>
+            </a:extLst>
+          </p:cNvPr>
+          <p:cNvGrpSpPr/>
+          <p:nvPr/>
+        </p:nvGrpSpPr>
+        <p:grpSpPr>
+          <a:xfrm>
+            <a:off x="906453" y="1447959"/>
+            <a:ext cx="11527158" cy="2861966"/>
+            <a:chOff x="906453" y="1447959"/>
+            <a:chExt cx="11527158" cy="2861966"/>
+          </a:xfrm>
+        </p:grpSpPr>
+        <p:sp>
+          <p:nvSpPr>
+            <p:cNvPr id="133" name="Rectangle 132">
+              <a:extLst>
+                <a:ext uri="{FF2B5EF4-FFF2-40B4-BE49-F238E27FC236}">
+                  <a16:creationId xmlns:a16="http://schemas.microsoft.com/office/drawing/2014/main" id="{D966BE03-919F-424D-8E22-98C9BA390E3F}"/>
+                </a:ext>
+              </a:extLst>
+            </p:cNvPr>
+            <p:cNvSpPr/>
+            <p:nvPr/>
+          </p:nvSpPr>
+          <p:spPr>
+            <a:xfrm>
+              <a:off x="906453" y="1447959"/>
+              <a:ext cx="3114846" cy="2861966"/>
+            </a:xfrm>
+            <a:prstGeom prst="rect">
+              <a:avLst/>
+            </a:prstGeom>
+            <a:solidFill>
+              <a:schemeClr val="accent6">
+                <a:lumMod val="20000"/>
+                <a:lumOff val="80000"/>
+              </a:schemeClr>
+            </a:solidFill>
+            <a:ln w="19050">
+              <a:solidFill>
+                <a:schemeClr val="accent6">
+                  <a:lumMod val="75000"/>
+                </a:schemeClr>
+              </a:solidFill>
+            </a:ln>
+          </p:spPr>
+          <p:style>
+            <a:lnRef idx="2">
+              <a:schemeClr val="accent1">
+                <a:shade val="50000"/>
+              </a:schemeClr>
+            </a:lnRef>
+            <a:fillRef idx="1">
+              <a:schemeClr val="accent1"/>
+            </a:fillRef>
+            <a:effectRef idx="0">
+              <a:schemeClr val="accent1"/>
+            </a:effectRef>
+            <a:fontRef idx="minor">
+              <a:schemeClr val="lt1"/>
+            </a:fontRef>
+          </p:style>
+          <p:txBody>
+            <a:bodyPr rtlCol="0" anchor="t"/>
+            <a:lstStyle/>
+            <a:p>
+              <a:pPr algn="ctr"/>
+              <a:r>
+                <a:rPr lang="fr-FR" sz="1600" b="1" dirty="0">
+                  <a:solidFill>
+                    <a:sysClr val="windowText" lastClr="000000"/>
+                  </a:solidFill>
+                </a:rPr>
+                <a:t>Données</a:t>
+              </a:r>
+            </a:p>
+          </p:txBody>
+        </p:sp>
+        <p:grpSp>
+          <p:nvGrpSpPr>
+            <p:cNvPr id="3" name="Groupe 2">
+              <a:extLst>
+                <a:ext uri="{FF2B5EF4-FFF2-40B4-BE49-F238E27FC236}">
+                  <a16:creationId xmlns:a16="http://schemas.microsoft.com/office/drawing/2014/main" id="{3F524300-BF7F-464B-BF3F-1D73774139F8}"/>
+                </a:ext>
+              </a:extLst>
+            </p:cNvPr>
+            <p:cNvGrpSpPr/>
+            <p:nvPr/>
+          </p:nvGrpSpPr>
+          <p:grpSpPr>
+            <a:xfrm>
+              <a:off x="1063621" y="1963658"/>
+              <a:ext cx="3223627" cy="2234556"/>
+              <a:chOff x="1063621" y="1963658"/>
+              <a:chExt cx="3223627" cy="2234556"/>
+            </a:xfrm>
+          </p:grpSpPr>
+          <p:sp>
+            <p:nvSpPr>
+              <p:cNvPr id="77" name="Rectangle 76">
+                <a:extLst>
+                  <a:ext uri="{FF2B5EF4-FFF2-40B4-BE49-F238E27FC236}">
+                    <a16:creationId xmlns:a16="http://schemas.microsoft.com/office/drawing/2014/main" id="{4F3A3A77-94F7-4A99-99F9-1B38337FF1C2}"/>
+                  </a:ext>
+                </a:extLst>
+              </p:cNvPr>
+              <p:cNvSpPr/>
+              <p:nvPr/>
+            </p:nvSpPr>
+            <p:spPr>
+              <a:xfrm>
+                <a:off x="1063621" y="1963658"/>
+                <a:ext cx="2800511" cy="2234556"/>
+              </a:xfrm>
+              <a:prstGeom prst="rect">
+                <a:avLst/>
+              </a:prstGeom>
+              <a:solidFill>
+                <a:schemeClr val="accent6">
+                  <a:lumMod val="20000"/>
+                  <a:lumOff val="80000"/>
+                </a:schemeClr>
+              </a:solidFill>
+              <a:ln w="19050">
+                <a:solidFill>
+                  <a:schemeClr val="accent6">
+                    <a:lumMod val="75000"/>
+                  </a:schemeClr>
+                </a:solidFill>
+              </a:ln>
+            </p:spPr>
+            <p:style>
+              <a:lnRef idx="2">
+                <a:schemeClr val="accent1">
+                  <a:shade val="50000"/>
+                </a:schemeClr>
+              </a:lnRef>
+              <a:fillRef idx="1">
+                <a:schemeClr val="accent1"/>
+              </a:fillRef>
+              <a:effectRef idx="0">
+                <a:schemeClr val="accent1"/>
+              </a:effectRef>
+              <a:fontRef idx="minor">
+                <a:schemeClr val="lt1"/>
+              </a:fontRef>
+            </p:style>
+            <p:txBody>
+              <a:bodyPr rtlCol="0" anchor="t"/>
+              <a:lstStyle/>
+              <a:p>
+                <a:pPr algn="ctr"/>
+                <a:r>
+                  <a:rPr lang="fr-FR" sz="1200" dirty="0">
+                    <a:solidFill>
+                      <a:sysClr val="windowText" lastClr="000000"/>
+                    </a:solidFill>
+                  </a:rPr>
+                  <a:t>Données étiquetées (pour l’apprentissage)</a:t>
+                </a:r>
+              </a:p>
+            </p:txBody>
+          </p:sp>
+          <p:grpSp>
+            <p:nvGrpSpPr>
+              <p:cNvPr id="207" name="Groupe 206">
+                <a:extLst>
+                  <a:ext uri="{FF2B5EF4-FFF2-40B4-BE49-F238E27FC236}">
+                    <a16:creationId xmlns:a16="http://schemas.microsoft.com/office/drawing/2014/main" id="{643B711E-FC7B-4407-91ED-474AB047F39B}"/>
+                  </a:ext>
+                </a:extLst>
+              </p:cNvPr>
+              <p:cNvGrpSpPr/>
+              <p:nvPr/>
+            </p:nvGrpSpPr>
+            <p:grpSpPr>
+              <a:xfrm>
+                <a:off x="1436524" y="2487972"/>
+                <a:ext cx="2850724" cy="1581206"/>
+                <a:chOff x="691117" y="1755271"/>
+                <a:chExt cx="2850724" cy="1581206"/>
+              </a:xfrm>
+            </p:grpSpPr>
+            <p:grpSp>
+              <p:nvGrpSpPr>
+                <p:cNvPr id="38" name="Groupe 37">
+                  <a:extLst>
+                    <a:ext uri="{FF2B5EF4-FFF2-40B4-BE49-F238E27FC236}">
+                      <a16:creationId xmlns:a16="http://schemas.microsoft.com/office/drawing/2014/main" id="{5E99102D-5862-4FCE-8AD4-2CB6D295DB4C}"/>
+                    </a:ext>
+                  </a:extLst>
+                </p:cNvPr>
+                <p:cNvGrpSpPr/>
+                <p:nvPr/>
+              </p:nvGrpSpPr>
+              <p:grpSpPr>
+                <a:xfrm>
+                  <a:off x="691117" y="1759336"/>
+                  <a:ext cx="1811368" cy="659752"/>
+                  <a:chOff x="1063256" y="1997983"/>
+                  <a:chExt cx="1811368" cy="659752"/>
+                </a:xfrm>
+              </p:grpSpPr>
+              <p:sp>
+                <p:nvSpPr>
+                  <p:cNvPr id="4" name="Rectangle 3">
+                    <a:extLst>
+                      <a:ext uri="{FF2B5EF4-FFF2-40B4-BE49-F238E27FC236}">
+                        <a16:creationId xmlns:a16="http://schemas.microsoft.com/office/drawing/2014/main" id="{31D671A0-7941-42F0-B296-FD8E2DC10018}"/>
+                      </a:ext>
+                    </a:extLst>
+                  </p:cNvPr>
+                  <p:cNvSpPr/>
+                  <p:nvPr/>
+                </p:nvSpPr>
+                <p:spPr>
+                  <a:xfrm>
+                    <a:off x="1063256" y="2369735"/>
+                    <a:ext cx="288000" cy="288000"/>
+                  </a:xfrm>
+                  <a:prstGeom prst="rect">
+                    <a:avLst/>
+                  </a:prstGeom>
+                  <a:solidFill>
+                    <a:schemeClr val="accent4">
+                      <a:lumMod val="20000"/>
+                      <a:lumOff val="80000"/>
+                    </a:schemeClr>
+                  </a:solidFill>
+                  <a:ln w="28575">
+                    <a:solidFill>
+                      <a:schemeClr val="accent4">
+                        <a:lumMod val="50000"/>
+                      </a:schemeClr>
+                    </a:solidFill>
+                  </a:ln>
+                </p:spPr>
+                <p:style>
+                  <a:lnRef idx="2">
+                    <a:schemeClr val="accent1">
+                      <a:shade val="50000"/>
+                    </a:schemeClr>
+                  </a:lnRef>
+                  <a:fillRef idx="1">
+                    <a:schemeClr val="accent1"/>
+                  </a:fillRef>
+                  <a:effectRef idx="0">
+                    <a:schemeClr val="accent1"/>
+                  </a:effectRef>
+                  <a:fontRef idx="minor">
+                    <a:schemeClr val="lt1"/>
+                  </a:fontRef>
+                </p:style>
+                <p:txBody>
+                  <a:bodyPr rtlCol="0" anchor="ctr"/>
+                  <a:lstStyle/>
+                  <a:p>
+                    <a:pPr algn="ctr"/>
+                    <a:endParaRPr lang="fr-FR"/>
+                  </a:p>
+                </p:txBody>
+              </p:sp>
+              <p:grpSp>
+                <p:nvGrpSpPr>
+                  <p:cNvPr id="29" name="Groupe 28">
+                    <a:extLst>
+                      <a:ext uri="{FF2B5EF4-FFF2-40B4-BE49-F238E27FC236}">
+                        <a16:creationId xmlns:a16="http://schemas.microsoft.com/office/drawing/2014/main" id="{9C747653-7411-4DDF-8143-59334BE62B50}"/>
+                      </a:ext>
+                    </a:extLst>
+                  </p:cNvPr>
+                  <p:cNvGrpSpPr/>
+                  <p:nvPr/>
+                </p:nvGrpSpPr>
+                <p:grpSpPr>
+                  <a:xfrm>
+                    <a:off x="1351256" y="1997983"/>
+                    <a:ext cx="1523368" cy="371752"/>
+                    <a:chOff x="1351256" y="1997983"/>
+                    <a:chExt cx="1523368" cy="371752"/>
+                  </a:xfrm>
+                </p:grpSpPr>
+                <p:sp>
+                  <p:nvSpPr>
+                    <p:cNvPr id="11" name="ZoneTexte 10">
+                      <a:extLst>
+                        <a:ext uri="{FF2B5EF4-FFF2-40B4-BE49-F238E27FC236}">
+                          <a16:creationId xmlns:a16="http://schemas.microsoft.com/office/drawing/2014/main" id="{1AE01380-1EBF-4C6A-AAE3-BD94C42BA897}"/>
+                        </a:ext>
+                      </a:extLst>
+                    </p:cNvPr>
+                    <p:cNvSpPr txBox="1"/>
+                    <p:nvPr/>
+                  </p:nvSpPr>
+                  <p:spPr>
+                    <a:xfrm>
+                      <a:off x="1503088" y="1997983"/>
+                      <a:ext cx="1371536" cy="246221"/>
+                    </a:xfrm>
+                    <a:prstGeom prst="rect">
+                      <a:avLst/>
+                    </a:prstGeom>
+                    <a:noFill/>
+                  </p:spPr>
+                  <p:txBody>
+                    <a:bodyPr wrap="square" rtlCol="0">
+                      <a:spAutoFit/>
+                    </a:bodyPr>
+                    <a:lstStyle/>
+                    <a:p>
+                      <a:r>
+                        <a:rPr lang="fr-FR" sz="1000" dirty="0">
+                          <a:latin typeface="Arial Narrow" panose="020B0606020202030204" pitchFamily="34" charset="0"/>
+                        </a:rPr>
+                        <a:t>Carré</a:t>
+                      </a:r>
+                      <a:endParaRPr lang="fr-FR" dirty="0">
+                        <a:latin typeface="Arial Narrow" panose="020B0606020202030204" pitchFamily="34" charset="0"/>
+                      </a:endParaRPr>
+                    </a:p>
+                  </p:txBody>
+                </p:sp>
+                <p:cxnSp>
+                  <p:nvCxnSpPr>
+                    <p:cNvPr id="8" name="Connecteur droit 7">
+                      <a:extLst>
+                        <a:ext uri="{FF2B5EF4-FFF2-40B4-BE49-F238E27FC236}">
+                          <a16:creationId xmlns:a16="http://schemas.microsoft.com/office/drawing/2014/main" id="{8C02DE72-74F8-4A1E-9818-B82B3BC4E92E}"/>
+                        </a:ext>
+                      </a:extLst>
+                    </p:cNvPr>
+                    <p:cNvCxnSpPr>
+                      <a:cxnSpLocks/>
+                    </p:cNvCxnSpPr>
+                    <p:nvPr/>
+                  </p:nvCxnSpPr>
+                  <p:spPr>
+                    <a:xfrm flipV="1">
+                      <a:off x="1351256" y="2153735"/>
+                      <a:ext cx="216000" cy="216000"/>
+                    </a:xfrm>
+                    <a:prstGeom prst="line">
+                      <a:avLst/>
+                    </a:prstGeom>
+                    <a:ln w="9525">
+                      <a:solidFill>
+                        <a:schemeClr val="tx1"/>
+                      </a:solidFill>
+                    </a:ln>
+                  </p:spPr>
+                  <p:style>
+                    <a:lnRef idx="1">
+                      <a:schemeClr val="accent1"/>
+                    </a:lnRef>
+                    <a:fillRef idx="0">
+                      <a:schemeClr val="accent1"/>
+                    </a:fillRef>
+                    <a:effectRef idx="0">
+                      <a:schemeClr val="accent1"/>
+                    </a:effectRef>
+                    <a:fontRef idx="minor">
+                      <a:schemeClr val="tx1"/>
+                    </a:fontRef>
+                  </p:style>
+                </p:cxnSp>
+                <p:cxnSp>
+                  <p:nvCxnSpPr>
+                    <p:cNvPr id="9" name="Connecteur droit 8">
+                      <a:extLst>
+                        <a:ext uri="{FF2B5EF4-FFF2-40B4-BE49-F238E27FC236}">
+                          <a16:creationId xmlns:a16="http://schemas.microsoft.com/office/drawing/2014/main" id="{AB1D832D-7747-4155-B37B-79786C1656F6}"/>
+                        </a:ext>
+                      </a:extLst>
+                    </p:cNvPr>
+                    <p:cNvCxnSpPr>
+                      <a:cxnSpLocks/>
+                    </p:cNvCxnSpPr>
+                    <p:nvPr/>
+                  </p:nvCxnSpPr>
+                  <p:spPr>
+                    <a:xfrm flipV="1">
+                      <a:off x="1567256" y="2035412"/>
+                      <a:ext cx="0" cy="180000"/>
+                    </a:xfrm>
+                    <a:prstGeom prst="line">
+                      <a:avLst/>
+                    </a:prstGeom>
+                    <a:ln w="9525">
+                      <a:solidFill>
+                        <a:schemeClr val="tx1"/>
+                      </a:solidFill>
+                    </a:ln>
+                  </p:spPr>
+                  <p:style>
+                    <a:lnRef idx="1">
+                      <a:schemeClr val="accent1"/>
+                    </a:lnRef>
+                    <a:fillRef idx="0">
+                      <a:schemeClr val="accent1"/>
+                    </a:fillRef>
+                    <a:effectRef idx="0">
+                      <a:schemeClr val="accent1"/>
+                    </a:effectRef>
+                    <a:fontRef idx="minor">
+                      <a:schemeClr val="tx1"/>
+                    </a:fontRef>
+                  </p:style>
+                </p:cxnSp>
+              </p:grpSp>
+            </p:grpSp>
+            <p:grpSp>
+              <p:nvGrpSpPr>
+                <p:cNvPr id="39" name="Groupe 38">
+                  <a:extLst>
+                    <a:ext uri="{FF2B5EF4-FFF2-40B4-BE49-F238E27FC236}">
+                      <a16:creationId xmlns:a16="http://schemas.microsoft.com/office/drawing/2014/main" id="{428D5C73-D7AD-4C25-960A-1746D3135A58}"/>
+                    </a:ext>
+                  </a:extLst>
+                </p:cNvPr>
+                <p:cNvGrpSpPr/>
+                <p:nvPr/>
+              </p:nvGrpSpPr>
+              <p:grpSpPr>
+                <a:xfrm>
+                  <a:off x="1263068" y="1764142"/>
+                  <a:ext cx="1685368" cy="658901"/>
+                  <a:chOff x="1027256" y="2770099"/>
+                  <a:chExt cx="1685368" cy="658901"/>
+                </a:xfrm>
+              </p:grpSpPr>
+              <p:sp>
+                <p:nvSpPr>
+                  <p:cNvPr id="5" name="Triangle isocèle 4">
+                    <a:extLst>
+                      <a:ext uri="{FF2B5EF4-FFF2-40B4-BE49-F238E27FC236}">
+                        <a16:creationId xmlns:a16="http://schemas.microsoft.com/office/drawing/2014/main" id="{EFB3B4A1-3673-4CAF-A61F-BDAB8433C815}"/>
+                      </a:ext>
+                    </a:extLst>
+                  </p:cNvPr>
+                  <p:cNvSpPr/>
+                  <p:nvPr/>
+                </p:nvSpPr>
+                <p:spPr>
+                  <a:xfrm>
+                    <a:off x="1027256" y="3141000"/>
+                    <a:ext cx="324000" cy="288000"/>
+                  </a:xfrm>
+                  <a:prstGeom prst="triangle">
+                    <a:avLst/>
+                  </a:prstGeom>
+                  <a:solidFill>
+                    <a:schemeClr val="accent2">
+                      <a:lumMod val="20000"/>
+                      <a:lumOff val="80000"/>
+                    </a:schemeClr>
+                  </a:solidFill>
+                  <a:ln w="28575">
+                    <a:solidFill>
+                      <a:schemeClr val="accent2">
+                        <a:lumMod val="50000"/>
+                      </a:schemeClr>
+                    </a:solidFill>
+                  </a:ln>
+                </p:spPr>
+                <p:style>
+                  <a:lnRef idx="2">
+                    <a:schemeClr val="accent1">
+                      <a:shade val="50000"/>
+                    </a:schemeClr>
+                  </a:lnRef>
+                  <a:fillRef idx="1">
+                    <a:schemeClr val="accent1"/>
+                  </a:fillRef>
+                  <a:effectRef idx="0">
+                    <a:schemeClr val="accent1"/>
+                  </a:effectRef>
+                  <a:fontRef idx="minor">
+                    <a:schemeClr val="lt1"/>
+                  </a:fontRef>
+                </p:style>
+                <p:txBody>
+                  <a:bodyPr rtlCol="0" anchor="ctr"/>
+                  <a:lstStyle/>
+                  <a:p>
+                    <a:pPr algn="ctr"/>
+                    <a:endParaRPr lang="fr-FR"/>
+                  </a:p>
+                </p:txBody>
+              </p:sp>
+              <p:grpSp>
+                <p:nvGrpSpPr>
+                  <p:cNvPr id="30" name="Groupe 29">
+                    <a:extLst>
+                      <a:ext uri="{FF2B5EF4-FFF2-40B4-BE49-F238E27FC236}">
+                        <a16:creationId xmlns:a16="http://schemas.microsoft.com/office/drawing/2014/main" id="{131537EA-1590-4C24-BB22-0CCCA418AAC0}"/>
+                      </a:ext>
+                    </a:extLst>
+                  </p:cNvPr>
+                  <p:cNvGrpSpPr/>
+                  <p:nvPr/>
+                </p:nvGrpSpPr>
+                <p:grpSpPr>
+                  <a:xfrm>
+                    <a:off x="1189256" y="2770099"/>
+                    <a:ext cx="1523368" cy="371752"/>
+                    <a:chOff x="1351256" y="1997983"/>
+                    <a:chExt cx="1523368" cy="371752"/>
+                  </a:xfrm>
+                </p:grpSpPr>
+                <p:sp>
+                  <p:nvSpPr>
+                    <p:cNvPr id="31" name="ZoneTexte 30">
+                      <a:extLst>
+                        <a:ext uri="{FF2B5EF4-FFF2-40B4-BE49-F238E27FC236}">
+                          <a16:creationId xmlns:a16="http://schemas.microsoft.com/office/drawing/2014/main" id="{C83E5448-EF10-4BD8-B80A-35AB42FC9E72}"/>
+                        </a:ext>
+                      </a:extLst>
+                    </p:cNvPr>
+                    <p:cNvSpPr txBox="1"/>
+                    <p:nvPr/>
+                  </p:nvSpPr>
+                  <p:spPr>
+                    <a:xfrm>
+                      <a:off x="1503088" y="1997983"/>
+                      <a:ext cx="1371536" cy="246221"/>
+                    </a:xfrm>
+                    <a:prstGeom prst="rect">
+                      <a:avLst/>
+                    </a:prstGeom>
+                    <a:noFill/>
+                  </p:spPr>
+                  <p:txBody>
+                    <a:bodyPr wrap="square" rtlCol="0">
+                      <a:spAutoFit/>
+                    </a:bodyPr>
+                    <a:lstStyle/>
+                    <a:p>
+                      <a:r>
+                        <a:rPr lang="fr-FR" sz="1000" dirty="0">
+                          <a:latin typeface="Arial Narrow" panose="020B0606020202030204" pitchFamily="34" charset="0"/>
+                        </a:rPr>
+                        <a:t>Triangle</a:t>
+                      </a:r>
+                      <a:endParaRPr lang="fr-FR" dirty="0">
+                        <a:latin typeface="Arial Narrow" panose="020B0606020202030204" pitchFamily="34" charset="0"/>
+                      </a:endParaRPr>
+                    </a:p>
+                  </p:txBody>
+                </p:sp>
+                <p:cxnSp>
+                  <p:nvCxnSpPr>
+                    <p:cNvPr id="32" name="Connecteur droit 31">
+                      <a:extLst>
+                        <a:ext uri="{FF2B5EF4-FFF2-40B4-BE49-F238E27FC236}">
+                          <a16:creationId xmlns:a16="http://schemas.microsoft.com/office/drawing/2014/main" id="{3F83F5EA-38AD-454F-A99D-B604D2C0F9E3}"/>
+                        </a:ext>
+                      </a:extLst>
+                    </p:cNvPr>
+                    <p:cNvCxnSpPr>
+                      <a:cxnSpLocks/>
+                    </p:cNvCxnSpPr>
+                    <p:nvPr/>
+                  </p:nvCxnSpPr>
+                  <p:spPr>
+                    <a:xfrm flipV="1">
+                      <a:off x="1351256" y="2153735"/>
+                      <a:ext cx="216000" cy="216000"/>
+                    </a:xfrm>
+                    <a:prstGeom prst="line">
+                      <a:avLst/>
+                    </a:prstGeom>
+                    <a:ln w="9525">
+                      <a:solidFill>
+                        <a:schemeClr val="tx1"/>
+                      </a:solidFill>
+                    </a:ln>
+                  </p:spPr>
+                  <p:style>
+                    <a:lnRef idx="1">
+                      <a:schemeClr val="accent1"/>
+                    </a:lnRef>
+                    <a:fillRef idx="0">
+                      <a:schemeClr val="accent1"/>
+                    </a:fillRef>
+                    <a:effectRef idx="0">
+                      <a:schemeClr val="accent1"/>
+                    </a:effectRef>
+                    <a:fontRef idx="minor">
+                      <a:schemeClr val="tx1"/>
+                    </a:fontRef>
+                  </p:style>
+                </p:cxnSp>
+                <p:cxnSp>
+                  <p:nvCxnSpPr>
+                    <p:cNvPr id="33" name="Connecteur droit 32">
+                      <a:extLst>
+                        <a:ext uri="{FF2B5EF4-FFF2-40B4-BE49-F238E27FC236}">
+                          <a16:creationId xmlns:a16="http://schemas.microsoft.com/office/drawing/2014/main" id="{E2DC668E-26A3-4789-A39B-7AD00214FE59}"/>
+                        </a:ext>
+                      </a:extLst>
+                    </p:cNvPr>
+                    <p:cNvCxnSpPr>
+                      <a:cxnSpLocks/>
+                    </p:cNvCxnSpPr>
+                    <p:nvPr/>
+                  </p:nvCxnSpPr>
+                  <p:spPr>
+                    <a:xfrm flipV="1">
+                      <a:off x="1567256" y="2035412"/>
+                      <a:ext cx="0" cy="180000"/>
+                    </a:xfrm>
+                    <a:prstGeom prst="line">
+                      <a:avLst/>
+                    </a:prstGeom>
+                    <a:ln w="9525">
+                      <a:solidFill>
+                        <a:schemeClr val="tx1"/>
+                      </a:solidFill>
+                    </a:ln>
+                  </p:spPr>
+                  <p:style>
+                    <a:lnRef idx="1">
+                      <a:schemeClr val="accent1"/>
+                    </a:lnRef>
+                    <a:fillRef idx="0">
+                      <a:schemeClr val="accent1"/>
+                    </a:fillRef>
+                    <a:effectRef idx="0">
+                      <a:schemeClr val="accent1"/>
+                    </a:effectRef>
+                    <a:fontRef idx="minor">
+                      <a:schemeClr val="tx1"/>
+                    </a:fontRef>
+                  </p:style>
+                </p:cxnSp>
+              </p:grpSp>
+            </p:grpSp>
+            <p:grpSp>
+              <p:nvGrpSpPr>
+                <p:cNvPr id="40" name="Groupe 39">
+                  <a:extLst>
+                    <a:ext uri="{FF2B5EF4-FFF2-40B4-BE49-F238E27FC236}">
+                      <a16:creationId xmlns:a16="http://schemas.microsoft.com/office/drawing/2014/main" id="{DD348933-AC99-4378-8529-804CB7B21272}"/>
+                    </a:ext>
+                  </a:extLst>
+                </p:cNvPr>
+                <p:cNvGrpSpPr/>
+                <p:nvPr/>
+              </p:nvGrpSpPr>
+              <p:grpSpPr>
+                <a:xfrm>
+                  <a:off x="1859692" y="1755271"/>
+                  <a:ext cx="1667368" cy="657644"/>
+                  <a:chOff x="1027256" y="3687138"/>
+                  <a:chExt cx="1667368" cy="657644"/>
+                </a:xfrm>
+              </p:grpSpPr>
+              <p:sp>
+                <p:nvSpPr>
+                  <p:cNvPr id="6" name="Pentagone 5">
+                    <a:extLst>
+                      <a:ext uri="{FF2B5EF4-FFF2-40B4-BE49-F238E27FC236}">
+                        <a16:creationId xmlns:a16="http://schemas.microsoft.com/office/drawing/2014/main" id="{9113319B-B48F-48E1-A6CB-DF46422ECC0A}"/>
+                      </a:ext>
+                    </a:extLst>
+                  </p:cNvPr>
+                  <p:cNvSpPr/>
+                  <p:nvPr/>
+                </p:nvSpPr>
+                <p:spPr>
+                  <a:xfrm>
+                    <a:off x="1027256" y="4056782"/>
+                    <a:ext cx="288000" cy="288000"/>
+                  </a:xfrm>
+                  <a:prstGeom prst="pentagon">
+                    <a:avLst/>
+                  </a:prstGeom>
+                  <a:solidFill>
+                    <a:schemeClr val="accent5">
+                      <a:lumMod val="20000"/>
+                      <a:lumOff val="80000"/>
+                    </a:schemeClr>
+                  </a:solidFill>
+                  <a:ln w="28575">
+                    <a:solidFill>
+                      <a:schemeClr val="accent5">
+                        <a:lumMod val="50000"/>
+                      </a:schemeClr>
+                    </a:solidFill>
+                  </a:ln>
+                </p:spPr>
+                <p:style>
+                  <a:lnRef idx="2">
+                    <a:schemeClr val="accent1">
+                      <a:shade val="50000"/>
+                    </a:schemeClr>
+                  </a:lnRef>
+                  <a:fillRef idx="1">
+                    <a:schemeClr val="accent1"/>
+                  </a:fillRef>
+                  <a:effectRef idx="0">
+                    <a:schemeClr val="accent1"/>
+                  </a:effectRef>
+                  <a:fontRef idx="minor">
+                    <a:schemeClr val="lt1"/>
+                  </a:fontRef>
+                </p:style>
+                <p:txBody>
+                  <a:bodyPr rtlCol="0" anchor="ctr"/>
+                  <a:lstStyle/>
+                  <a:p>
+                    <a:pPr algn="ctr"/>
+                    <a:endParaRPr lang="fr-FR"/>
+                  </a:p>
+                </p:txBody>
+              </p:sp>
+              <p:grpSp>
+                <p:nvGrpSpPr>
+                  <p:cNvPr id="34" name="Groupe 33">
+                    <a:extLst>
+                      <a:ext uri="{FF2B5EF4-FFF2-40B4-BE49-F238E27FC236}">
+                        <a16:creationId xmlns:a16="http://schemas.microsoft.com/office/drawing/2014/main" id="{E11716D4-DCFB-4652-9422-AFC239F1358A}"/>
+                      </a:ext>
+                    </a:extLst>
+                  </p:cNvPr>
+                  <p:cNvGrpSpPr/>
+                  <p:nvPr/>
+                </p:nvGrpSpPr>
+                <p:grpSpPr>
+                  <a:xfrm>
+                    <a:off x="1171256" y="3687138"/>
+                    <a:ext cx="1523368" cy="371752"/>
+                    <a:chOff x="1351256" y="1997983"/>
+                    <a:chExt cx="1523368" cy="371752"/>
+                  </a:xfrm>
+                </p:grpSpPr>
+                <p:sp>
+                  <p:nvSpPr>
+                    <p:cNvPr id="35" name="ZoneTexte 34">
+                      <a:extLst>
+                        <a:ext uri="{FF2B5EF4-FFF2-40B4-BE49-F238E27FC236}">
+                          <a16:creationId xmlns:a16="http://schemas.microsoft.com/office/drawing/2014/main" id="{FE95B65C-2BED-444D-A056-6C487D8AD7B0}"/>
+                        </a:ext>
+                      </a:extLst>
+                    </p:cNvPr>
+                    <p:cNvSpPr txBox="1"/>
+                    <p:nvPr/>
+                  </p:nvSpPr>
+                  <p:spPr>
+                    <a:xfrm>
+                      <a:off x="1503088" y="1997983"/>
+                      <a:ext cx="1371536" cy="246221"/>
+                    </a:xfrm>
+                    <a:prstGeom prst="rect">
+                      <a:avLst/>
+                    </a:prstGeom>
+                    <a:noFill/>
+                  </p:spPr>
+                  <p:txBody>
+                    <a:bodyPr wrap="square" rtlCol="0">
+                      <a:spAutoFit/>
+                    </a:bodyPr>
+                    <a:lstStyle/>
+                    <a:p>
+                      <a:r>
+                        <a:rPr lang="fr-FR" sz="1000" dirty="0">
+                          <a:latin typeface="Arial Narrow" panose="020B0606020202030204" pitchFamily="34" charset="0"/>
+                        </a:rPr>
+                        <a:t>Pentagone</a:t>
+                      </a:r>
+                      <a:endParaRPr lang="fr-FR" dirty="0">
+                        <a:latin typeface="Arial Narrow" panose="020B0606020202030204" pitchFamily="34" charset="0"/>
+                      </a:endParaRPr>
+                    </a:p>
+                  </p:txBody>
+                </p:sp>
+                <p:cxnSp>
+                  <p:nvCxnSpPr>
+                    <p:cNvPr id="36" name="Connecteur droit 35">
+                      <a:extLst>
+                        <a:ext uri="{FF2B5EF4-FFF2-40B4-BE49-F238E27FC236}">
+                          <a16:creationId xmlns:a16="http://schemas.microsoft.com/office/drawing/2014/main" id="{7B519BD3-A506-4528-9945-15499C6FC8D7}"/>
+                        </a:ext>
+                      </a:extLst>
+                    </p:cNvPr>
+                    <p:cNvCxnSpPr>
+                      <a:cxnSpLocks/>
+                    </p:cNvCxnSpPr>
+                    <p:nvPr/>
+                  </p:nvCxnSpPr>
+                  <p:spPr>
+                    <a:xfrm flipV="1">
+                      <a:off x="1351256" y="2153735"/>
+                      <a:ext cx="216000" cy="216000"/>
+                    </a:xfrm>
+                    <a:prstGeom prst="line">
+                      <a:avLst/>
+                    </a:prstGeom>
+                    <a:ln w="9525">
+                      <a:solidFill>
+                        <a:schemeClr val="tx1"/>
+                      </a:solidFill>
+                    </a:ln>
+                  </p:spPr>
+                  <p:style>
+                    <a:lnRef idx="1">
+                      <a:schemeClr val="accent1"/>
+                    </a:lnRef>
+                    <a:fillRef idx="0">
+                      <a:schemeClr val="accent1"/>
+                    </a:fillRef>
+                    <a:effectRef idx="0">
+                      <a:schemeClr val="accent1"/>
+                    </a:effectRef>
+                    <a:fontRef idx="minor">
+                      <a:schemeClr val="tx1"/>
+                    </a:fontRef>
+                  </p:style>
+                </p:cxnSp>
+                <p:cxnSp>
+                  <p:nvCxnSpPr>
+                    <p:cNvPr id="37" name="Connecteur droit 36">
+                      <a:extLst>
+                        <a:ext uri="{FF2B5EF4-FFF2-40B4-BE49-F238E27FC236}">
+                          <a16:creationId xmlns:a16="http://schemas.microsoft.com/office/drawing/2014/main" id="{0B85937A-367C-4367-AA36-8D83A9C8DAD4}"/>
+                        </a:ext>
+                      </a:extLst>
+                    </p:cNvPr>
+                    <p:cNvCxnSpPr>
+                      <a:cxnSpLocks/>
+                    </p:cNvCxnSpPr>
+                    <p:nvPr/>
+                  </p:nvCxnSpPr>
+                  <p:spPr>
+                    <a:xfrm flipV="1">
+                      <a:off x="1567256" y="2035412"/>
+                      <a:ext cx="0" cy="180000"/>
+                    </a:xfrm>
+                    <a:prstGeom prst="line">
+                      <a:avLst/>
+                    </a:prstGeom>
+                    <a:ln w="9525">
+                      <a:solidFill>
+                        <a:schemeClr val="tx1"/>
+                      </a:solidFill>
+                    </a:ln>
+                  </p:spPr>
+                  <p:style>
+                    <a:lnRef idx="1">
+                      <a:schemeClr val="accent1"/>
+                    </a:lnRef>
+                    <a:fillRef idx="0">
+                      <a:schemeClr val="accent1"/>
+                    </a:fillRef>
+                    <a:effectRef idx="0">
+                      <a:schemeClr val="accent1"/>
+                    </a:effectRef>
+                    <a:fontRef idx="minor">
+                      <a:schemeClr val="tx1"/>
+                    </a:fontRef>
+                  </p:style>
+                </p:cxnSp>
+              </p:grpSp>
+            </p:grpSp>
+            <p:grpSp>
+              <p:nvGrpSpPr>
+                <p:cNvPr id="41" name="Groupe 40">
+                  <a:extLst>
+                    <a:ext uri="{FF2B5EF4-FFF2-40B4-BE49-F238E27FC236}">
+                      <a16:creationId xmlns:a16="http://schemas.microsoft.com/office/drawing/2014/main" id="{0715CB31-DF1C-4D9B-8FBF-A9DDC356709E}"/>
+                    </a:ext>
+                  </a:extLst>
+                </p:cNvPr>
+                <p:cNvGrpSpPr/>
+                <p:nvPr/>
+              </p:nvGrpSpPr>
+              <p:grpSpPr>
+                <a:xfrm>
+                  <a:off x="754367" y="2402480"/>
+                  <a:ext cx="1626884" cy="471791"/>
+                  <a:chOff x="1247740" y="1997983"/>
+                  <a:chExt cx="1626884" cy="471791"/>
+                </a:xfrm>
+              </p:grpSpPr>
+              <p:grpSp>
+                <p:nvGrpSpPr>
+                  <p:cNvPr id="43" name="Groupe 42">
+                    <a:extLst>
+                      <a:ext uri="{FF2B5EF4-FFF2-40B4-BE49-F238E27FC236}">
+                        <a16:creationId xmlns:a16="http://schemas.microsoft.com/office/drawing/2014/main" id="{48BFA71A-8887-43BC-9360-1210E2228BEF}"/>
+                      </a:ext>
+                    </a:extLst>
+                  </p:cNvPr>
+                  <p:cNvGrpSpPr/>
+                  <p:nvPr/>
+                </p:nvGrpSpPr>
+                <p:grpSpPr>
+                  <a:xfrm>
+                    <a:off x="1351256" y="1997983"/>
+                    <a:ext cx="1523368" cy="371752"/>
+                    <a:chOff x="1351256" y="1997983"/>
+                    <a:chExt cx="1523368" cy="371752"/>
+                  </a:xfrm>
+                </p:grpSpPr>
+                <p:sp>
+                  <p:nvSpPr>
+                    <p:cNvPr id="44" name="ZoneTexte 43">
+                      <a:extLst>
+                        <a:ext uri="{FF2B5EF4-FFF2-40B4-BE49-F238E27FC236}">
+                          <a16:creationId xmlns:a16="http://schemas.microsoft.com/office/drawing/2014/main" id="{F07AA0F8-40BC-45D9-B9F5-768DE565E513}"/>
+                        </a:ext>
+                      </a:extLst>
+                    </p:cNvPr>
+                    <p:cNvSpPr txBox="1"/>
+                    <p:nvPr/>
+                  </p:nvSpPr>
+                  <p:spPr>
+                    <a:xfrm>
+                      <a:off x="1503088" y="1997983"/>
+                      <a:ext cx="1371536" cy="246221"/>
+                    </a:xfrm>
+                    <a:prstGeom prst="rect">
+                      <a:avLst/>
+                    </a:prstGeom>
+                    <a:noFill/>
+                  </p:spPr>
+                  <p:txBody>
+                    <a:bodyPr wrap="square" rtlCol="0">
+                      <a:spAutoFit/>
+                    </a:bodyPr>
+                    <a:lstStyle/>
+                    <a:p>
+                      <a:r>
+                        <a:rPr lang="fr-FR" sz="1000" dirty="0">
+                          <a:latin typeface="Arial Narrow" panose="020B0606020202030204" pitchFamily="34" charset="0"/>
+                        </a:rPr>
+                        <a:t>Carré</a:t>
+                      </a:r>
+                      <a:endParaRPr lang="fr-FR" dirty="0">
+                        <a:latin typeface="Arial Narrow" panose="020B0606020202030204" pitchFamily="34" charset="0"/>
+                      </a:endParaRPr>
+                    </a:p>
+                  </p:txBody>
+                </p:sp>
+                <p:cxnSp>
+                  <p:nvCxnSpPr>
+                    <p:cNvPr id="45" name="Connecteur droit 44">
+                      <a:extLst>
+                        <a:ext uri="{FF2B5EF4-FFF2-40B4-BE49-F238E27FC236}">
+                          <a16:creationId xmlns:a16="http://schemas.microsoft.com/office/drawing/2014/main" id="{98ABA631-67FE-44A0-A18E-2E00DF0331E2}"/>
+                        </a:ext>
+                      </a:extLst>
+                    </p:cNvPr>
+                    <p:cNvCxnSpPr>
+                      <a:cxnSpLocks/>
+                    </p:cNvCxnSpPr>
+                    <p:nvPr/>
+                  </p:nvCxnSpPr>
+                  <p:spPr>
+                    <a:xfrm flipV="1">
+                      <a:off x="1351256" y="2153735"/>
+                      <a:ext cx="216000" cy="216000"/>
+                    </a:xfrm>
+                    <a:prstGeom prst="line">
+                      <a:avLst/>
+                    </a:prstGeom>
+                    <a:ln w="9525">
+                      <a:solidFill>
+                        <a:schemeClr val="tx1"/>
+                      </a:solidFill>
+                    </a:ln>
+                  </p:spPr>
+                  <p:style>
+                    <a:lnRef idx="1">
+                      <a:schemeClr val="accent1"/>
+                    </a:lnRef>
+                    <a:fillRef idx="0">
+                      <a:schemeClr val="accent1"/>
+                    </a:fillRef>
+                    <a:effectRef idx="0">
+                      <a:schemeClr val="accent1"/>
+                    </a:effectRef>
+                    <a:fontRef idx="minor">
+                      <a:schemeClr val="tx1"/>
+                    </a:fontRef>
+                  </p:style>
+                </p:cxnSp>
+                <p:cxnSp>
+                  <p:nvCxnSpPr>
+                    <p:cNvPr id="46" name="Connecteur droit 45">
+                      <a:extLst>
+                        <a:ext uri="{FF2B5EF4-FFF2-40B4-BE49-F238E27FC236}">
+                          <a16:creationId xmlns:a16="http://schemas.microsoft.com/office/drawing/2014/main" id="{B1365617-CBCC-48E8-A3EF-410FE1CF4E13}"/>
+                        </a:ext>
+                      </a:extLst>
+                    </p:cNvPr>
+                    <p:cNvCxnSpPr>
+                      <a:cxnSpLocks/>
+                    </p:cNvCxnSpPr>
+                    <p:nvPr/>
+                  </p:nvCxnSpPr>
+                  <p:spPr>
+                    <a:xfrm flipV="1">
+                      <a:off x="1567256" y="2035412"/>
+                      <a:ext cx="0" cy="180000"/>
+                    </a:xfrm>
+                    <a:prstGeom prst="line">
+                      <a:avLst/>
+                    </a:prstGeom>
+                    <a:ln w="9525">
+                      <a:solidFill>
+                        <a:schemeClr val="tx1"/>
+                      </a:solidFill>
+                    </a:ln>
+                  </p:spPr>
+                  <p:style>
+                    <a:lnRef idx="1">
+                      <a:schemeClr val="accent1"/>
+                    </a:lnRef>
+                    <a:fillRef idx="0">
+                      <a:schemeClr val="accent1"/>
+                    </a:fillRef>
+                    <a:effectRef idx="0">
+                      <a:schemeClr val="accent1"/>
+                    </a:effectRef>
+                    <a:fontRef idx="minor">
+                      <a:schemeClr val="tx1"/>
+                    </a:fontRef>
+                  </p:style>
+                </p:cxnSp>
+              </p:grpSp>
+              <p:sp>
+                <p:nvSpPr>
+                  <p:cNvPr id="42" name="Rectangle 41">
+                    <a:extLst>
+                      <a:ext uri="{FF2B5EF4-FFF2-40B4-BE49-F238E27FC236}">
+                        <a16:creationId xmlns:a16="http://schemas.microsoft.com/office/drawing/2014/main" id="{6995E2FE-42AF-493E-89DD-CBE0C8EE9975}"/>
+                      </a:ext>
+                    </a:extLst>
+                  </p:cNvPr>
+                  <p:cNvSpPr/>
+                  <p:nvPr/>
+                </p:nvSpPr>
+                <p:spPr>
+                  <a:xfrm>
+                    <a:off x="1247740" y="2298488"/>
+                    <a:ext cx="171286" cy="171286"/>
+                  </a:xfrm>
+                  <a:prstGeom prst="rect">
+                    <a:avLst/>
+                  </a:prstGeom>
+                  <a:solidFill>
+                    <a:schemeClr val="accent4">
+                      <a:lumMod val="20000"/>
+                      <a:lumOff val="80000"/>
+                    </a:schemeClr>
+                  </a:solidFill>
+                  <a:ln w="28575">
+                    <a:solidFill>
+                      <a:schemeClr val="accent4">
+                        <a:lumMod val="50000"/>
+                      </a:schemeClr>
+                    </a:solidFill>
+                  </a:ln>
+                </p:spPr>
+                <p:style>
+                  <a:lnRef idx="2">
+                    <a:schemeClr val="accent1">
+                      <a:shade val="50000"/>
+                    </a:schemeClr>
+                  </a:lnRef>
+                  <a:fillRef idx="1">
+                    <a:schemeClr val="accent1"/>
+                  </a:fillRef>
+                  <a:effectRef idx="0">
+                    <a:schemeClr val="accent1"/>
+                  </a:effectRef>
+                  <a:fontRef idx="minor">
+                    <a:schemeClr val="lt1"/>
+                  </a:fontRef>
+                </p:style>
+                <p:txBody>
+                  <a:bodyPr rtlCol="0" anchor="ctr"/>
+                  <a:lstStyle/>
+                  <a:p>
+                    <a:pPr algn="ctr"/>
+                    <a:endParaRPr lang="fr-FR"/>
+                  </a:p>
+                </p:txBody>
+              </p:sp>
+            </p:grpSp>
+            <p:grpSp>
+              <p:nvGrpSpPr>
+                <p:cNvPr id="47" name="Groupe 46">
+                  <a:extLst>
+                    <a:ext uri="{FF2B5EF4-FFF2-40B4-BE49-F238E27FC236}">
+                      <a16:creationId xmlns:a16="http://schemas.microsoft.com/office/drawing/2014/main" id="{4B655FC4-8CD5-435D-8BB6-FEC079FFD824}"/>
+                    </a:ext>
+                  </a:extLst>
+                </p:cNvPr>
+                <p:cNvGrpSpPr/>
+                <p:nvPr/>
+              </p:nvGrpSpPr>
+              <p:grpSpPr>
+                <a:xfrm>
+                  <a:off x="1344949" y="2430702"/>
+                  <a:ext cx="1632537" cy="443569"/>
+                  <a:chOff x="1080087" y="2770099"/>
+                  <a:chExt cx="1632537" cy="443569"/>
+                </a:xfrm>
+              </p:grpSpPr>
+              <p:grpSp>
+                <p:nvGrpSpPr>
+                  <p:cNvPr id="49" name="Groupe 48">
+                    <a:extLst>
+                      <a:ext uri="{FF2B5EF4-FFF2-40B4-BE49-F238E27FC236}">
+                        <a16:creationId xmlns:a16="http://schemas.microsoft.com/office/drawing/2014/main" id="{27212488-ACF1-4321-B488-BEDC5A92735D}"/>
+                      </a:ext>
+                    </a:extLst>
+                  </p:cNvPr>
+                  <p:cNvGrpSpPr/>
+                  <p:nvPr/>
+                </p:nvGrpSpPr>
+                <p:grpSpPr>
+                  <a:xfrm>
+                    <a:off x="1189256" y="2770099"/>
+                    <a:ext cx="1523368" cy="371752"/>
+                    <a:chOff x="1351256" y="1997983"/>
+                    <a:chExt cx="1523368" cy="371752"/>
+                  </a:xfrm>
+                </p:grpSpPr>
+                <p:sp>
+                  <p:nvSpPr>
+                    <p:cNvPr id="50" name="ZoneTexte 49">
+                      <a:extLst>
+                        <a:ext uri="{FF2B5EF4-FFF2-40B4-BE49-F238E27FC236}">
+                          <a16:creationId xmlns:a16="http://schemas.microsoft.com/office/drawing/2014/main" id="{2C91AE5C-DC8F-4415-BB21-0E59DDBA8E95}"/>
+                        </a:ext>
+                      </a:extLst>
+                    </p:cNvPr>
+                    <p:cNvSpPr txBox="1"/>
+                    <p:nvPr/>
+                  </p:nvSpPr>
+                  <p:spPr>
+                    <a:xfrm>
+                      <a:off x="1503088" y="1997983"/>
+                      <a:ext cx="1371536" cy="246221"/>
+                    </a:xfrm>
+                    <a:prstGeom prst="rect">
+                      <a:avLst/>
+                    </a:prstGeom>
+                    <a:noFill/>
+                  </p:spPr>
+                  <p:txBody>
+                    <a:bodyPr wrap="square" rtlCol="0">
+                      <a:spAutoFit/>
+                    </a:bodyPr>
+                    <a:lstStyle/>
+                    <a:p>
+                      <a:r>
+                        <a:rPr lang="fr-FR" sz="1000" dirty="0">
+                          <a:latin typeface="Arial Narrow" panose="020B0606020202030204" pitchFamily="34" charset="0"/>
+                        </a:rPr>
+                        <a:t>Triangle</a:t>
+                      </a:r>
+                      <a:endParaRPr lang="fr-FR" dirty="0">
+                        <a:latin typeface="Arial Narrow" panose="020B0606020202030204" pitchFamily="34" charset="0"/>
+                      </a:endParaRPr>
+                    </a:p>
+                  </p:txBody>
+                </p:sp>
+                <p:cxnSp>
+                  <p:nvCxnSpPr>
+                    <p:cNvPr id="51" name="Connecteur droit 50">
+                      <a:extLst>
+                        <a:ext uri="{FF2B5EF4-FFF2-40B4-BE49-F238E27FC236}">
+                          <a16:creationId xmlns:a16="http://schemas.microsoft.com/office/drawing/2014/main" id="{06BF2000-0FF2-486E-8D71-41051A5E9C3E}"/>
+                        </a:ext>
+                      </a:extLst>
+                    </p:cNvPr>
+                    <p:cNvCxnSpPr>
+                      <a:cxnSpLocks/>
+                    </p:cNvCxnSpPr>
+                    <p:nvPr/>
+                  </p:nvCxnSpPr>
+                  <p:spPr>
+                    <a:xfrm flipV="1">
+                      <a:off x="1351256" y="2153735"/>
+                      <a:ext cx="216000" cy="216000"/>
+                    </a:xfrm>
+                    <a:prstGeom prst="line">
+                      <a:avLst/>
+                    </a:prstGeom>
+                    <a:ln w="9525">
+                      <a:solidFill>
+                        <a:schemeClr val="tx1"/>
+                      </a:solidFill>
+                    </a:ln>
+                  </p:spPr>
+                  <p:style>
+                    <a:lnRef idx="1">
+                      <a:schemeClr val="accent1"/>
+                    </a:lnRef>
+                    <a:fillRef idx="0">
+                      <a:schemeClr val="accent1"/>
+                    </a:fillRef>
+                    <a:effectRef idx="0">
+                      <a:schemeClr val="accent1"/>
+                    </a:effectRef>
+                    <a:fontRef idx="minor">
+                      <a:schemeClr val="tx1"/>
+                    </a:fontRef>
+                  </p:style>
+                </p:cxnSp>
+                <p:cxnSp>
+                  <p:nvCxnSpPr>
+                    <p:cNvPr id="52" name="Connecteur droit 51">
+                      <a:extLst>
+                        <a:ext uri="{FF2B5EF4-FFF2-40B4-BE49-F238E27FC236}">
+                          <a16:creationId xmlns:a16="http://schemas.microsoft.com/office/drawing/2014/main" id="{64256635-E4DA-4B61-8108-3B61221AE9A6}"/>
+                        </a:ext>
+                      </a:extLst>
+                    </p:cNvPr>
+                    <p:cNvCxnSpPr>
+                      <a:cxnSpLocks/>
+                    </p:cNvCxnSpPr>
+                    <p:nvPr/>
+                  </p:nvCxnSpPr>
+                  <p:spPr>
+                    <a:xfrm flipV="1">
+                      <a:off x="1567256" y="2035412"/>
+                      <a:ext cx="0" cy="180000"/>
+                    </a:xfrm>
+                    <a:prstGeom prst="line">
+                      <a:avLst/>
+                    </a:prstGeom>
+                    <a:ln w="9525">
+                      <a:solidFill>
+                        <a:schemeClr val="tx1"/>
+                      </a:solidFill>
+                    </a:ln>
+                  </p:spPr>
+                  <p:style>
+                    <a:lnRef idx="1">
+                      <a:schemeClr val="accent1"/>
+                    </a:lnRef>
+                    <a:fillRef idx="0">
+                      <a:schemeClr val="accent1"/>
+                    </a:fillRef>
+                    <a:effectRef idx="0">
+                      <a:schemeClr val="accent1"/>
+                    </a:effectRef>
+                    <a:fontRef idx="minor">
+                      <a:schemeClr val="tx1"/>
+                    </a:fontRef>
+                  </p:style>
+                </p:cxnSp>
+              </p:grpSp>
+              <p:sp>
+                <p:nvSpPr>
+                  <p:cNvPr id="48" name="Triangle isocèle 47">
+                    <a:extLst>
+                      <a:ext uri="{FF2B5EF4-FFF2-40B4-BE49-F238E27FC236}">
+                        <a16:creationId xmlns:a16="http://schemas.microsoft.com/office/drawing/2014/main" id="{B661DAE1-0961-404C-ACEE-1627048ABAAF}"/>
+                      </a:ext>
+                    </a:extLst>
+                  </p:cNvPr>
+                  <p:cNvSpPr/>
+                  <p:nvPr/>
+                </p:nvSpPr>
+                <p:spPr>
+                  <a:xfrm>
+                    <a:off x="1080087" y="3019592"/>
+                    <a:ext cx="218336" cy="194076"/>
+                  </a:xfrm>
+                  <a:prstGeom prst="triangle">
+                    <a:avLst/>
+                  </a:prstGeom>
+                  <a:solidFill>
+                    <a:schemeClr val="accent2">
+                      <a:lumMod val="20000"/>
+                      <a:lumOff val="80000"/>
+                    </a:schemeClr>
+                  </a:solidFill>
+                  <a:ln w="28575">
+                    <a:solidFill>
+                      <a:schemeClr val="accent2">
+                        <a:lumMod val="50000"/>
+                      </a:schemeClr>
+                    </a:solidFill>
+                  </a:ln>
+                </p:spPr>
+                <p:style>
+                  <a:lnRef idx="2">
+                    <a:schemeClr val="accent1">
+                      <a:shade val="50000"/>
+                    </a:schemeClr>
+                  </a:lnRef>
+                  <a:fillRef idx="1">
+                    <a:schemeClr val="accent1"/>
+                  </a:fillRef>
+                  <a:effectRef idx="0">
+                    <a:schemeClr val="accent1"/>
+                  </a:effectRef>
+                  <a:fontRef idx="minor">
+                    <a:schemeClr val="lt1"/>
+                  </a:fontRef>
+                </p:style>
+                <p:txBody>
+                  <a:bodyPr rtlCol="0" anchor="ctr"/>
+                  <a:lstStyle/>
+                  <a:p>
+                    <a:pPr algn="ctr"/>
+                    <a:endParaRPr lang="fr-FR"/>
+                  </a:p>
+                </p:txBody>
+              </p:sp>
+            </p:grpSp>
+            <p:grpSp>
+              <p:nvGrpSpPr>
+                <p:cNvPr id="53" name="Groupe 52">
+                  <a:extLst>
+                    <a:ext uri="{FF2B5EF4-FFF2-40B4-BE49-F238E27FC236}">
+                      <a16:creationId xmlns:a16="http://schemas.microsoft.com/office/drawing/2014/main" id="{674B0203-8A3F-4D29-8922-0724153D7A38}"/>
+                    </a:ext>
+                  </a:extLst>
+                </p:cNvPr>
+                <p:cNvGrpSpPr/>
+                <p:nvPr/>
+              </p:nvGrpSpPr>
+              <p:grpSpPr>
+                <a:xfrm>
+                  <a:off x="1931794" y="2435554"/>
+                  <a:ext cx="1610047" cy="438717"/>
+                  <a:chOff x="1084577" y="3687138"/>
+                  <a:chExt cx="1610047" cy="438717"/>
+                </a:xfrm>
+              </p:grpSpPr>
+              <p:grpSp>
+                <p:nvGrpSpPr>
+                  <p:cNvPr id="55" name="Groupe 54">
+                    <a:extLst>
+                      <a:ext uri="{FF2B5EF4-FFF2-40B4-BE49-F238E27FC236}">
+                        <a16:creationId xmlns:a16="http://schemas.microsoft.com/office/drawing/2014/main" id="{7B629203-5D2F-47D1-886B-E9CF5C5B5F63}"/>
+                      </a:ext>
+                    </a:extLst>
+                  </p:cNvPr>
+                  <p:cNvGrpSpPr/>
+                  <p:nvPr/>
+                </p:nvGrpSpPr>
+                <p:grpSpPr>
+                  <a:xfrm>
+                    <a:off x="1171256" y="3687138"/>
+                    <a:ext cx="1523368" cy="371752"/>
+                    <a:chOff x="1351256" y="1997983"/>
+                    <a:chExt cx="1523368" cy="371752"/>
+                  </a:xfrm>
+                </p:grpSpPr>
+                <p:sp>
+                  <p:nvSpPr>
+                    <p:cNvPr id="56" name="ZoneTexte 55">
+                      <a:extLst>
+                        <a:ext uri="{FF2B5EF4-FFF2-40B4-BE49-F238E27FC236}">
+                          <a16:creationId xmlns:a16="http://schemas.microsoft.com/office/drawing/2014/main" id="{4A7E16B6-86CA-426F-8064-9DA3B5221E3F}"/>
+                        </a:ext>
+                      </a:extLst>
+                    </p:cNvPr>
+                    <p:cNvSpPr txBox="1"/>
+                    <p:nvPr/>
+                  </p:nvSpPr>
+                  <p:spPr>
+                    <a:xfrm>
+                      <a:off x="1503088" y="1997983"/>
+                      <a:ext cx="1371536" cy="246221"/>
+                    </a:xfrm>
+                    <a:prstGeom prst="rect">
+                      <a:avLst/>
+                    </a:prstGeom>
+                    <a:noFill/>
+                  </p:spPr>
+                  <p:txBody>
+                    <a:bodyPr wrap="square" rtlCol="0">
+                      <a:spAutoFit/>
+                    </a:bodyPr>
+                    <a:lstStyle/>
+                    <a:p>
+                      <a:r>
+                        <a:rPr lang="fr-FR" sz="1000" dirty="0">
+                          <a:latin typeface="Arial Narrow" panose="020B0606020202030204" pitchFamily="34" charset="0"/>
+                        </a:rPr>
+                        <a:t>Pentagone</a:t>
+                      </a:r>
+                      <a:endParaRPr lang="fr-FR" dirty="0">
+                        <a:latin typeface="Arial Narrow" panose="020B0606020202030204" pitchFamily="34" charset="0"/>
+                      </a:endParaRPr>
+                    </a:p>
+                  </p:txBody>
+                </p:sp>
+                <p:cxnSp>
+                  <p:nvCxnSpPr>
+                    <p:cNvPr id="57" name="Connecteur droit 56">
+                      <a:extLst>
+                        <a:ext uri="{FF2B5EF4-FFF2-40B4-BE49-F238E27FC236}">
+                          <a16:creationId xmlns:a16="http://schemas.microsoft.com/office/drawing/2014/main" id="{93118485-ACF4-4539-89D3-EA701AC0C835}"/>
+                        </a:ext>
+                      </a:extLst>
+                    </p:cNvPr>
+                    <p:cNvCxnSpPr>
+                      <a:cxnSpLocks/>
+                    </p:cNvCxnSpPr>
+                    <p:nvPr/>
+                  </p:nvCxnSpPr>
+                  <p:spPr>
+                    <a:xfrm flipV="1">
+                      <a:off x="1351256" y="2153735"/>
+                      <a:ext cx="216000" cy="216000"/>
+                    </a:xfrm>
+                    <a:prstGeom prst="line">
+                      <a:avLst/>
+                    </a:prstGeom>
+                    <a:ln w="9525">
+                      <a:solidFill>
+                        <a:schemeClr val="tx1"/>
+                      </a:solidFill>
+                    </a:ln>
+                  </p:spPr>
+                  <p:style>
+                    <a:lnRef idx="1">
+                      <a:schemeClr val="accent1"/>
+                    </a:lnRef>
+                    <a:fillRef idx="0">
+                      <a:schemeClr val="accent1"/>
+                    </a:fillRef>
+                    <a:effectRef idx="0">
+                      <a:schemeClr val="accent1"/>
+                    </a:effectRef>
+                    <a:fontRef idx="minor">
+                      <a:schemeClr val="tx1"/>
+                    </a:fontRef>
+                  </p:style>
+                </p:cxnSp>
+                <p:cxnSp>
+                  <p:nvCxnSpPr>
+                    <p:cNvPr id="58" name="Connecteur droit 57">
+                      <a:extLst>
+                        <a:ext uri="{FF2B5EF4-FFF2-40B4-BE49-F238E27FC236}">
+                          <a16:creationId xmlns:a16="http://schemas.microsoft.com/office/drawing/2014/main" id="{6FDD02B9-B9B7-46EF-8DFF-CFF89E229561}"/>
+                        </a:ext>
+                      </a:extLst>
+                    </p:cNvPr>
+                    <p:cNvCxnSpPr>
+                      <a:cxnSpLocks/>
+                    </p:cNvCxnSpPr>
+                    <p:nvPr/>
+                  </p:nvCxnSpPr>
+                  <p:spPr>
+                    <a:xfrm flipV="1">
+                      <a:off x="1567256" y="2035412"/>
+                      <a:ext cx="0" cy="180000"/>
+                    </a:xfrm>
+                    <a:prstGeom prst="line">
+                      <a:avLst/>
+                    </a:prstGeom>
+                    <a:ln w="9525">
+                      <a:solidFill>
+                        <a:schemeClr val="tx1"/>
+                      </a:solidFill>
+                    </a:ln>
+                  </p:spPr>
+                  <p:style>
+                    <a:lnRef idx="1">
+                      <a:schemeClr val="accent1"/>
+                    </a:lnRef>
+                    <a:fillRef idx="0">
+                      <a:schemeClr val="accent1"/>
+                    </a:fillRef>
+                    <a:effectRef idx="0">
+                      <a:schemeClr val="accent1"/>
+                    </a:effectRef>
+                    <a:fontRef idx="minor">
+                      <a:schemeClr val="tx1"/>
+                    </a:fontRef>
+                  </p:style>
+                </p:cxnSp>
+              </p:grpSp>
+              <p:sp>
+                <p:nvSpPr>
+                  <p:cNvPr id="54" name="Pentagone 53">
+                    <a:extLst>
+                      <a:ext uri="{FF2B5EF4-FFF2-40B4-BE49-F238E27FC236}">
+                        <a16:creationId xmlns:a16="http://schemas.microsoft.com/office/drawing/2014/main" id="{42FD8E12-8D8A-4826-A627-A0DF159EB03A}"/>
+                      </a:ext>
+                    </a:extLst>
+                  </p:cNvPr>
+                  <p:cNvSpPr/>
+                  <p:nvPr/>
+                </p:nvSpPr>
+                <p:spPr>
+                  <a:xfrm>
+                    <a:off x="1084577" y="3952499"/>
+                    <a:ext cx="173356" cy="173356"/>
+                  </a:xfrm>
+                  <a:prstGeom prst="pentagon">
+                    <a:avLst/>
+                  </a:prstGeom>
+                  <a:solidFill>
+                    <a:schemeClr val="accent5">
+                      <a:lumMod val="20000"/>
+                      <a:lumOff val="80000"/>
+                    </a:schemeClr>
+                  </a:solidFill>
+                  <a:ln w="28575">
+                    <a:solidFill>
+                      <a:schemeClr val="accent5">
+                        <a:lumMod val="50000"/>
+                      </a:schemeClr>
+                    </a:solidFill>
+                  </a:ln>
+                </p:spPr>
+                <p:style>
+                  <a:lnRef idx="2">
+                    <a:schemeClr val="accent1">
+                      <a:shade val="50000"/>
+                    </a:schemeClr>
+                  </a:lnRef>
+                  <a:fillRef idx="1">
+                    <a:schemeClr val="accent1"/>
+                  </a:fillRef>
+                  <a:effectRef idx="0">
+                    <a:schemeClr val="accent1"/>
+                  </a:effectRef>
+                  <a:fontRef idx="minor">
+                    <a:schemeClr val="lt1"/>
+                  </a:fontRef>
+                </p:style>
+                <p:txBody>
+                  <a:bodyPr rtlCol="0" anchor="ctr"/>
+                  <a:lstStyle/>
+                  <a:p>
+                    <a:pPr algn="ctr"/>
+                    <a:endParaRPr lang="fr-FR"/>
+                  </a:p>
+                </p:txBody>
+              </p:sp>
+            </p:grpSp>
+            <p:grpSp>
+              <p:nvGrpSpPr>
+                <p:cNvPr id="59" name="Groupe 58">
+                  <a:extLst>
+                    <a:ext uri="{FF2B5EF4-FFF2-40B4-BE49-F238E27FC236}">
+                      <a16:creationId xmlns:a16="http://schemas.microsoft.com/office/drawing/2014/main" id="{7AE01F45-7F65-49DE-8F89-2E483A923CDE}"/>
+                    </a:ext>
+                  </a:extLst>
+                </p:cNvPr>
+                <p:cNvGrpSpPr/>
+                <p:nvPr/>
+              </p:nvGrpSpPr>
+              <p:grpSpPr>
+                <a:xfrm>
+                  <a:off x="746534" y="2864686"/>
+                  <a:ext cx="1626884" cy="471791"/>
+                  <a:chOff x="1247740" y="1997983"/>
+                  <a:chExt cx="1626884" cy="471791"/>
+                </a:xfrm>
+              </p:grpSpPr>
+              <p:grpSp>
+                <p:nvGrpSpPr>
+                  <p:cNvPr id="60" name="Groupe 59">
+                    <a:extLst>
+                      <a:ext uri="{FF2B5EF4-FFF2-40B4-BE49-F238E27FC236}">
+                        <a16:creationId xmlns:a16="http://schemas.microsoft.com/office/drawing/2014/main" id="{7DA300CA-9EF3-4978-ACF4-2971CA18E909}"/>
+                      </a:ext>
+                    </a:extLst>
+                  </p:cNvPr>
+                  <p:cNvGrpSpPr/>
+                  <p:nvPr/>
+                </p:nvGrpSpPr>
+                <p:grpSpPr>
+                  <a:xfrm>
+                    <a:off x="1351256" y="1997983"/>
+                    <a:ext cx="1523368" cy="371752"/>
+                    <a:chOff x="1351256" y="1997983"/>
+                    <a:chExt cx="1523368" cy="371752"/>
+                  </a:xfrm>
+                </p:grpSpPr>
+                <p:sp>
+                  <p:nvSpPr>
+                    <p:cNvPr id="62" name="ZoneTexte 61">
+                      <a:extLst>
+                        <a:ext uri="{FF2B5EF4-FFF2-40B4-BE49-F238E27FC236}">
+                          <a16:creationId xmlns:a16="http://schemas.microsoft.com/office/drawing/2014/main" id="{D8E8C681-FFC6-4C32-AC2D-1698CFD2F2B6}"/>
+                        </a:ext>
+                      </a:extLst>
+                    </p:cNvPr>
+                    <p:cNvSpPr txBox="1"/>
+                    <p:nvPr/>
+                  </p:nvSpPr>
+                  <p:spPr>
+                    <a:xfrm>
+                      <a:off x="1503088" y="1997983"/>
+                      <a:ext cx="1371536" cy="246221"/>
+                    </a:xfrm>
+                    <a:prstGeom prst="rect">
+                      <a:avLst/>
+                    </a:prstGeom>
+                    <a:noFill/>
+                  </p:spPr>
+                  <p:txBody>
+                    <a:bodyPr wrap="square" rtlCol="0">
+                      <a:spAutoFit/>
+                    </a:bodyPr>
+                    <a:lstStyle/>
+                    <a:p>
+                      <a:r>
+                        <a:rPr lang="fr-FR" sz="1000" dirty="0">
+                          <a:latin typeface="Arial Narrow" panose="020B0606020202030204" pitchFamily="34" charset="0"/>
+                        </a:rPr>
+                        <a:t>Carré</a:t>
+                      </a:r>
+                      <a:endParaRPr lang="fr-FR" dirty="0">
+                        <a:latin typeface="Arial Narrow" panose="020B0606020202030204" pitchFamily="34" charset="0"/>
+                      </a:endParaRPr>
+                    </a:p>
+                  </p:txBody>
+                </p:sp>
+                <p:cxnSp>
+                  <p:nvCxnSpPr>
+                    <p:cNvPr id="63" name="Connecteur droit 62">
+                      <a:extLst>
+                        <a:ext uri="{FF2B5EF4-FFF2-40B4-BE49-F238E27FC236}">
+                          <a16:creationId xmlns:a16="http://schemas.microsoft.com/office/drawing/2014/main" id="{2423D05D-2A30-460F-B1F3-95919671D86A}"/>
+                        </a:ext>
+                      </a:extLst>
+                    </p:cNvPr>
+                    <p:cNvCxnSpPr>
+                      <a:cxnSpLocks/>
+                    </p:cNvCxnSpPr>
+                    <p:nvPr/>
+                  </p:nvCxnSpPr>
+                  <p:spPr>
+                    <a:xfrm flipV="1">
+                      <a:off x="1351256" y="2153735"/>
+                      <a:ext cx="216000" cy="216000"/>
+                    </a:xfrm>
+                    <a:prstGeom prst="line">
+                      <a:avLst/>
+                    </a:prstGeom>
+                    <a:ln w="9525">
+                      <a:solidFill>
+                        <a:schemeClr val="tx1"/>
+                      </a:solidFill>
+                    </a:ln>
+                  </p:spPr>
+                  <p:style>
+                    <a:lnRef idx="1">
+                      <a:schemeClr val="accent1"/>
+                    </a:lnRef>
+                    <a:fillRef idx="0">
+                      <a:schemeClr val="accent1"/>
+                    </a:fillRef>
+                    <a:effectRef idx="0">
+                      <a:schemeClr val="accent1"/>
+                    </a:effectRef>
+                    <a:fontRef idx="minor">
+                      <a:schemeClr val="tx1"/>
+                    </a:fontRef>
+                  </p:style>
+                </p:cxnSp>
+                <p:cxnSp>
+                  <p:nvCxnSpPr>
+                    <p:cNvPr id="64" name="Connecteur droit 63">
+                      <a:extLst>
+                        <a:ext uri="{FF2B5EF4-FFF2-40B4-BE49-F238E27FC236}">
+                          <a16:creationId xmlns:a16="http://schemas.microsoft.com/office/drawing/2014/main" id="{7DE27263-71AF-4A9F-8A73-E79E447C70C7}"/>
+                        </a:ext>
+                      </a:extLst>
+                    </p:cNvPr>
+                    <p:cNvCxnSpPr>
+                      <a:cxnSpLocks/>
+                    </p:cNvCxnSpPr>
+                    <p:nvPr/>
+                  </p:nvCxnSpPr>
+                  <p:spPr>
+                    <a:xfrm flipV="1">
+                      <a:off x="1567256" y="2035412"/>
+                      <a:ext cx="0" cy="180000"/>
+                    </a:xfrm>
+                    <a:prstGeom prst="line">
+                      <a:avLst/>
+                    </a:prstGeom>
+                    <a:ln w="9525">
+                      <a:solidFill>
+                        <a:schemeClr val="tx1"/>
+                      </a:solidFill>
+                    </a:ln>
+                  </p:spPr>
+                  <p:style>
+                    <a:lnRef idx="1">
+                      <a:schemeClr val="accent1"/>
+                    </a:lnRef>
+                    <a:fillRef idx="0">
+                      <a:schemeClr val="accent1"/>
+                    </a:fillRef>
+                    <a:effectRef idx="0">
+                      <a:schemeClr val="accent1"/>
+                    </a:effectRef>
+                    <a:fontRef idx="minor">
+                      <a:schemeClr val="tx1"/>
+                    </a:fontRef>
+                  </p:style>
+                </p:cxnSp>
+              </p:grpSp>
+              <p:sp>
+                <p:nvSpPr>
+                  <p:cNvPr id="61" name="Rectangle 60">
+                    <a:extLst>
+                      <a:ext uri="{FF2B5EF4-FFF2-40B4-BE49-F238E27FC236}">
+                        <a16:creationId xmlns:a16="http://schemas.microsoft.com/office/drawing/2014/main" id="{048C03F7-0259-4890-B276-9070E87C5E37}"/>
+                      </a:ext>
+                    </a:extLst>
+                  </p:cNvPr>
+                  <p:cNvSpPr/>
+                  <p:nvPr/>
+                </p:nvSpPr>
+                <p:spPr>
+                  <a:xfrm rot="2700000">
+                    <a:off x="1247740" y="2298488"/>
+                    <a:ext cx="171286" cy="171286"/>
+                  </a:xfrm>
+                  <a:prstGeom prst="rect">
+                    <a:avLst/>
+                  </a:prstGeom>
+                  <a:solidFill>
+                    <a:schemeClr val="accent4">
+                      <a:lumMod val="20000"/>
+                      <a:lumOff val="80000"/>
+                    </a:schemeClr>
+                  </a:solidFill>
+                  <a:ln w="28575">
+                    <a:solidFill>
+                      <a:schemeClr val="accent4">
+                        <a:lumMod val="50000"/>
+                      </a:schemeClr>
+                    </a:solidFill>
+                  </a:ln>
+                </p:spPr>
+                <p:style>
+                  <a:lnRef idx="2">
+                    <a:schemeClr val="accent1">
+                      <a:shade val="50000"/>
+                    </a:schemeClr>
+                  </a:lnRef>
+                  <a:fillRef idx="1">
+                    <a:schemeClr val="accent1"/>
+                  </a:fillRef>
+                  <a:effectRef idx="0">
+                    <a:schemeClr val="accent1"/>
+                  </a:effectRef>
+                  <a:fontRef idx="minor">
+                    <a:schemeClr val="lt1"/>
+                  </a:fontRef>
+                </p:style>
+                <p:txBody>
+                  <a:bodyPr rtlCol="0" anchor="ctr"/>
+                  <a:lstStyle/>
+                  <a:p>
+                    <a:pPr algn="ctr"/>
+                    <a:endParaRPr lang="fr-FR" dirty="0"/>
+                  </a:p>
+                </p:txBody>
+              </p:sp>
+            </p:grpSp>
+            <p:grpSp>
+              <p:nvGrpSpPr>
+                <p:cNvPr id="65" name="Groupe 64">
+                  <a:extLst>
+                    <a:ext uri="{FF2B5EF4-FFF2-40B4-BE49-F238E27FC236}">
+                      <a16:creationId xmlns:a16="http://schemas.microsoft.com/office/drawing/2014/main" id="{5C183D0B-8C88-459F-B3DF-9482FFEB675A}"/>
+                    </a:ext>
+                  </a:extLst>
+                </p:cNvPr>
+                <p:cNvGrpSpPr/>
+                <p:nvPr/>
+              </p:nvGrpSpPr>
+              <p:grpSpPr>
+                <a:xfrm>
+                  <a:off x="1340140" y="2871889"/>
+                  <a:ext cx="1620407" cy="455699"/>
+                  <a:chOff x="1092217" y="2770099"/>
+                  <a:chExt cx="1620407" cy="455699"/>
+                </a:xfrm>
+              </p:grpSpPr>
+              <p:grpSp>
+                <p:nvGrpSpPr>
+                  <p:cNvPr id="66" name="Groupe 65">
+                    <a:extLst>
+                      <a:ext uri="{FF2B5EF4-FFF2-40B4-BE49-F238E27FC236}">
+                        <a16:creationId xmlns:a16="http://schemas.microsoft.com/office/drawing/2014/main" id="{DDB9F85A-F1AB-4242-8161-6127089622A4}"/>
+                      </a:ext>
+                    </a:extLst>
+                  </p:cNvPr>
+                  <p:cNvGrpSpPr/>
+                  <p:nvPr/>
+                </p:nvGrpSpPr>
+                <p:grpSpPr>
+                  <a:xfrm>
+                    <a:off x="1189256" y="2770099"/>
+                    <a:ext cx="1523368" cy="371752"/>
+                    <a:chOff x="1351256" y="1997983"/>
+                    <a:chExt cx="1523368" cy="371752"/>
+                  </a:xfrm>
+                </p:grpSpPr>
+                <p:sp>
+                  <p:nvSpPr>
+                    <p:cNvPr id="68" name="ZoneTexte 67">
+                      <a:extLst>
+                        <a:ext uri="{FF2B5EF4-FFF2-40B4-BE49-F238E27FC236}">
+                          <a16:creationId xmlns:a16="http://schemas.microsoft.com/office/drawing/2014/main" id="{C59CDC61-561F-494C-ACB9-A2BE444B8C9C}"/>
+                        </a:ext>
+                      </a:extLst>
+                    </p:cNvPr>
+                    <p:cNvSpPr txBox="1"/>
+                    <p:nvPr/>
+                  </p:nvSpPr>
+                  <p:spPr>
+                    <a:xfrm>
+                      <a:off x="1503088" y="1997983"/>
+                      <a:ext cx="1371536" cy="246221"/>
+                    </a:xfrm>
+                    <a:prstGeom prst="rect">
+                      <a:avLst/>
+                    </a:prstGeom>
+                    <a:noFill/>
+                  </p:spPr>
+                  <p:txBody>
+                    <a:bodyPr wrap="square" rtlCol="0">
+                      <a:spAutoFit/>
+                    </a:bodyPr>
+                    <a:lstStyle/>
+                    <a:p>
+                      <a:r>
+                        <a:rPr lang="fr-FR" sz="1000" dirty="0">
+                          <a:latin typeface="Arial Narrow" panose="020B0606020202030204" pitchFamily="34" charset="0"/>
+                        </a:rPr>
+                        <a:t>Triangle</a:t>
+                      </a:r>
+                      <a:endParaRPr lang="fr-FR" dirty="0">
+                        <a:latin typeface="Arial Narrow" panose="020B0606020202030204" pitchFamily="34" charset="0"/>
+                      </a:endParaRPr>
+                    </a:p>
+                  </p:txBody>
+                </p:sp>
+                <p:cxnSp>
+                  <p:nvCxnSpPr>
+                    <p:cNvPr id="69" name="Connecteur droit 68">
+                      <a:extLst>
+                        <a:ext uri="{FF2B5EF4-FFF2-40B4-BE49-F238E27FC236}">
+                          <a16:creationId xmlns:a16="http://schemas.microsoft.com/office/drawing/2014/main" id="{8FFE30FF-E4FA-47A4-8CE3-1F753F06F0BA}"/>
+                        </a:ext>
+                      </a:extLst>
+                    </p:cNvPr>
+                    <p:cNvCxnSpPr>
+                      <a:cxnSpLocks/>
+                    </p:cNvCxnSpPr>
+                    <p:nvPr/>
+                  </p:nvCxnSpPr>
+                  <p:spPr>
+                    <a:xfrm flipV="1">
+                      <a:off x="1351256" y="2153735"/>
+                      <a:ext cx="216000" cy="216000"/>
+                    </a:xfrm>
+                    <a:prstGeom prst="line">
+                      <a:avLst/>
+                    </a:prstGeom>
+                    <a:ln w="9525">
+                      <a:solidFill>
+                        <a:schemeClr val="tx1"/>
+                      </a:solidFill>
+                    </a:ln>
+                  </p:spPr>
+                  <p:style>
+                    <a:lnRef idx="1">
+                      <a:schemeClr val="accent1"/>
+                    </a:lnRef>
+                    <a:fillRef idx="0">
+                      <a:schemeClr val="accent1"/>
+                    </a:fillRef>
+                    <a:effectRef idx="0">
+                      <a:schemeClr val="accent1"/>
+                    </a:effectRef>
+                    <a:fontRef idx="minor">
+                      <a:schemeClr val="tx1"/>
+                    </a:fontRef>
+                  </p:style>
+                </p:cxnSp>
+                <p:cxnSp>
+                  <p:nvCxnSpPr>
+                    <p:cNvPr id="70" name="Connecteur droit 69">
+                      <a:extLst>
+                        <a:ext uri="{FF2B5EF4-FFF2-40B4-BE49-F238E27FC236}">
+                          <a16:creationId xmlns:a16="http://schemas.microsoft.com/office/drawing/2014/main" id="{9AC2432E-16DE-42B5-B4B2-372B45DA7940}"/>
+                        </a:ext>
+                      </a:extLst>
+                    </p:cNvPr>
+                    <p:cNvCxnSpPr>
+                      <a:cxnSpLocks/>
+                    </p:cNvCxnSpPr>
+                    <p:nvPr/>
+                  </p:nvCxnSpPr>
+                  <p:spPr>
+                    <a:xfrm flipV="1">
+                      <a:off x="1567256" y="2035412"/>
+                      <a:ext cx="0" cy="180000"/>
+                    </a:xfrm>
+                    <a:prstGeom prst="line">
+                      <a:avLst/>
+                    </a:prstGeom>
+                    <a:ln w="9525">
+                      <a:solidFill>
+                        <a:schemeClr val="tx1"/>
+                      </a:solidFill>
+                    </a:ln>
+                  </p:spPr>
+                  <p:style>
+                    <a:lnRef idx="1">
+                      <a:schemeClr val="accent1"/>
+                    </a:lnRef>
+                    <a:fillRef idx="0">
+                      <a:schemeClr val="accent1"/>
+                    </a:fillRef>
+                    <a:effectRef idx="0">
+                      <a:schemeClr val="accent1"/>
+                    </a:effectRef>
+                    <a:fontRef idx="minor">
+                      <a:schemeClr val="tx1"/>
+                    </a:fontRef>
+                  </p:style>
+                </p:cxnSp>
+              </p:grpSp>
+              <p:sp>
+                <p:nvSpPr>
+                  <p:cNvPr id="67" name="Triangle isocèle 66">
+                    <a:extLst>
+                      <a:ext uri="{FF2B5EF4-FFF2-40B4-BE49-F238E27FC236}">
+                        <a16:creationId xmlns:a16="http://schemas.microsoft.com/office/drawing/2014/main" id="{8CA77BF3-53A7-4565-9C66-9B77E0D990FB}"/>
+                      </a:ext>
+                    </a:extLst>
+                  </p:cNvPr>
+                  <p:cNvSpPr/>
+                  <p:nvPr/>
+                </p:nvSpPr>
+                <p:spPr>
+                  <a:xfrm rot="2700000">
+                    <a:off x="1080087" y="3019592"/>
+                    <a:ext cx="218336" cy="194076"/>
+                  </a:xfrm>
+                  <a:prstGeom prst="triangle">
+                    <a:avLst/>
+                  </a:prstGeom>
+                  <a:solidFill>
+                    <a:schemeClr val="accent2">
+                      <a:lumMod val="20000"/>
+                      <a:lumOff val="80000"/>
+                    </a:schemeClr>
+                  </a:solidFill>
+                  <a:ln w="28575">
+                    <a:solidFill>
+                      <a:schemeClr val="accent2">
+                        <a:lumMod val="50000"/>
+                      </a:schemeClr>
+                    </a:solidFill>
+                  </a:ln>
+                </p:spPr>
+                <p:style>
+                  <a:lnRef idx="2">
+                    <a:schemeClr val="accent1">
+                      <a:shade val="50000"/>
+                    </a:schemeClr>
+                  </a:lnRef>
+                  <a:fillRef idx="1">
+                    <a:schemeClr val="accent1"/>
+                  </a:fillRef>
+                  <a:effectRef idx="0">
+                    <a:schemeClr val="accent1"/>
+                  </a:effectRef>
+                  <a:fontRef idx="minor">
+                    <a:schemeClr val="lt1"/>
+                  </a:fontRef>
+                </p:style>
+                <p:txBody>
+                  <a:bodyPr rtlCol="0" anchor="ctr"/>
+                  <a:lstStyle/>
+                  <a:p>
+                    <a:pPr algn="ctr"/>
+                    <a:endParaRPr lang="fr-FR" dirty="0"/>
+                  </a:p>
+                </p:txBody>
+              </p:sp>
+            </p:grpSp>
+            <p:grpSp>
+              <p:nvGrpSpPr>
+                <p:cNvPr id="71" name="Groupe 70">
+                  <a:extLst>
+                    <a:ext uri="{FF2B5EF4-FFF2-40B4-BE49-F238E27FC236}">
+                      <a16:creationId xmlns:a16="http://schemas.microsoft.com/office/drawing/2014/main" id="{0D0B5726-444F-46B4-8C7F-8F68E2303A31}"/>
+                    </a:ext>
+                  </a:extLst>
+                </p:cNvPr>
+                <p:cNvGrpSpPr/>
+                <p:nvPr/>
+              </p:nvGrpSpPr>
+              <p:grpSpPr>
+                <a:xfrm>
+                  <a:off x="1921061" y="2881474"/>
+                  <a:ext cx="1610047" cy="438717"/>
+                  <a:chOff x="1084577" y="3687138"/>
+                  <a:chExt cx="1610047" cy="438717"/>
+                </a:xfrm>
+              </p:grpSpPr>
+              <p:grpSp>
+                <p:nvGrpSpPr>
+                  <p:cNvPr id="72" name="Groupe 71">
+                    <a:extLst>
+                      <a:ext uri="{FF2B5EF4-FFF2-40B4-BE49-F238E27FC236}">
+                        <a16:creationId xmlns:a16="http://schemas.microsoft.com/office/drawing/2014/main" id="{549B2DC0-DD4E-476A-9DF9-D257974B78F1}"/>
+                      </a:ext>
+                    </a:extLst>
+                  </p:cNvPr>
+                  <p:cNvGrpSpPr/>
+                  <p:nvPr/>
+                </p:nvGrpSpPr>
+                <p:grpSpPr>
+                  <a:xfrm>
+                    <a:off x="1171256" y="3687138"/>
+                    <a:ext cx="1523368" cy="371752"/>
+                    <a:chOff x="1351256" y="1997983"/>
+                    <a:chExt cx="1523368" cy="371752"/>
+                  </a:xfrm>
+                </p:grpSpPr>
+                <p:sp>
+                  <p:nvSpPr>
+                    <p:cNvPr id="74" name="ZoneTexte 73">
+                      <a:extLst>
+                        <a:ext uri="{FF2B5EF4-FFF2-40B4-BE49-F238E27FC236}">
+                          <a16:creationId xmlns:a16="http://schemas.microsoft.com/office/drawing/2014/main" id="{C343CE9A-3A25-44E1-95A7-B05DF56D88B1}"/>
+                        </a:ext>
+                      </a:extLst>
+                    </p:cNvPr>
+                    <p:cNvSpPr txBox="1"/>
+                    <p:nvPr/>
+                  </p:nvSpPr>
+                  <p:spPr>
+                    <a:xfrm>
+                      <a:off x="1503088" y="1997983"/>
+                      <a:ext cx="1371536" cy="246221"/>
+                    </a:xfrm>
+                    <a:prstGeom prst="rect">
+                      <a:avLst/>
+                    </a:prstGeom>
+                    <a:noFill/>
+                  </p:spPr>
+                  <p:txBody>
+                    <a:bodyPr wrap="square" rtlCol="0">
+                      <a:spAutoFit/>
+                    </a:bodyPr>
+                    <a:lstStyle/>
+                    <a:p>
+                      <a:r>
+                        <a:rPr lang="fr-FR" sz="1000" dirty="0">
+                          <a:latin typeface="Arial Narrow" panose="020B0606020202030204" pitchFamily="34" charset="0"/>
+                        </a:rPr>
+                        <a:t>Pentagone</a:t>
+                      </a:r>
+                      <a:endParaRPr lang="fr-FR" dirty="0">
+                        <a:latin typeface="Arial Narrow" panose="020B0606020202030204" pitchFamily="34" charset="0"/>
+                      </a:endParaRPr>
+                    </a:p>
+                  </p:txBody>
+                </p:sp>
+                <p:cxnSp>
+                  <p:nvCxnSpPr>
+                    <p:cNvPr id="75" name="Connecteur droit 74">
+                      <a:extLst>
+                        <a:ext uri="{FF2B5EF4-FFF2-40B4-BE49-F238E27FC236}">
+                          <a16:creationId xmlns:a16="http://schemas.microsoft.com/office/drawing/2014/main" id="{6BDEDF2F-77A9-4E1F-9259-33053122662F}"/>
+                        </a:ext>
+                      </a:extLst>
+                    </p:cNvPr>
+                    <p:cNvCxnSpPr>
+                      <a:cxnSpLocks/>
+                    </p:cNvCxnSpPr>
+                    <p:nvPr/>
+                  </p:nvCxnSpPr>
+                  <p:spPr>
+                    <a:xfrm flipV="1">
+                      <a:off x="1351256" y="2153735"/>
+                      <a:ext cx="216000" cy="216000"/>
+                    </a:xfrm>
+                    <a:prstGeom prst="line">
+                      <a:avLst/>
+                    </a:prstGeom>
+                    <a:ln w="9525">
+                      <a:solidFill>
+                        <a:schemeClr val="tx1"/>
+                      </a:solidFill>
+                    </a:ln>
+                  </p:spPr>
+                  <p:style>
+                    <a:lnRef idx="1">
+                      <a:schemeClr val="accent1"/>
+                    </a:lnRef>
+                    <a:fillRef idx="0">
+                      <a:schemeClr val="accent1"/>
+                    </a:fillRef>
+                    <a:effectRef idx="0">
+                      <a:schemeClr val="accent1"/>
+                    </a:effectRef>
+                    <a:fontRef idx="minor">
+                      <a:schemeClr val="tx1"/>
+                    </a:fontRef>
+                  </p:style>
+                </p:cxnSp>
+                <p:cxnSp>
+                  <p:nvCxnSpPr>
+                    <p:cNvPr id="76" name="Connecteur droit 75">
+                      <a:extLst>
+                        <a:ext uri="{FF2B5EF4-FFF2-40B4-BE49-F238E27FC236}">
+                          <a16:creationId xmlns:a16="http://schemas.microsoft.com/office/drawing/2014/main" id="{B513A35A-E7D5-4A1D-9F67-4D35891619A2}"/>
+                        </a:ext>
+                      </a:extLst>
+                    </p:cNvPr>
+                    <p:cNvCxnSpPr>
+                      <a:cxnSpLocks/>
+                    </p:cNvCxnSpPr>
+                    <p:nvPr/>
+                  </p:nvCxnSpPr>
+                  <p:spPr>
+                    <a:xfrm flipV="1">
+                      <a:off x="1567256" y="2035412"/>
+                      <a:ext cx="0" cy="180000"/>
+                    </a:xfrm>
+                    <a:prstGeom prst="line">
+                      <a:avLst/>
+                    </a:prstGeom>
+                    <a:ln w="9525">
+                      <a:solidFill>
+                        <a:schemeClr val="tx1"/>
+                      </a:solidFill>
+                    </a:ln>
+                  </p:spPr>
+                  <p:style>
+                    <a:lnRef idx="1">
+                      <a:schemeClr val="accent1"/>
+                    </a:lnRef>
+                    <a:fillRef idx="0">
+                      <a:schemeClr val="accent1"/>
+                    </a:fillRef>
+                    <a:effectRef idx="0">
+                      <a:schemeClr val="accent1"/>
+                    </a:effectRef>
+                    <a:fontRef idx="minor">
+                      <a:schemeClr val="tx1"/>
+                    </a:fontRef>
+                  </p:style>
+                </p:cxnSp>
+              </p:grpSp>
+              <p:sp>
+                <p:nvSpPr>
+                  <p:cNvPr id="73" name="Pentagone 72">
+                    <a:extLst>
+                      <a:ext uri="{FF2B5EF4-FFF2-40B4-BE49-F238E27FC236}">
+                        <a16:creationId xmlns:a16="http://schemas.microsoft.com/office/drawing/2014/main" id="{9768B5D7-F5F9-435B-8099-4F1108AE2945}"/>
+                      </a:ext>
+                    </a:extLst>
+                  </p:cNvPr>
+                  <p:cNvSpPr/>
+                  <p:nvPr/>
+                </p:nvSpPr>
+                <p:spPr>
+                  <a:xfrm rot="19800000">
+                    <a:off x="1084577" y="3952499"/>
+                    <a:ext cx="173356" cy="173356"/>
+                  </a:xfrm>
+                  <a:prstGeom prst="pentagon">
+                    <a:avLst/>
+                  </a:prstGeom>
+                  <a:solidFill>
+                    <a:schemeClr val="accent5">
+                      <a:lumMod val="20000"/>
+                      <a:lumOff val="80000"/>
+                    </a:schemeClr>
+                  </a:solidFill>
+                  <a:ln w="28575">
+                    <a:solidFill>
+                      <a:schemeClr val="accent5">
+                        <a:lumMod val="50000"/>
+                      </a:schemeClr>
+                    </a:solidFill>
+                  </a:ln>
+                </p:spPr>
+                <p:style>
+                  <a:lnRef idx="2">
+                    <a:schemeClr val="accent1">
+                      <a:shade val="50000"/>
+                    </a:schemeClr>
+                  </a:lnRef>
+                  <a:fillRef idx="1">
+                    <a:schemeClr val="accent1"/>
+                  </a:fillRef>
+                  <a:effectRef idx="0">
+                    <a:schemeClr val="accent1"/>
+                  </a:effectRef>
+                  <a:fontRef idx="minor">
+                    <a:schemeClr val="lt1"/>
+                  </a:fontRef>
+                </p:style>
+                <p:txBody>
+                  <a:bodyPr rtlCol="0" anchor="ctr"/>
+                  <a:lstStyle/>
+                  <a:p>
+                    <a:pPr algn="ctr"/>
+                    <a:endParaRPr lang="fr-FR" dirty="0"/>
+                  </a:p>
+                </p:txBody>
+              </p:sp>
+            </p:grpSp>
+          </p:grpSp>
+        </p:grpSp>
+        <p:sp>
+          <p:nvSpPr>
+            <p:cNvPr id="135" name="Rectangle 134">
+              <a:extLst>
+                <a:ext uri="{FF2B5EF4-FFF2-40B4-BE49-F238E27FC236}">
+                  <a16:creationId xmlns:a16="http://schemas.microsoft.com/office/drawing/2014/main" id="{7F06C4D1-75D8-4A9A-BAB3-3DBAC3F58103}"/>
+                </a:ext>
+              </a:extLst>
+            </p:cNvPr>
+            <p:cNvSpPr/>
+            <p:nvPr/>
+          </p:nvSpPr>
+          <p:spPr>
+            <a:xfrm>
+              <a:off x="5508701" y="1447959"/>
+              <a:ext cx="2665144" cy="2861966"/>
+            </a:xfrm>
+            <a:prstGeom prst="rect">
+              <a:avLst/>
+            </a:prstGeom>
+            <a:solidFill>
+              <a:schemeClr val="accent2">
+                <a:lumMod val="20000"/>
+                <a:lumOff val="80000"/>
+              </a:schemeClr>
+            </a:solidFill>
+            <a:ln w="19050">
+              <a:solidFill>
+                <a:schemeClr val="accent2">
+                  <a:lumMod val="50000"/>
+                </a:schemeClr>
+              </a:solidFill>
+            </a:ln>
+          </p:spPr>
+          <p:style>
+            <a:lnRef idx="2">
+              <a:schemeClr val="accent1">
+                <a:shade val="50000"/>
+              </a:schemeClr>
+            </a:lnRef>
+            <a:fillRef idx="1">
+              <a:schemeClr val="accent1"/>
+            </a:fillRef>
+            <a:effectRef idx="0">
+              <a:schemeClr val="accent1"/>
+            </a:effectRef>
+            <a:fontRef idx="minor">
+              <a:schemeClr val="lt1"/>
+            </a:fontRef>
+          </p:style>
+          <p:txBody>
+            <a:bodyPr rtlCol="0" anchor="t"/>
+            <a:lstStyle/>
+            <a:p>
+              <a:pPr algn="ctr"/>
+              <a:r>
+                <a:rPr lang="fr-FR" sz="1600" b="1" dirty="0">
+                  <a:solidFill>
+                    <a:sysClr val="windowText" lastClr="000000"/>
+                  </a:solidFill>
+                </a:rPr>
+                <a:t>Modèle</a:t>
+              </a:r>
+            </a:p>
+          </p:txBody>
+        </p:sp>
+        <p:sp>
+          <p:nvSpPr>
+            <p:cNvPr id="136" name="Rectangle 135">
+              <a:extLst>
+                <a:ext uri="{FF2B5EF4-FFF2-40B4-BE49-F238E27FC236}">
+                  <a16:creationId xmlns:a16="http://schemas.microsoft.com/office/drawing/2014/main" id="{1830058D-03EC-4D37-BAB6-7E3139C2E7A7}"/>
+                </a:ext>
+              </a:extLst>
+            </p:cNvPr>
+            <p:cNvSpPr/>
+            <p:nvPr/>
+          </p:nvSpPr>
+          <p:spPr>
+            <a:xfrm>
+              <a:off x="9589141" y="1447959"/>
+              <a:ext cx="2844470" cy="2861966"/>
+            </a:xfrm>
+            <a:prstGeom prst="rect">
+              <a:avLst/>
+            </a:prstGeom>
+            <a:solidFill>
+              <a:schemeClr val="accent5">
+                <a:lumMod val="20000"/>
+                <a:lumOff val="80000"/>
+              </a:schemeClr>
+            </a:solidFill>
+            <a:ln w="19050">
+              <a:solidFill>
+                <a:schemeClr val="accent5">
+                  <a:lumMod val="50000"/>
+                </a:schemeClr>
+              </a:solidFill>
+            </a:ln>
+          </p:spPr>
+          <p:style>
+            <a:lnRef idx="2">
+              <a:schemeClr val="accent1">
+                <a:shade val="50000"/>
+              </a:schemeClr>
+            </a:lnRef>
+            <a:fillRef idx="1">
+              <a:schemeClr val="accent1"/>
+            </a:fillRef>
+            <a:effectRef idx="0">
+              <a:schemeClr val="accent1"/>
+            </a:effectRef>
+            <a:fontRef idx="minor">
+              <a:schemeClr val="lt1"/>
+            </a:fontRef>
+          </p:style>
+          <p:txBody>
+            <a:bodyPr rtlCol="0" anchor="t"/>
+            <a:lstStyle/>
+            <a:p>
+              <a:pPr algn="ctr"/>
+              <a:r>
+                <a:rPr lang="fr-FR" sz="1600" b="1" dirty="0">
+                  <a:solidFill>
+                    <a:sysClr val="windowText" lastClr="000000"/>
+                  </a:solidFill>
+                </a:rPr>
+                <a:t>Résultats</a:t>
+              </a:r>
+            </a:p>
+          </p:txBody>
+        </p:sp>
+        <p:sp>
+          <p:nvSpPr>
+            <p:cNvPr id="137" name="Rectangle 136">
+              <a:extLst>
+                <a:ext uri="{FF2B5EF4-FFF2-40B4-BE49-F238E27FC236}">
+                  <a16:creationId xmlns:a16="http://schemas.microsoft.com/office/drawing/2014/main" id="{45348341-DB92-49DF-853F-A85F4492B107}"/>
+                </a:ext>
+              </a:extLst>
+            </p:cNvPr>
+            <p:cNvSpPr/>
+            <p:nvPr/>
+          </p:nvSpPr>
+          <p:spPr>
+            <a:xfrm>
+              <a:off x="6178511" y="1945975"/>
+              <a:ext cx="1325525" cy="601032"/>
+            </a:xfrm>
+            <a:prstGeom prst="rect">
+              <a:avLst/>
+            </a:prstGeom>
+            <a:noFill/>
+            <a:ln w="28575">
+              <a:noFill/>
+            </a:ln>
+          </p:spPr>
+          <p:style>
+            <a:lnRef idx="2">
+              <a:schemeClr val="accent1">
+                <a:shade val="50000"/>
+              </a:schemeClr>
+            </a:lnRef>
+            <a:fillRef idx="1">
+              <a:schemeClr val="accent1"/>
+            </a:fillRef>
+            <a:effectRef idx="0">
+              <a:schemeClr val="accent1"/>
+            </a:effectRef>
+            <a:fontRef idx="minor">
+              <a:schemeClr val="lt1"/>
+            </a:fontRef>
+          </p:style>
+          <p:txBody>
+            <a:bodyPr rtlCol="0" anchor="ctr"/>
+            <a:lstStyle/>
+            <a:p>
+              <a:pPr algn="ctr"/>
+              <a:r>
+                <a:rPr lang="fr-FR" sz="1400" b="1" dirty="0">
+                  <a:solidFill>
+                    <a:sysClr val="windowText" lastClr="000000"/>
+                  </a:solidFill>
+                </a:rPr>
+                <a:t>Apprentissage</a:t>
+              </a:r>
+            </a:p>
+          </p:txBody>
+        </p:sp>
+        <p:pic>
+          <p:nvPicPr>
+            <p:cNvPr id="138" name="Image 137">
+              <a:extLst>
+                <a:ext uri="{FF2B5EF4-FFF2-40B4-BE49-F238E27FC236}">
+                  <a16:creationId xmlns:a16="http://schemas.microsoft.com/office/drawing/2014/main" id="{F7E493C6-2AD2-4C22-8CD5-A35968E65267}"/>
+                </a:ext>
+              </a:extLst>
+            </p:cNvPr>
+            <p:cNvPicPr>
+              <a:picLocks noChangeAspect="1"/>
+            </p:cNvPicPr>
+            <p:nvPr/>
+          </p:nvPicPr>
+          <p:blipFill>
+            <a:blip r:embed="rId2"/>
+            <a:stretch>
+              <a:fillRect/>
+            </a:stretch>
+          </p:blipFill>
+          <p:spPr>
+            <a:xfrm>
+              <a:off x="6459055" y="2523006"/>
+              <a:ext cx="764437" cy="677826"/>
+            </a:xfrm>
+            <a:prstGeom prst="rect">
+              <a:avLst/>
+            </a:prstGeom>
+          </p:spPr>
+        </p:pic>
+        <p:grpSp>
+          <p:nvGrpSpPr>
+            <p:cNvPr id="15" name="Groupe 14">
+              <a:extLst>
+                <a:ext uri="{FF2B5EF4-FFF2-40B4-BE49-F238E27FC236}">
+                  <a16:creationId xmlns:a16="http://schemas.microsoft.com/office/drawing/2014/main" id="{3A4EC74C-25D8-42DC-B9C9-B9E3BF3FE49B}"/>
+                </a:ext>
+              </a:extLst>
+            </p:cNvPr>
+            <p:cNvGrpSpPr/>
+            <p:nvPr/>
+          </p:nvGrpSpPr>
+          <p:grpSpPr>
+            <a:xfrm>
+              <a:off x="11539956" y="1602485"/>
+              <a:ext cx="798672" cy="371752"/>
+              <a:chOff x="4342282" y="5081398"/>
+              <a:chExt cx="798672" cy="371752"/>
+            </a:xfrm>
+          </p:grpSpPr>
+          <p:sp>
+            <p:nvSpPr>
+              <p:cNvPr id="254" name="ZoneTexte 253">
+                <a:extLst>
+                  <a:ext uri="{FF2B5EF4-FFF2-40B4-BE49-F238E27FC236}">
+                    <a16:creationId xmlns:a16="http://schemas.microsoft.com/office/drawing/2014/main" id="{57BCAA68-02C4-49CA-888C-AB294F13706E}"/>
+                  </a:ext>
+                </a:extLst>
+              </p:cNvPr>
+              <p:cNvSpPr txBox="1"/>
+              <p:nvPr/>
+            </p:nvSpPr>
+            <p:spPr>
+              <a:xfrm>
+                <a:off x="4494114" y="5081398"/>
+                <a:ext cx="646840" cy="246221"/>
+              </a:xfrm>
+              <a:prstGeom prst="rect">
+                <a:avLst/>
+              </a:prstGeom>
+              <a:noFill/>
+            </p:spPr>
+            <p:txBody>
+              <a:bodyPr wrap="square" rtlCol="0">
+                <a:spAutoFit/>
+              </a:bodyPr>
+              <a:lstStyle/>
+              <a:p>
+                <a:r>
+                  <a:rPr lang="fr-FR" sz="1000" dirty="0">
+                    <a:latin typeface="Arial Narrow" panose="020B0606020202030204" pitchFamily="34" charset="0"/>
+                  </a:rPr>
+                  <a:t>Triangles</a:t>
+                </a:r>
+                <a:endParaRPr lang="fr-FR" dirty="0">
+                  <a:latin typeface="Arial Narrow" panose="020B0606020202030204" pitchFamily="34" charset="0"/>
+                </a:endParaRPr>
+              </a:p>
+            </p:txBody>
+          </p:sp>
+          <p:cxnSp>
+            <p:nvCxnSpPr>
+              <p:cNvPr id="255" name="Connecteur droit 254">
+                <a:extLst>
+                  <a:ext uri="{FF2B5EF4-FFF2-40B4-BE49-F238E27FC236}">
+                    <a16:creationId xmlns:a16="http://schemas.microsoft.com/office/drawing/2014/main" id="{1D4F76C1-AFF8-4085-9B11-93280AF72619}"/>
+                  </a:ext>
+                </a:extLst>
+              </p:cNvPr>
+              <p:cNvCxnSpPr>
+                <a:cxnSpLocks/>
+              </p:cNvCxnSpPr>
+              <p:nvPr/>
+            </p:nvCxnSpPr>
+            <p:spPr>
+              <a:xfrm flipV="1">
+                <a:off x="4342282" y="5237150"/>
+                <a:ext cx="216000" cy="216000"/>
+              </a:xfrm>
+              <a:prstGeom prst="line">
+                <a:avLst/>
+              </a:prstGeom>
+              <a:ln w="9525">
+                <a:solidFill>
+                  <a:schemeClr val="tx1"/>
+                </a:solidFill>
+              </a:ln>
+            </p:spPr>
+            <p:style>
+              <a:lnRef idx="1">
+                <a:schemeClr val="accent1"/>
+              </a:lnRef>
+              <a:fillRef idx="0">
+                <a:schemeClr val="accent1"/>
+              </a:fillRef>
+              <a:effectRef idx="0">
+                <a:schemeClr val="accent1"/>
+              </a:effectRef>
+              <a:fontRef idx="minor">
+                <a:schemeClr val="tx1"/>
+              </a:fontRef>
+            </p:style>
+          </p:cxnSp>
+          <p:cxnSp>
+            <p:nvCxnSpPr>
+              <p:cNvPr id="256" name="Connecteur droit 255">
+                <a:extLst>
+                  <a:ext uri="{FF2B5EF4-FFF2-40B4-BE49-F238E27FC236}">
+                    <a16:creationId xmlns:a16="http://schemas.microsoft.com/office/drawing/2014/main" id="{D7D42650-E5D9-463D-B8F5-34B8140E8F84}"/>
+                  </a:ext>
+                </a:extLst>
+              </p:cNvPr>
+              <p:cNvCxnSpPr>
+                <a:cxnSpLocks/>
+              </p:cNvCxnSpPr>
+              <p:nvPr/>
+            </p:nvCxnSpPr>
+            <p:spPr>
+              <a:xfrm flipV="1">
+                <a:off x="4558282" y="5118827"/>
+                <a:ext cx="0" cy="180000"/>
+              </a:xfrm>
+              <a:prstGeom prst="line">
+                <a:avLst/>
+              </a:prstGeom>
+              <a:ln w="9525">
+                <a:solidFill>
+                  <a:schemeClr val="tx1"/>
+                </a:solidFill>
+              </a:ln>
+            </p:spPr>
+            <p:style>
+              <a:lnRef idx="1">
+                <a:schemeClr val="accent1"/>
+              </a:lnRef>
+              <a:fillRef idx="0">
+                <a:schemeClr val="accent1"/>
+              </a:fillRef>
+              <a:effectRef idx="0">
+                <a:schemeClr val="accent1"/>
+              </a:effectRef>
+              <a:fontRef idx="minor">
+                <a:schemeClr val="tx1"/>
+              </a:fontRef>
+            </p:style>
+          </p:cxnSp>
+        </p:grpSp>
+        <p:grpSp>
+          <p:nvGrpSpPr>
+            <p:cNvPr id="16" name="Groupe 15">
+              <a:extLst>
+                <a:ext uri="{FF2B5EF4-FFF2-40B4-BE49-F238E27FC236}">
+                  <a16:creationId xmlns:a16="http://schemas.microsoft.com/office/drawing/2014/main" id="{CC4669CA-1BA2-4C73-8B37-386094E0D27E}"/>
+                </a:ext>
+              </a:extLst>
+            </p:cNvPr>
+            <p:cNvGrpSpPr/>
+            <p:nvPr/>
+          </p:nvGrpSpPr>
+          <p:grpSpPr>
+            <a:xfrm>
+              <a:off x="11468835" y="3061850"/>
+              <a:ext cx="723165" cy="371752"/>
+              <a:chOff x="2497931" y="5129464"/>
+              <a:chExt cx="723165" cy="371752"/>
+            </a:xfrm>
+          </p:grpSpPr>
+          <p:sp>
+            <p:nvSpPr>
+              <p:cNvPr id="241" name="ZoneTexte 240">
+                <a:extLst>
+                  <a:ext uri="{FF2B5EF4-FFF2-40B4-BE49-F238E27FC236}">
+                    <a16:creationId xmlns:a16="http://schemas.microsoft.com/office/drawing/2014/main" id="{051DD134-D290-4B7C-BD29-549405D3FEFC}"/>
+                  </a:ext>
+                </a:extLst>
+              </p:cNvPr>
+              <p:cNvSpPr txBox="1"/>
+              <p:nvPr/>
+            </p:nvSpPr>
+            <p:spPr>
+              <a:xfrm>
+                <a:off x="2649763" y="5129464"/>
+                <a:ext cx="571333" cy="246221"/>
+              </a:xfrm>
+              <a:prstGeom prst="rect">
+                <a:avLst/>
+              </a:prstGeom>
+              <a:noFill/>
+            </p:spPr>
+            <p:txBody>
+              <a:bodyPr wrap="square" rtlCol="0">
+                <a:spAutoFit/>
+              </a:bodyPr>
+              <a:lstStyle/>
+              <a:p>
+                <a:r>
+                  <a:rPr lang="fr-FR" sz="1000" dirty="0">
+                    <a:latin typeface="Arial Narrow" panose="020B0606020202030204" pitchFamily="34" charset="0"/>
+                  </a:rPr>
+                  <a:t>Carrés</a:t>
+                </a:r>
+                <a:endParaRPr lang="fr-FR" dirty="0">
+                  <a:latin typeface="Arial Narrow" panose="020B0606020202030204" pitchFamily="34" charset="0"/>
+                </a:endParaRPr>
+              </a:p>
+            </p:txBody>
+          </p:sp>
+          <p:cxnSp>
+            <p:nvCxnSpPr>
+              <p:cNvPr id="242" name="Connecteur droit 241">
+                <a:extLst>
+                  <a:ext uri="{FF2B5EF4-FFF2-40B4-BE49-F238E27FC236}">
+                    <a16:creationId xmlns:a16="http://schemas.microsoft.com/office/drawing/2014/main" id="{7102175A-886F-4A2C-82FE-701D5A039783}"/>
+                  </a:ext>
+                </a:extLst>
+              </p:cNvPr>
+              <p:cNvCxnSpPr>
+                <a:cxnSpLocks/>
+              </p:cNvCxnSpPr>
+              <p:nvPr/>
+            </p:nvCxnSpPr>
+            <p:spPr>
+              <a:xfrm flipV="1">
+                <a:off x="2497931" y="5285216"/>
+                <a:ext cx="216000" cy="216000"/>
+              </a:xfrm>
+              <a:prstGeom prst="line">
+                <a:avLst/>
+              </a:prstGeom>
+              <a:ln w="9525">
+                <a:solidFill>
+                  <a:schemeClr val="tx1"/>
+                </a:solidFill>
+              </a:ln>
+            </p:spPr>
+            <p:style>
+              <a:lnRef idx="1">
+                <a:schemeClr val="accent1"/>
+              </a:lnRef>
+              <a:fillRef idx="0">
+                <a:schemeClr val="accent1"/>
+              </a:fillRef>
+              <a:effectRef idx="0">
+                <a:schemeClr val="accent1"/>
+              </a:effectRef>
+              <a:fontRef idx="minor">
+                <a:schemeClr val="tx1"/>
+              </a:fontRef>
+            </p:style>
+          </p:cxnSp>
+          <p:cxnSp>
+            <p:nvCxnSpPr>
+              <p:cNvPr id="243" name="Connecteur droit 242">
+                <a:extLst>
+                  <a:ext uri="{FF2B5EF4-FFF2-40B4-BE49-F238E27FC236}">
+                    <a16:creationId xmlns:a16="http://schemas.microsoft.com/office/drawing/2014/main" id="{1A1948A0-CEC0-422E-AC1E-7DDDF402985D}"/>
+                  </a:ext>
+                </a:extLst>
+              </p:cNvPr>
+              <p:cNvCxnSpPr>
+                <a:cxnSpLocks/>
+              </p:cNvCxnSpPr>
+              <p:nvPr/>
+            </p:nvCxnSpPr>
+            <p:spPr>
+              <a:xfrm flipV="1">
+                <a:off x="2713931" y="5166893"/>
+                <a:ext cx="0" cy="180000"/>
+              </a:xfrm>
+              <a:prstGeom prst="line">
+                <a:avLst/>
+              </a:prstGeom>
+              <a:ln w="9525">
+                <a:solidFill>
+                  <a:schemeClr val="tx1"/>
+                </a:solidFill>
+              </a:ln>
+            </p:spPr>
+            <p:style>
+              <a:lnRef idx="1">
+                <a:schemeClr val="accent1"/>
+              </a:lnRef>
+              <a:fillRef idx="0">
+                <a:schemeClr val="accent1"/>
+              </a:fillRef>
+              <a:effectRef idx="0">
+                <a:schemeClr val="accent1"/>
+              </a:effectRef>
+              <a:fontRef idx="minor">
+                <a:schemeClr val="tx1"/>
+              </a:fontRef>
+            </p:style>
+          </p:cxnSp>
+        </p:grpSp>
+        <p:grpSp>
+          <p:nvGrpSpPr>
+            <p:cNvPr id="17" name="Groupe 16">
+              <a:extLst>
+                <a:ext uri="{FF2B5EF4-FFF2-40B4-BE49-F238E27FC236}">
+                  <a16:creationId xmlns:a16="http://schemas.microsoft.com/office/drawing/2014/main" id="{1E956101-5AF6-48CF-97D9-5F485DB5203C}"/>
+                </a:ext>
+              </a:extLst>
+            </p:cNvPr>
+            <p:cNvGrpSpPr/>
+            <p:nvPr/>
+          </p:nvGrpSpPr>
+          <p:grpSpPr>
+            <a:xfrm>
+              <a:off x="10671430" y="1731173"/>
+              <a:ext cx="911949" cy="371752"/>
+              <a:chOff x="4935687" y="5752810"/>
+              <a:chExt cx="911949" cy="371752"/>
+            </a:xfrm>
+          </p:grpSpPr>
+          <p:sp>
+            <p:nvSpPr>
+              <p:cNvPr id="228" name="ZoneTexte 227">
+                <a:extLst>
+                  <a:ext uri="{FF2B5EF4-FFF2-40B4-BE49-F238E27FC236}">
+                    <a16:creationId xmlns:a16="http://schemas.microsoft.com/office/drawing/2014/main" id="{12AD73FC-18A6-4B95-9539-9DE091B561EF}"/>
+                  </a:ext>
+                </a:extLst>
+              </p:cNvPr>
+              <p:cNvSpPr txBox="1"/>
+              <p:nvPr/>
+            </p:nvSpPr>
+            <p:spPr>
+              <a:xfrm>
+                <a:off x="5087519" y="5752810"/>
+                <a:ext cx="760117" cy="246221"/>
+              </a:xfrm>
+              <a:prstGeom prst="rect">
+                <a:avLst/>
+              </a:prstGeom>
+              <a:noFill/>
+            </p:spPr>
+            <p:txBody>
+              <a:bodyPr wrap="square" rtlCol="0">
+                <a:spAutoFit/>
+              </a:bodyPr>
+              <a:lstStyle/>
+              <a:p>
+                <a:r>
+                  <a:rPr lang="fr-FR" sz="1000" dirty="0">
+                    <a:latin typeface="Arial Narrow" panose="020B0606020202030204" pitchFamily="34" charset="0"/>
+                  </a:rPr>
+                  <a:t>Pentagones</a:t>
+                </a:r>
+                <a:endParaRPr lang="fr-FR" dirty="0">
+                  <a:latin typeface="Arial Narrow" panose="020B0606020202030204" pitchFamily="34" charset="0"/>
+                </a:endParaRPr>
+              </a:p>
+            </p:txBody>
+          </p:sp>
+          <p:cxnSp>
+            <p:nvCxnSpPr>
+              <p:cNvPr id="230" name="Connecteur droit 229">
+                <a:extLst>
+                  <a:ext uri="{FF2B5EF4-FFF2-40B4-BE49-F238E27FC236}">
+                    <a16:creationId xmlns:a16="http://schemas.microsoft.com/office/drawing/2014/main" id="{CA163815-6E53-404D-947F-8B34D2B41ACA}"/>
+                  </a:ext>
+                </a:extLst>
+              </p:cNvPr>
+              <p:cNvCxnSpPr>
+                <a:cxnSpLocks/>
+              </p:cNvCxnSpPr>
+              <p:nvPr/>
+            </p:nvCxnSpPr>
+            <p:spPr>
+              <a:xfrm flipV="1">
+                <a:off x="4935687" y="5908562"/>
+                <a:ext cx="216000" cy="216000"/>
+              </a:xfrm>
+              <a:prstGeom prst="line">
+                <a:avLst/>
+              </a:prstGeom>
+              <a:ln w="9525">
+                <a:solidFill>
+                  <a:schemeClr val="tx1"/>
+                </a:solidFill>
+              </a:ln>
+            </p:spPr>
+            <p:style>
+              <a:lnRef idx="1">
+                <a:schemeClr val="accent1"/>
+              </a:lnRef>
+              <a:fillRef idx="0">
+                <a:schemeClr val="accent1"/>
+              </a:fillRef>
+              <a:effectRef idx="0">
+                <a:schemeClr val="accent1"/>
+              </a:effectRef>
+              <a:fontRef idx="minor">
+                <a:schemeClr val="tx1"/>
+              </a:fontRef>
+            </p:style>
+          </p:cxnSp>
+          <p:cxnSp>
+            <p:nvCxnSpPr>
+              <p:cNvPr id="231" name="Connecteur droit 230">
+                <a:extLst>
+                  <a:ext uri="{FF2B5EF4-FFF2-40B4-BE49-F238E27FC236}">
+                    <a16:creationId xmlns:a16="http://schemas.microsoft.com/office/drawing/2014/main" id="{92FCE3C1-F4CF-44D6-9FFB-BEDA62B5B5A0}"/>
+                  </a:ext>
+                </a:extLst>
+              </p:cNvPr>
+              <p:cNvCxnSpPr>
+                <a:cxnSpLocks/>
+              </p:cNvCxnSpPr>
+              <p:nvPr/>
+            </p:nvCxnSpPr>
+            <p:spPr>
+              <a:xfrm flipV="1">
+                <a:off x="5151687" y="5790239"/>
+                <a:ext cx="0" cy="180000"/>
+              </a:xfrm>
+              <a:prstGeom prst="line">
+                <a:avLst/>
+              </a:prstGeom>
+              <a:ln w="9525">
+                <a:solidFill>
+                  <a:schemeClr val="tx1"/>
+                </a:solidFill>
+              </a:ln>
+            </p:spPr>
+            <p:style>
+              <a:lnRef idx="1">
+                <a:schemeClr val="accent1"/>
+              </a:lnRef>
+              <a:fillRef idx="0">
+                <a:schemeClr val="accent1"/>
+              </a:fillRef>
+              <a:effectRef idx="0">
+                <a:schemeClr val="accent1"/>
+              </a:effectRef>
+              <a:fontRef idx="minor">
+                <a:schemeClr val="tx1"/>
+              </a:fontRef>
+            </p:style>
+          </p:cxnSp>
+        </p:grpSp>
+        <p:grpSp>
+          <p:nvGrpSpPr>
+            <p:cNvPr id="264" name="Groupe 263">
+              <a:extLst>
+                <a:ext uri="{FF2B5EF4-FFF2-40B4-BE49-F238E27FC236}">
+                  <a16:creationId xmlns:a16="http://schemas.microsoft.com/office/drawing/2014/main" id="{1B1380A9-0FD4-4D8D-B2F9-E8E601643B75}"/>
+                </a:ext>
+              </a:extLst>
+            </p:cNvPr>
+            <p:cNvGrpSpPr/>
+            <p:nvPr/>
+          </p:nvGrpSpPr>
+          <p:grpSpPr>
+            <a:xfrm>
+              <a:off x="9854090" y="1966611"/>
+              <a:ext cx="912331" cy="912331"/>
+              <a:chOff x="6934443" y="5053055"/>
+              <a:chExt cx="912331" cy="912331"/>
+            </a:xfrm>
+          </p:grpSpPr>
+          <p:sp>
+            <p:nvSpPr>
+              <p:cNvPr id="265" name="Pentagone 264">
+                <a:extLst>
+                  <a:ext uri="{FF2B5EF4-FFF2-40B4-BE49-F238E27FC236}">
+                    <a16:creationId xmlns:a16="http://schemas.microsoft.com/office/drawing/2014/main" id="{36578E97-6518-49F1-A75C-8582468D196A}"/>
+                  </a:ext>
+                </a:extLst>
+              </p:cNvPr>
+              <p:cNvSpPr/>
+              <p:nvPr/>
+            </p:nvSpPr>
+            <p:spPr>
+              <a:xfrm>
+                <a:off x="7079492" y="5410040"/>
+                <a:ext cx="288000" cy="288000"/>
+              </a:xfrm>
+              <a:prstGeom prst="pentagon">
+                <a:avLst/>
+              </a:prstGeom>
+              <a:solidFill>
+                <a:schemeClr val="accent5">
+                  <a:lumMod val="20000"/>
+                  <a:lumOff val="80000"/>
+                </a:schemeClr>
+              </a:solidFill>
+              <a:ln w="28575">
+                <a:solidFill>
+                  <a:schemeClr val="accent5">
+                    <a:lumMod val="50000"/>
+                  </a:schemeClr>
+                </a:solidFill>
+              </a:ln>
+            </p:spPr>
+            <p:style>
+              <a:lnRef idx="2">
+                <a:schemeClr val="accent1">
+                  <a:shade val="50000"/>
+                </a:schemeClr>
+              </a:lnRef>
+              <a:fillRef idx="1">
+                <a:schemeClr val="accent1"/>
+              </a:fillRef>
+              <a:effectRef idx="0">
+                <a:schemeClr val="accent1"/>
+              </a:effectRef>
+              <a:fontRef idx="minor">
+                <a:schemeClr val="lt1"/>
+              </a:fontRef>
+            </p:style>
+            <p:txBody>
+              <a:bodyPr rtlCol="0" anchor="ctr"/>
+              <a:lstStyle/>
+              <a:p>
+                <a:pPr algn="ctr"/>
+                <a:endParaRPr lang="fr-FR"/>
+              </a:p>
+            </p:txBody>
+          </p:sp>
+          <p:sp>
+            <p:nvSpPr>
+              <p:cNvPr id="266" name="Pentagone 265">
+                <a:extLst>
+                  <a:ext uri="{FF2B5EF4-FFF2-40B4-BE49-F238E27FC236}">
+                    <a16:creationId xmlns:a16="http://schemas.microsoft.com/office/drawing/2014/main" id="{3039BC28-04B9-4A50-9F0B-F7A71A7C681D}"/>
+                  </a:ext>
+                </a:extLst>
+              </p:cNvPr>
+              <p:cNvSpPr/>
+              <p:nvPr/>
+            </p:nvSpPr>
+            <p:spPr>
+              <a:xfrm>
+                <a:off x="7502391" y="5545529"/>
+                <a:ext cx="173356" cy="173356"/>
+              </a:xfrm>
+              <a:prstGeom prst="pentagon">
+                <a:avLst/>
+              </a:prstGeom>
+              <a:solidFill>
+                <a:schemeClr val="accent5">
+                  <a:lumMod val="20000"/>
+                  <a:lumOff val="80000"/>
+                </a:schemeClr>
+              </a:solidFill>
+              <a:ln w="28575">
+                <a:solidFill>
+                  <a:schemeClr val="accent5">
+                    <a:lumMod val="50000"/>
+                  </a:schemeClr>
+                </a:solidFill>
+              </a:ln>
+            </p:spPr>
+            <p:style>
+              <a:lnRef idx="2">
+                <a:schemeClr val="accent1">
+                  <a:shade val="50000"/>
+                </a:schemeClr>
+              </a:lnRef>
+              <a:fillRef idx="1">
+                <a:schemeClr val="accent1"/>
+              </a:fillRef>
+              <a:effectRef idx="0">
+                <a:schemeClr val="accent1"/>
+              </a:effectRef>
+              <a:fontRef idx="minor">
+                <a:schemeClr val="lt1"/>
+              </a:fontRef>
+            </p:style>
+            <p:txBody>
+              <a:bodyPr rtlCol="0" anchor="ctr"/>
+              <a:lstStyle/>
+              <a:p>
+                <a:pPr algn="ctr"/>
+                <a:endParaRPr lang="fr-FR"/>
+              </a:p>
+            </p:txBody>
+          </p:sp>
+          <p:sp>
+            <p:nvSpPr>
+              <p:cNvPr id="267" name="Pentagone 266">
+                <a:extLst>
+                  <a:ext uri="{FF2B5EF4-FFF2-40B4-BE49-F238E27FC236}">
+                    <a16:creationId xmlns:a16="http://schemas.microsoft.com/office/drawing/2014/main" id="{948602EE-4266-40A4-958D-B17DFE177E44}"/>
+                  </a:ext>
+                </a:extLst>
+              </p:cNvPr>
+              <p:cNvSpPr/>
+              <p:nvPr/>
+            </p:nvSpPr>
+            <p:spPr>
+              <a:xfrm rot="19800000">
+                <a:off x="7415713" y="5204957"/>
+                <a:ext cx="173356" cy="173356"/>
+              </a:xfrm>
+              <a:prstGeom prst="pentagon">
+                <a:avLst/>
+              </a:prstGeom>
+              <a:solidFill>
+                <a:schemeClr val="accent5">
+                  <a:lumMod val="20000"/>
+                  <a:lumOff val="80000"/>
+                </a:schemeClr>
+              </a:solidFill>
+              <a:ln w="28575">
+                <a:solidFill>
+                  <a:schemeClr val="accent5">
+                    <a:lumMod val="50000"/>
+                  </a:schemeClr>
+                </a:solidFill>
+              </a:ln>
+            </p:spPr>
+            <p:style>
+              <a:lnRef idx="2">
+                <a:schemeClr val="accent1">
+                  <a:shade val="50000"/>
+                </a:schemeClr>
+              </a:lnRef>
+              <a:fillRef idx="1">
+                <a:schemeClr val="accent1"/>
+              </a:fillRef>
+              <a:effectRef idx="0">
+                <a:schemeClr val="accent1"/>
+              </a:effectRef>
+              <a:fontRef idx="minor">
+                <a:schemeClr val="lt1"/>
+              </a:fontRef>
+            </p:style>
+            <p:txBody>
+              <a:bodyPr rtlCol="0" anchor="ctr"/>
+              <a:lstStyle/>
+              <a:p>
+                <a:pPr algn="ctr"/>
+                <a:endParaRPr lang="fr-FR" dirty="0"/>
+              </a:p>
+            </p:txBody>
+          </p:sp>
+          <p:sp>
+            <p:nvSpPr>
+              <p:cNvPr id="272" name="Ellipse 271">
+                <a:extLst>
+                  <a:ext uri="{FF2B5EF4-FFF2-40B4-BE49-F238E27FC236}">
+                    <a16:creationId xmlns:a16="http://schemas.microsoft.com/office/drawing/2014/main" id="{DD49159C-A32D-427E-9175-62813F8E5CE1}"/>
+                  </a:ext>
+                </a:extLst>
+              </p:cNvPr>
+              <p:cNvSpPr/>
+              <p:nvPr/>
+            </p:nvSpPr>
+            <p:spPr>
+              <a:xfrm>
+                <a:off x="6934443" y="5053055"/>
+                <a:ext cx="912331" cy="912331"/>
+              </a:xfrm>
+              <a:prstGeom prst="ellipse">
+                <a:avLst/>
+              </a:prstGeom>
+              <a:noFill/>
+              <a:ln w="19050">
+                <a:solidFill>
+                  <a:schemeClr val="accent5">
+                    <a:lumMod val="50000"/>
+                  </a:schemeClr>
+                </a:solidFill>
+                <a:prstDash val="dash"/>
+              </a:ln>
+            </p:spPr>
+            <p:style>
+              <a:lnRef idx="2">
+                <a:schemeClr val="accent1">
+                  <a:shade val="50000"/>
+                </a:schemeClr>
+              </a:lnRef>
+              <a:fillRef idx="1">
+                <a:schemeClr val="accent1"/>
+              </a:fillRef>
+              <a:effectRef idx="0">
+                <a:schemeClr val="accent1"/>
+              </a:effectRef>
+              <a:fontRef idx="minor">
+                <a:schemeClr val="lt1"/>
+              </a:fontRef>
+            </p:style>
+            <p:txBody>
+              <a:bodyPr rtlCol="0" anchor="t"/>
+              <a:lstStyle/>
+              <a:p>
+                <a:pPr algn="ctr"/>
+                <a:endParaRPr lang="fr-FR" sz="1600" b="1">
+                  <a:solidFill>
+                    <a:sysClr val="windowText" lastClr="000000"/>
+                  </a:solidFill>
+                </a:endParaRPr>
+              </a:p>
+            </p:txBody>
+          </p:sp>
+        </p:grpSp>
+        <p:grpSp>
+          <p:nvGrpSpPr>
+            <p:cNvPr id="13" name="Groupe 12">
+              <a:extLst>
+                <a:ext uri="{FF2B5EF4-FFF2-40B4-BE49-F238E27FC236}">
+                  <a16:creationId xmlns:a16="http://schemas.microsoft.com/office/drawing/2014/main" id="{0000BBD3-4A5A-45FF-9D5F-7022D69D85A1}"/>
+                </a:ext>
+              </a:extLst>
+            </p:cNvPr>
+            <p:cNvGrpSpPr/>
+            <p:nvPr/>
+          </p:nvGrpSpPr>
+          <p:grpSpPr>
+            <a:xfrm>
+              <a:off x="11143850" y="1992878"/>
+              <a:ext cx="912331" cy="912331"/>
+              <a:chOff x="10388407" y="5306638"/>
+              <a:chExt cx="912331" cy="912331"/>
+            </a:xfrm>
+          </p:grpSpPr>
+          <p:sp>
+            <p:nvSpPr>
+              <p:cNvPr id="251" name="Triangle isocèle 250">
+                <a:extLst>
+                  <a:ext uri="{FF2B5EF4-FFF2-40B4-BE49-F238E27FC236}">
+                    <a16:creationId xmlns:a16="http://schemas.microsoft.com/office/drawing/2014/main" id="{3C669C35-E578-47A4-BBB8-326B38A53BBA}"/>
+                  </a:ext>
+                </a:extLst>
+              </p:cNvPr>
+              <p:cNvSpPr/>
+              <p:nvPr/>
+            </p:nvSpPr>
+            <p:spPr>
+              <a:xfrm>
+                <a:off x="10503936" y="5445445"/>
+                <a:ext cx="324000" cy="288000"/>
+              </a:xfrm>
+              <a:prstGeom prst="triangle">
+                <a:avLst/>
+              </a:prstGeom>
+              <a:solidFill>
+                <a:schemeClr val="accent2">
+                  <a:lumMod val="20000"/>
+                  <a:lumOff val="80000"/>
+                </a:schemeClr>
+              </a:solidFill>
+              <a:ln w="28575">
+                <a:solidFill>
+                  <a:schemeClr val="accent2">
+                    <a:lumMod val="50000"/>
+                  </a:schemeClr>
+                </a:solidFill>
+              </a:ln>
+            </p:spPr>
+            <p:style>
+              <a:lnRef idx="2">
+                <a:schemeClr val="accent1">
+                  <a:shade val="50000"/>
+                </a:schemeClr>
+              </a:lnRef>
+              <a:fillRef idx="1">
+                <a:schemeClr val="accent1"/>
+              </a:fillRef>
+              <a:effectRef idx="0">
+                <a:schemeClr val="accent1"/>
+              </a:effectRef>
+              <a:fontRef idx="minor">
+                <a:schemeClr val="lt1"/>
+              </a:fontRef>
+            </p:style>
+            <p:txBody>
+              <a:bodyPr rtlCol="0" anchor="ctr"/>
+              <a:lstStyle/>
+              <a:p>
+                <a:pPr algn="ctr"/>
+                <a:endParaRPr lang="fr-FR"/>
+              </a:p>
+            </p:txBody>
+          </p:sp>
+          <p:sp>
+            <p:nvSpPr>
+              <p:cNvPr id="233" name="Triangle isocèle 232">
+                <a:extLst>
+                  <a:ext uri="{FF2B5EF4-FFF2-40B4-BE49-F238E27FC236}">
+                    <a16:creationId xmlns:a16="http://schemas.microsoft.com/office/drawing/2014/main" id="{F1D2DA96-B374-489E-B6BC-D7BD3C9E2D5F}"/>
+                  </a:ext>
+                </a:extLst>
+              </p:cNvPr>
+              <p:cNvSpPr/>
+              <p:nvPr/>
+            </p:nvSpPr>
+            <p:spPr>
+              <a:xfrm>
+                <a:off x="10685464" y="5881826"/>
+                <a:ext cx="218336" cy="194076"/>
+              </a:xfrm>
+              <a:prstGeom prst="triangle">
+                <a:avLst/>
+              </a:prstGeom>
+              <a:solidFill>
+                <a:schemeClr val="accent2">
+                  <a:lumMod val="20000"/>
+                  <a:lumOff val="80000"/>
+                </a:schemeClr>
+              </a:solidFill>
+              <a:ln w="28575">
+                <a:solidFill>
+                  <a:schemeClr val="accent2">
+                    <a:lumMod val="50000"/>
+                  </a:schemeClr>
+                </a:solidFill>
+              </a:ln>
+            </p:spPr>
+            <p:style>
+              <a:lnRef idx="2">
+                <a:schemeClr val="accent1">
+                  <a:shade val="50000"/>
+                </a:schemeClr>
+              </a:lnRef>
+              <a:fillRef idx="1">
+                <a:schemeClr val="accent1"/>
+              </a:fillRef>
+              <a:effectRef idx="0">
+                <a:schemeClr val="accent1"/>
+              </a:effectRef>
+              <a:fontRef idx="minor">
+                <a:schemeClr val="lt1"/>
+              </a:fontRef>
+            </p:style>
+            <p:txBody>
+              <a:bodyPr rtlCol="0" anchor="ctr"/>
+              <a:lstStyle/>
+              <a:p>
+                <a:pPr algn="ctr"/>
+                <a:endParaRPr lang="fr-FR"/>
+              </a:p>
+            </p:txBody>
+          </p:sp>
+          <p:sp>
+            <p:nvSpPr>
+              <p:cNvPr id="216" name="Triangle isocèle 215">
+                <a:extLst>
+                  <a:ext uri="{FF2B5EF4-FFF2-40B4-BE49-F238E27FC236}">
+                    <a16:creationId xmlns:a16="http://schemas.microsoft.com/office/drawing/2014/main" id="{762BD10D-3773-4422-B0A7-8DA141696DF0}"/>
+                  </a:ext>
+                </a:extLst>
+              </p:cNvPr>
+              <p:cNvSpPr/>
+              <p:nvPr/>
+            </p:nvSpPr>
+            <p:spPr>
+              <a:xfrm rot="2700000">
+                <a:off x="10940441" y="5605439"/>
+                <a:ext cx="218336" cy="194076"/>
+              </a:xfrm>
+              <a:prstGeom prst="triangle">
+                <a:avLst/>
+              </a:prstGeom>
+              <a:solidFill>
+                <a:schemeClr val="accent2">
+                  <a:lumMod val="20000"/>
+                  <a:lumOff val="80000"/>
+                </a:schemeClr>
+              </a:solidFill>
+              <a:ln w="28575">
+                <a:solidFill>
+                  <a:schemeClr val="accent2">
+                    <a:lumMod val="50000"/>
+                  </a:schemeClr>
+                </a:solidFill>
+              </a:ln>
+            </p:spPr>
+            <p:style>
+              <a:lnRef idx="2">
+                <a:schemeClr val="accent1">
+                  <a:shade val="50000"/>
+                </a:schemeClr>
+              </a:lnRef>
+              <a:fillRef idx="1">
+                <a:schemeClr val="accent1"/>
+              </a:fillRef>
+              <a:effectRef idx="0">
+                <a:schemeClr val="accent1"/>
+              </a:effectRef>
+              <a:fontRef idx="minor">
+                <a:schemeClr val="lt1"/>
+              </a:fontRef>
+            </p:style>
+            <p:txBody>
+              <a:bodyPr rtlCol="0" anchor="ctr"/>
+              <a:lstStyle/>
+              <a:p>
+                <a:pPr algn="ctr"/>
+                <a:endParaRPr lang="fr-FR" dirty="0"/>
+              </a:p>
+            </p:txBody>
+          </p:sp>
+          <p:sp>
+            <p:nvSpPr>
+              <p:cNvPr id="274" name="Ellipse 273">
+                <a:extLst>
+                  <a:ext uri="{FF2B5EF4-FFF2-40B4-BE49-F238E27FC236}">
+                    <a16:creationId xmlns:a16="http://schemas.microsoft.com/office/drawing/2014/main" id="{B72A038F-ED2A-417C-B707-BC5AC7123CB8}"/>
+                  </a:ext>
+                </a:extLst>
+              </p:cNvPr>
+              <p:cNvSpPr/>
+              <p:nvPr/>
+            </p:nvSpPr>
+            <p:spPr>
+              <a:xfrm>
+                <a:off x="10388407" y="5306638"/>
+                <a:ext cx="912331" cy="912331"/>
+              </a:xfrm>
+              <a:prstGeom prst="ellipse">
+                <a:avLst/>
+              </a:prstGeom>
+              <a:noFill/>
+              <a:ln w="19050">
+                <a:solidFill>
+                  <a:schemeClr val="accent5">
+                    <a:lumMod val="50000"/>
+                  </a:schemeClr>
+                </a:solidFill>
+                <a:prstDash val="dash"/>
+              </a:ln>
+            </p:spPr>
+            <p:style>
+              <a:lnRef idx="2">
+                <a:schemeClr val="accent1">
+                  <a:shade val="50000"/>
+                </a:schemeClr>
+              </a:lnRef>
+              <a:fillRef idx="1">
+                <a:schemeClr val="accent1"/>
+              </a:fillRef>
+              <a:effectRef idx="0">
+                <a:schemeClr val="accent1"/>
+              </a:effectRef>
+              <a:fontRef idx="minor">
+                <a:schemeClr val="lt1"/>
+              </a:fontRef>
+            </p:style>
+            <p:txBody>
+              <a:bodyPr rtlCol="0" anchor="t"/>
+              <a:lstStyle/>
+              <a:p>
+                <a:pPr algn="ctr"/>
+                <a:endParaRPr lang="fr-FR" sz="1600" b="1">
+                  <a:solidFill>
+                    <a:sysClr val="windowText" lastClr="000000"/>
+                  </a:solidFill>
+                </a:endParaRPr>
+              </a:p>
+            </p:txBody>
+          </p:sp>
+        </p:grpSp>
+        <p:grpSp>
+          <p:nvGrpSpPr>
+            <p:cNvPr id="14" name="Groupe 13">
+              <a:extLst>
+                <a:ext uri="{FF2B5EF4-FFF2-40B4-BE49-F238E27FC236}">
+                  <a16:creationId xmlns:a16="http://schemas.microsoft.com/office/drawing/2014/main" id="{B32994E0-E247-479B-BCFA-9606555044CD}"/>
+                </a:ext>
+              </a:extLst>
+            </p:cNvPr>
+            <p:cNvGrpSpPr/>
+            <p:nvPr/>
+          </p:nvGrpSpPr>
+          <p:grpSpPr>
+            <a:xfrm>
+              <a:off x="10596543" y="3178650"/>
+              <a:ext cx="912331" cy="912331"/>
+              <a:chOff x="9229192" y="5307040"/>
+              <a:chExt cx="912331" cy="912331"/>
+            </a:xfrm>
+          </p:grpSpPr>
+          <p:sp>
+            <p:nvSpPr>
+              <p:cNvPr id="257" name="Rectangle 256">
+                <a:extLst>
+                  <a:ext uri="{FF2B5EF4-FFF2-40B4-BE49-F238E27FC236}">
+                    <a16:creationId xmlns:a16="http://schemas.microsoft.com/office/drawing/2014/main" id="{8F4A44ED-4F40-4B36-B89F-883D30AD2481}"/>
+                  </a:ext>
+                </a:extLst>
+              </p:cNvPr>
+              <p:cNvSpPr/>
+              <p:nvPr/>
+            </p:nvSpPr>
+            <p:spPr>
+              <a:xfrm>
+                <a:off x="9393053" y="5540714"/>
+                <a:ext cx="288000" cy="288000"/>
+              </a:xfrm>
+              <a:prstGeom prst="rect">
+                <a:avLst/>
+              </a:prstGeom>
+              <a:solidFill>
+                <a:schemeClr val="accent4">
+                  <a:lumMod val="20000"/>
+                  <a:lumOff val="80000"/>
+                </a:schemeClr>
+              </a:solidFill>
+              <a:ln w="28575">
+                <a:solidFill>
+                  <a:schemeClr val="accent4">
+                    <a:lumMod val="50000"/>
+                  </a:schemeClr>
+                </a:solidFill>
+              </a:ln>
+            </p:spPr>
+            <p:style>
+              <a:lnRef idx="2">
+                <a:schemeClr val="accent1">
+                  <a:shade val="50000"/>
+                </a:schemeClr>
+              </a:lnRef>
+              <a:fillRef idx="1">
+                <a:schemeClr val="accent1"/>
+              </a:fillRef>
+              <a:effectRef idx="0">
+                <a:schemeClr val="accent1"/>
+              </a:effectRef>
+              <a:fontRef idx="minor">
+                <a:schemeClr val="lt1"/>
+              </a:fontRef>
+            </p:style>
+            <p:txBody>
+              <a:bodyPr rtlCol="0" anchor="ctr"/>
+              <a:lstStyle/>
+              <a:p>
+                <a:pPr algn="ctr"/>
+                <a:endParaRPr lang="fr-FR"/>
+              </a:p>
+            </p:txBody>
+          </p:sp>
+          <p:sp>
+            <p:nvSpPr>
+              <p:cNvPr id="240" name="Rectangle 239">
+                <a:extLst>
+                  <a:ext uri="{FF2B5EF4-FFF2-40B4-BE49-F238E27FC236}">
+                    <a16:creationId xmlns:a16="http://schemas.microsoft.com/office/drawing/2014/main" id="{220D1DAC-943D-4B59-80DE-B43949EC6D42}"/>
+                  </a:ext>
+                </a:extLst>
+              </p:cNvPr>
+              <p:cNvSpPr/>
+              <p:nvPr/>
+            </p:nvSpPr>
+            <p:spPr>
+              <a:xfrm>
+                <a:off x="9595410" y="5947076"/>
+                <a:ext cx="171286" cy="171286"/>
+              </a:xfrm>
+              <a:prstGeom prst="rect">
+                <a:avLst/>
+              </a:prstGeom>
+              <a:solidFill>
+                <a:schemeClr val="accent4">
+                  <a:lumMod val="20000"/>
+                  <a:lumOff val="80000"/>
+                </a:schemeClr>
+              </a:solidFill>
+              <a:ln w="28575">
+                <a:solidFill>
+                  <a:schemeClr val="accent4">
+                    <a:lumMod val="50000"/>
+                  </a:schemeClr>
+                </a:solidFill>
+              </a:ln>
+            </p:spPr>
+            <p:style>
+              <a:lnRef idx="2">
+                <a:schemeClr val="accent1">
+                  <a:shade val="50000"/>
+                </a:schemeClr>
+              </a:lnRef>
+              <a:fillRef idx="1">
+                <a:schemeClr val="accent1"/>
+              </a:fillRef>
+              <a:effectRef idx="0">
+                <a:schemeClr val="accent1"/>
+              </a:effectRef>
+              <a:fontRef idx="minor">
+                <a:schemeClr val="lt1"/>
+              </a:fontRef>
+            </p:style>
+            <p:txBody>
+              <a:bodyPr rtlCol="0" anchor="ctr"/>
+              <a:lstStyle/>
+              <a:p>
+                <a:pPr algn="ctr"/>
+                <a:endParaRPr lang="fr-FR"/>
+              </a:p>
+            </p:txBody>
+          </p:sp>
+          <p:sp>
+            <p:nvSpPr>
+              <p:cNvPr id="221" name="Rectangle 220">
+                <a:extLst>
+                  <a:ext uri="{FF2B5EF4-FFF2-40B4-BE49-F238E27FC236}">
+                    <a16:creationId xmlns:a16="http://schemas.microsoft.com/office/drawing/2014/main" id="{47127F69-CEF4-43C1-98B0-186F160577E1}"/>
+                  </a:ext>
+                </a:extLst>
+              </p:cNvPr>
+              <p:cNvSpPr/>
+              <p:nvPr/>
+            </p:nvSpPr>
+            <p:spPr>
+              <a:xfrm rot="2700000">
+                <a:off x="9868734" y="5602653"/>
+                <a:ext cx="171286" cy="171286"/>
+              </a:xfrm>
+              <a:prstGeom prst="rect">
+                <a:avLst/>
+              </a:prstGeom>
+              <a:solidFill>
+                <a:schemeClr val="accent4">
+                  <a:lumMod val="20000"/>
+                  <a:lumOff val="80000"/>
+                </a:schemeClr>
+              </a:solidFill>
+              <a:ln w="28575">
+                <a:solidFill>
+                  <a:schemeClr val="accent4">
+                    <a:lumMod val="50000"/>
+                  </a:schemeClr>
+                </a:solidFill>
+              </a:ln>
+            </p:spPr>
+            <p:style>
+              <a:lnRef idx="2">
+                <a:schemeClr val="accent1">
+                  <a:shade val="50000"/>
+                </a:schemeClr>
+              </a:lnRef>
+              <a:fillRef idx="1">
+                <a:schemeClr val="accent1"/>
+              </a:fillRef>
+              <a:effectRef idx="0">
+                <a:schemeClr val="accent1"/>
+              </a:effectRef>
+              <a:fontRef idx="minor">
+                <a:schemeClr val="lt1"/>
+              </a:fontRef>
+            </p:style>
+            <p:txBody>
+              <a:bodyPr rtlCol="0" anchor="ctr"/>
+              <a:lstStyle/>
+              <a:p>
+                <a:pPr algn="ctr"/>
+                <a:endParaRPr lang="fr-FR" dirty="0"/>
+              </a:p>
+            </p:txBody>
+          </p:sp>
+          <p:sp>
+            <p:nvSpPr>
+              <p:cNvPr id="275" name="Ellipse 274">
+                <a:extLst>
+                  <a:ext uri="{FF2B5EF4-FFF2-40B4-BE49-F238E27FC236}">
+                    <a16:creationId xmlns:a16="http://schemas.microsoft.com/office/drawing/2014/main" id="{2CA809EE-1DEB-4AF3-8338-0181971A6F64}"/>
+                  </a:ext>
+                </a:extLst>
+              </p:cNvPr>
+              <p:cNvSpPr/>
+              <p:nvPr/>
+            </p:nvSpPr>
+            <p:spPr>
+              <a:xfrm>
+                <a:off x="9229192" y="5307040"/>
+                <a:ext cx="912331" cy="912331"/>
+              </a:xfrm>
+              <a:prstGeom prst="ellipse">
+                <a:avLst/>
+              </a:prstGeom>
+              <a:noFill/>
+              <a:ln w="19050">
+                <a:solidFill>
+                  <a:schemeClr val="accent5">
+                    <a:lumMod val="50000"/>
+                  </a:schemeClr>
+                </a:solidFill>
+                <a:prstDash val="dash"/>
+              </a:ln>
+            </p:spPr>
+            <p:style>
+              <a:lnRef idx="2">
+                <a:schemeClr val="accent1">
+                  <a:shade val="50000"/>
+                </a:schemeClr>
+              </a:lnRef>
+              <a:fillRef idx="1">
+                <a:schemeClr val="accent1"/>
+              </a:fillRef>
+              <a:effectRef idx="0">
+                <a:schemeClr val="accent1"/>
+              </a:effectRef>
+              <a:fontRef idx="minor">
+                <a:schemeClr val="lt1"/>
+              </a:fontRef>
+            </p:style>
+            <p:txBody>
+              <a:bodyPr rtlCol="0" anchor="t"/>
+              <a:lstStyle/>
+              <a:p>
+                <a:pPr algn="ctr"/>
+                <a:endParaRPr lang="fr-FR" sz="1600" b="1">
+                  <a:solidFill>
+                    <a:sysClr val="windowText" lastClr="000000"/>
+                  </a:solidFill>
+                </a:endParaRPr>
+              </a:p>
+            </p:txBody>
+          </p:sp>
+        </p:grpSp>
+        <p:cxnSp>
+          <p:nvCxnSpPr>
+            <p:cNvPr id="98" name="Connecteur droit avec flèche 97">
+              <a:extLst>
+                <a:ext uri="{FF2B5EF4-FFF2-40B4-BE49-F238E27FC236}">
+                  <a16:creationId xmlns:a16="http://schemas.microsoft.com/office/drawing/2014/main" id="{5B1C90BF-831F-48BE-A416-8568215E960B}"/>
+                </a:ext>
+              </a:extLst>
+            </p:cNvPr>
+            <p:cNvCxnSpPr>
+              <a:cxnSpLocks/>
+            </p:cNvCxnSpPr>
+            <p:nvPr/>
+          </p:nvCxnSpPr>
+          <p:spPr>
+            <a:xfrm>
+              <a:off x="4021299" y="2905209"/>
+              <a:ext cx="1487402" cy="0"/>
+            </a:xfrm>
+            <a:prstGeom prst="straightConnector1">
+              <a:avLst/>
+            </a:prstGeom>
+            <a:ln w="28575">
+              <a:solidFill>
+                <a:srgbClr val="C00000"/>
+              </a:solidFill>
+              <a:tailEnd type="stealth" w="med" len="lg"/>
+            </a:ln>
+          </p:spPr>
+          <p:style>
+            <a:lnRef idx="1">
+              <a:schemeClr val="accent1"/>
+            </a:lnRef>
+            <a:fillRef idx="0">
+              <a:schemeClr val="accent1"/>
+            </a:fillRef>
+            <a:effectRef idx="0">
+              <a:schemeClr val="accent1"/>
+            </a:effectRef>
+            <a:fontRef idx="minor">
+              <a:schemeClr val="tx1"/>
+            </a:fontRef>
+          </p:style>
+        </p:cxnSp>
+        <p:cxnSp>
+          <p:nvCxnSpPr>
+            <p:cNvPr id="100" name="Connecteur droit avec flèche 99">
+              <a:extLst>
+                <a:ext uri="{FF2B5EF4-FFF2-40B4-BE49-F238E27FC236}">
+                  <a16:creationId xmlns:a16="http://schemas.microsoft.com/office/drawing/2014/main" id="{4B6C7FCC-D798-40DB-8641-D3AA90EEA747}"/>
+                </a:ext>
+              </a:extLst>
+            </p:cNvPr>
+            <p:cNvCxnSpPr>
+              <a:cxnSpLocks/>
+            </p:cNvCxnSpPr>
+            <p:nvPr/>
+          </p:nvCxnSpPr>
+          <p:spPr>
+            <a:xfrm>
+              <a:off x="8173845" y="2957159"/>
+              <a:ext cx="1415296" cy="0"/>
+            </a:xfrm>
+            <a:prstGeom prst="straightConnector1">
+              <a:avLst/>
+            </a:prstGeom>
+            <a:ln w="28575">
+              <a:solidFill>
+                <a:srgbClr val="C00000"/>
+              </a:solidFill>
+              <a:tailEnd type="stealth" w="med" len="lg"/>
+            </a:ln>
+          </p:spPr>
+          <p:style>
+            <a:lnRef idx="1">
+              <a:schemeClr val="accent1"/>
+            </a:lnRef>
+            <a:fillRef idx="0">
+              <a:schemeClr val="accent1"/>
+            </a:fillRef>
+            <a:effectRef idx="0">
+              <a:schemeClr val="accent1"/>
+            </a:effectRef>
+            <a:fontRef idx="minor">
+              <a:schemeClr val="tx1"/>
+            </a:fontRef>
+          </p:style>
+        </p:cxnSp>
+      </p:grpSp>
+    </p:spTree>
+    <p:extLst>
+      <p:ext uri="{BB962C8B-B14F-4D97-AF65-F5344CB8AC3E}">
+        <p14:creationId xmlns:p14="http://schemas.microsoft.com/office/powerpoint/2010/main" val="1555555128"/>
+      </p:ext>
+    </p:extLst>
+  </p:cSld>
+  <p:clrMapOvr>
+    <a:masterClrMapping/>
+  </p:clrMapOvr>
+</p:sld>
+</file>
+
+<file path=ppt/slides/slide8.xml><?xml version="1.0" encoding="utf-8"?>
+<p:sld xmlns:a="http://schemas.openxmlformats.org/drawingml/2006/main" xmlns:r="http://schemas.openxmlformats.org/officeDocument/2006/relationships" xmlns:p="http://schemas.openxmlformats.org/presentationml/2006/main">
+  <p:cSld>
+    <p:spTree>
+      <p:nvGrpSpPr>
+        <p:cNvPr id="1" name=""/>
+        <p:cNvGrpSpPr/>
+        <p:nvPr/>
+      </p:nvGrpSpPr>
+      <p:grpSpPr>
+        <a:xfrm>
+          <a:off x="0" y="0"/>
+          <a:ext cx="0" cy="0"/>
+          <a:chOff x="0" y="0"/>
+          <a:chExt cx="0" cy="0"/>
+        </a:xfrm>
+      </p:grpSpPr>
+      <p:sp>
+        <p:nvSpPr>
+          <p:cNvPr id="2" name="Titre 1">
+            <a:extLst>
+              <a:ext uri="{FF2B5EF4-FFF2-40B4-BE49-F238E27FC236}">
+                <a16:creationId xmlns:a16="http://schemas.microsoft.com/office/drawing/2014/main" id="{9E3CB60B-07C0-4B60-9769-1F041E53DDC6}"/>
+              </a:ext>
+            </a:extLst>
+          </p:cNvPr>
+          <p:cNvSpPr>
+            <a:spLocks noGrp="1"/>
+          </p:cNvSpPr>
+          <p:nvPr>
+            <p:ph type="title"/>
+          </p:nvPr>
+        </p:nvSpPr>
+        <p:spPr>
+          <a:xfrm>
+            <a:off x="1622357" y="-264267"/>
+            <a:ext cx="10515600" cy="1325563"/>
+          </a:xfrm>
+        </p:spPr>
+        <p:txBody>
+          <a:bodyPr/>
+          <a:lstStyle/>
+          <a:p>
+            <a:r>
+              <a:rPr lang="fr-FR" dirty="0"/>
+              <a:t>Apprentissage non supervisé</a:t>
+            </a:r>
+          </a:p>
+        </p:txBody>
+      </p:sp>
+      <p:sp>
+        <p:nvSpPr>
+          <p:cNvPr id="133" name="Rectangle 132">
+            <a:extLst>
+              <a:ext uri="{FF2B5EF4-FFF2-40B4-BE49-F238E27FC236}">
+                <a16:creationId xmlns:a16="http://schemas.microsoft.com/office/drawing/2014/main" id="{D966BE03-919F-424D-8E22-98C9BA390E3F}"/>
+              </a:ext>
+            </a:extLst>
+          </p:cNvPr>
+          <p:cNvSpPr/>
+          <p:nvPr/>
+        </p:nvSpPr>
+        <p:spPr>
+          <a:xfrm>
+            <a:off x="906453" y="1447959"/>
+            <a:ext cx="2437191" cy="2794853"/>
+          </a:xfrm>
+          <a:prstGeom prst="rect">
+            <a:avLst/>
+          </a:prstGeom>
+          <a:solidFill>
+            <a:schemeClr val="accent6">
+              <a:lumMod val="20000"/>
+              <a:lumOff val="80000"/>
+            </a:schemeClr>
+          </a:solidFill>
+          <a:ln w="19050">
+            <a:solidFill>
+              <a:schemeClr val="accent6">
+                <a:lumMod val="75000"/>
+              </a:schemeClr>
+            </a:solidFill>
+          </a:ln>
+        </p:spPr>
+        <p:style>
+          <a:lnRef idx="2">
+            <a:schemeClr val="accent1">
+              <a:shade val="50000"/>
+            </a:schemeClr>
+          </a:lnRef>
+          <a:fillRef idx="1">
+            <a:schemeClr val="accent1"/>
+          </a:fillRef>
+          <a:effectRef idx="0">
+            <a:schemeClr val="accent1"/>
+          </a:effectRef>
+          <a:fontRef idx="minor">
+            <a:schemeClr val="lt1"/>
+          </a:fontRef>
+        </p:style>
+        <p:txBody>
+          <a:bodyPr rtlCol="0" anchor="t"/>
+          <a:lstStyle/>
+          <a:p>
+            <a:pPr algn="ctr"/>
+            <a:r>
+              <a:rPr lang="fr-FR" sz="1600" b="1" dirty="0">
+                <a:solidFill>
+                  <a:sysClr val="windowText" lastClr="000000"/>
+                </a:solidFill>
+              </a:rPr>
+              <a:t>Données</a:t>
+            </a:r>
+          </a:p>
+        </p:txBody>
+      </p:sp>
+      <p:sp>
+        <p:nvSpPr>
+          <p:cNvPr id="77" name="Rectangle 76">
+            <a:extLst>
+              <a:ext uri="{FF2B5EF4-FFF2-40B4-BE49-F238E27FC236}">
+                <a16:creationId xmlns:a16="http://schemas.microsoft.com/office/drawing/2014/main" id="{4F3A3A77-94F7-4A99-99F9-1B38337FF1C2}"/>
+              </a:ext>
+            </a:extLst>
+          </p:cNvPr>
+          <p:cNvSpPr/>
+          <p:nvPr/>
+        </p:nvSpPr>
+        <p:spPr>
+          <a:xfrm>
+            <a:off x="1138128" y="1963658"/>
+            <a:ext cx="1958434" cy="2026314"/>
+          </a:xfrm>
+          <a:prstGeom prst="rect">
+            <a:avLst/>
+          </a:prstGeom>
+          <a:solidFill>
+            <a:schemeClr val="accent6">
+              <a:lumMod val="20000"/>
+              <a:lumOff val="80000"/>
+            </a:schemeClr>
+          </a:solidFill>
+          <a:ln w="19050">
+            <a:solidFill>
+              <a:schemeClr val="accent6">
+                <a:lumMod val="75000"/>
+              </a:schemeClr>
+            </a:solidFill>
+          </a:ln>
+        </p:spPr>
+        <p:style>
+          <a:lnRef idx="2">
+            <a:schemeClr val="accent1">
+              <a:shade val="50000"/>
+            </a:schemeClr>
+          </a:lnRef>
+          <a:fillRef idx="1">
+            <a:schemeClr val="accent1"/>
+          </a:fillRef>
+          <a:effectRef idx="0">
+            <a:schemeClr val="accent1"/>
+          </a:effectRef>
+          <a:fontRef idx="minor">
+            <a:schemeClr val="lt1"/>
+          </a:fontRef>
+        </p:style>
+        <p:txBody>
+          <a:bodyPr rtlCol="0" anchor="t"/>
+          <a:lstStyle/>
+          <a:p>
+            <a:pPr algn="ctr"/>
+            <a:r>
+              <a:rPr lang="fr-FR" sz="1200" dirty="0">
+                <a:solidFill>
+                  <a:sysClr val="windowText" lastClr="000000"/>
+                </a:solidFill>
+              </a:rPr>
+              <a:t>Données </a:t>
+            </a:r>
+          </a:p>
+          <a:p>
+            <a:pPr algn="ctr"/>
+            <a:r>
+              <a:rPr lang="fr-FR" sz="1200" dirty="0">
+                <a:solidFill>
+                  <a:sysClr val="windowText" lastClr="000000"/>
+                </a:solidFill>
+              </a:rPr>
+              <a:t>(pour l’apprentissage)</a:t>
+            </a:r>
+          </a:p>
+        </p:txBody>
+      </p:sp>
+      <p:grpSp>
+        <p:nvGrpSpPr>
+          <p:cNvPr id="207" name="Groupe 206">
+            <a:extLst>
+              <a:ext uri="{FF2B5EF4-FFF2-40B4-BE49-F238E27FC236}">
+                <a16:creationId xmlns:a16="http://schemas.microsoft.com/office/drawing/2014/main" id="{643B711E-FC7B-4407-91ED-474AB047F39B}"/>
+              </a:ext>
+            </a:extLst>
+          </p:cNvPr>
+          <p:cNvGrpSpPr/>
+          <p:nvPr/>
+        </p:nvGrpSpPr>
+        <p:grpSpPr>
+          <a:xfrm>
+            <a:off x="1372516" y="2610728"/>
+            <a:ext cx="1456575" cy="1211562"/>
+            <a:chOff x="691117" y="2124915"/>
+            <a:chExt cx="1456575" cy="1211562"/>
+          </a:xfrm>
+        </p:grpSpPr>
+        <p:sp>
+          <p:nvSpPr>
+            <p:cNvPr id="4" name="Rectangle 3">
+              <a:extLst>
+                <a:ext uri="{FF2B5EF4-FFF2-40B4-BE49-F238E27FC236}">
+                  <a16:creationId xmlns:a16="http://schemas.microsoft.com/office/drawing/2014/main" id="{31D671A0-7941-42F0-B296-FD8E2DC10018}"/>
+                </a:ext>
+              </a:extLst>
+            </p:cNvPr>
+            <p:cNvSpPr/>
+            <p:nvPr/>
+          </p:nvSpPr>
+          <p:spPr>
+            <a:xfrm>
+              <a:off x="691117" y="2131088"/>
+              <a:ext cx="288000" cy="288000"/>
+            </a:xfrm>
+            <a:prstGeom prst="rect">
+              <a:avLst/>
+            </a:prstGeom>
+            <a:solidFill>
+              <a:schemeClr val="accent4">
+                <a:lumMod val="20000"/>
+                <a:lumOff val="80000"/>
+              </a:schemeClr>
+            </a:solidFill>
+            <a:ln w="28575">
+              <a:solidFill>
+                <a:schemeClr val="accent4">
+                  <a:lumMod val="50000"/>
+                </a:schemeClr>
+              </a:solidFill>
+            </a:ln>
+          </p:spPr>
+          <p:style>
+            <a:lnRef idx="2">
+              <a:schemeClr val="accent1">
+                <a:shade val="50000"/>
+              </a:schemeClr>
+            </a:lnRef>
+            <a:fillRef idx="1">
+              <a:schemeClr val="accent1"/>
+            </a:fillRef>
+            <a:effectRef idx="0">
+              <a:schemeClr val="accent1"/>
+            </a:effectRef>
+            <a:fontRef idx="minor">
+              <a:schemeClr val="lt1"/>
+            </a:fontRef>
+          </p:style>
+          <p:txBody>
+            <a:bodyPr rtlCol="0" anchor="ctr"/>
+            <a:lstStyle/>
+            <a:p>
+              <a:pPr algn="ctr"/>
+              <a:endParaRPr lang="fr-FR"/>
+            </a:p>
+          </p:txBody>
+        </p:sp>
+        <p:sp>
+          <p:nvSpPr>
+            <p:cNvPr id="5" name="Triangle isocèle 4">
+              <a:extLst>
+                <a:ext uri="{FF2B5EF4-FFF2-40B4-BE49-F238E27FC236}">
+                  <a16:creationId xmlns:a16="http://schemas.microsoft.com/office/drawing/2014/main" id="{EFB3B4A1-3673-4CAF-A61F-BDAB8433C815}"/>
+                </a:ext>
+              </a:extLst>
+            </p:cNvPr>
+            <p:cNvSpPr/>
+            <p:nvPr/>
+          </p:nvSpPr>
+          <p:spPr>
+            <a:xfrm>
+              <a:off x="1263068" y="2135043"/>
+              <a:ext cx="324000" cy="288000"/>
+            </a:xfrm>
+            <a:prstGeom prst="triangle">
+              <a:avLst/>
+            </a:prstGeom>
+            <a:solidFill>
+              <a:schemeClr val="accent2">
+                <a:lumMod val="20000"/>
+                <a:lumOff val="80000"/>
+              </a:schemeClr>
+            </a:solidFill>
+            <a:ln w="28575">
+              <a:solidFill>
+                <a:schemeClr val="accent2">
+                  <a:lumMod val="50000"/>
+                </a:schemeClr>
+              </a:solidFill>
+            </a:ln>
+          </p:spPr>
+          <p:style>
+            <a:lnRef idx="2">
+              <a:schemeClr val="accent1">
+                <a:shade val="50000"/>
+              </a:schemeClr>
+            </a:lnRef>
+            <a:fillRef idx="1">
+              <a:schemeClr val="accent1"/>
+            </a:fillRef>
+            <a:effectRef idx="0">
+              <a:schemeClr val="accent1"/>
+            </a:effectRef>
+            <a:fontRef idx="minor">
+              <a:schemeClr val="lt1"/>
+            </a:fontRef>
+          </p:style>
+          <p:txBody>
+            <a:bodyPr rtlCol="0" anchor="ctr"/>
+            <a:lstStyle/>
+            <a:p>
+              <a:pPr algn="ctr"/>
+              <a:endParaRPr lang="fr-FR"/>
+            </a:p>
+          </p:txBody>
+        </p:sp>
+        <p:sp>
+          <p:nvSpPr>
+            <p:cNvPr id="6" name="Pentagone 5">
+              <a:extLst>
+                <a:ext uri="{FF2B5EF4-FFF2-40B4-BE49-F238E27FC236}">
+                  <a16:creationId xmlns:a16="http://schemas.microsoft.com/office/drawing/2014/main" id="{9113319B-B48F-48E1-A6CB-DF46422ECC0A}"/>
+                </a:ext>
+              </a:extLst>
+            </p:cNvPr>
+            <p:cNvSpPr/>
+            <p:nvPr/>
+          </p:nvSpPr>
+          <p:spPr>
+            <a:xfrm>
+              <a:off x="1859692" y="2124915"/>
+              <a:ext cx="288000" cy="288000"/>
+            </a:xfrm>
+            <a:prstGeom prst="pentagon">
+              <a:avLst/>
+            </a:prstGeom>
+            <a:solidFill>
+              <a:schemeClr val="accent5">
+                <a:lumMod val="20000"/>
+                <a:lumOff val="80000"/>
+              </a:schemeClr>
+            </a:solidFill>
+            <a:ln w="28575">
+              <a:solidFill>
+                <a:schemeClr val="accent5">
+                  <a:lumMod val="50000"/>
+                </a:schemeClr>
+              </a:solidFill>
+            </a:ln>
+          </p:spPr>
+          <p:style>
+            <a:lnRef idx="2">
+              <a:schemeClr val="accent1">
+                <a:shade val="50000"/>
+              </a:schemeClr>
+            </a:lnRef>
+            <a:fillRef idx="1">
+              <a:schemeClr val="accent1"/>
+            </a:fillRef>
+            <a:effectRef idx="0">
+              <a:schemeClr val="accent1"/>
+            </a:effectRef>
+            <a:fontRef idx="minor">
+              <a:schemeClr val="lt1"/>
+            </a:fontRef>
+          </p:style>
+          <p:txBody>
+            <a:bodyPr rtlCol="0" anchor="ctr"/>
+            <a:lstStyle/>
+            <a:p>
+              <a:pPr algn="ctr"/>
+              <a:endParaRPr lang="fr-FR"/>
+            </a:p>
+          </p:txBody>
+        </p:sp>
+        <p:sp>
+          <p:nvSpPr>
+            <p:cNvPr id="42" name="Rectangle 41">
+              <a:extLst>
+                <a:ext uri="{FF2B5EF4-FFF2-40B4-BE49-F238E27FC236}">
+                  <a16:creationId xmlns:a16="http://schemas.microsoft.com/office/drawing/2014/main" id="{6995E2FE-42AF-493E-89DD-CBE0C8EE9975}"/>
+                </a:ext>
+              </a:extLst>
+            </p:cNvPr>
+            <p:cNvSpPr/>
+            <p:nvPr/>
+          </p:nvSpPr>
+          <p:spPr>
+            <a:xfrm>
+              <a:off x="754367" y="2702985"/>
+              <a:ext cx="171286" cy="171286"/>
+            </a:xfrm>
+            <a:prstGeom prst="rect">
+              <a:avLst/>
+            </a:prstGeom>
+            <a:solidFill>
+              <a:schemeClr val="accent4">
+                <a:lumMod val="20000"/>
+                <a:lumOff val="80000"/>
+              </a:schemeClr>
+            </a:solidFill>
+            <a:ln w="28575">
+              <a:solidFill>
+                <a:schemeClr val="accent4">
+                  <a:lumMod val="50000"/>
+                </a:schemeClr>
+              </a:solidFill>
+            </a:ln>
+          </p:spPr>
+          <p:style>
+            <a:lnRef idx="2">
+              <a:schemeClr val="accent1">
+                <a:shade val="50000"/>
+              </a:schemeClr>
+            </a:lnRef>
+            <a:fillRef idx="1">
+              <a:schemeClr val="accent1"/>
+            </a:fillRef>
+            <a:effectRef idx="0">
+              <a:schemeClr val="accent1"/>
+            </a:effectRef>
+            <a:fontRef idx="minor">
+              <a:schemeClr val="lt1"/>
+            </a:fontRef>
+          </p:style>
+          <p:txBody>
+            <a:bodyPr rtlCol="0" anchor="ctr"/>
+            <a:lstStyle/>
+            <a:p>
+              <a:pPr algn="ctr"/>
+              <a:endParaRPr lang="fr-FR"/>
+            </a:p>
+          </p:txBody>
+        </p:sp>
+        <p:sp>
+          <p:nvSpPr>
+            <p:cNvPr id="48" name="Triangle isocèle 47">
+              <a:extLst>
+                <a:ext uri="{FF2B5EF4-FFF2-40B4-BE49-F238E27FC236}">
+                  <a16:creationId xmlns:a16="http://schemas.microsoft.com/office/drawing/2014/main" id="{B661DAE1-0961-404C-ACEE-1627048ABAAF}"/>
+                </a:ext>
+              </a:extLst>
+            </p:cNvPr>
+            <p:cNvSpPr/>
+            <p:nvPr/>
+          </p:nvSpPr>
+          <p:spPr>
+            <a:xfrm>
+              <a:off x="1344949" y="2680195"/>
+              <a:ext cx="218336" cy="194076"/>
+            </a:xfrm>
+            <a:prstGeom prst="triangle">
+              <a:avLst/>
+            </a:prstGeom>
+            <a:solidFill>
+              <a:schemeClr val="accent2">
+                <a:lumMod val="20000"/>
+                <a:lumOff val="80000"/>
+              </a:schemeClr>
+            </a:solidFill>
+            <a:ln w="28575">
+              <a:solidFill>
+                <a:schemeClr val="accent2">
+                  <a:lumMod val="50000"/>
+                </a:schemeClr>
+              </a:solidFill>
+            </a:ln>
+          </p:spPr>
+          <p:style>
+            <a:lnRef idx="2">
+              <a:schemeClr val="accent1">
+                <a:shade val="50000"/>
+              </a:schemeClr>
+            </a:lnRef>
+            <a:fillRef idx="1">
+              <a:schemeClr val="accent1"/>
+            </a:fillRef>
+            <a:effectRef idx="0">
+              <a:schemeClr val="accent1"/>
+            </a:effectRef>
+            <a:fontRef idx="minor">
+              <a:schemeClr val="lt1"/>
+            </a:fontRef>
+          </p:style>
+          <p:txBody>
+            <a:bodyPr rtlCol="0" anchor="ctr"/>
+            <a:lstStyle/>
+            <a:p>
+              <a:pPr algn="ctr"/>
+              <a:endParaRPr lang="fr-FR"/>
+            </a:p>
+          </p:txBody>
+        </p:sp>
+        <p:sp>
+          <p:nvSpPr>
+            <p:cNvPr id="54" name="Pentagone 53">
+              <a:extLst>
+                <a:ext uri="{FF2B5EF4-FFF2-40B4-BE49-F238E27FC236}">
+                  <a16:creationId xmlns:a16="http://schemas.microsoft.com/office/drawing/2014/main" id="{42FD8E12-8D8A-4826-A627-A0DF159EB03A}"/>
+                </a:ext>
+              </a:extLst>
+            </p:cNvPr>
+            <p:cNvSpPr/>
+            <p:nvPr/>
+          </p:nvSpPr>
+          <p:spPr>
+            <a:xfrm>
+              <a:off x="1931794" y="2700915"/>
+              <a:ext cx="173356" cy="173356"/>
+            </a:xfrm>
+            <a:prstGeom prst="pentagon">
+              <a:avLst/>
+            </a:prstGeom>
+            <a:solidFill>
+              <a:schemeClr val="accent5">
+                <a:lumMod val="20000"/>
+                <a:lumOff val="80000"/>
+              </a:schemeClr>
+            </a:solidFill>
+            <a:ln w="28575">
+              <a:solidFill>
+                <a:schemeClr val="accent5">
+                  <a:lumMod val="50000"/>
+                </a:schemeClr>
+              </a:solidFill>
+            </a:ln>
+          </p:spPr>
+          <p:style>
+            <a:lnRef idx="2">
+              <a:schemeClr val="accent1">
+                <a:shade val="50000"/>
+              </a:schemeClr>
+            </a:lnRef>
+            <a:fillRef idx="1">
+              <a:schemeClr val="accent1"/>
+            </a:fillRef>
+            <a:effectRef idx="0">
+              <a:schemeClr val="accent1"/>
+            </a:effectRef>
+            <a:fontRef idx="minor">
+              <a:schemeClr val="lt1"/>
+            </a:fontRef>
+          </p:style>
+          <p:txBody>
+            <a:bodyPr rtlCol="0" anchor="ctr"/>
+            <a:lstStyle/>
+            <a:p>
+              <a:pPr algn="ctr"/>
+              <a:endParaRPr lang="fr-FR"/>
+            </a:p>
+          </p:txBody>
+        </p:sp>
+        <p:sp>
+          <p:nvSpPr>
+            <p:cNvPr id="61" name="Rectangle 60">
+              <a:extLst>
+                <a:ext uri="{FF2B5EF4-FFF2-40B4-BE49-F238E27FC236}">
+                  <a16:creationId xmlns:a16="http://schemas.microsoft.com/office/drawing/2014/main" id="{048C03F7-0259-4890-B276-9070E87C5E37}"/>
+                </a:ext>
+              </a:extLst>
+            </p:cNvPr>
+            <p:cNvSpPr/>
+            <p:nvPr/>
+          </p:nvSpPr>
+          <p:spPr>
+            <a:xfrm rot="2700000">
+              <a:off x="746534" y="3165191"/>
+              <a:ext cx="171286" cy="171286"/>
+            </a:xfrm>
+            <a:prstGeom prst="rect">
+              <a:avLst/>
+            </a:prstGeom>
+            <a:solidFill>
+              <a:schemeClr val="accent4">
+                <a:lumMod val="20000"/>
+                <a:lumOff val="80000"/>
+              </a:schemeClr>
+            </a:solidFill>
+            <a:ln w="28575">
+              <a:solidFill>
+                <a:schemeClr val="accent4">
+                  <a:lumMod val="50000"/>
+                </a:schemeClr>
+              </a:solidFill>
+            </a:ln>
+          </p:spPr>
+          <p:style>
+            <a:lnRef idx="2">
+              <a:schemeClr val="accent1">
+                <a:shade val="50000"/>
+              </a:schemeClr>
+            </a:lnRef>
+            <a:fillRef idx="1">
+              <a:schemeClr val="accent1"/>
+            </a:fillRef>
+            <a:effectRef idx="0">
+              <a:schemeClr val="accent1"/>
+            </a:effectRef>
+            <a:fontRef idx="minor">
+              <a:schemeClr val="lt1"/>
+            </a:fontRef>
+          </p:style>
+          <p:txBody>
+            <a:bodyPr rtlCol="0" anchor="ctr"/>
+            <a:lstStyle/>
+            <a:p>
+              <a:pPr algn="ctr"/>
+              <a:endParaRPr lang="fr-FR" dirty="0"/>
+            </a:p>
+          </p:txBody>
+        </p:sp>
+        <p:sp>
+          <p:nvSpPr>
+            <p:cNvPr id="67" name="Triangle isocèle 66">
+              <a:extLst>
+                <a:ext uri="{FF2B5EF4-FFF2-40B4-BE49-F238E27FC236}">
+                  <a16:creationId xmlns:a16="http://schemas.microsoft.com/office/drawing/2014/main" id="{8CA77BF3-53A7-4565-9C66-9B77E0D990FB}"/>
+                </a:ext>
+              </a:extLst>
+            </p:cNvPr>
+            <p:cNvSpPr/>
+            <p:nvPr/>
+          </p:nvSpPr>
+          <p:spPr>
+            <a:xfrm rot="2700000">
+              <a:off x="1328010" y="3121382"/>
+              <a:ext cx="218336" cy="194076"/>
+            </a:xfrm>
+            <a:prstGeom prst="triangle">
+              <a:avLst/>
+            </a:prstGeom>
+            <a:solidFill>
+              <a:schemeClr val="accent2">
+                <a:lumMod val="20000"/>
+                <a:lumOff val="80000"/>
+              </a:schemeClr>
+            </a:solidFill>
+            <a:ln w="28575">
+              <a:solidFill>
+                <a:schemeClr val="accent2">
+                  <a:lumMod val="50000"/>
+                </a:schemeClr>
+              </a:solidFill>
+            </a:ln>
+          </p:spPr>
+          <p:style>
+            <a:lnRef idx="2">
+              <a:schemeClr val="accent1">
+                <a:shade val="50000"/>
+              </a:schemeClr>
+            </a:lnRef>
+            <a:fillRef idx="1">
+              <a:schemeClr val="accent1"/>
+            </a:fillRef>
+            <a:effectRef idx="0">
+              <a:schemeClr val="accent1"/>
+            </a:effectRef>
+            <a:fontRef idx="minor">
+              <a:schemeClr val="lt1"/>
+            </a:fontRef>
+          </p:style>
+          <p:txBody>
+            <a:bodyPr rtlCol="0" anchor="ctr"/>
+            <a:lstStyle/>
+            <a:p>
+              <a:pPr algn="ctr"/>
+              <a:endParaRPr lang="fr-FR" dirty="0"/>
+            </a:p>
+          </p:txBody>
+        </p:sp>
+        <p:sp>
+          <p:nvSpPr>
+            <p:cNvPr id="73" name="Pentagone 72">
+              <a:extLst>
+                <a:ext uri="{FF2B5EF4-FFF2-40B4-BE49-F238E27FC236}">
+                  <a16:creationId xmlns:a16="http://schemas.microsoft.com/office/drawing/2014/main" id="{9768B5D7-F5F9-435B-8099-4F1108AE2945}"/>
+                </a:ext>
+              </a:extLst>
+            </p:cNvPr>
+            <p:cNvSpPr/>
+            <p:nvPr/>
+          </p:nvSpPr>
+          <p:spPr>
+            <a:xfrm rot="19800000">
+              <a:off x="1921061" y="3146835"/>
+              <a:ext cx="173356" cy="173356"/>
+            </a:xfrm>
+            <a:prstGeom prst="pentagon">
+              <a:avLst/>
+            </a:prstGeom>
+            <a:solidFill>
+              <a:schemeClr val="accent5">
+                <a:lumMod val="20000"/>
+                <a:lumOff val="80000"/>
+              </a:schemeClr>
+            </a:solidFill>
+            <a:ln w="28575">
+              <a:solidFill>
+                <a:schemeClr val="accent5">
+                  <a:lumMod val="50000"/>
+                </a:schemeClr>
+              </a:solidFill>
+            </a:ln>
+          </p:spPr>
+          <p:style>
+            <a:lnRef idx="2">
+              <a:schemeClr val="accent1">
+                <a:shade val="50000"/>
+              </a:schemeClr>
+            </a:lnRef>
+            <a:fillRef idx="1">
+              <a:schemeClr val="accent1"/>
+            </a:fillRef>
+            <a:effectRef idx="0">
+              <a:schemeClr val="accent1"/>
+            </a:effectRef>
+            <a:fontRef idx="minor">
+              <a:schemeClr val="lt1"/>
+            </a:fontRef>
+          </p:style>
+          <p:txBody>
+            <a:bodyPr rtlCol="0" anchor="ctr"/>
+            <a:lstStyle/>
+            <a:p>
+              <a:pPr algn="ctr"/>
+              <a:endParaRPr lang="fr-FR" dirty="0"/>
+            </a:p>
+          </p:txBody>
+        </p:sp>
+      </p:grpSp>
+      <p:sp>
+        <p:nvSpPr>
+          <p:cNvPr id="135" name="Rectangle 134">
+            <a:extLst>
+              <a:ext uri="{FF2B5EF4-FFF2-40B4-BE49-F238E27FC236}">
+                <a16:creationId xmlns:a16="http://schemas.microsoft.com/office/drawing/2014/main" id="{7F06C4D1-75D8-4A9A-BAB3-3DBAC3F58103}"/>
+              </a:ext>
+            </a:extLst>
+          </p:cNvPr>
+          <p:cNvSpPr/>
+          <p:nvPr/>
+        </p:nvSpPr>
+        <p:spPr>
+          <a:xfrm>
+            <a:off x="4859477" y="1447959"/>
+            <a:ext cx="2665144" cy="2861966"/>
+          </a:xfrm>
+          <a:prstGeom prst="rect">
+            <a:avLst/>
+          </a:prstGeom>
+          <a:solidFill>
+            <a:schemeClr val="accent2">
+              <a:lumMod val="20000"/>
+              <a:lumOff val="80000"/>
+            </a:schemeClr>
+          </a:solidFill>
+          <a:ln w="19050">
+            <a:solidFill>
+              <a:schemeClr val="accent2">
+                <a:lumMod val="50000"/>
+              </a:schemeClr>
+            </a:solidFill>
+          </a:ln>
+        </p:spPr>
+        <p:style>
+          <a:lnRef idx="2">
+            <a:schemeClr val="accent1">
+              <a:shade val="50000"/>
+            </a:schemeClr>
+          </a:lnRef>
+          <a:fillRef idx="1">
+            <a:schemeClr val="accent1"/>
+          </a:fillRef>
+          <a:effectRef idx="0">
+            <a:schemeClr val="accent1"/>
+          </a:effectRef>
+          <a:fontRef idx="minor">
+            <a:schemeClr val="lt1"/>
+          </a:fontRef>
+        </p:style>
+        <p:txBody>
+          <a:bodyPr rtlCol="0" anchor="t"/>
+          <a:lstStyle/>
+          <a:p>
+            <a:pPr algn="ctr"/>
+            <a:r>
+              <a:rPr lang="fr-FR" sz="1600" b="1" dirty="0">
+                <a:solidFill>
+                  <a:sysClr val="windowText" lastClr="000000"/>
+                </a:solidFill>
+              </a:rPr>
+              <a:t>Modèle</a:t>
+            </a:r>
+          </a:p>
+        </p:txBody>
+      </p:sp>
+      <p:sp>
+        <p:nvSpPr>
+          <p:cNvPr id="136" name="Rectangle 135">
+            <a:extLst>
+              <a:ext uri="{FF2B5EF4-FFF2-40B4-BE49-F238E27FC236}">
+                <a16:creationId xmlns:a16="http://schemas.microsoft.com/office/drawing/2014/main" id="{1830058D-03EC-4D37-BAB6-7E3139C2E7A7}"/>
+              </a:ext>
+            </a:extLst>
+          </p:cNvPr>
+          <p:cNvSpPr/>
+          <p:nvPr/>
+        </p:nvSpPr>
+        <p:spPr>
+          <a:xfrm>
+            <a:off x="8939917" y="1447959"/>
+            <a:ext cx="2844470" cy="2861966"/>
+          </a:xfrm>
+          <a:prstGeom prst="rect">
+            <a:avLst/>
+          </a:prstGeom>
+          <a:solidFill>
+            <a:schemeClr val="accent5">
+              <a:lumMod val="20000"/>
+              <a:lumOff val="80000"/>
+            </a:schemeClr>
+          </a:solidFill>
+          <a:ln w="19050">
+            <a:solidFill>
+              <a:schemeClr val="accent5">
+                <a:lumMod val="50000"/>
+              </a:schemeClr>
+            </a:solidFill>
+          </a:ln>
+        </p:spPr>
+        <p:style>
+          <a:lnRef idx="2">
+            <a:schemeClr val="accent1">
+              <a:shade val="50000"/>
+            </a:schemeClr>
+          </a:lnRef>
+          <a:fillRef idx="1">
+            <a:schemeClr val="accent1"/>
+          </a:fillRef>
+          <a:effectRef idx="0">
+            <a:schemeClr val="accent1"/>
+          </a:effectRef>
+          <a:fontRef idx="minor">
+            <a:schemeClr val="lt1"/>
+          </a:fontRef>
+        </p:style>
+        <p:txBody>
+          <a:bodyPr rtlCol="0" anchor="t"/>
+          <a:lstStyle/>
+          <a:p>
+            <a:pPr algn="ctr"/>
+            <a:r>
+              <a:rPr lang="fr-FR" sz="1600" b="1" dirty="0">
+                <a:solidFill>
+                  <a:sysClr val="windowText" lastClr="000000"/>
+                </a:solidFill>
+              </a:rPr>
+              <a:t>Résultats</a:t>
+            </a:r>
+          </a:p>
+        </p:txBody>
+      </p:sp>
+      <p:sp>
+        <p:nvSpPr>
+          <p:cNvPr id="137" name="Rectangle 136">
+            <a:extLst>
+              <a:ext uri="{FF2B5EF4-FFF2-40B4-BE49-F238E27FC236}">
+                <a16:creationId xmlns:a16="http://schemas.microsoft.com/office/drawing/2014/main" id="{45348341-DB92-49DF-853F-A85F4492B107}"/>
+              </a:ext>
+            </a:extLst>
+          </p:cNvPr>
+          <p:cNvSpPr/>
+          <p:nvPr/>
+        </p:nvSpPr>
+        <p:spPr>
+          <a:xfrm>
+            <a:off x="5451693" y="2234011"/>
+            <a:ext cx="1325525" cy="601032"/>
+          </a:xfrm>
+          <a:prstGeom prst="rect">
+            <a:avLst/>
+          </a:prstGeom>
+          <a:noFill/>
+          <a:ln w="28575">
+            <a:noFill/>
+          </a:ln>
+        </p:spPr>
+        <p:style>
+          <a:lnRef idx="2">
+            <a:schemeClr val="accent1">
+              <a:shade val="50000"/>
+            </a:schemeClr>
+          </a:lnRef>
+          <a:fillRef idx="1">
+            <a:schemeClr val="accent1"/>
+          </a:fillRef>
+          <a:effectRef idx="0">
+            <a:schemeClr val="accent1"/>
+          </a:effectRef>
+          <a:fontRef idx="minor">
+            <a:schemeClr val="lt1"/>
+          </a:fontRef>
+        </p:style>
+        <p:txBody>
+          <a:bodyPr rtlCol="0" anchor="ctr"/>
+          <a:lstStyle/>
+          <a:p>
+            <a:pPr algn="ctr"/>
+            <a:r>
+              <a:rPr lang="fr-FR" sz="1400" b="1" dirty="0">
+                <a:solidFill>
+                  <a:sysClr val="windowText" lastClr="000000"/>
+                </a:solidFill>
+              </a:rPr>
+              <a:t>Apprentissage</a:t>
+            </a:r>
+          </a:p>
+        </p:txBody>
+      </p:sp>
+      <p:pic>
+        <p:nvPicPr>
+          <p:cNvPr id="138" name="Image 137">
+            <a:extLst>
+              <a:ext uri="{FF2B5EF4-FFF2-40B4-BE49-F238E27FC236}">
+                <a16:creationId xmlns:a16="http://schemas.microsoft.com/office/drawing/2014/main" id="{F7E493C6-2AD2-4C22-8CD5-A35968E65267}"/>
+              </a:ext>
+            </a:extLst>
+          </p:cNvPr>
+          <p:cNvPicPr>
+            <a:picLocks noChangeAspect="1"/>
+          </p:cNvPicPr>
+          <p:nvPr/>
+        </p:nvPicPr>
+        <p:blipFill>
+          <a:blip r:embed="rId3"/>
+          <a:stretch>
+            <a:fillRect/>
+          </a:stretch>
+        </p:blipFill>
+        <p:spPr>
+          <a:xfrm>
+            <a:off x="5732237" y="2811042"/>
+            <a:ext cx="764437" cy="677826"/>
+          </a:xfrm>
+          <a:prstGeom prst="rect">
+            <a:avLst/>
+          </a:prstGeom>
+        </p:spPr>
+      </p:pic>
+      <p:grpSp>
+        <p:nvGrpSpPr>
+          <p:cNvPr id="15" name="Groupe 14">
+            <a:extLst>
+              <a:ext uri="{FF2B5EF4-FFF2-40B4-BE49-F238E27FC236}">
+                <a16:creationId xmlns:a16="http://schemas.microsoft.com/office/drawing/2014/main" id="{3A4EC74C-25D8-42DC-B9C9-B9E3BF3FE49B}"/>
+              </a:ext>
+            </a:extLst>
+          </p:cNvPr>
+          <p:cNvGrpSpPr/>
+          <p:nvPr/>
+        </p:nvGrpSpPr>
+        <p:grpSpPr>
+          <a:xfrm>
+            <a:off x="10890732" y="1602485"/>
+            <a:ext cx="798672" cy="371752"/>
+            <a:chOff x="4342282" y="5081398"/>
+            <a:chExt cx="798672" cy="371752"/>
+          </a:xfrm>
+        </p:grpSpPr>
+        <p:sp>
+          <p:nvSpPr>
+            <p:cNvPr id="254" name="ZoneTexte 253">
+              <a:extLst>
+                <a:ext uri="{FF2B5EF4-FFF2-40B4-BE49-F238E27FC236}">
+                  <a16:creationId xmlns:a16="http://schemas.microsoft.com/office/drawing/2014/main" id="{57BCAA68-02C4-49CA-888C-AB294F13706E}"/>
+                </a:ext>
+              </a:extLst>
+            </p:cNvPr>
+            <p:cNvSpPr txBox="1"/>
+            <p:nvPr/>
+          </p:nvSpPr>
+          <p:spPr>
+            <a:xfrm>
+              <a:off x="4494114" y="5081398"/>
+              <a:ext cx="646840" cy="246221"/>
+            </a:xfrm>
+            <a:prstGeom prst="rect">
+              <a:avLst/>
+            </a:prstGeom>
+            <a:noFill/>
+          </p:spPr>
+          <p:txBody>
+            <a:bodyPr wrap="square" rtlCol="0">
+              <a:spAutoFit/>
+            </a:bodyPr>
+            <a:lstStyle/>
+            <a:p>
+              <a:r>
+                <a:rPr lang="fr-FR" sz="1000" dirty="0">
+                  <a:latin typeface="Arial Narrow" panose="020B0606020202030204" pitchFamily="34" charset="0"/>
+                </a:rPr>
+                <a:t>Forme B</a:t>
+              </a:r>
+              <a:endParaRPr lang="fr-FR" dirty="0">
+                <a:latin typeface="Arial Narrow" panose="020B0606020202030204" pitchFamily="34" charset="0"/>
+              </a:endParaRPr>
+            </a:p>
+          </p:txBody>
+        </p:sp>
+        <p:cxnSp>
+          <p:nvCxnSpPr>
+            <p:cNvPr id="255" name="Connecteur droit 254">
+              <a:extLst>
+                <a:ext uri="{FF2B5EF4-FFF2-40B4-BE49-F238E27FC236}">
+                  <a16:creationId xmlns:a16="http://schemas.microsoft.com/office/drawing/2014/main" id="{1D4F76C1-AFF8-4085-9B11-93280AF72619}"/>
+                </a:ext>
+              </a:extLst>
+            </p:cNvPr>
+            <p:cNvCxnSpPr>
+              <a:cxnSpLocks/>
+            </p:cNvCxnSpPr>
+            <p:nvPr/>
+          </p:nvCxnSpPr>
+          <p:spPr>
+            <a:xfrm flipV="1">
+              <a:off x="4342282" y="5237150"/>
+              <a:ext cx="216000" cy="216000"/>
+            </a:xfrm>
+            <a:prstGeom prst="line">
+              <a:avLst/>
+            </a:prstGeom>
+            <a:ln w="9525">
+              <a:solidFill>
+                <a:schemeClr val="tx1"/>
+              </a:solidFill>
+            </a:ln>
+          </p:spPr>
+          <p:style>
+            <a:lnRef idx="1">
+              <a:schemeClr val="accent1"/>
+            </a:lnRef>
+            <a:fillRef idx="0">
+              <a:schemeClr val="accent1"/>
+            </a:fillRef>
+            <a:effectRef idx="0">
+              <a:schemeClr val="accent1"/>
+            </a:effectRef>
+            <a:fontRef idx="minor">
+              <a:schemeClr val="tx1"/>
+            </a:fontRef>
+          </p:style>
+        </p:cxnSp>
+        <p:cxnSp>
+          <p:nvCxnSpPr>
+            <p:cNvPr id="256" name="Connecteur droit 255">
+              <a:extLst>
+                <a:ext uri="{FF2B5EF4-FFF2-40B4-BE49-F238E27FC236}">
+                  <a16:creationId xmlns:a16="http://schemas.microsoft.com/office/drawing/2014/main" id="{D7D42650-E5D9-463D-B8F5-34B8140E8F84}"/>
+                </a:ext>
+              </a:extLst>
+            </p:cNvPr>
+            <p:cNvCxnSpPr>
+              <a:cxnSpLocks/>
+            </p:cNvCxnSpPr>
+            <p:nvPr/>
+          </p:nvCxnSpPr>
+          <p:spPr>
+            <a:xfrm flipV="1">
+              <a:off x="4558282" y="5118827"/>
+              <a:ext cx="0" cy="180000"/>
+            </a:xfrm>
+            <a:prstGeom prst="line">
+              <a:avLst/>
+            </a:prstGeom>
+            <a:ln w="9525">
+              <a:solidFill>
+                <a:schemeClr val="tx1"/>
+              </a:solidFill>
+            </a:ln>
+          </p:spPr>
+          <p:style>
+            <a:lnRef idx="1">
+              <a:schemeClr val="accent1"/>
+            </a:lnRef>
+            <a:fillRef idx="0">
+              <a:schemeClr val="accent1"/>
+            </a:fillRef>
+            <a:effectRef idx="0">
+              <a:schemeClr val="accent1"/>
+            </a:effectRef>
+            <a:fontRef idx="minor">
+              <a:schemeClr val="tx1"/>
+            </a:fontRef>
+          </p:style>
+        </p:cxnSp>
+      </p:grpSp>
+      <p:grpSp>
+        <p:nvGrpSpPr>
+          <p:cNvPr id="16" name="Groupe 15">
+            <a:extLst>
+              <a:ext uri="{FF2B5EF4-FFF2-40B4-BE49-F238E27FC236}">
+                <a16:creationId xmlns:a16="http://schemas.microsoft.com/office/drawing/2014/main" id="{CC4669CA-1BA2-4C73-8B37-386094E0D27E}"/>
+              </a:ext>
+            </a:extLst>
+          </p:cNvPr>
+          <p:cNvGrpSpPr/>
+          <p:nvPr/>
+        </p:nvGrpSpPr>
+        <p:grpSpPr>
+          <a:xfrm>
+            <a:off x="10819611" y="3061850"/>
+            <a:ext cx="869793" cy="400110"/>
+            <a:chOff x="2497931" y="5129464"/>
+            <a:chExt cx="723165" cy="400110"/>
+          </a:xfrm>
+        </p:grpSpPr>
+        <p:sp>
+          <p:nvSpPr>
+            <p:cNvPr id="241" name="ZoneTexte 240">
+              <a:extLst>
+                <a:ext uri="{FF2B5EF4-FFF2-40B4-BE49-F238E27FC236}">
+                  <a16:creationId xmlns:a16="http://schemas.microsoft.com/office/drawing/2014/main" id="{051DD134-D290-4B7C-BD29-549405D3FEFC}"/>
+                </a:ext>
+              </a:extLst>
+            </p:cNvPr>
+            <p:cNvSpPr txBox="1"/>
+            <p:nvPr/>
+          </p:nvSpPr>
+          <p:spPr>
+            <a:xfrm>
+              <a:off x="2649763" y="5129464"/>
+              <a:ext cx="571333" cy="400110"/>
+            </a:xfrm>
+            <a:prstGeom prst="rect">
+              <a:avLst/>
+            </a:prstGeom>
+            <a:noFill/>
+          </p:spPr>
+          <p:txBody>
+            <a:bodyPr wrap="square" rtlCol="0">
+              <a:spAutoFit/>
+            </a:bodyPr>
+            <a:lstStyle/>
+            <a:p>
+              <a:r>
+                <a:rPr lang="fr-FR" sz="1000" dirty="0">
+                  <a:latin typeface="Arial Narrow" panose="020B0606020202030204" pitchFamily="34" charset="0"/>
+                </a:rPr>
+                <a:t>Forme C</a:t>
+              </a:r>
+              <a:endParaRPr lang="fr-FR" dirty="0">
+                <a:latin typeface="Arial Narrow" panose="020B0606020202030204" pitchFamily="34" charset="0"/>
+              </a:endParaRPr>
+            </a:p>
+          </p:txBody>
+        </p:sp>
+        <p:cxnSp>
+          <p:nvCxnSpPr>
+            <p:cNvPr id="242" name="Connecteur droit 241">
+              <a:extLst>
+                <a:ext uri="{FF2B5EF4-FFF2-40B4-BE49-F238E27FC236}">
+                  <a16:creationId xmlns:a16="http://schemas.microsoft.com/office/drawing/2014/main" id="{7102175A-886F-4A2C-82FE-701D5A039783}"/>
+                </a:ext>
+              </a:extLst>
+            </p:cNvPr>
+            <p:cNvCxnSpPr>
+              <a:cxnSpLocks/>
+            </p:cNvCxnSpPr>
+            <p:nvPr/>
+          </p:nvCxnSpPr>
+          <p:spPr>
+            <a:xfrm flipV="1">
+              <a:off x="2497931" y="5285216"/>
+              <a:ext cx="216000" cy="216000"/>
+            </a:xfrm>
+            <a:prstGeom prst="line">
+              <a:avLst/>
+            </a:prstGeom>
+            <a:ln w="9525">
+              <a:solidFill>
+                <a:schemeClr val="tx1"/>
+              </a:solidFill>
+            </a:ln>
+          </p:spPr>
+          <p:style>
+            <a:lnRef idx="1">
+              <a:schemeClr val="accent1"/>
+            </a:lnRef>
+            <a:fillRef idx="0">
+              <a:schemeClr val="accent1"/>
+            </a:fillRef>
+            <a:effectRef idx="0">
+              <a:schemeClr val="accent1"/>
+            </a:effectRef>
+            <a:fontRef idx="minor">
+              <a:schemeClr val="tx1"/>
+            </a:fontRef>
+          </p:style>
+        </p:cxnSp>
+        <p:cxnSp>
+          <p:nvCxnSpPr>
+            <p:cNvPr id="243" name="Connecteur droit 242">
+              <a:extLst>
+                <a:ext uri="{FF2B5EF4-FFF2-40B4-BE49-F238E27FC236}">
+                  <a16:creationId xmlns:a16="http://schemas.microsoft.com/office/drawing/2014/main" id="{1A1948A0-CEC0-422E-AC1E-7DDDF402985D}"/>
+                </a:ext>
+              </a:extLst>
+            </p:cNvPr>
+            <p:cNvCxnSpPr>
+              <a:cxnSpLocks/>
+            </p:cNvCxnSpPr>
+            <p:nvPr/>
+          </p:nvCxnSpPr>
+          <p:spPr>
+            <a:xfrm flipV="1">
+              <a:off x="2713931" y="5166893"/>
+              <a:ext cx="0" cy="180000"/>
+            </a:xfrm>
+            <a:prstGeom prst="line">
+              <a:avLst/>
+            </a:prstGeom>
+            <a:ln w="9525">
+              <a:solidFill>
+                <a:schemeClr val="tx1"/>
+              </a:solidFill>
+            </a:ln>
+          </p:spPr>
+          <p:style>
+            <a:lnRef idx="1">
+              <a:schemeClr val="accent1"/>
+            </a:lnRef>
+            <a:fillRef idx="0">
+              <a:schemeClr val="accent1"/>
+            </a:fillRef>
+            <a:effectRef idx="0">
+              <a:schemeClr val="accent1"/>
+            </a:effectRef>
+            <a:fontRef idx="minor">
+              <a:schemeClr val="tx1"/>
+            </a:fontRef>
+          </p:style>
+        </p:cxnSp>
+      </p:grpSp>
+      <p:grpSp>
+        <p:nvGrpSpPr>
+          <p:cNvPr id="17" name="Groupe 16">
+            <a:extLst>
+              <a:ext uri="{FF2B5EF4-FFF2-40B4-BE49-F238E27FC236}">
+                <a16:creationId xmlns:a16="http://schemas.microsoft.com/office/drawing/2014/main" id="{1E956101-5AF6-48CF-97D9-5F485DB5203C}"/>
+              </a:ext>
+            </a:extLst>
+          </p:cNvPr>
+          <p:cNvGrpSpPr/>
+          <p:nvPr/>
+        </p:nvGrpSpPr>
+        <p:grpSpPr>
+          <a:xfrm>
+            <a:off x="10022206" y="1731173"/>
+            <a:ext cx="911949" cy="371752"/>
+            <a:chOff x="4935687" y="5752810"/>
+            <a:chExt cx="911949" cy="371752"/>
+          </a:xfrm>
+        </p:grpSpPr>
+        <p:sp>
+          <p:nvSpPr>
+            <p:cNvPr id="228" name="ZoneTexte 227">
+              <a:extLst>
+                <a:ext uri="{FF2B5EF4-FFF2-40B4-BE49-F238E27FC236}">
+                  <a16:creationId xmlns:a16="http://schemas.microsoft.com/office/drawing/2014/main" id="{12AD73FC-18A6-4B95-9539-9DE091B561EF}"/>
+                </a:ext>
+              </a:extLst>
+            </p:cNvPr>
+            <p:cNvSpPr txBox="1"/>
+            <p:nvPr/>
+          </p:nvSpPr>
+          <p:spPr>
+            <a:xfrm>
+              <a:off x="5087519" y="5752810"/>
+              <a:ext cx="760117" cy="246221"/>
+            </a:xfrm>
+            <a:prstGeom prst="rect">
+              <a:avLst/>
+            </a:prstGeom>
+            <a:noFill/>
+          </p:spPr>
+          <p:txBody>
+            <a:bodyPr wrap="square" rtlCol="0">
+              <a:spAutoFit/>
+            </a:bodyPr>
+            <a:lstStyle/>
+            <a:p>
+              <a:r>
+                <a:rPr lang="fr-FR" sz="1000" dirty="0">
+                  <a:latin typeface="Arial Narrow" panose="020B0606020202030204" pitchFamily="34" charset="0"/>
+                </a:rPr>
+                <a:t>Forme A</a:t>
+              </a:r>
+              <a:endParaRPr lang="fr-FR" dirty="0">
+                <a:latin typeface="Arial Narrow" panose="020B0606020202030204" pitchFamily="34" charset="0"/>
+              </a:endParaRPr>
+            </a:p>
+          </p:txBody>
+        </p:sp>
+        <p:cxnSp>
+          <p:nvCxnSpPr>
+            <p:cNvPr id="230" name="Connecteur droit 229">
+              <a:extLst>
+                <a:ext uri="{FF2B5EF4-FFF2-40B4-BE49-F238E27FC236}">
+                  <a16:creationId xmlns:a16="http://schemas.microsoft.com/office/drawing/2014/main" id="{CA163815-6E53-404D-947F-8B34D2B41ACA}"/>
+                </a:ext>
+              </a:extLst>
+            </p:cNvPr>
+            <p:cNvCxnSpPr>
+              <a:cxnSpLocks/>
+            </p:cNvCxnSpPr>
+            <p:nvPr/>
+          </p:nvCxnSpPr>
+          <p:spPr>
+            <a:xfrm flipV="1">
+              <a:off x="4935687" y="5908562"/>
+              <a:ext cx="216000" cy="216000"/>
+            </a:xfrm>
+            <a:prstGeom prst="line">
+              <a:avLst/>
+            </a:prstGeom>
+            <a:ln w="9525">
+              <a:solidFill>
+                <a:schemeClr val="tx1"/>
+              </a:solidFill>
+            </a:ln>
+          </p:spPr>
+          <p:style>
+            <a:lnRef idx="1">
+              <a:schemeClr val="accent1"/>
+            </a:lnRef>
+            <a:fillRef idx="0">
+              <a:schemeClr val="accent1"/>
+            </a:fillRef>
+            <a:effectRef idx="0">
+              <a:schemeClr val="accent1"/>
+            </a:effectRef>
+            <a:fontRef idx="minor">
+              <a:schemeClr val="tx1"/>
+            </a:fontRef>
+          </p:style>
+        </p:cxnSp>
+        <p:cxnSp>
+          <p:nvCxnSpPr>
+            <p:cNvPr id="231" name="Connecteur droit 230">
+              <a:extLst>
+                <a:ext uri="{FF2B5EF4-FFF2-40B4-BE49-F238E27FC236}">
+                  <a16:creationId xmlns:a16="http://schemas.microsoft.com/office/drawing/2014/main" id="{92FCE3C1-F4CF-44D6-9FFB-BEDA62B5B5A0}"/>
+                </a:ext>
+              </a:extLst>
+            </p:cNvPr>
+            <p:cNvCxnSpPr>
+              <a:cxnSpLocks/>
+            </p:cNvCxnSpPr>
+            <p:nvPr/>
+          </p:nvCxnSpPr>
+          <p:spPr>
+            <a:xfrm flipV="1">
+              <a:off x="5151687" y="5790239"/>
+              <a:ext cx="0" cy="180000"/>
+            </a:xfrm>
+            <a:prstGeom prst="line">
+              <a:avLst/>
+            </a:prstGeom>
+            <a:ln w="9525">
+              <a:solidFill>
+                <a:schemeClr val="tx1"/>
+              </a:solidFill>
+            </a:ln>
+          </p:spPr>
+          <p:style>
+            <a:lnRef idx="1">
+              <a:schemeClr val="accent1"/>
+            </a:lnRef>
+            <a:fillRef idx="0">
+              <a:schemeClr val="accent1"/>
+            </a:fillRef>
+            <a:effectRef idx="0">
+              <a:schemeClr val="accent1"/>
+            </a:effectRef>
+            <a:fontRef idx="minor">
+              <a:schemeClr val="tx1"/>
+            </a:fontRef>
+          </p:style>
+        </p:cxnSp>
+      </p:grpSp>
+      <p:grpSp>
+        <p:nvGrpSpPr>
+          <p:cNvPr id="264" name="Groupe 263">
+            <a:extLst>
+              <a:ext uri="{FF2B5EF4-FFF2-40B4-BE49-F238E27FC236}">
+                <a16:creationId xmlns:a16="http://schemas.microsoft.com/office/drawing/2014/main" id="{1B1380A9-0FD4-4D8D-B2F9-E8E601643B75}"/>
+              </a:ext>
+            </a:extLst>
+          </p:cNvPr>
+          <p:cNvGrpSpPr/>
+          <p:nvPr/>
+        </p:nvGrpSpPr>
+        <p:grpSpPr>
+          <a:xfrm>
+            <a:off x="9204866" y="1966611"/>
+            <a:ext cx="912331" cy="912331"/>
+            <a:chOff x="6934443" y="5053055"/>
+            <a:chExt cx="912331" cy="912331"/>
+          </a:xfrm>
+        </p:grpSpPr>
+        <p:sp>
+          <p:nvSpPr>
+            <p:cNvPr id="265" name="Pentagone 264">
+              <a:extLst>
+                <a:ext uri="{FF2B5EF4-FFF2-40B4-BE49-F238E27FC236}">
+                  <a16:creationId xmlns:a16="http://schemas.microsoft.com/office/drawing/2014/main" id="{36578E97-6518-49F1-A75C-8582468D196A}"/>
+                </a:ext>
+              </a:extLst>
+            </p:cNvPr>
+            <p:cNvSpPr/>
+            <p:nvPr/>
+          </p:nvSpPr>
+          <p:spPr>
+            <a:xfrm>
+              <a:off x="7079492" y="5410040"/>
+              <a:ext cx="288000" cy="288000"/>
+            </a:xfrm>
+            <a:prstGeom prst="pentagon">
+              <a:avLst/>
+            </a:prstGeom>
+            <a:solidFill>
+              <a:schemeClr val="accent5">
+                <a:lumMod val="20000"/>
+                <a:lumOff val="80000"/>
+              </a:schemeClr>
+            </a:solidFill>
+            <a:ln w="28575">
+              <a:solidFill>
+                <a:schemeClr val="accent5">
+                  <a:lumMod val="50000"/>
+                </a:schemeClr>
+              </a:solidFill>
+            </a:ln>
+          </p:spPr>
+          <p:style>
+            <a:lnRef idx="2">
+              <a:schemeClr val="accent1">
+                <a:shade val="50000"/>
+              </a:schemeClr>
+            </a:lnRef>
+            <a:fillRef idx="1">
+              <a:schemeClr val="accent1"/>
+            </a:fillRef>
+            <a:effectRef idx="0">
+              <a:schemeClr val="accent1"/>
+            </a:effectRef>
+            <a:fontRef idx="minor">
+              <a:schemeClr val="lt1"/>
+            </a:fontRef>
+          </p:style>
+          <p:txBody>
+            <a:bodyPr rtlCol="0" anchor="ctr"/>
+            <a:lstStyle/>
+            <a:p>
+              <a:pPr algn="ctr"/>
+              <a:endParaRPr lang="fr-FR"/>
+            </a:p>
+          </p:txBody>
+        </p:sp>
+        <p:sp>
+          <p:nvSpPr>
+            <p:cNvPr id="266" name="Pentagone 265">
+              <a:extLst>
+                <a:ext uri="{FF2B5EF4-FFF2-40B4-BE49-F238E27FC236}">
+                  <a16:creationId xmlns:a16="http://schemas.microsoft.com/office/drawing/2014/main" id="{3039BC28-04B9-4A50-9F0B-F7A71A7C681D}"/>
+                </a:ext>
+              </a:extLst>
+            </p:cNvPr>
+            <p:cNvSpPr/>
+            <p:nvPr/>
+          </p:nvSpPr>
+          <p:spPr>
+            <a:xfrm>
+              <a:off x="7502391" y="5545529"/>
+              <a:ext cx="173356" cy="173356"/>
+            </a:xfrm>
+            <a:prstGeom prst="pentagon">
+              <a:avLst/>
+            </a:prstGeom>
+            <a:solidFill>
+              <a:schemeClr val="accent5">
+                <a:lumMod val="20000"/>
+                <a:lumOff val="80000"/>
+              </a:schemeClr>
+            </a:solidFill>
+            <a:ln w="28575">
+              <a:solidFill>
+                <a:schemeClr val="accent5">
+                  <a:lumMod val="50000"/>
+                </a:schemeClr>
+              </a:solidFill>
+            </a:ln>
+          </p:spPr>
+          <p:style>
+            <a:lnRef idx="2">
+              <a:schemeClr val="accent1">
+                <a:shade val="50000"/>
+              </a:schemeClr>
+            </a:lnRef>
+            <a:fillRef idx="1">
+              <a:schemeClr val="accent1"/>
+            </a:fillRef>
+            <a:effectRef idx="0">
+              <a:schemeClr val="accent1"/>
+            </a:effectRef>
+            <a:fontRef idx="minor">
+              <a:schemeClr val="lt1"/>
+            </a:fontRef>
+          </p:style>
+          <p:txBody>
+            <a:bodyPr rtlCol="0" anchor="ctr"/>
+            <a:lstStyle/>
+            <a:p>
+              <a:pPr algn="ctr"/>
+              <a:endParaRPr lang="fr-FR"/>
+            </a:p>
+          </p:txBody>
+        </p:sp>
+        <p:sp>
+          <p:nvSpPr>
+            <p:cNvPr id="267" name="Pentagone 266">
+              <a:extLst>
+                <a:ext uri="{FF2B5EF4-FFF2-40B4-BE49-F238E27FC236}">
+                  <a16:creationId xmlns:a16="http://schemas.microsoft.com/office/drawing/2014/main" id="{948602EE-4266-40A4-958D-B17DFE177E44}"/>
+                </a:ext>
+              </a:extLst>
+            </p:cNvPr>
+            <p:cNvSpPr/>
+            <p:nvPr/>
+          </p:nvSpPr>
+          <p:spPr>
+            <a:xfrm rot="19800000">
+              <a:off x="7415713" y="5204957"/>
+              <a:ext cx="173356" cy="173356"/>
+            </a:xfrm>
+            <a:prstGeom prst="pentagon">
+              <a:avLst/>
+            </a:prstGeom>
+            <a:solidFill>
+              <a:schemeClr val="accent5">
+                <a:lumMod val="20000"/>
+                <a:lumOff val="80000"/>
+              </a:schemeClr>
+            </a:solidFill>
+            <a:ln w="28575">
+              <a:solidFill>
+                <a:schemeClr val="accent5">
+                  <a:lumMod val="50000"/>
+                </a:schemeClr>
+              </a:solidFill>
+            </a:ln>
+          </p:spPr>
+          <p:style>
+            <a:lnRef idx="2">
+              <a:schemeClr val="accent1">
+                <a:shade val="50000"/>
+              </a:schemeClr>
+            </a:lnRef>
+            <a:fillRef idx="1">
+              <a:schemeClr val="accent1"/>
+            </a:fillRef>
+            <a:effectRef idx="0">
+              <a:schemeClr val="accent1"/>
+            </a:effectRef>
+            <a:fontRef idx="minor">
+              <a:schemeClr val="lt1"/>
+            </a:fontRef>
+          </p:style>
+          <p:txBody>
+            <a:bodyPr rtlCol="0" anchor="ctr"/>
+            <a:lstStyle/>
+            <a:p>
+              <a:pPr algn="ctr"/>
+              <a:endParaRPr lang="fr-FR" dirty="0"/>
+            </a:p>
+          </p:txBody>
+        </p:sp>
+        <p:sp>
+          <p:nvSpPr>
+            <p:cNvPr id="272" name="Ellipse 271">
+              <a:extLst>
+                <a:ext uri="{FF2B5EF4-FFF2-40B4-BE49-F238E27FC236}">
+                  <a16:creationId xmlns:a16="http://schemas.microsoft.com/office/drawing/2014/main" id="{DD49159C-A32D-427E-9175-62813F8E5CE1}"/>
+                </a:ext>
+              </a:extLst>
+            </p:cNvPr>
+            <p:cNvSpPr/>
+            <p:nvPr/>
+          </p:nvSpPr>
+          <p:spPr>
+            <a:xfrm>
+              <a:off x="6934443" y="5053055"/>
+              <a:ext cx="912331" cy="912331"/>
+            </a:xfrm>
+            <a:prstGeom prst="ellipse">
+              <a:avLst/>
+            </a:prstGeom>
+            <a:noFill/>
+            <a:ln w="19050">
+              <a:solidFill>
+                <a:schemeClr val="accent5">
+                  <a:lumMod val="50000"/>
+                </a:schemeClr>
+              </a:solidFill>
+              <a:prstDash val="dash"/>
+            </a:ln>
+          </p:spPr>
+          <p:style>
+            <a:lnRef idx="2">
+              <a:schemeClr val="accent1">
+                <a:shade val="50000"/>
+              </a:schemeClr>
+            </a:lnRef>
+            <a:fillRef idx="1">
+              <a:schemeClr val="accent1"/>
+            </a:fillRef>
+            <a:effectRef idx="0">
+              <a:schemeClr val="accent1"/>
+            </a:effectRef>
+            <a:fontRef idx="minor">
+              <a:schemeClr val="lt1"/>
+            </a:fontRef>
+          </p:style>
+          <p:txBody>
+            <a:bodyPr rtlCol="0" anchor="t"/>
+            <a:lstStyle/>
+            <a:p>
+              <a:pPr algn="ctr"/>
+              <a:endParaRPr lang="fr-FR" sz="1600" b="1">
+                <a:solidFill>
+                  <a:sysClr val="windowText" lastClr="000000"/>
+                </a:solidFill>
+              </a:endParaRPr>
+            </a:p>
+          </p:txBody>
+        </p:sp>
+      </p:grpSp>
+      <p:grpSp>
+        <p:nvGrpSpPr>
+          <p:cNvPr id="13" name="Groupe 12">
+            <a:extLst>
+              <a:ext uri="{FF2B5EF4-FFF2-40B4-BE49-F238E27FC236}">
+                <a16:creationId xmlns:a16="http://schemas.microsoft.com/office/drawing/2014/main" id="{0000BBD3-4A5A-45FF-9D5F-7022D69D85A1}"/>
+              </a:ext>
+            </a:extLst>
+          </p:cNvPr>
+          <p:cNvGrpSpPr/>
+          <p:nvPr/>
+        </p:nvGrpSpPr>
+        <p:grpSpPr>
+          <a:xfrm>
+            <a:off x="10494626" y="1992878"/>
+            <a:ext cx="912331" cy="912331"/>
+            <a:chOff x="10388407" y="5306638"/>
+            <a:chExt cx="912331" cy="912331"/>
+          </a:xfrm>
+        </p:grpSpPr>
+        <p:sp>
+          <p:nvSpPr>
+            <p:cNvPr id="251" name="Triangle isocèle 250">
+              <a:extLst>
+                <a:ext uri="{FF2B5EF4-FFF2-40B4-BE49-F238E27FC236}">
+                  <a16:creationId xmlns:a16="http://schemas.microsoft.com/office/drawing/2014/main" id="{3C669C35-E578-47A4-BBB8-326B38A53BBA}"/>
+                </a:ext>
+              </a:extLst>
+            </p:cNvPr>
+            <p:cNvSpPr/>
+            <p:nvPr/>
+          </p:nvSpPr>
+          <p:spPr>
+            <a:xfrm>
+              <a:off x="10503936" y="5445445"/>
+              <a:ext cx="324000" cy="288000"/>
+            </a:xfrm>
+            <a:prstGeom prst="triangle">
+              <a:avLst/>
+            </a:prstGeom>
+            <a:solidFill>
+              <a:schemeClr val="accent2">
+                <a:lumMod val="20000"/>
+                <a:lumOff val="80000"/>
+              </a:schemeClr>
+            </a:solidFill>
+            <a:ln w="28575">
+              <a:solidFill>
+                <a:schemeClr val="accent2">
+                  <a:lumMod val="50000"/>
+                </a:schemeClr>
+              </a:solidFill>
+            </a:ln>
+          </p:spPr>
+          <p:style>
+            <a:lnRef idx="2">
+              <a:schemeClr val="accent1">
+                <a:shade val="50000"/>
+              </a:schemeClr>
+            </a:lnRef>
+            <a:fillRef idx="1">
+              <a:schemeClr val="accent1"/>
+            </a:fillRef>
+            <a:effectRef idx="0">
+              <a:schemeClr val="accent1"/>
+            </a:effectRef>
+            <a:fontRef idx="minor">
+              <a:schemeClr val="lt1"/>
+            </a:fontRef>
+          </p:style>
+          <p:txBody>
+            <a:bodyPr rtlCol="0" anchor="ctr"/>
+            <a:lstStyle/>
+            <a:p>
+              <a:pPr algn="ctr"/>
+              <a:endParaRPr lang="fr-FR"/>
+            </a:p>
+          </p:txBody>
+        </p:sp>
+        <p:sp>
+          <p:nvSpPr>
+            <p:cNvPr id="233" name="Triangle isocèle 232">
+              <a:extLst>
+                <a:ext uri="{FF2B5EF4-FFF2-40B4-BE49-F238E27FC236}">
+                  <a16:creationId xmlns:a16="http://schemas.microsoft.com/office/drawing/2014/main" id="{F1D2DA96-B374-489E-B6BC-D7BD3C9E2D5F}"/>
+                </a:ext>
+              </a:extLst>
+            </p:cNvPr>
+            <p:cNvSpPr/>
+            <p:nvPr/>
+          </p:nvSpPr>
+          <p:spPr>
+            <a:xfrm>
+              <a:off x="10685464" y="5881826"/>
+              <a:ext cx="218336" cy="194076"/>
+            </a:xfrm>
+            <a:prstGeom prst="triangle">
+              <a:avLst/>
+            </a:prstGeom>
+            <a:solidFill>
+              <a:schemeClr val="accent2">
+                <a:lumMod val="20000"/>
+                <a:lumOff val="80000"/>
+              </a:schemeClr>
+            </a:solidFill>
+            <a:ln w="28575">
+              <a:solidFill>
+                <a:schemeClr val="accent2">
+                  <a:lumMod val="50000"/>
+                </a:schemeClr>
+              </a:solidFill>
+            </a:ln>
+          </p:spPr>
+          <p:style>
+            <a:lnRef idx="2">
+              <a:schemeClr val="accent1">
+                <a:shade val="50000"/>
+              </a:schemeClr>
+            </a:lnRef>
+            <a:fillRef idx="1">
+              <a:schemeClr val="accent1"/>
+            </a:fillRef>
+            <a:effectRef idx="0">
+              <a:schemeClr val="accent1"/>
+            </a:effectRef>
+            <a:fontRef idx="minor">
+              <a:schemeClr val="lt1"/>
+            </a:fontRef>
+          </p:style>
+          <p:txBody>
+            <a:bodyPr rtlCol="0" anchor="ctr"/>
+            <a:lstStyle/>
+            <a:p>
+              <a:pPr algn="ctr"/>
+              <a:endParaRPr lang="fr-FR"/>
+            </a:p>
+          </p:txBody>
+        </p:sp>
+        <p:sp>
+          <p:nvSpPr>
+            <p:cNvPr id="216" name="Triangle isocèle 215">
+              <a:extLst>
+                <a:ext uri="{FF2B5EF4-FFF2-40B4-BE49-F238E27FC236}">
+                  <a16:creationId xmlns:a16="http://schemas.microsoft.com/office/drawing/2014/main" id="{762BD10D-3773-4422-B0A7-8DA141696DF0}"/>
+                </a:ext>
+              </a:extLst>
+            </p:cNvPr>
+            <p:cNvSpPr/>
+            <p:nvPr/>
+          </p:nvSpPr>
+          <p:spPr>
+            <a:xfrm rot="2700000">
+              <a:off x="10940441" y="5605439"/>
+              <a:ext cx="218336" cy="194076"/>
+            </a:xfrm>
+            <a:prstGeom prst="triangle">
+              <a:avLst/>
+            </a:prstGeom>
+            <a:solidFill>
+              <a:schemeClr val="accent2">
+                <a:lumMod val="20000"/>
+                <a:lumOff val="80000"/>
+              </a:schemeClr>
+            </a:solidFill>
+            <a:ln w="28575">
+              <a:solidFill>
+                <a:schemeClr val="accent2">
+                  <a:lumMod val="50000"/>
+                </a:schemeClr>
+              </a:solidFill>
+            </a:ln>
+          </p:spPr>
+          <p:style>
+            <a:lnRef idx="2">
+              <a:schemeClr val="accent1">
+                <a:shade val="50000"/>
+              </a:schemeClr>
+            </a:lnRef>
+            <a:fillRef idx="1">
+              <a:schemeClr val="accent1"/>
+            </a:fillRef>
+            <a:effectRef idx="0">
+              <a:schemeClr val="accent1"/>
+            </a:effectRef>
+            <a:fontRef idx="minor">
+              <a:schemeClr val="lt1"/>
+            </a:fontRef>
+          </p:style>
+          <p:txBody>
+            <a:bodyPr rtlCol="0" anchor="ctr"/>
+            <a:lstStyle/>
+            <a:p>
+              <a:pPr algn="ctr"/>
+              <a:endParaRPr lang="fr-FR" dirty="0"/>
+            </a:p>
+          </p:txBody>
+        </p:sp>
+        <p:sp>
+          <p:nvSpPr>
+            <p:cNvPr id="274" name="Ellipse 273">
+              <a:extLst>
+                <a:ext uri="{FF2B5EF4-FFF2-40B4-BE49-F238E27FC236}">
+                  <a16:creationId xmlns:a16="http://schemas.microsoft.com/office/drawing/2014/main" id="{B72A038F-ED2A-417C-B707-BC5AC7123CB8}"/>
+                </a:ext>
+              </a:extLst>
+            </p:cNvPr>
+            <p:cNvSpPr/>
+            <p:nvPr/>
+          </p:nvSpPr>
+          <p:spPr>
+            <a:xfrm>
+              <a:off x="10388407" y="5306638"/>
+              <a:ext cx="912331" cy="912331"/>
+            </a:xfrm>
+            <a:prstGeom prst="ellipse">
+              <a:avLst/>
+            </a:prstGeom>
+            <a:noFill/>
+            <a:ln w="19050">
+              <a:solidFill>
+                <a:schemeClr val="accent5">
+                  <a:lumMod val="50000"/>
+                </a:schemeClr>
+              </a:solidFill>
+              <a:prstDash val="dash"/>
+            </a:ln>
+          </p:spPr>
+          <p:style>
+            <a:lnRef idx="2">
+              <a:schemeClr val="accent1">
+                <a:shade val="50000"/>
+              </a:schemeClr>
+            </a:lnRef>
+            <a:fillRef idx="1">
+              <a:schemeClr val="accent1"/>
+            </a:fillRef>
+            <a:effectRef idx="0">
+              <a:schemeClr val="accent1"/>
+            </a:effectRef>
+            <a:fontRef idx="minor">
+              <a:schemeClr val="lt1"/>
+            </a:fontRef>
+          </p:style>
+          <p:txBody>
+            <a:bodyPr rtlCol="0" anchor="t"/>
+            <a:lstStyle/>
+            <a:p>
+              <a:pPr algn="ctr"/>
+              <a:endParaRPr lang="fr-FR" sz="1600" b="1">
+                <a:solidFill>
+                  <a:sysClr val="windowText" lastClr="000000"/>
+                </a:solidFill>
+              </a:endParaRPr>
+            </a:p>
+          </p:txBody>
+        </p:sp>
+      </p:grpSp>
+      <p:grpSp>
+        <p:nvGrpSpPr>
+          <p:cNvPr id="14" name="Groupe 13">
+            <a:extLst>
+              <a:ext uri="{FF2B5EF4-FFF2-40B4-BE49-F238E27FC236}">
+                <a16:creationId xmlns:a16="http://schemas.microsoft.com/office/drawing/2014/main" id="{B32994E0-E247-479B-BCFA-9606555044CD}"/>
+              </a:ext>
+            </a:extLst>
+          </p:cNvPr>
+          <p:cNvGrpSpPr/>
+          <p:nvPr/>
+        </p:nvGrpSpPr>
+        <p:grpSpPr>
+          <a:xfrm>
+            <a:off x="9947319" y="3178650"/>
+            <a:ext cx="912331" cy="912331"/>
+            <a:chOff x="9229192" y="5307040"/>
+            <a:chExt cx="912331" cy="912331"/>
+          </a:xfrm>
+        </p:grpSpPr>
+        <p:sp>
+          <p:nvSpPr>
+            <p:cNvPr id="257" name="Rectangle 256">
+              <a:extLst>
+                <a:ext uri="{FF2B5EF4-FFF2-40B4-BE49-F238E27FC236}">
+                  <a16:creationId xmlns:a16="http://schemas.microsoft.com/office/drawing/2014/main" id="{8F4A44ED-4F40-4B36-B89F-883D30AD2481}"/>
+                </a:ext>
+              </a:extLst>
+            </p:cNvPr>
+            <p:cNvSpPr/>
+            <p:nvPr/>
+          </p:nvSpPr>
+          <p:spPr>
+            <a:xfrm>
+              <a:off x="9393053" y="5540714"/>
+              <a:ext cx="288000" cy="288000"/>
+            </a:xfrm>
+            <a:prstGeom prst="rect">
+              <a:avLst/>
+            </a:prstGeom>
+            <a:solidFill>
+              <a:schemeClr val="accent4">
+                <a:lumMod val="20000"/>
+                <a:lumOff val="80000"/>
+              </a:schemeClr>
+            </a:solidFill>
+            <a:ln w="28575">
+              <a:solidFill>
+                <a:schemeClr val="accent4">
+                  <a:lumMod val="50000"/>
+                </a:schemeClr>
+              </a:solidFill>
+            </a:ln>
+          </p:spPr>
+          <p:style>
+            <a:lnRef idx="2">
+              <a:schemeClr val="accent1">
+                <a:shade val="50000"/>
+              </a:schemeClr>
+            </a:lnRef>
+            <a:fillRef idx="1">
+              <a:schemeClr val="accent1"/>
+            </a:fillRef>
+            <a:effectRef idx="0">
+              <a:schemeClr val="accent1"/>
+            </a:effectRef>
+            <a:fontRef idx="minor">
+              <a:schemeClr val="lt1"/>
+            </a:fontRef>
+          </p:style>
+          <p:txBody>
+            <a:bodyPr rtlCol="0" anchor="ctr"/>
+            <a:lstStyle/>
+            <a:p>
+              <a:pPr algn="ctr"/>
+              <a:endParaRPr lang="fr-FR"/>
+            </a:p>
+          </p:txBody>
+        </p:sp>
+        <p:sp>
+          <p:nvSpPr>
+            <p:cNvPr id="240" name="Rectangle 239">
+              <a:extLst>
+                <a:ext uri="{FF2B5EF4-FFF2-40B4-BE49-F238E27FC236}">
+                  <a16:creationId xmlns:a16="http://schemas.microsoft.com/office/drawing/2014/main" id="{220D1DAC-943D-4B59-80DE-B43949EC6D42}"/>
+                </a:ext>
+              </a:extLst>
+            </p:cNvPr>
+            <p:cNvSpPr/>
+            <p:nvPr/>
+          </p:nvSpPr>
+          <p:spPr>
+            <a:xfrm>
+              <a:off x="9595410" y="5947076"/>
+              <a:ext cx="171286" cy="171286"/>
+            </a:xfrm>
+            <a:prstGeom prst="rect">
+              <a:avLst/>
+            </a:prstGeom>
+            <a:solidFill>
+              <a:schemeClr val="accent4">
+                <a:lumMod val="20000"/>
+                <a:lumOff val="80000"/>
+              </a:schemeClr>
+            </a:solidFill>
+            <a:ln w="28575">
+              <a:solidFill>
+                <a:schemeClr val="accent4">
+                  <a:lumMod val="50000"/>
+                </a:schemeClr>
+              </a:solidFill>
+            </a:ln>
+          </p:spPr>
+          <p:style>
+            <a:lnRef idx="2">
+              <a:schemeClr val="accent1">
+                <a:shade val="50000"/>
+              </a:schemeClr>
+            </a:lnRef>
+            <a:fillRef idx="1">
+              <a:schemeClr val="accent1"/>
+            </a:fillRef>
+            <a:effectRef idx="0">
+              <a:schemeClr val="accent1"/>
+            </a:effectRef>
+            <a:fontRef idx="minor">
+              <a:schemeClr val="lt1"/>
+            </a:fontRef>
+          </p:style>
+          <p:txBody>
+            <a:bodyPr rtlCol="0" anchor="ctr"/>
+            <a:lstStyle/>
+            <a:p>
+              <a:pPr algn="ctr"/>
+              <a:endParaRPr lang="fr-FR"/>
+            </a:p>
+          </p:txBody>
+        </p:sp>
+        <p:sp>
+          <p:nvSpPr>
+            <p:cNvPr id="221" name="Rectangle 220">
+              <a:extLst>
+                <a:ext uri="{FF2B5EF4-FFF2-40B4-BE49-F238E27FC236}">
+                  <a16:creationId xmlns:a16="http://schemas.microsoft.com/office/drawing/2014/main" id="{47127F69-CEF4-43C1-98B0-186F160577E1}"/>
+                </a:ext>
+              </a:extLst>
+            </p:cNvPr>
+            <p:cNvSpPr/>
+            <p:nvPr/>
+          </p:nvSpPr>
+          <p:spPr>
+            <a:xfrm rot="2700000">
+              <a:off x="9868734" y="5602653"/>
+              <a:ext cx="171286" cy="171286"/>
+            </a:xfrm>
+            <a:prstGeom prst="rect">
+              <a:avLst/>
+            </a:prstGeom>
+            <a:solidFill>
+              <a:schemeClr val="accent4">
+                <a:lumMod val="20000"/>
+                <a:lumOff val="80000"/>
+              </a:schemeClr>
+            </a:solidFill>
+            <a:ln w="28575">
+              <a:solidFill>
+                <a:schemeClr val="accent4">
+                  <a:lumMod val="50000"/>
+                </a:schemeClr>
+              </a:solidFill>
+            </a:ln>
+          </p:spPr>
+          <p:style>
+            <a:lnRef idx="2">
+              <a:schemeClr val="accent1">
+                <a:shade val="50000"/>
+              </a:schemeClr>
+            </a:lnRef>
+            <a:fillRef idx="1">
+              <a:schemeClr val="accent1"/>
+            </a:fillRef>
+            <a:effectRef idx="0">
+              <a:schemeClr val="accent1"/>
+            </a:effectRef>
+            <a:fontRef idx="minor">
+              <a:schemeClr val="lt1"/>
+            </a:fontRef>
+          </p:style>
+          <p:txBody>
+            <a:bodyPr rtlCol="0" anchor="ctr"/>
+            <a:lstStyle/>
+            <a:p>
+              <a:pPr algn="ctr"/>
+              <a:endParaRPr lang="fr-FR" dirty="0"/>
+            </a:p>
+          </p:txBody>
+        </p:sp>
+        <p:sp>
+          <p:nvSpPr>
+            <p:cNvPr id="275" name="Ellipse 274">
+              <a:extLst>
+                <a:ext uri="{FF2B5EF4-FFF2-40B4-BE49-F238E27FC236}">
+                  <a16:creationId xmlns:a16="http://schemas.microsoft.com/office/drawing/2014/main" id="{2CA809EE-1DEB-4AF3-8338-0181971A6F64}"/>
+                </a:ext>
+              </a:extLst>
+            </p:cNvPr>
+            <p:cNvSpPr/>
+            <p:nvPr/>
+          </p:nvSpPr>
+          <p:spPr>
+            <a:xfrm>
+              <a:off x="9229192" y="5307040"/>
+              <a:ext cx="912331" cy="912331"/>
+            </a:xfrm>
+            <a:prstGeom prst="ellipse">
+              <a:avLst/>
+            </a:prstGeom>
+            <a:noFill/>
+            <a:ln w="19050">
+              <a:solidFill>
+                <a:schemeClr val="accent5">
+                  <a:lumMod val="50000"/>
+                </a:schemeClr>
+              </a:solidFill>
+              <a:prstDash val="dash"/>
+            </a:ln>
+          </p:spPr>
+          <p:style>
+            <a:lnRef idx="2">
+              <a:schemeClr val="accent1">
+                <a:shade val="50000"/>
+              </a:schemeClr>
+            </a:lnRef>
+            <a:fillRef idx="1">
+              <a:schemeClr val="accent1"/>
+            </a:fillRef>
+            <a:effectRef idx="0">
+              <a:schemeClr val="accent1"/>
+            </a:effectRef>
+            <a:fontRef idx="minor">
+              <a:schemeClr val="lt1"/>
+            </a:fontRef>
+          </p:style>
+          <p:txBody>
+            <a:bodyPr rtlCol="0" anchor="t"/>
+            <a:lstStyle/>
+            <a:p>
+              <a:pPr algn="ctr"/>
+              <a:endParaRPr lang="fr-FR" sz="1600" b="1">
+                <a:solidFill>
+                  <a:sysClr val="windowText" lastClr="000000"/>
+                </a:solidFill>
+              </a:endParaRPr>
+            </a:p>
+          </p:txBody>
+        </p:sp>
+      </p:grpSp>
+      <p:cxnSp>
+        <p:nvCxnSpPr>
+          <p:cNvPr id="98" name="Connecteur droit avec flèche 97">
+            <a:extLst>
+              <a:ext uri="{FF2B5EF4-FFF2-40B4-BE49-F238E27FC236}">
+                <a16:creationId xmlns:a16="http://schemas.microsoft.com/office/drawing/2014/main" id="{5B1C90BF-831F-48BE-A416-8568215E960B}"/>
+              </a:ext>
+            </a:extLst>
+          </p:cNvPr>
+          <p:cNvCxnSpPr>
+            <a:cxnSpLocks/>
+          </p:cNvCxnSpPr>
+          <p:nvPr/>
+        </p:nvCxnSpPr>
+        <p:spPr>
+          <a:xfrm>
+            <a:off x="3343644" y="2957159"/>
+            <a:ext cx="1487402" cy="0"/>
+          </a:xfrm>
+          <a:prstGeom prst="straightConnector1">
+            <a:avLst/>
+          </a:prstGeom>
+          <a:ln w="28575">
+            <a:solidFill>
+              <a:srgbClr val="C00000"/>
+            </a:solidFill>
+            <a:tailEnd type="stealth" w="med" len="lg"/>
+          </a:ln>
+        </p:spPr>
+        <p:style>
+          <a:lnRef idx="1">
+            <a:schemeClr val="accent1"/>
+          </a:lnRef>
+          <a:fillRef idx="0">
+            <a:schemeClr val="accent1"/>
+          </a:fillRef>
+          <a:effectRef idx="0">
+            <a:schemeClr val="accent1"/>
+          </a:effectRef>
+          <a:fontRef idx="minor">
+            <a:schemeClr val="tx1"/>
+          </a:fontRef>
+        </p:style>
+      </p:cxnSp>
+      <p:cxnSp>
+        <p:nvCxnSpPr>
+          <p:cNvPr id="100" name="Connecteur droit avec flèche 99">
+            <a:extLst>
+              <a:ext uri="{FF2B5EF4-FFF2-40B4-BE49-F238E27FC236}">
+                <a16:creationId xmlns:a16="http://schemas.microsoft.com/office/drawing/2014/main" id="{4B6C7FCC-D798-40DB-8641-D3AA90EEA747}"/>
+              </a:ext>
+            </a:extLst>
+          </p:cNvPr>
+          <p:cNvCxnSpPr>
+            <a:cxnSpLocks/>
+          </p:cNvCxnSpPr>
+          <p:nvPr/>
+        </p:nvCxnSpPr>
+        <p:spPr>
+          <a:xfrm>
+            <a:off x="7524621" y="2957159"/>
+            <a:ext cx="1415296" cy="0"/>
+          </a:xfrm>
+          <a:prstGeom prst="straightConnector1">
+            <a:avLst/>
+          </a:prstGeom>
+          <a:ln w="28575">
+            <a:solidFill>
+              <a:srgbClr val="C00000"/>
+            </a:solidFill>
+            <a:tailEnd type="stealth" w="med" len="lg"/>
+          </a:ln>
+        </p:spPr>
+        <p:style>
+          <a:lnRef idx="1">
+            <a:schemeClr val="accent1"/>
+          </a:lnRef>
+          <a:fillRef idx="0">
+            <a:schemeClr val="accent1"/>
+          </a:fillRef>
+          <a:effectRef idx="0">
+            <a:schemeClr val="accent1"/>
+          </a:effectRef>
+          <a:fontRef idx="minor">
+            <a:schemeClr val="tx1"/>
+          </a:fontRef>
+        </p:style>
+      </p:cxnSp>
+    </p:spTree>
+    <p:extLst>
+      <p:ext uri="{BB962C8B-B14F-4D97-AF65-F5344CB8AC3E}">
+        <p14:creationId xmlns:p14="http://schemas.microsoft.com/office/powerpoint/2010/main" val="761783175"/>
+      </p:ext>
+    </p:extLst>
+  </p:cSld>
+  <p:clrMapOvr>
+    <a:masterClrMapping/>
+  </p:clrMapOvr>
+</p:sld>
+</file>
+
+<file path=ppt/slides/slide9.xml><?xml version="1.0" encoding="utf-8"?>
 <p:sld xmlns:a="http://schemas.openxmlformats.org/drawingml/2006/main" xmlns:r="http://schemas.openxmlformats.org/officeDocument/2006/relationships" xmlns:p="http://schemas.openxmlformats.org/presentationml/2006/main">
   <p:cSld>
     <p:spTree>
@@ -11368,7 +19874,7 @@
     </p:spTree>
     <p:extLst>
       <p:ext uri="{BB962C8B-B14F-4D97-AF65-F5344CB8AC3E}">
-        <p14:creationId xmlns:p14="http://schemas.microsoft.com/office/powerpoint/2010/main" val="1555555128"/>
+        <p14:creationId xmlns:p14="http://schemas.microsoft.com/office/powerpoint/2010/main" val="24663379"/>
       </p:ext>
     </p:extLst>
   </p:cSld>
@@ -11671,4 +20177,299 @@
     </a:ext>
   </a:extLst>
 </a:theme>
+</file>
+
+<file path=ppt/theme/theme2.xml><?xml version="1.0" encoding="utf-8"?>
+<a:theme xmlns:a="http://schemas.openxmlformats.org/drawingml/2006/main" name="Thème Office">
+  <a:themeElements>
+    <a:clrScheme name="Office">
+      <a:dk1>
+        <a:sysClr val="windowText" lastClr="000000"/>
+      </a:dk1>
+      <a:lt1>
+        <a:sysClr val="window" lastClr="FFFFFF"/>
+      </a:lt1>
+      <a:dk2>
+        <a:srgbClr val="44546A"/>
+      </a:dk2>
+      <a:lt2>
+        <a:srgbClr val="E7E6E6"/>
+      </a:lt2>
+      <a:accent1>
+        <a:srgbClr val="4472C4"/>
+      </a:accent1>
+      <a:accent2>
+        <a:srgbClr val="ED7D31"/>
+      </a:accent2>
+      <a:accent3>
+        <a:srgbClr val="A5A5A5"/>
+      </a:accent3>
+      <a:accent4>
+        <a:srgbClr val="FFC000"/>
+      </a:accent4>
+      <a:accent5>
+        <a:srgbClr val="5B9BD5"/>
+      </a:accent5>
+      <a:accent6>
+        <a:srgbClr val="70AD47"/>
+      </a:accent6>
+      <a:hlink>
+        <a:srgbClr val="0563C1"/>
+      </a:hlink>
+      <a:folHlink>
+        <a:srgbClr val="954F72"/>
+      </a:folHlink>
+    </a:clrScheme>
+    <a:fontScheme name="Office">
+      <a:majorFont>
+        <a:latin typeface="Calibri Light" panose="020F0302020204030204"/>
+        <a:ea typeface=""/>
+        <a:cs typeface=""/>
+        <a:font script="Jpan" typeface="游ゴシック Light"/>
+        <a:font script="Hang" typeface="맑은 고딕"/>
+        <a:font script="Hans" typeface="等线 Light"/>
+        <a:font script="Hant" typeface="新細明體"/>
+        <a:font script="Arab" typeface="Times New Roman"/>
+        <a:font script="Hebr" typeface="Times New Roman"/>
+        <a:font script="Thai" typeface="Angsana New"/>
+        <a:font script="Ethi" typeface="Nyala"/>
+        <a:font script="Beng" typeface="Vrinda"/>
+        <a:font script="Gujr" typeface="Shruti"/>
+        <a:font script="Khmr" typeface="MoolBoran"/>
+        <a:font script="Knda" typeface="Tunga"/>
+        <a:font script="Guru" typeface="Raavi"/>
+        <a:font script="Cans" typeface="Euphemia"/>
+        <a:font script="Cher" typeface="Plantagenet Cherokee"/>
+        <a:font script="Yiii" typeface="Microsoft Yi Baiti"/>
+        <a:font script="Tibt" typeface="Microsoft Himalaya"/>
+        <a:font script="Thaa" typeface="MV Boli"/>
+        <a:font script="Deva" typeface="Mangal"/>
+        <a:font script="Telu" typeface="Gautami"/>
+        <a:font script="Taml" typeface="Latha"/>
+        <a:font script="Syrc" typeface="Estrangelo Edessa"/>
+        <a:font script="Orya" typeface="Kalinga"/>
+        <a:font script="Mlym" typeface="Kartika"/>
+        <a:font script="Laoo" typeface="DokChampa"/>
+        <a:font script="Sinh" typeface="Iskoola Pota"/>
+        <a:font script="Mong" typeface="Mongolian Baiti"/>
+        <a:font script="Viet" typeface="Times New Roman"/>
+        <a:font script="Uigh" typeface="Microsoft Uighur"/>
+        <a:font script="Geor" typeface="Sylfaen"/>
+        <a:font script="Armn" typeface="Arial"/>
+        <a:font script="Bugi" typeface="Leelawadee UI"/>
+        <a:font script="Bopo" typeface="Microsoft JhengHei"/>
+        <a:font script="Java" typeface="Javanese Text"/>
+        <a:font script="Lisu" typeface="Segoe UI"/>
+        <a:font script="Mymr" typeface="Myanmar Text"/>
+        <a:font script="Nkoo" typeface="Ebrima"/>
+        <a:font script="Olck" typeface="Nirmala UI"/>
+        <a:font script="Osma" typeface="Ebrima"/>
+        <a:font script="Phag" typeface="Phagspa"/>
+        <a:font script="Syrn" typeface="Estrangelo Edessa"/>
+        <a:font script="Syrj" typeface="Estrangelo Edessa"/>
+        <a:font script="Syre" typeface="Estrangelo Edessa"/>
+        <a:font script="Sora" typeface="Nirmala UI"/>
+        <a:font script="Tale" typeface="Microsoft Tai Le"/>
+        <a:font script="Talu" typeface="Microsoft New Tai Lue"/>
+        <a:font script="Tfng" typeface="Ebrima"/>
+      </a:majorFont>
+      <a:minorFont>
+        <a:latin typeface="Calibri" panose="020F0502020204030204"/>
+        <a:ea typeface=""/>
+        <a:cs typeface=""/>
+        <a:font script="Jpan" typeface="游ゴシック"/>
+        <a:font script="Hang" typeface="맑은 고딕"/>
+        <a:font script="Hans" typeface="等线"/>
+        <a:font script="Hant" typeface="新細明體"/>
+        <a:font script="Arab" typeface="Arial"/>
+        <a:font script="Hebr" typeface="Arial"/>
+        <a:font script="Thai" typeface="Cordia New"/>
+        <a:font script="Ethi" typeface="Nyala"/>
+        <a:font script="Beng" typeface="Vrinda"/>
+        <a:font script="Gujr" typeface="Shruti"/>
+        <a:font script="Khmr" typeface="DaunPenh"/>
+        <a:font script="Knda" typeface="Tunga"/>
+        <a:font script="Guru" typeface="Raavi"/>
+        <a:font script="Cans" typeface="Euphemia"/>
+        <a:font script="Cher" typeface="Plantagenet Cherokee"/>
+        <a:font script="Yiii" typeface="Microsoft Yi Baiti"/>
+        <a:font script="Tibt" typeface="Microsoft Himalaya"/>
+        <a:font script="Thaa" typeface="MV Boli"/>
+        <a:font script="Deva" typeface="Mangal"/>
+        <a:font script="Telu" typeface="Gautami"/>
+        <a:font script="Taml" typeface="Latha"/>
+        <a:font script="Syrc" typeface="Estrangelo Edessa"/>
+        <a:font script="Orya" typeface="Kalinga"/>
+        <a:font script="Mlym" typeface="Kartika"/>
+        <a:font script="Laoo" typeface="DokChampa"/>
+        <a:font script="Sinh" typeface="Iskoola Pota"/>
+        <a:font script="Mong" typeface="Mongolian Baiti"/>
+        <a:font script="Viet" typeface="Arial"/>
+        <a:font script="Uigh" typeface="Microsoft Uighur"/>
+        <a:font script="Geor" typeface="Sylfaen"/>
+        <a:font script="Armn" typeface="Arial"/>
+        <a:font script="Bugi" typeface="Leelawadee UI"/>
+        <a:font script="Bopo" typeface="Microsoft JhengHei"/>
+        <a:font script="Java" typeface="Javanese Text"/>
+        <a:font script="Lisu" typeface="Segoe UI"/>
+        <a:font script="Mymr" typeface="Myanmar Text"/>
+        <a:font script="Nkoo" typeface="Ebrima"/>
+        <a:font script="Olck" typeface="Nirmala UI"/>
+        <a:font script="Osma" typeface="Ebrima"/>
+        <a:font script="Phag" typeface="Phagspa"/>
+        <a:font script="Syrn" typeface="Estrangelo Edessa"/>
+        <a:font script="Syrj" typeface="Estrangelo Edessa"/>
+        <a:font script="Syre" typeface="Estrangelo Edessa"/>
+        <a:font script="Sora" typeface="Nirmala UI"/>
+        <a:font script="Tale" typeface="Microsoft Tai Le"/>
+        <a:font script="Talu" typeface="Microsoft New Tai Lue"/>
+        <a:font script="Tfng" typeface="Ebrima"/>
+      </a:minorFont>
+    </a:fontScheme>
+    <a:fmtScheme name="Office">
+      <a:fillStyleLst>
+        <a:solidFill>
+          <a:schemeClr val="phClr"/>
+        </a:solidFill>
+        <a:gradFill rotWithShape="1">
+          <a:gsLst>
+            <a:gs pos="0">
+              <a:schemeClr val="phClr">
+                <a:lumMod val="110000"/>
+                <a:satMod val="105000"/>
+                <a:tint val="67000"/>
+              </a:schemeClr>
+            </a:gs>
+            <a:gs pos="50000">
+              <a:schemeClr val="phClr">
+                <a:lumMod val="105000"/>
+                <a:satMod val="103000"/>
+                <a:tint val="73000"/>
+              </a:schemeClr>
+            </a:gs>
+            <a:gs pos="100000">
+              <a:schemeClr val="phClr">
+                <a:lumMod val="105000"/>
+                <a:satMod val="109000"/>
+                <a:tint val="81000"/>
+              </a:schemeClr>
+            </a:gs>
+          </a:gsLst>
+          <a:lin ang="5400000" scaled="0"/>
+        </a:gradFill>
+        <a:gradFill rotWithShape="1">
+          <a:gsLst>
+            <a:gs pos="0">
+              <a:schemeClr val="phClr">
+                <a:satMod val="103000"/>
+                <a:lumMod val="102000"/>
+                <a:tint val="94000"/>
+              </a:schemeClr>
+            </a:gs>
+            <a:gs pos="50000">
+              <a:schemeClr val="phClr">
+                <a:satMod val="110000"/>
+                <a:lumMod val="100000"/>
+                <a:shade val="100000"/>
+              </a:schemeClr>
+            </a:gs>
+            <a:gs pos="100000">
+              <a:schemeClr val="phClr">
+                <a:lumMod val="99000"/>
+                <a:satMod val="120000"/>
+                <a:shade val="78000"/>
+              </a:schemeClr>
+            </a:gs>
+          </a:gsLst>
+          <a:lin ang="5400000" scaled="0"/>
+        </a:gradFill>
+      </a:fillStyleLst>
+      <a:lnStyleLst>
+        <a:ln w="6350" cap="flat" cmpd="sng" algn="ctr">
+          <a:solidFill>
+            <a:schemeClr val="phClr"/>
+          </a:solidFill>
+          <a:prstDash val="solid"/>
+          <a:miter lim="800000"/>
+        </a:ln>
+        <a:ln w="12700" cap="flat" cmpd="sng" algn="ctr">
+          <a:solidFill>
+            <a:schemeClr val="phClr"/>
+          </a:solidFill>
+          <a:prstDash val="solid"/>
+          <a:miter lim="800000"/>
+        </a:ln>
+        <a:ln w="19050" cap="flat" cmpd="sng" algn="ctr">
+          <a:solidFill>
+            <a:schemeClr val="phClr"/>
+          </a:solidFill>
+          <a:prstDash val="solid"/>
+          <a:miter lim="800000"/>
+        </a:ln>
+      </a:lnStyleLst>
+      <a:effectStyleLst>
+        <a:effectStyle>
+          <a:effectLst/>
+        </a:effectStyle>
+        <a:effectStyle>
+          <a:effectLst/>
+        </a:effectStyle>
+        <a:effectStyle>
+          <a:effectLst>
+            <a:outerShdw blurRad="57150" dist="19050" dir="5400000" algn="ctr" rotWithShape="0">
+              <a:srgbClr val="000000">
+                <a:alpha val="63000"/>
+              </a:srgbClr>
+            </a:outerShdw>
+          </a:effectLst>
+        </a:effectStyle>
+      </a:effectStyleLst>
+      <a:bgFillStyleLst>
+        <a:solidFill>
+          <a:schemeClr val="phClr"/>
+        </a:solidFill>
+        <a:solidFill>
+          <a:schemeClr val="phClr">
+            <a:tint val="95000"/>
+            <a:satMod val="170000"/>
+          </a:schemeClr>
+        </a:solidFill>
+        <a:gradFill rotWithShape="1">
+          <a:gsLst>
+            <a:gs pos="0">
+              <a:schemeClr val="phClr">
+                <a:tint val="93000"/>
+                <a:satMod val="150000"/>
+                <a:shade val="98000"/>
+                <a:lumMod val="102000"/>
+              </a:schemeClr>
+            </a:gs>
+            <a:gs pos="50000">
+              <a:schemeClr val="phClr">
+                <a:tint val="98000"/>
+                <a:satMod val="130000"/>
+                <a:shade val="90000"/>
+                <a:lumMod val="103000"/>
+              </a:schemeClr>
+            </a:gs>
+            <a:gs pos="100000">
+              <a:schemeClr val="phClr">
+                <a:shade val="63000"/>
+                <a:satMod val="120000"/>
+              </a:schemeClr>
+            </a:gs>
+          </a:gsLst>
+          <a:lin ang="5400000" scaled="0"/>
+        </a:gradFill>
+      </a:bgFillStyleLst>
+    </a:fmtScheme>
+  </a:themeElements>
+  <a:objectDefaults/>
+  <a:extraClrSchemeLst/>
+  <a:extLst>
+    <a:ext uri="{05A4C25C-085E-4340-85A3-A5531E510DB2}">
+      <thm15:themeFamily xmlns:thm15="http://schemas.microsoft.com/office/thememl/2012/main" name="Office Theme" id="{62F939B6-93AF-4DB8-9C6B-D6C7DFDC589F}" vid="{4A3C46E8-61CC-4603-A589-7422A47A8E4A}"/>
+    </a:ext>
+  </a:extLst>
+</a:theme>
 </file>
--- a/Cy_00_IA/Chapitre_01_Introduction_IA/images/Figures.pptx
+++ b/Cy_00_IA/Chapitre_01_Introduction_IA/images/Figures.pptx
@@ -5,7 +5,7 @@
     <p:sldMasterId id="2147483648" r:id="rId1"/>
   </p:sldMasterIdLst>
   <p:notesMasterIdLst>
-    <p:notesMasterId r:id="rId12"/>
+    <p:notesMasterId r:id="rId13"/>
   </p:notesMasterIdLst>
   <p:sldIdLst>
     <p:sldId id="256" r:id="rId2"/>
@@ -18,6 +18,7 @@
     <p:sldId id="264" r:id="rId9"/>
     <p:sldId id="262" r:id="rId10"/>
     <p:sldId id="265" r:id="rId11"/>
+    <p:sldId id="266" r:id="rId12"/>
   </p:sldIdLst>
   <p:sldSz cx="12192000" cy="6858000"/>
   <p:notesSz cx="6858000" cy="9144000"/>
@@ -124,7 +125,7 @@
             <a:srgbClr val="A4A3A4"/>
           </p15:clr>
         </p15:guide>
-        <p15:guide id="2" pos="3840" userDrawn="1">
+        <p15:guide id="2" pos="3795" userDrawn="1">
           <p15:clr>
             <a:srgbClr val="A4A3A4"/>
           </p15:clr>
@@ -217,7 +218,7 @@
           <a:p>
             <a:fld id="{396B03FB-B087-4631-8B5B-A1A0D1F293BE}" type="datetimeFigureOut">
               <a:rPr lang="fr-FR" smtClean="0"/>
-              <a:t>09/02/2021</a:t>
+              <a:t>11/02/2021</a:t>
             </a:fld>
             <a:endParaRPr lang="fr-FR"/>
           </a:p>
@@ -715,7 +716,7 @@
           <a:p>
             <a:fld id="{B0AE2BB1-655E-4F57-ABA8-388245A7D361}" type="datetimeFigureOut">
               <a:rPr lang="fr-FR" smtClean="0"/>
-              <a:t>09/02/2021</a:t>
+              <a:t>11/02/2021</a:t>
             </a:fld>
             <a:endParaRPr lang="fr-FR"/>
           </a:p>
@@ -913,7 +914,7 @@
           <a:p>
             <a:fld id="{B0AE2BB1-655E-4F57-ABA8-388245A7D361}" type="datetimeFigureOut">
               <a:rPr lang="fr-FR" smtClean="0"/>
-              <a:t>09/02/2021</a:t>
+              <a:t>11/02/2021</a:t>
             </a:fld>
             <a:endParaRPr lang="fr-FR"/>
           </a:p>
@@ -1121,7 +1122,7 @@
           <a:p>
             <a:fld id="{B0AE2BB1-655E-4F57-ABA8-388245A7D361}" type="datetimeFigureOut">
               <a:rPr lang="fr-FR" smtClean="0"/>
-              <a:t>09/02/2021</a:t>
+              <a:t>11/02/2021</a:t>
             </a:fld>
             <a:endParaRPr lang="fr-FR"/>
           </a:p>
@@ -1319,7 +1320,7 @@
           <a:p>
             <a:fld id="{B0AE2BB1-655E-4F57-ABA8-388245A7D361}" type="datetimeFigureOut">
               <a:rPr lang="fr-FR" smtClean="0"/>
-              <a:t>09/02/2021</a:t>
+              <a:t>11/02/2021</a:t>
             </a:fld>
             <a:endParaRPr lang="fr-FR"/>
           </a:p>
@@ -1594,7 +1595,7 @@
           <a:p>
             <a:fld id="{B0AE2BB1-655E-4F57-ABA8-388245A7D361}" type="datetimeFigureOut">
               <a:rPr lang="fr-FR" smtClean="0"/>
-              <a:t>09/02/2021</a:t>
+              <a:t>11/02/2021</a:t>
             </a:fld>
             <a:endParaRPr lang="fr-FR"/>
           </a:p>
@@ -1859,7 +1860,7 @@
           <a:p>
             <a:fld id="{B0AE2BB1-655E-4F57-ABA8-388245A7D361}" type="datetimeFigureOut">
               <a:rPr lang="fr-FR" smtClean="0"/>
-              <a:t>09/02/2021</a:t>
+              <a:t>11/02/2021</a:t>
             </a:fld>
             <a:endParaRPr lang="fr-FR"/>
           </a:p>
@@ -2271,7 +2272,7 @@
           <a:p>
             <a:fld id="{B0AE2BB1-655E-4F57-ABA8-388245A7D361}" type="datetimeFigureOut">
               <a:rPr lang="fr-FR" smtClean="0"/>
-              <a:t>09/02/2021</a:t>
+              <a:t>11/02/2021</a:t>
             </a:fld>
             <a:endParaRPr lang="fr-FR"/>
           </a:p>
@@ -2412,7 +2413,7 @@
           <a:p>
             <a:fld id="{B0AE2BB1-655E-4F57-ABA8-388245A7D361}" type="datetimeFigureOut">
               <a:rPr lang="fr-FR" smtClean="0"/>
-              <a:t>09/02/2021</a:t>
+              <a:t>11/02/2021</a:t>
             </a:fld>
             <a:endParaRPr lang="fr-FR"/>
           </a:p>
@@ -2525,7 +2526,7 @@
           <a:p>
             <a:fld id="{B0AE2BB1-655E-4F57-ABA8-388245A7D361}" type="datetimeFigureOut">
               <a:rPr lang="fr-FR" smtClean="0"/>
-              <a:t>09/02/2021</a:t>
+              <a:t>11/02/2021</a:t>
             </a:fld>
             <a:endParaRPr lang="fr-FR"/>
           </a:p>
@@ -2836,7 +2837,7 @@
           <a:p>
             <a:fld id="{B0AE2BB1-655E-4F57-ABA8-388245A7D361}" type="datetimeFigureOut">
               <a:rPr lang="fr-FR" smtClean="0"/>
-              <a:t>09/02/2021</a:t>
+              <a:t>11/02/2021</a:t>
             </a:fld>
             <a:endParaRPr lang="fr-FR"/>
           </a:p>
@@ -3124,7 +3125,7 @@
           <a:p>
             <a:fld id="{B0AE2BB1-655E-4F57-ABA8-388245A7D361}" type="datetimeFigureOut">
               <a:rPr lang="fr-FR" smtClean="0"/>
-              <a:t>09/02/2021</a:t>
+              <a:t>11/02/2021</a:t>
             </a:fld>
             <a:endParaRPr lang="fr-FR"/>
           </a:p>
@@ -3365,7 +3366,7 @@
           <a:p>
             <a:fld id="{B0AE2BB1-655E-4F57-ABA8-388245A7D361}" type="datetimeFigureOut">
               <a:rPr lang="fr-FR" smtClean="0"/>
-              <a:t>09/02/2021</a:t>
+              <a:t>11/02/2021</a:t>
             </a:fld>
             <a:endParaRPr lang="fr-FR"/>
           </a:p>
@@ -4106,356 +4107,913 @@
           </a:p>
         </p:txBody>
       </p:sp>
-      <p:grpSp>
-        <p:nvGrpSpPr>
-          <p:cNvPr id="2" name="Groupe 1">
+      <p:sp>
+        <p:nvSpPr>
+          <p:cNvPr id="10" name="Rectangle : coins arrondis 9">
             <a:extLst>
               <a:ext uri="{FF2B5EF4-FFF2-40B4-BE49-F238E27FC236}">
-                <a16:creationId xmlns:a16="http://schemas.microsoft.com/office/drawing/2014/main" id="{541DF8E7-16A7-4A53-9286-8C0CCC4AF3AF}"/>
+                <a16:creationId xmlns:a16="http://schemas.microsoft.com/office/drawing/2014/main" id="{52B40316-C83D-4649-A5DC-D14327066657}"/>
               </a:ext>
             </a:extLst>
           </p:cNvPr>
-          <p:cNvGrpSpPr/>
+          <p:cNvSpPr/>
           <p:nvPr/>
-        </p:nvGrpSpPr>
-        <p:grpSpPr>
+        </p:nvSpPr>
+        <p:spPr>
           <a:xfrm>
-            <a:off x="2131518" y="2106592"/>
-            <a:ext cx="7928964" cy="1664208"/>
-            <a:chOff x="1773553" y="4907665"/>
-            <a:chExt cx="7928964" cy="1664208"/>
+            <a:off x="7902498" y="2106592"/>
+            <a:ext cx="2157984" cy="1664208"/>
           </a:xfrm>
-        </p:grpSpPr>
-        <p:sp>
-          <p:nvSpPr>
-            <p:cNvPr id="10" name="Rectangle : coins arrondis 9">
-              <a:extLst>
-                <a:ext uri="{FF2B5EF4-FFF2-40B4-BE49-F238E27FC236}">
-                  <a16:creationId xmlns:a16="http://schemas.microsoft.com/office/drawing/2014/main" id="{52B40316-C83D-4649-A5DC-D14327066657}"/>
-                </a:ext>
-              </a:extLst>
-            </p:cNvPr>
-            <p:cNvSpPr/>
-            <p:nvPr/>
-          </p:nvSpPr>
-          <p:spPr>
-            <a:xfrm>
-              <a:off x="7544533" y="4907665"/>
-              <a:ext cx="2157984" cy="1664208"/>
-            </a:xfrm>
-            <a:prstGeom prst="roundRect">
-              <a:avLst>
-                <a:gd name="adj" fmla="val 5129"/>
-              </a:avLst>
-            </a:prstGeom>
+          <a:prstGeom prst="roundRect">
+            <a:avLst>
+              <a:gd name="adj" fmla="val 5129"/>
+            </a:avLst>
+          </a:prstGeom>
+          <a:solidFill>
+            <a:srgbClr val="FDF3ED"/>
+          </a:solidFill>
+          <a:ln w="28575">
             <a:solidFill>
               <a:schemeClr val="accent2">
-                <a:lumMod val="20000"/>
-                <a:lumOff val="80000"/>
+                <a:lumMod val="50000"/>
               </a:schemeClr>
             </a:solidFill>
-            <a:ln w="28575">
-              <a:solidFill>
-                <a:schemeClr val="accent2">
-                  <a:lumMod val="50000"/>
-                </a:schemeClr>
-              </a:solidFill>
-            </a:ln>
-          </p:spPr>
-          <p:style>
-            <a:lnRef idx="2">
-              <a:schemeClr val="accent1">
-                <a:shade val="50000"/>
-              </a:schemeClr>
-            </a:lnRef>
-            <a:fillRef idx="1">
-              <a:schemeClr val="accent1"/>
-            </a:fillRef>
-            <a:effectRef idx="0">
-              <a:schemeClr val="accent1"/>
-            </a:effectRef>
-            <a:fontRef idx="minor">
-              <a:schemeClr val="lt1"/>
-            </a:fontRef>
-          </p:style>
-          <p:txBody>
-            <a:bodyPr rtlCol="0" anchor="t"/>
-            <a:lstStyle/>
-            <a:p>
-              <a:pPr algn="ctr"/>
-              <a:r>
-                <a:rPr lang="fr-FR" sz="1200" b="1" dirty="0">
-                  <a:solidFill>
-                    <a:sysClr val="windowText" lastClr="000000"/>
-                  </a:solidFill>
-                </a:rPr>
-                <a:t>Apprentissage par renforcement</a:t>
-              </a:r>
-            </a:p>
-            <a:p>
-              <a:pPr algn="ctr"/>
-              <a:endParaRPr lang="fr-FR" sz="1200" dirty="0">
+          </a:ln>
+        </p:spPr>
+        <p:style>
+          <a:lnRef idx="2">
+            <a:schemeClr val="accent1">
+              <a:shade val="50000"/>
+            </a:schemeClr>
+          </a:lnRef>
+          <a:fillRef idx="1">
+            <a:schemeClr val="accent1"/>
+          </a:fillRef>
+          <a:effectRef idx="0">
+            <a:schemeClr val="accent1"/>
+          </a:effectRef>
+          <a:fontRef idx="minor">
+            <a:schemeClr val="lt1"/>
+          </a:fontRef>
+        </p:style>
+        <p:txBody>
+          <a:bodyPr rtlCol="0" anchor="t"/>
+          <a:lstStyle/>
+          <a:p>
+            <a:pPr algn="ctr"/>
+            <a:r>
+              <a:rPr lang="fr-FR" sz="1200" b="1" dirty="0">
                 <a:solidFill>
                   <a:sysClr val="windowText" lastClr="000000"/>
                 </a:solidFill>
-              </a:endParaRPr>
-            </a:p>
-            <a:p>
-              <a:pPr algn="ctr"/>
-              <a:r>
-                <a:rPr lang="fr-FR" sz="1200" i="1" dirty="0">
-                  <a:solidFill>
-                    <a:sysClr val="windowText" lastClr="000000"/>
-                  </a:solidFill>
-                </a:rPr>
-                <a:t>L’humain connait le lien entre les données. L’algorithme va tenter d’apprendre ce lien et sera récompensé quand il progressera.</a:t>
-              </a:r>
-            </a:p>
-          </p:txBody>
-        </p:sp>
-        <p:sp>
-          <p:nvSpPr>
-            <p:cNvPr id="11" name="Rectangle : coins arrondis 10">
-              <a:extLst>
-                <a:ext uri="{FF2B5EF4-FFF2-40B4-BE49-F238E27FC236}">
-                  <a16:creationId xmlns:a16="http://schemas.microsoft.com/office/drawing/2014/main" id="{D090B649-945B-45FD-989E-1D4CDBC6B3DA}"/>
-                </a:ext>
-              </a:extLst>
-            </p:cNvPr>
-            <p:cNvSpPr/>
-            <p:nvPr/>
-          </p:nvSpPr>
-          <p:spPr>
-            <a:xfrm>
-              <a:off x="4659043" y="4907665"/>
-              <a:ext cx="2157984" cy="1664208"/>
-            </a:xfrm>
-            <a:prstGeom prst="roundRect">
-              <a:avLst>
-                <a:gd name="adj" fmla="val 5129"/>
-              </a:avLst>
-            </a:prstGeom>
-            <a:solidFill>
-              <a:schemeClr val="accent2">
-                <a:lumMod val="20000"/>
-                <a:lumOff val="80000"/>
-              </a:schemeClr>
-            </a:solidFill>
-            <a:ln w="28575">
+              </a:rPr>
+              <a:t>Apprentissage par renforcement</a:t>
+            </a:r>
+          </a:p>
+          <a:p>
+            <a:pPr algn="ctr"/>
+            <a:endParaRPr lang="fr-FR" sz="1200" b="1" dirty="0">
               <a:solidFill>
-                <a:schemeClr val="accent2">
-                  <a:lumMod val="50000"/>
-                </a:schemeClr>
+                <a:sysClr val="windowText" lastClr="000000"/>
               </a:solidFill>
-            </a:ln>
-          </p:spPr>
-          <p:style>
-            <a:lnRef idx="2">
-              <a:schemeClr val="accent1">
-                <a:shade val="50000"/>
-              </a:schemeClr>
-            </a:lnRef>
-            <a:fillRef idx="1">
-              <a:schemeClr val="accent1"/>
-            </a:fillRef>
-            <a:effectRef idx="0">
-              <a:schemeClr val="accent1"/>
-            </a:effectRef>
-            <a:fontRef idx="minor">
-              <a:schemeClr val="lt1"/>
-            </a:fontRef>
-          </p:style>
-          <p:txBody>
-            <a:bodyPr rtlCol="0" anchor="t"/>
-            <a:lstStyle/>
-            <a:p>
-              <a:pPr algn="ctr"/>
-              <a:endParaRPr lang="fr-FR" sz="1200" b="1" dirty="0">
+            </a:endParaRPr>
+          </a:p>
+          <a:p>
+            <a:pPr algn="ctr"/>
+            <a:r>
+              <a:rPr lang="fr-FR" sz="1200" dirty="0">
                 <a:solidFill>
                   <a:sysClr val="windowText" lastClr="000000"/>
                 </a:solidFill>
-              </a:endParaRPr>
-            </a:p>
-            <a:p>
-              <a:pPr algn="ctr"/>
-              <a:r>
-                <a:rPr lang="fr-FR" sz="1200" b="1" dirty="0">
-                  <a:solidFill>
-                    <a:sysClr val="windowText" lastClr="000000"/>
-                  </a:solidFill>
-                </a:rPr>
-                <a:t>Apprentissage non supervisé</a:t>
-              </a:r>
-            </a:p>
-            <a:p>
-              <a:pPr algn="ctr"/>
-              <a:endParaRPr lang="fr-FR" sz="1200" dirty="0">
+              </a:rPr>
+              <a:t>L’humain connait le lien entre les données. L’algorithme va tenter d’apprendre ce lien et sera récompensé quand il progressera</a:t>
+            </a:r>
+            <a:r>
+              <a:rPr lang="fr-FR" sz="1200" b="1" dirty="0">
                 <a:solidFill>
                   <a:sysClr val="windowText" lastClr="000000"/>
                 </a:solidFill>
-              </a:endParaRPr>
-            </a:p>
-            <a:p>
-              <a:pPr algn="ctr"/>
-              <a:endParaRPr lang="fr-FR" sz="1200" dirty="0">
+              </a:rPr>
+              <a:t>.</a:t>
+            </a:r>
+          </a:p>
+        </p:txBody>
+      </p:sp>
+      <p:sp>
+        <p:nvSpPr>
+          <p:cNvPr id="11" name="Rectangle : coins arrondis 10">
+            <a:extLst>
+              <a:ext uri="{FF2B5EF4-FFF2-40B4-BE49-F238E27FC236}">
+                <a16:creationId xmlns:a16="http://schemas.microsoft.com/office/drawing/2014/main" id="{D090B649-945B-45FD-989E-1D4CDBC6B3DA}"/>
+              </a:ext>
+            </a:extLst>
+          </p:cNvPr>
+          <p:cNvSpPr/>
+          <p:nvPr/>
+        </p:nvSpPr>
+        <p:spPr>
+          <a:xfrm>
+            <a:off x="5017008" y="2106592"/>
+            <a:ext cx="2157984" cy="1664208"/>
+          </a:xfrm>
+          <a:prstGeom prst="roundRect">
+            <a:avLst>
+              <a:gd name="adj" fmla="val 5129"/>
+            </a:avLst>
+          </a:prstGeom>
+          <a:solidFill>
+            <a:srgbClr val="FDF3ED"/>
+          </a:solidFill>
+          <a:ln w="28575">
+            <a:solidFill>
+              <a:schemeClr val="accent2">
+                <a:lumMod val="50000"/>
+              </a:schemeClr>
+            </a:solidFill>
+          </a:ln>
+        </p:spPr>
+        <p:style>
+          <a:lnRef idx="2">
+            <a:schemeClr val="accent1">
+              <a:shade val="50000"/>
+            </a:schemeClr>
+          </a:lnRef>
+          <a:fillRef idx="1">
+            <a:schemeClr val="accent1"/>
+          </a:fillRef>
+          <a:effectRef idx="0">
+            <a:schemeClr val="accent1"/>
+          </a:effectRef>
+          <a:fontRef idx="minor">
+            <a:schemeClr val="lt1"/>
+          </a:fontRef>
+        </p:style>
+        <p:txBody>
+          <a:bodyPr rtlCol="0" anchor="t"/>
+          <a:lstStyle/>
+          <a:p>
+            <a:pPr algn="ctr"/>
+            <a:endParaRPr lang="fr-FR" sz="1200" b="1" dirty="0">
+              <a:solidFill>
+                <a:sysClr val="windowText" lastClr="000000"/>
+              </a:solidFill>
+            </a:endParaRPr>
+          </a:p>
+          <a:p>
+            <a:pPr algn="ctr"/>
+            <a:r>
+              <a:rPr lang="fr-FR" sz="1200" b="1" dirty="0">
                 <a:solidFill>
                   <a:sysClr val="windowText" lastClr="000000"/>
                 </a:solidFill>
-              </a:endParaRPr>
-            </a:p>
-            <a:p>
-              <a:pPr algn="ctr"/>
-              <a:r>
-                <a:rPr lang="fr-FR" sz="1200" i="1" dirty="0">
-                  <a:solidFill>
-                    <a:sysClr val="windowText" lastClr="000000"/>
-                  </a:solidFill>
-                </a:rPr>
-                <a:t>L’humain </a:t>
-              </a:r>
-              <a:r>
-                <a:rPr lang="fr-FR" sz="1200" b="1" i="1" dirty="0">
-                  <a:solidFill>
-                    <a:sysClr val="windowText" lastClr="000000"/>
-                  </a:solidFill>
-                </a:rPr>
-                <a:t>ne</a:t>
-              </a:r>
-              <a:r>
-                <a:rPr lang="fr-FR" sz="1200" i="1" dirty="0">
-                  <a:solidFill>
-                    <a:sysClr val="windowText" lastClr="000000"/>
-                  </a:solidFill>
-                </a:rPr>
-                <a:t> connait </a:t>
-              </a:r>
-              <a:r>
-                <a:rPr lang="fr-FR" sz="1200" b="1" i="1" dirty="0">
-                  <a:solidFill>
-                    <a:sysClr val="windowText" lastClr="000000"/>
-                  </a:solidFill>
-                </a:rPr>
-                <a:t>pas</a:t>
-              </a:r>
-              <a:r>
-                <a:rPr lang="fr-FR" sz="1200" i="1" dirty="0">
-                  <a:solidFill>
-                    <a:sysClr val="windowText" lastClr="000000"/>
-                  </a:solidFill>
-                </a:rPr>
-                <a:t> le lien entre les données. L’algorithme va tenter d’en trouver un.</a:t>
-              </a:r>
-            </a:p>
-          </p:txBody>
-        </p:sp>
-        <p:sp>
-          <p:nvSpPr>
-            <p:cNvPr id="12" name="Rectangle : coins arrondis 11">
-              <a:extLst>
-                <a:ext uri="{FF2B5EF4-FFF2-40B4-BE49-F238E27FC236}">
-                  <a16:creationId xmlns:a16="http://schemas.microsoft.com/office/drawing/2014/main" id="{0B2429E5-D405-40C4-A911-EBF449894B7B}"/>
-                </a:ext>
-              </a:extLst>
-            </p:cNvPr>
-            <p:cNvSpPr/>
-            <p:nvPr/>
-          </p:nvSpPr>
-          <p:spPr>
-            <a:xfrm>
-              <a:off x="1773553" y="4907665"/>
-              <a:ext cx="2157984" cy="1664208"/>
-            </a:xfrm>
-            <a:prstGeom prst="roundRect">
-              <a:avLst>
-                <a:gd name="adj" fmla="val 5129"/>
-              </a:avLst>
-            </a:prstGeom>
-            <a:solidFill>
-              <a:schemeClr val="accent2">
-                <a:lumMod val="20000"/>
-                <a:lumOff val="80000"/>
-              </a:schemeClr>
-            </a:solidFill>
-            <a:ln w="28575">
+              </a:rPr>
+              <a:t>Apprentissage non supervisé</a:t>
+            </a:r>
+          </a:p>
+          <a:p>
+            <a:pPr algn="ctr"/>
+            <a:endParaRPr lang="fr-FR" sz="1200" b="1" dirty="0">
               <a:solidFill>
-                <a:schemeClr val="accent2">
-                  <a:lumMod val="50000"/>
-                </a:schemeClr>
+                <a:sysClr val="windowText" lastClr="000000"/>
               </a:solidFill>
-            </a:ln>
-          </p:spPr>
-          <p:style>
-            <a:lnRef idx="2">
-              <a:schemeClr val="accent1">
-                <a:shade val="50000"/>
-              </a:schemeClr>
-            </a:lnRef>
-            <a:fillRef idx="1">
-              <a:schemeClr val="accent1"/>
-            </a:fillRef>
-            <a:effectRef idx="0">
-              <a:schemeClr val="accent1"/>
-            </a:effectRef>
-            <a:fontRef idx="minor">
-              <a:schemeClr val="lt1"/>
-            </a:fontRef>
-          </p:style>
-          <p:txBody>
-            <a:bodyPr rtlCol="0" anchor="t"/>
-            <a:lstStyle/>
-            <a:p>
-              <a:pPr algn="ctr"/>
-              <a:endParaRPr lang="fr-FR" sz="1200" b="1" dirty="0">
+            </a:endParaRPr>
+          </a:p>
+          <a:p>
+            <a:pPr algn="ctr"/>
+            <a:endParaRPr lang="fr-FR" sz="1200" b="1" dirty="0">
+              <a:solidFill>
+                <a:sysClr val="windowText" lastClr="000000"/>
+              </a:solidFill>
+            </a:endParaRPr>
+          </a:p>
+          <a:p>
+            <a:pPr algn="ctr"/>
+            <a:r>
+              <a:rPr lang="fr-FR" sz="1200" dirty="0">
                 <a:solidFill>
                   <a:sysClr val="windowText" lastClr="000000"/>
                 </a:solidFill>
-              </a:endParaRPr>
-            </a:p>
-            <a:p>
-              <a:pPr algn="ctr"/>
-              <a:r>
-                <a:rPr lang="fr-FR" sz="1200" b="1" dirty="0">
-                  <a:solidFill>
-                    <a:sysClr val="windowText" lastClr="000000"/>
-                  </a:solidFill>
-                </a:rPr>
-                <a:t>Apprentissage supervisé</a:t>
-              </a:r>
-            </a:p>
-            <a:p>
-              <a:pPr algn="ctr"/>
-              <a:endParaRPr lang="fr-FR" sz="1200" dirty="0">
+              </a:rPr>
+              <a:t>L’humain ne connait pas le lien entre les données. L’algorithme va tenter d’en trouver un.</a:t>
+            </a:r>
+          </a:p>
+        </p:txBody>
+      </p:sp>
+      <p:sp>
+        <p:nvSpPr>
+          <p:cNvPr id="12" name="Rectangle : coins arrondis 11">
+            <a:extLst>
+              <a:ext uri="{FF2B5EF4-FFF2-40B4-BE49-F238E27FC236}">
+                <a16:creationId xmlns:a16="http://schemas.microsoft.com/office/drawing/2014/main" id="{0B2429E5-D405-40C4-A911-EBF449894B7B}"/>
+              </a:ext>
+            </a:extLst>
+          </p:cNvPr>
+          <p:cNvSpPr/>
+          <p:nvPr/>
+        </p:nvSpPr>
+        <p:spPr>
+          <a:xfrm>
+            <a:off x="2131518" y="2106592"/>
+            <a:ext cx="2157984" cy="1664208"/>
+          </a:xfrm>
+          <a:prstGeom prst="roundRect">
+            <a:avLst>
+              <a:gd name="adj" fmla="val 5129"/>
+            </a:avLst>
+          </a:prstGeom>
+          <a:solidFill>
+            <a:srgbClr val="FDF3ED"/>
+          </a:solidFill>
+          <a:ln w="28575">
+            <a:solidFill>
+              <a:schemeClr val="accent2">
+                <a:lumMod val="50000"/>
+              </a:schemeClr>
+            </a:solidFill>
+          </a:ln>
+        </p:spPr>
+        <p:style>
+          <a:lnRef idx="2">
+            <a:schemeClr val="accent1">
+              <a:shade val="50000"/>
+            </a:schemeClr>
+          </a:lnRef>
+          <a:fillRef idx="1">
+            <a:schemeClr val="accent1"/>
+          </a:fillRef>
+          <a:effectRef idx="0">
+            <a:schemeClr val="accent1"/>
+          </a:effectRef>
+          <a:fontRef idx="minor">
+            <a:schemeClr val="lt1"/>
+          </a:fontRef>
+        </p:style>
+        <p:txBody>
+          <a:bodyPr rtlCol="0" anchor="t"/>
+          <a:lstStyle/>
+          <a:p>
+            <a:pPr algn="ctr"/>
+            <a:endParaRPr lang="fr-FR" sz="1200" b="1" dirty="0">
+              <a:solidFill>
+                <a:sysClr val="windowText" lastClr="000000"/>
+              </a:solidFill>
+            </a:endParaRPr>
+          </a:p>
+          <a:p>
+            <a:pPr algn="ctr"/>
+            <a:r>
+              <a:rPr lang="fr-FR" sz="1200" b="1" dirty="0">
                 <a:solidFill>
                   <a:sysClr val="windowText" lastClr="000000"/>
                 </a:solidFill>
-              </a:endParaRPr>
-            </a:p>
-            <a:p>
-              <a:pPr algn="ctr"/>
-              <a:endParaRPr lang="fr-FR" sz="1200" dirty="0">
+              </a:rPr>
+              <a:t>Apprentissage supervisé</a:t>
+            </a:r>
+          </a:p>
+          <a:p>
+            <a:pPr algn="ctr"/>
+            <a:endParaRPr lang="fr-FR" sz="1200" dirty="0">
+              <a:solidFill>
+                <a:sysClr val="windowText" lastClr="000000"/>
+              </a:solidFill>
+            </a:endParaRPr>
+          </a:p>
+          <a:p>
+            <a:pPr algn="ctr"/>
+            <a:endParaRPr lang="fr-FR" sz="1200" dirty="0">
+              <a:solidFill>
+                <a:sysClr val="windowText" lastClr="000000"/>
+              </a:solidFill>
+            </a:endParaRPr>
+          </a:p>
+          <a:p>
+            <a:pPr algn="ctr"/>
+            <a:r>
+              <a:rPr lang="fr-FR" sz="1200" i="1" dirty="0">
                 <a:solidFill>
                   <a:sysClr val="windowText" lastClr="000000"/>
                 </a:solidFill>
-              </a:endParaRPr>
-            </a:p>
-            <a:p>
-              <a:pPr algn="ctr"/>
-              <a:r>
-                <a:rPr lang="fr-FR" sz="1200" i="1" dirty="0">
-                  <a:solidFill>
-                    <a:sysClr val="windowText" lastClr="000000"/>
-                  </a:solidFill>
-                </a:rPr>
-                <a:t>L’humain connait le lien entre les données. L’algorithme va tenter d’apprendre ce lien.</a:t>
-              </a:r>
-            </a:p>
-          </p:txBody>
-        </p:sp>
-      </p:grpSp>
+              </a:rPr>
+              <a:t>L’humain connait le lien entre les données. L’algorithme va tenter d’apprendre ce lien.</a:t>
+            </a:r>
+          </a:p>
+        </p:txBody>
+      </p:sp>
     </p:spTree>
     <p:extLst>
       <p:ext uri="{BB962C8B-B14F-4D97-AF65-F5344CB8AC3E}">
         <p14:creationId xmlns:p14="http://schemas.microsoft.com/office/powerpoint/2010/main" val="737262533"/>
+      </p:ext>
+    </p:extLst>
+  </p:cSld>
+  <p:clrMapOvr>
+    <a:masterClrMapping/>
+  </p:clrMapOvr>
+</p:sld>
+</file>
+
+<file path=ppt/slides/slide11.xml><?xml version="1.0" encoding="utf-8"?>
+<p:sld xmlns:a="http://schemas.openxmlformats.org/drawingml/2006/main" xmlns:r="http://schemas.openxmlformats.org/officeDocument/2006/relationships" xmlns:p="http://schemas.openxmlformats.org/presentationml/2006/main">
+  <p:cSld>
+    <p:spTree>
+      <p:nvGrpSpPr>
+        <p:cNvPr id="1" name=""/>
+        <p:cNvGrpSpPr/>
+        <p:nvPr/>
+      </p:nvGrpSpPr>
+      <p:grpSpPr>
+        <a:xfrm>
+          <a:off x="0" y="0"/>
+          <a:ext cx="0" cy="0"/>
+          <a:chOff x="0" y="0"/>
+          <a:chExt cx="0" cy="0"/>
+        </a:xfrm>
+      </p:grpSpPr>
+      <p:sp>
+        <p:nvSpPr>
+          <p:cNvPr id="4" name="Rectangle : coins arrondis 3">
+            <a:extLst>
+              <a:ext uri="{FF2B5EF4-FFF2-40B4-BE49-F238E27FC236}">
+                <a16:creationId xmlns:a16="http://schemas.microsoft.com/office/drawing/2014/main" id="{422ED535-9C53-4A6F-8B24-3FFAC4B3DAD8}"/>
+              </a:ext>
+            </a:extLst>
+          </p:cNvPr>
+          <p:cNvSpPr/>
+          <p:nvPr/>
+        </p:nvSpPr>
+        <p:spPr>
+          <a:xfrm>
+            <a:off x="1782500" y="1284791"/>
+            <a:ext cx="2288567" cy="2378764"/>
+          </a:xfrm>
+          <a:prstGeom prst="roundRect">
+            <a:avLst>
+              <a:gd name="adj" fmla="val 5129"/>
+            </a:avLst>
+          </a:prstGeom>
+          <a:solidFill>
+            <a:srgbClr val="FDF3ED"/>
+          </a:solidFill>
+          <a:ln w="28575">
+            <a:solidFill>
+              <a:schemeClr val="accent2">
+                <a:lumMod val="50000"/>
+              </a:schemeClr>
+            </a:solidFill>
+          </a:ln>
+        </p:spPr>
+        <p:style>
+          <a:lnRef idx="2">
+            <a:schemeClr val="accent1">
+              <a:shade val="50000"/>
+            </a:schemeClr>
+          </a:lnRef>
+          <a:fillRef idx="1">
+            <a:schemeClr val="accent1"/>
+          </a:fillRef>
+          <a:effectRef idx="0">
+            <a:schemeClr val="accent1"/>
+          </a:effectRef>
+          <a:fontRef idx="minor">
+            <a:schemeClr val="lt1"/>
+          </a:fontRef>
+        </p:style>
+        <p:txBody>
+          <a:bodyPr rtlCol="0" anchor="t"/>
+          <a:lstStyle/>
+          <a:p>
+            <a:pPr algn="ctr"/>
+            <a:r>
+              <a:rPr lang="fr-FR" sz="1200" b="1" i="1" dirty="0">
+                <a:solidFill>
+                  <a:sysClr val="windowText" lastClr="000000"/>
+                </a:solidFill>
+              </a:rPr>
+              <a:t>x[0][1], x[0][2], x[0][3], x[0][4]</a:t>
+            </a:r>
+          </a:p>
+          <a:p>
+            <a:pPr algn="ctr"/>
+            <a:r>
+              <a:rPr lang="fr-FR" sz="1200" b="1" i="1" dirty="0">
+                <a:solidFill>
+                  <a:sysClr val="windowText" lastClr="000000"/>
+                </a:solidFill>
+              </a:rPr>
+              <a:t>x[1][1], x[1][2], x[1][3], x[1][4]</a:t>
+            </a:r>
+          </a:p>
+          <a:p>
+            <a:pPr algn="ctr"/>
+            <a:r>
+              <a:rPr lang="fr-FR" sz="1200" b="1" i="1" dirty="0">
+                <a:solidFill>
+                  <a:sysClr val="windowText" lastClr="000000"/>
+                </a:solidFill>
+              </a:rPr>
+              <a:t>.</a:t>
+            </a:r>
+          </a:p>
+          <a:p>
+            <a:pPr algn="ctr"/>
+            <a:r>
+              <a:rPr lang="fr-FR" sz="1200" i="1" dirty="0">
+                <a:solidFill>
+                  <a:sysClr val="windowText" lastClr="000000"/>
+                </a:solidFill>
+              </a:rPr>
+              <a:t>.</a:t>
+            </a:r>
+          </a:p>
+          <a:p>
+            <a:pPr algn="ctr"/>
+            <a:r>
+              <a:rPr lang="fr-FR" sz="1200" i="1" dirty="0">
+                <a:solidFill>
+                  <a:sysClr val="windowText" lastClr="000000"/>
+                </a:solidFill>
+              </a:rPr>
+              <a:t>.</a:t>
+            </a:r>
+          </a:p>
+          <a:p>
+            <a:pPr algn="ctr"/>
+            <a:r>
+              <a:rPr lang="fr-FR" sz="1200" i="1" dirty="0">
+                <a:solidFill>
+                  <a:sysClr val="windowText" lastClr="000000"/>
+                </a:solidFill>
+              </a:rPr>
+              <a:t>.</a:t>
+            </a:r>
+          </a:p>
+          <a:p>
+            <a:pPr algn="ctr"/>
+            <a:r>
+              <a:rPr lang="fr-FR" sz="1200" i="1" dirty="0">
+                <a:solidFill>
+                  <a:sysClr val="windowText" lastClr="000000"/>
+                </a:solidFill>
+              </a:rPr>
+              <a:t>.</a:t>
+            </a:r>
+          </a:p>
+          <a:p>
+            <a:pPr algn="ctr"/>
+            <a:r>
+              <a:rPr lang="fr-FR" sz="1200" i="1" dirty="0">
+                <a:solidFill>
+                  <a:sysClr val="windowText" lastClr="000000"/>
+                </a:solidFill>
+              </a:rPr>
+              <a:t>.</a:t>
+            </a:r>
+          </a:p>
+          <a:p>
+            <a:pPr algn="ctr"/>
+            <a:r>
+              <a:rPr lang="fr-FR" sz="1200" i="1" dirty="0">
+                <a:solidFill>
+                  <a:sysClr val="windowText" lastClr="000000"/>
+                </a:solidFill>
+              </a:rPr>
+              <a:t>.</a:t>
+            </a:r>
+          </a:p>
+          <a:p>
+            <a:pPr algn="ctr"/>
+            <a:r>
+              <a:rPr lang="fr-FR" sz="1200" i="1" dirty="0">
+                <a:solidFill>
+                  <a:sysClr val="windowText" lastClr="000000"/>
+                </a:solidFill>
+              </a:rPr>
+              <a:t>.</a:t>
+            </a:r>
+          </a:p>
+          <a:p>
+            <a:pPr algn="ctr"/>
+            <a:r>
+              <a:rPr lang="fr-FR" sz="1200" i="1" dirty="0">
+                <a:solidFill>
+                  <a:sysClr val="windowText" lastClr="000000"/>
+                </a:solidFill>
+              </a:rPr>
+              <a:t>.</a:t>
+            </a:r>
+          </a:p>
+          <a:p>
+            <a:pPr algn="ctr"/>
+            <a:r>
+              <a:rPr lang="fr-FR" sz="1200" b="1" i="1" dirty="0">
+                <a:solidFill>
+                  <a:sysClr val="windowText" lastClr="000000"/>
+                </a:solidFill>
+              </a:rPr>
+              <a:t>x[n][1], x[n][2], x[n][3], x[n][4]</a:t>
+            </a:r>
+          </a:p>
+        </p:txBody>
+      </p:sp>
+      <p:sp>
+        <p:nvSpPr>
+          <p:cNvPr id="5" name="Rectangle : coins arrondis 4">
+            <a:extLst>
+              <a:ext uri="{FF2B5EF4-FFF2-40B4-BE49-F238E27FC236}">
+                <a16:creationId xmlns:a16="http://schemas.microsoft.com/office/drawing/2014/main" id="{614FE8D2-7005-41CC-8CAF-55E39E196F11}"/>
+              </a:ext>
+            </a:extLst>
+          </p:cNvPr>
+          <p:cNvSpPr/>
+          <p:nvPr/>
+        </p:nvSpPr>
+        <p:spPr>
+          <a:xfrm>
+            <a:off x="5384156" y="1284790"/>
+            <a:ext cx="1444907" cy="2378764"/>
+          </a:xfrm>
+          <a:prstGeom prst="roundRect">
+            <a:avLst>
+              <a:gd name="adj" fmla="val 5129"/>
+            </a:avLst>
+          </a:prstGeom>
+          <a:solidFill>
+            <a:srgbClr val="FDF3ED"/>
+          </a:solidFill>
+          <a:ln w="28575">
+            <a:solidFill>
+              <a:schemeClr val="accent2">
+                <a:lumMod val="50000"/>
+              </a:schemeClr>
+            </a:solidFill>
+          </a:ln>
+        </p:spPr>
+        <p:style>
+          <a:lnRef idx="2">
+            <a:schemeClr val="accent1">
+              <a:shade val="50000"/>
+            </a:schemeClr>
+          </a:lnRef>
+          <a:fillRef idx="1">
+            <a:schemeClr val="accent1"/>
+          </a:fillRef>
+          <a:effectRef idx="0">
+            <a:schemeClr val="accent1"/>
+          </a:effectRef>
+          <a:fontRef idx="minor">
+            <a:schemeClr val="lt1"/>
+          </a:fontRef>
+        </p:style>
+        <p:txBody>
+          <a:bodyPr rtlCol="0" anchor="t"/>
+          <a:lstStyle/>
+          <a:p>
+            <a:pPr algn="ctr"/>
+            <a:r>
+              <a:rPr lang="fr-FR" sz="1200" b="1" i="1" dirty="0">
+                <a:solidFill>
+                  <a:sysClr val="windowText" lastClr="000000"/>
+                </a:solidFill>
+              </a:rPr>
+              <a:t>Résultat 1 </a:t>
+            </a:r>
+          </a:p>
+          <a:p>
+            <a:pPr algn="ctr"/>
+            <a:r>
+              <a:rPr lang="fr-FR" sz="1200" b="1" i="1" dirty="0">
+                <a:solidFill>
+                  <a:sysClr val="windowText" lastClr="000000"/>
+                </a:solidFill>
+              </a:rPr>
+              <a:t>Résultat 2 </a:t>
+            </a:r>
+          </a:p>
+          <a:p>
+            <a:pPr algn="ctr"/>
+            <a:r>
+              <a:rPr lang="fr-FR" sz="1200" i="1" dirty="0">
+                <a:solidFill>
+                  <a:sysClr val="windowText" lastClr="000000"/>
+                </a:solidFill>
+              </a:rPr>
+              <a:t>.</a:t>
+            </a:r>
+          </a:p>
+          <a:p>
+            <a:pPr algn="ctr"/>
+            <a:r>
+              <a:rPr lang="fr-FR" sz="1200" i="1" dirty="0">
+                <a:solidFill>
+                  <a:sysClr val="windowText" lastClr="000000"/>
+                </a:solidFill>
+              </a:rPr>
+              <a:t>.</a:t>
+            </a:r>
+          </a:p>
+          <a:p>
+            <a:pPr algn="ctr"/>
+            <a:r>
+              <a:rPr lang="fr-FR" sz="1200" i="1" dirty="0">
+                <a:solidFill>
+                  <a:sysClr val="windowText" lastClr="000000"/>
+                </a:solidFill>
+              </a:rPr>
+              <a:t>.</a:t>
+            </a:r>
+          </a:p>
+          <a:p>
+            <a:pPr algn="ctr"/>
+            <a:r>
+              <a:rPr lang="fr-FR" sz="1200" i="1" dirty="0">
+                <a:solidFill>
+                  <a:sysClr val="windowText" lastClr="000000"/>
+                </a:solidFill>
+              </a:rPr>
+              <a:t>.</a:t>
+            </a:r>
+          </a:p>
+          <a:p>
+            <a:pPr algn="ctr"/>
+            <a:r>
+              <a:rPr lang="fr-FR" sz="1200" i="1" dirty="0">
+                <a:solidFill>
+                  <a:sysClr val="windowText" lastClr="000000"/>
+                </a:solidFill>
+              </a:rPr>
+              <a:t>.</a:t>
+            </a:r>
+          </a:p>
+          <a:p>
+            <a:pPr algn="ctr"/>
+            <a:r>
+              <a:rPr lang="fr-FR" sz="1200" i="1" dirty="0">
+                <a:solidFill>
+                  <a:sysClr val="windowText" lastClr="000000"/>
+                </a:solidFill>
+              </a:rPr>
+              <a:t>.</a:t>
+            </a:r>
+          </a:p>
+          <a:p>
+            <a:pPr algn="ctr"/>
+            <a:r>
+              <a:rPr lang="fr-FR" sz="1200" i="1" dirty="0">
+                <a:solidFill>
+                  <a:sysClr val="windowText" lastClr="000000"/>
+                </a:solidFill>
+              </a:rPr>
+              <a:t>.</a:t>
+            </a:r>
+          </a:p>
+          <a:p>
+            <a:pPr algn="ctr"/>
+            <a:r>
+              <a:rPr lang="fr-FR" sz="1200" i="1" dirty="0">
+                <a:solidFill>
+                  <a:sysClr val="windowText" lastClr="000000"/>
+                </a:solidFill>
+              </a:rPr>
+              <a:t>.</a:t>
+            </a:r>
+          </a:p>
+          <a:p>
+            <a:pPr algn="ctr"/>
+            <a:r>
+              <a:rPr lang="fr-FR" sz="1200" i="1" dirty="0">
+                <a:solidFill>
+                  <a:sysClr val="windowText" lastClr="000000"/>
+                </a:solidFill>
+              </a:rPr>
+              <a:t>.</a:t>
+            </a:r>
+          </a:p>
+          <a:p>
+            <a:pPr algn="ctr"/>
+            <a:r>
+              <a:rPr lang="fr-FR" sz="1200" b="1" i="1" dirty="0">
+                <a:solidFill>
+                  <a:sysClr val="windowText" lastClr="000000"/>
+                </a:solidFill>
+              </a:rPr>
+              <a:t>Résultat n</a:t>
+            </a:r>
+            <a:endParaRPr lang="fr-FR" sz="1200" i="1" dirty="0">
+              <a:solidFill>
+                <a:sysClr val="windowText" lastClr="000000"/>
+              </a:solidFill>
+            </a:endParaRPr>
+          </a:p>
+        </p:txBody>
+      </p:sp>
+      <p:sp>
+        <p:nvSpPr>
+          <p:cNvPr id="6" name="ZoneTexte 5">
+            <a:extLst>
+              <a:ext uri="{FF2B5EF4-FFF2-40B4-BE49-F238E27FC236}">
+                <a16:creationId xmlns:a16="http://schemas.microsoft.com/office/drawing/2014/main" id="{C0405E91-3053-412D-B931-35E7A7CFA55C}"/>
+              </a:ext>
+            </a:extLst>
+          </p:cNvPr>
+          <p:cNvSpPr txBox="1"/>
+          <p:nvPr/>
+        </p:nvSpPr>
+        <p:spPr>
+          <a:xfrm>
+            <a:off x="1782501" y="915457"/>
+            <a:ext cx="2152890" cy="338554"/>
+          </a:xfrm>
+          <a:prstGeom prst="rect">
+            <a:avLst/>
+          </a:prstGeom>
+          <a:noFill/>
+        </p:spPr>
+        <p:txBody>
+          <a:bodyPr wrap="square" rtlCol="0">
+            <a:spAutoFit/>
+          </a:bodyPr>
+          <a:lstStyle/>
+          <a:p>
+            <a:pPr algn="ctr"/>
+            <a:r>
+              <a:rPr lang="fr-FR" sz="1600" b="1" dirty="0"/>
+              <a:t>Données</a:t>
+            </a:r>
+          </a:p>
+        </p:txBody>
+      </p:sp>
+      <p:sp>
+        <p:nvSpPr>
+          <p:cNvPr id="7" name="ZoneTexte 6">
+            <a:extLst>
+              <a:ext uri="{FF2B5EF4-FFF2-40B4-BE49-F238E27FC236}">
+                <a16:creationId xmlns:a16="http://schemas.microsoft.com/office/drawing/2014/main" id="{5B9281D2-9EEF-4DBA-923B-BD8475FA658A}"/>
+              </a:ext>
+            </a:extLst>
+          </p:cNvPr>
+          <p:cNvSpPr txBox="1"/>
+          <p:nvPr/>
+        </p:nvSpPr>
+        <p:spPr>
+          <a:xfrm>
+            <a:off x="5384156" y="946235"/>
+            <a:ext cx="1444907" cy="338554"/>
+          </a:xfrm>
+          <a:prstGeom prst="rect">
+            <a:avLst/>
+          </a:prstGeom>
+          <a:noFill/>
+        </p:spPr>
+        <p:txBody>
+          <a:bodyPr wrap="square" rtlCol="0">
+            <a:spAutoFit/>
+          </a:bodyPr>
+          <a:lstStyle/>
+          <a:p>
+            <a:pPr algn="ctr"/>
+            <a:r>
+              <a:rPr lang="fr-FR" sz="1600" b="1" dirty="0"/>
+              <a:t>Cibles</a:t>
+            </a:r>
+          </a:p>
+        </p:txBody>
+      </p:sp>
+      <p:cxnSp>
+        <p:nvCxnSpPr>
+          <p:cNvPr id="8" name="Connecteur droit avec flèche 7">
+            <a:extLst>
+              <a:ext uri="{FF2B5EF4-FFF2-40B4-BE49-F238E27FC236}">
+                <a16:creationId xmlns:a16="http://schemas.microsoft.com/office/drawing/2014/main" id="{D5435626-6E17-4F50-881F-C004C3187E5C}"/>
+              </a:ext>
+            </a:extLst>
+          </p:cNvPr>
+          <p:cNvCxnSpPr>
+            <a:cxnSpLocks/>
+          </p:cNvCxnSpPr>
+          <p:nvPr/>
+        </p:nvCxnSpPr>
+        <p:spPr>
+          <a:xfrm>
+            <a:off x="3935391" y="1470265"/>
+            <a:ext cx="1773646" cy="0"/>
+          </a:xfrm>
+          <a:prstGeom prst="straightConnector1">
+            <a:avLst/>
+          </a:prstGeom>
+          <a:ln w="19050">
+            <a:solidFill>
+              <a:srgbClr val="C00000"/>
+            </a:solidFill>
+            <a:tailEnd type="stealth" w="med" len="lg"/>
+          </a:ln>
+        </p:spPr>
+        <p:style>
+          <a:lnRef idx="1">
+            <a:schemeClr val="accent1"/>
+          </a:lnRef>
+          <a:fillRef idx="0">
+            <a:schemeClr val="accent1"/>
+          </a:fillRef>
+          <a:effectRef idx="0">
+            <a:schemeClr val="accent1"/>
+          </a:effectRef>
+          <a:fontRef idx="minor">
+            <a:schemeClr val="tx1"/>
+          </a:fontRef>
+        </p:style>
+      </p:cxnSp>
+      <p:cxnSp>
+        <p:nvCxnSpPr>
+          <p:cNvPr id="10" name="Connecteur droit avec flèche 9">
+            <a:extLst>
+              <a:ext uri="{FF2B5EF4-FFF2-40B4-BE49-F238E27FC236}">
+                <a16:creationId xmlns:a16="http://schemas.microsoft.com/office/drawing/2014/main" id="{73CDD2F6-5C2E-4DD1-ACFE-36E974C44D5A}"/>
+              </a:ext>
+            </a:extLst>
+          </p:cNvPr>
+          <p:cNvCxnSpPr>
+            <a:cxnSpLocks/>
+          </p:cNvCxnSpPr>
+          <p:nvPr/>
+        </p:nvCxnSpPr>
+        <p:spPr>
+          <a:xfrm>
+            <a:off x="3935391" y="1646519"/>
+            <a:ext cx="1773646" cy="0"/>
+          </a:xfrm>
+          <a:prstGeom prst="straightConnector1">
+            <a:avLst/>
+          </a:prstGeom>
+          <a:ln w="19050">
+            <a:solidFill>
+              <a:srgbClr val="C00000"/>
+            </a:solidFill>
+            <a:tailEnd type="stealth" w="med" len="lg"/>
+          </a:ln>
+        </p:spPr>
+        <p:style>
+          <a:lnRef idx="1">
+            <a:schemeClr val="accent1"/>
+          </a:lnRef>
+          <a:fillRef idx="0">
+            <a:schemeClr val="accent1"/>
+          </a:fillRef>
+          <a:effectRef idx="0">
+            <a:schemeClr val="accent1"/>
+          </a:effectRef>
+          <a:fontRef idx="minor">
+            <a:schemeClr val="tx1"/>
+          </a:fontRef>
+        </p:style>
+      </p:cxnSp>
+      <p:cxnSp>
+        <p:nvCxnSpPr>
+          <p:cNvPr id="11" name="Connecteur droit avec flèche 10">
+            <a:extLst>
+              <a:ext uri="{FF2B5EF4-FFF2-40B4-BE49-F238E27FC236}">
+                <a16:creationId xmlns:a16="http://schemas.microsoft.com/office/drawing/2014/main" id="{02C431A5-95D1-4128-B6EC-439869327425}"/>
+              </a:ext>
+            </a:extLst>
+          </p:cNvPr>
+          <p:cNvCxnSpPr>
+            <a:cxnSpLocks/>
+          </p:cNvCxnSpPr>
+          <p:nvPr/>
+        </p:nvCxnSpPr>
+        <p:spPr>
+          <a:xfrm>
+            <a:off x="3935391" y="3492546"/>
+            <a:ext cx="1773646" cy="0"/>
+          </a:xfrm>
+          <a:prstGeom prst="straightConnector1">
+            <a:avLst/>
+          </a:prstGeom>
+          <a:ln w="19050">
+            <a:solidFill>
+              <a:srgbClr val="C00000"/>
+            </a:solidFill>
+            <a:tailEnd type="stealth" w="med" len="lg"/>
+          </a:ln>
+        </p:spPr>
+        <p:style>
+          <a:lnRef idx="1">
+            <a:schemeClr val="accent1"/>
+          </a:lnRef>
+          <a:fillRef idx="0">
+            <a:schemeClr val="accent1"/>
+          </a:fillRef>
+          <a:effectRef idx="0">
+            <a:schemeClr val="accent1"/>
+          </a:effectRef>
+          <a:fontRef idx="minor">
+            <a:schemeClr val="tx1"/>
+          </a:fontRef>
+        </p:style>
+      </p:cxnSp>
+    </p:spTree>
+    <p:extLst>
+      <p:ext uri="{BB962C8B-B14F-4D97-AF65-F5344CB8AC3E}">
+        <p14:creationId xmlns:p14="http://schemas.microsoft.com/office/powerpoint/2010/main" val="2695331323"/>
       </p:ext>
     </p:extLst>
   </p:cSld>

--- a/Cy_00_IA/Chapitre_01_Introduction_IA/images/Figures.pptx
+++ b/Cy_00_IA/Chapitre_01_Introduction_IA/images/Figures.pptx
@@ -218,7 +218,7 @@
           <a:p>
             <a:fld id="{396B03FB-B087-4631-8B5B-A1A0D1F293BE}" type="datetimeFigureOut">
               <a:rPr lang="fr-FR" smtClean="0"/>
-              <a:t>11/02/2021</a:t>
+              <a:t>12/02/2021</a:t>
             </a:fld>
             <a:endParaRPr lang="fr-FR"/>
           </a:p>
@@ -716,7 +716,7 @@
           <a:p>
             <a:fld id="{B0AE2BB1-655E-4F57-ABA8-388245A7D361}" type="datetimeFigureOut">
               <a:rPr lang="fr-FR" smtClean="0"/>
-              <a:t>11/02/2021</a:t>
+              <a:t>12/02/2021</a:t>
             </a:fld>
             <a:endParaRPr lang="fr-FR"/>
           </a:p>
@@ -914,7 +914,7 @@
           <a:p>
             <a:fld id="{B0AE2BB1-655E-4F57-ABA8-388245A7D361}" type="datetimeFigureOut">
               <a:rPr lang="fr-FR" smtClean="0"/>
-              <a:t>11/02/2021</a:t>
+              <a:t>12/02/2021</a:t>
             </a:fld>
             <a:endParaRPr lang="fr-FR"/>
           </a:p>
@@ -1122,7 +1122,7 @@
           <a:p>
             <a:fld id="{B0AE2BB1-655E-4F57-ABA8-388245A7D361}" type="datetimeFigureOut">
               <a:rPr lang="fr-FR" smtClean="0"/>
-              <a:t>11/02/2021</a:t>
+              <a:t>12/02/2021</a:t>
             </a:fld>
             <a:endParaRPr lang="fr-FR"/>
           </a:p>
@@ -1320,7 +1320,7 @@
           <a:p>
             <a:fld id="{B0AE2BB1-655E-4F57-ABA8-388245A7D361}" type="datetimeFigureOut">
               <a:rPr lang="fr-FR" smtClean="0"/>
-              <a:t>11/02/2021</a:t>
+              <a:t>12/02/2021</a:t>
             </a:fld>
             <a:endParaRPr lang="fr-FR"/>
           </a:p>
@@ -1595,7 +1595,7 @@
           <a:p>
             <a:fld id="{B0AE2BB1-655E-4F57-ABA8-388245A7D361}" type="datetimeFigureOut">
               <a:rPr lang="fr-FR" smtClean="0"/>
-              <a:t>11/02/2021</a:t>
+              <a:t>12/02/2021</a:t>
             </a:fld>
             <a:endParaRPr lang="fr-FR"/>
           </a:p>
@@ -1860,7 +1860,7 @@
           <a:p>
             <a:fld id="{B0AE2BB1-655E-4F57-ABA8-388245A7D361}" type="datetimeFigureOut">
               <a:rPr lang="fr-FR" smtClean="0"/>
-              <a:t>11/02/2021</a:t>
+              <a:t>12/02/2021</a:t>
             </a:fld>
             <a:endParaRPr lang="fr-FR"/>
           </a:p>
@@ -2272,7 +2272,7 @@
           <a:p>
             <a:fld id="{B0AE2BB1-655E-4F57-ABA8-388245A7D361}" type="datetimeFigureOut">
               <a:rPr lang="fr-FR" smtClean="0"/>
-              <a:t>11/02/2021</a:t>
+              <a:t>12/02/2021</a:t>
             </a:fld>
             <a:endParaRPr lang="fr-FR"/>
           </a:p>
@@ -2413,7 +2413,7 @@
           <a:p>
             <a:fld id="{B0AE2BB1-655E-4F57-ABA8-388245A7D361}" type="datetimeFigureOut">
               <a:rPr lang="fr-FR" smtClean="0"/>
-              <a:t>11/02/2021</a:t>
+              <a:t>12/02/2021</a:t>
             </a:fld>
             <a:endParaRPr lang="fr-FR"/>
           </a:p>
@@ -2526,7 +2526,7 @@
           <a:p>
             <a:fld id="{B0AE2BB1-655E-4F57-ABA8-388245A7D361}" type="datetimeFigureOut">
               <a:rPr lang="fr-FR" smtClean="0"/>
-              <a:t>11/02/2021</a:t>
+              <a:t>12/02/2021</a:t>
             </a:fld>
             <a:endParaRPr lang="fr-FR"/>
           </a:p>
@@ -2837,7 +2837,7 @@
           <a:p>
             <a:fld id="{B0AE2BB1-655E-4F57-ABA8-388245A7D361}" type="datetimeFigureOut">
               <a:rPr lang="fr-FR" smtClean="0"/>
-              <a:t>11/02/2021</a:t>
+              <a:t>12/02/2021</a:t>
             </a:fld>
             <a:endParaRPr lang="fr-FR"/>
           </a:p>
@@ -3125,7 +3125,7 @@
           <a:p>
             <a:fld id="{B0AE2BB1-655E-4F57-ABA8-388245A7D361}" type="datetimeFigureOut">
               <a:rPr lang="fr-FR" smtClean="0"/>
-              <a:t>11/02/2021</a:t>
+              <a:t>12/02/2021</a:t>
             </a:fld>
             <a:endParaRPr lang="fr-FR"/>
           </a:p>
@@ -3366,7 +3366,7 @@
           <a:p>
             <a:fld id="{B0AE2BB1-655E-4F57-ABA8-388245A7D361}" type="datetimeFigureOut">
               <a:rPr lang="fr-FR" smtClean="0"/>
-              <a:t>11/02/2021</a:t>
+              <a:t>12/02/2021</a:t>
             </a:fld>
             <a:endParaRPr lang="fr-FR"/>
           </a:p>
@@ -4489,7 +4489,7 @@
                   <a:sysClr val="windowText" lastClr="000000"/>
                 </a:solidFill>
               </a:rPr>
-              <a:t>x[0][1], x[0][2], x[0][3], x[0][4]</a:t>
+              <a:t>X[0][0], X[0][1], X[0][2], X[0][3]</a:t>
             </a:r>
           </a:p>
           <a:p>
@@ -4500,7 +4500,7 @@
                   <a:sysClr val="windowText" lastClr="000000"/>
                 </a:solidFill>
               </a:rPr>
-              <a:t>x[1][1], x[1][2], x[1][3], x[1][4]</a:t>
+              <a:t>X[1][0], X[1][1], X[1][2], X[1][3]</a:t>
             </a:r>
           </a:p>
           <a:p>
@@ -4610,7 +4610,7 @@
                   <a:sysClr val="windowText" lastClr="000000"/>
                 </a:solidFill>
               </a:rPr>
-              <a:t>x[n][1], x[n][2], x[n][3], x[n][4]</a:t>
+              <a:t>X[n][0], X[n][1], X[n][2], X[n][3]</a:t>
             </a:r>
           </a:p>
         </p:txBody>
@@ -4675,7 +4675,7 @@
                   <a:sysClr val="windowText" lastClr="000000"/>
                 </a:solidFill>
               </a:rPr>
-              <a:t>Résultat 1 </a:t>
+              <a:t>Résultat 0 : Y[0] </a:t>
             </a:r>
           </a:p>
           <a:p>
@@ -4686,7 +4686,7 @@
                   <a:sysClr val="windowText" lastClr="000000"/>
                 </a:solidFill>
               </a:rPr>
-              <a:t>Résultat 2 </a:t>
+              <a:t>Résultat 1 : Y[1] </a:t>
             </a:r>
           </a:p>
           <a:p>
@@ -4791,12 +4791,12 @@
           <a:p>
             <a:pPr algn="ctr"/>
             <a:r>
-              <a:rPr lang="fr-FR" sz="1200" b="1" i="1" dirty="0">
+              <a:rPr lang="fr-FR" sz="1200" b="1" i="1">
                 <a:solidFill>
                   <a:sysClr val="windowText" lastClr="000000"/>
                 </a:solidFill>
               </a:rPr>
-              <a:t>Résultat n</a:t>
+              <a:t>Résultat n : Y[n] </a:t>
             </a:r>
             <a:endParaRPr lang="fr-FR" sz="1200" i="1" dirty="0">
               <a:solidFill>
@@ -4895,7 +4895,7 @@
         <p:spPr>
           <a:xfrm>
             <a:off x="3935391" y="1470265"/>
-            <a:ext cx="1773646" cy="0"/>
+            <a:ext cx="1638473" cy="0"/>
           </a:xfrm>
           <a:prstGeom prst="straightConnector1">
             <a:avLst/>
@@ -4939,7 +4939,7 @@
         <p:spPr>
           <a:xfrm>
             <a:off x="3935391" y="1646519"/>
-            <a:ext cx="1773646" cy="0"/>
+            <a:ext cx="1638473" cy="0"/>
           </a:xfrm>
           <a:prstGeom prst="straightConnector1">
             <a:avLst/>
@@ -4983,7 +4983,7 @@
         <p:spPr>
           <a:xfrm>
             <a:off x="3935391" y="3492546"/>
-            <a:ext cx="1773646" cy="0"/>
+            <a:ext cx="1638473" cy="0"/>
           </a:xfrm>
           <a:prstGeom prst="straightConnector1">
             <a:avLst/>

--- a/Cy_00_IA/Chapitre_01_Introduction_IA/images/Figures.pptx
+++ b/Cy_00_IA/Chapitre_01_Introduction_IA/images/Figures.pptx
@@ -121,12 +121,12 @@
   <p:extLst>
     <p:ext uri="{EFAFB233-063F-42B5-8137-9DF3F51BA10A}">
       <p15:sldGuideLst xmlns:p15="http://schemas.microsoft.com/office/powerpoint/2012/main">
-        <p15:guide id="1" orient="horz" pos="2160" userDrawn="1">
+        <p15:guide id="1" orient="horz" pos="2183" userDrawn="1">
           <p15:clr>
             <a:srgbClr val="A4A3A4"/>
           </p15:clr>
         </p15:guide>
-        <p15:guide id="2" pos="3772" userDrawn="1">
+        <p15:guide id="2" pos="3840" userDrawn="1">
           <p15:clr>
             <a:srgbClr val="A4A3A4"/>
           </p15:clr>
@@ -219,7 +219,7 @@
           <a:p>
             <a:fld id="{396B03FB-B087-4631-8B5B-A1A0D1F293BE}" type="datetimeFigureOut">
               <a:rPr lang="fr-FR" smtClean="0"/>
-              <a:t>12/02/2021</a:t>
+              <a:t>14/06/2021</a:t>
             </a:fld>
             <a:endParaRPr lang="fr-FR"/>
           </a:p>
@@ -801,7 +801,7 @@
           <a:p>
             <a:fld id="{B0AE2BB1-655E-4F57-ABA8-388245A7D361}" type="datetimeFigureOut">
               <a:rPr lang="fr-FR" smtClean="0"/>
-              <a:t>12/02/2021</a:t>
+              <a:t>14/06/2021</a:t>
             </a:fld>
             <a:endParaRPr lang="fr-FR"/>
           </a:p>
@@ -999,7 +999,7 @@
           <a:p>
             <a:fld id="{B0AE2BB1-655E-4F57-ABA8-388245A7D361}" type="datetimeFigureOut">
               <a:rPr lang="fr-FR" smtClean="0"/>
-              <a:t>12/02/2021</a:t>
+              <a:t>14/06/2021</a:t>
             </a:fld>
             <a:endParaRPr lang="fr-FR"/>
           </a:p>
@@ -1207,7 +1207,7 @@
           <a:p>
             <a:fld id="{B0AE2BB1-655E-4F57-ABA8-388245A7D361}" type="datetimeFigureOut">
               <a:rPr lang="fr-FR" smtClean="0"/>
-              <a:t>12/02/2021</a:t>
+              <a:t>14/06/2021</a:t>
             </a:fld>
             <a:endParaRPr lang="fr-FR"/>
           </a:p>
@@ -1405,7 +1405,7 @@
           <a:p>
             <a:fld id="{B0AE2BB1-655E-4F57-ABA8-388245A7D361}" type="datetimeFigureOut">
               <a:rPr lang="fr-FR" smtClean="0"/>
-              <a:t>12/02/2021</a:t>
+              <a:t>14/06/2021</a:t>
             </a:fld>
             <a:endParaRPr lang="fr-FR"/>
           </a:p>
@@ -1680,7 +1680,7 @@
           <a:p>
             <a:fld id="{B0AE2BB1-655E-4F57-ABA8-388245A7D361}" type="datetimeFigureOut">
               <a:rPr lang="fr-FR" smtClean="0"/>
-              <a:t>12/02/2021</a:t>
+              <a:t>14/06/2021</a:t>
             </a:fld>
             <a:endParaRPr lang="fr-FR"/>
           </a:p>
@@ -1945,7 +1945,7 @@
           <a:p>
             <a:fld id="{B0AE2BB1-655E-4F57-ABA8-388245A7D361}" type="datetimeFigureOut">
               <a:rPr lang="fr-FR" smtClean="0"/>
-              <a:t>12/02/2021</a:t>
+              <a:t>14/06/2021</a:t>
             </a:fld>
             <a:endParaRPr lang="fr-FR"/>
           </a:p>
@@ -2357,7 +2357,7 @@
           <a:p>
             <a:fld id="{B0AE2BB1-655E-4F57-ABA8-388245A7D361}" type="datetimeFigureOut">
               <a:rPr lang="fr-FR" smtClean="0"/>
-              <a:t>12/02/2021</a:t>
+              <a:t>14/06/2021</a:t>
             </a:fld>
             <a:endParaRPr lang="fr-FR"/>
           </a:p>
@@ -2498,7 +2498,7 @@
           <a:p>
             <a:fld id="{B0AE2BB1-655E-4F57-ABA8-388245A7D361}" type="datetimeFigureOut">
               <a:rPr lang="fr-FR" smtClean="0"/>
-              <a:t>12/02/2021</a:t>
+              <a:t>14/06/2021</a:t>
             </a:fld>
             <a:endParaRPr lang="fr-FR"/>
           </a:p>
@@ -2611,7 +2611,7 @@
           <a:p>
             <a:fld id="{B0AE2BB1-655E-4F57-ABA8-388245A7D361}" type="datetimeFigureOut">
               <a:rPr lang="fr-FR" smtClean="0"/>
-              <a:t>12/02/2021</a:t>
+              <a:t>14/06/2021</a:t>
             </a:fld>
             <a:endParaRPr lang="fr-FR"/>
           </a:p>
@@ -2922,7 +2922,7 @@
           <a:p>
             <a:fld id="{B0AE2BB1-655E-4F57-ABA8-388245A7D361}" type="datetimeFigureOut">
               <a:rPr lang="fr-FR" smtClean="0"/>
-              <a:t>12/02/2021</a:t>
+              <a:t>14/06/2021</a:t>
             </a:fld>
             <a:endParaRPr lang="fr-FR"/>
           </a:p>
@@ -3210,7 +3210,7 @@
           <a:p>
             <a:fld id="{B0AE2BB1-655E-4F57-ABA8-388245A7D361}" type="datetimeFigureOut">
               <a:rPr lang="fr-FR" smtClean="0"/>
-              <a:t>12/02/2021</a:t>
+              <a:t>14/06/2021</a:t>
             </a:fld>
             <a:endParaRPr lang="fr-FR"/>
           </a:p>
@@ -3451,7 +3451,7 @@
           <a:p>
             <a:fld id="{B0AE2BB1-655E-4F57-ABA8-388245A7D361}" type="datetimeFigureOut">
               <a:rPr lang="fr-FR" smtClean="0"/>
-              <a:t>12/02/2021</a:t>
+              <a:t>14/06/2021</a:t>
             </a:fld>
             <a:endParaRPr lang="fr-FR"/>
           </a:p>
@@ -9497,7 +9497,7 @@
         <p:spPr>
           <a:xfrm>
             <a:off x="1782813" y="1539433"/>
-            <a:ext cx="8634402" cy="2569580"/>
+            <a:ext cx="8634402" cy="3231350"/>
           </a:xfrm>
           <a:prstGeom prst="rect">
             <a:avLst/>
@@ -9550,6 +9550,76 @@
       </p:sp>
       <p:sp>
         <p:nvSpPr>
+          <p:cNvPr id="6" name="Rectangle : coins arrondis 11">
+            <a:extLst>
+              <a:ext uri="{FF2B5EF4-FFF2-40B4-BE49-F238E27FC236}">
+                <a16:creationId xmlns:a16="http://schemas.microsoft.com/office/drawing/2014/main" id="{0B2429E5-D405-40C4-A911-EBF449894B7B}"/>
+              </a:ext>
+            </a:extLst>
+          </p:cNvPr>
+          <p:cNvSpPr/>
+          <p:nvPr/>
+        </p:nvSpPr>
+        <p:spPr>
+          <a:xfrm>
+            <a:off x="1941443" y="2166730"/>
+            <a:ext cx="8309113" cy="2435087"/>
+          </a:xfrm>
+          <a:prstGeom prst="roundRect">
+            <a:avLst>
+              <a:gd name="adj" fmla="val 5129"/>
+            </a:avLst>
+          </a:prstGeom>
+          <a:solidFill>
+            <a:srgbClr val="FDF3ED"/>
+          </a:solidFill>
+          <a:ln w="28575">
+            <a:solidFill>
+              <a:schemeClr val="accent2">
+                <a:lumMod val="50000"/>
+              </a:schemeClr>
+            </a:solidFill>
+          </a:ln>
+        </p:spPr>
+        <p:style>
+          <a:lnRef idx="2">
+            <a:schemeClr val="accent1">
+              <a:shade val="50000"/>
+            </a:schemeClr>
+          </a:lnRef>
+          <a:fillRef idx="1">
+            <a:schemeClr val="accent1"/>
+          </a:fillRef>
+          <a:effectRef idx="0">
+            <a:schemeClr val="accent1"/>
+          </a:effectRef>
+          <a:fontRef idx="minor">
+            <a:schemeClr val="lt1"/>
+          </a:fontRef>
+        </p:style>
+        <p:txBody>
+          <a:bodyPr rtlCol="0" anchor="t"/>
+          <a:lstStyle/>
+          <a:p>
+            <a:pPr algn="ctr"/>
+            <a:r>
+              <a:rPr lang="fr-FR" sz="1200" b="1" dirty="0" smtClean="0">
+                <a:solidFill>
+                  <a:sysClr val="windowText" lastClr="000000"/>
+                </a:solidFill>
+              </a:rPr>
+              <a:t>Apprentissage – Machine Learning</a:t>
+            </a:r>
+            <a:endParaRPr lang="fr-FR" sz="1200" i="1" dirty="0">
+              <a:solidFill>
+                <a:sysClr val="windowText" lastClr="000000"/>
+              </a:solidFill>
+            </a:endParaRPr>
+          </a:p>
+        </p:txBody>
+      </p:sp>
+      <p:sp>
+        <p:nvSpPr>
           <p:cNvPr id="10" name="Rectangle : coins arrondis 9">
             <a:extLst>
               <a:ext uri="{FF2B5EF4-FFF2-40B4-BE49-F238E27FC236}">
@@ -9562,7 +9632,99 @@
         </p:nvSpPr>
         <p:spPr>
           <a:xfrm>
-            <a:off x="7902498" y="2106592"/>
+            <a:off x="7902498" y="2762575"/>
+            <a:ext cx="2157984" cy="1664207"/>
+          </a:xfrm>
+          <a:prstGeom prst="roundRect">
+            <a:avLst>
+              <a:gd name="adj" fmla="val 5129"/>
+            </a:avLst>
+          </a:prstGeom>
+          <a:solidFill>
+            <a:srgbClr val="FDF3ED"/>
+          </a:solidFill>
+          <a:ln w="28575">
+            <a:solidFill>
+              <a:schemeClr val="accent2">
+                <a:lumMod val="50000"/>
+              </a:schemeClr>
+            </a:solidFill>
+          </a:ln>
+        </p:spPr>
+        <p:style>
+          <a:lnRef idx="2">
+            <a:schemeClr val="accent1">
+              <a:shade val="50000"/>
+            </a:schemeClr>
+          </a:lnRef>
+          <a:fillRef idx="1">
+            <a:schemeClr val="accent1"/>
+          </a:fillRef>
+          <a:effectRef idx="0">
+            <a:schemeClr val="accent1"/>
+          </a:effectRef>
+          <a:fontRef idx="minor">
+            <a:schemeClr val="lt1"/>
+          </a:fontRef>
+        </p:style>
+        <p:txBody>
+          <a:bodyPr rtlCol="0" anchor="t"/>
+          <a:lstStyle/>
+          <a:p>
+            <a:pPr algn="ctr"/>
+            <a:r>
+              <a:rPr lang="fr-FR" sz="1200" b="1" dirty="0">
+                <a:solidFill>
+                  <a:sysClr val="windowText" lastClr="000000"/>
+                </a:solidFill>
+              </a:rPr>
+              <a:t>Apprentissage par renforcement</a:t>
+            </a:r>
+          </a:p>
+          <a:p>
+            <a:pPr algn="ctr"/>
+            <a:endParaRPr lang="fr-FR" sz="1200" b="1" dirty="0">
+              <a:solidFill>
+                <a:sysClr val="windowText" lastClr="000000"/>
+              </a:solidFill>
+            </a:endParaRPr>
+          </a:p>
+          <a:p>
+            <a:pPr algn="ctr"/>
+            <a:r>
+              <a:rPr lang="fr-FR" sz="1200" dirty="0">
+                <a:solidFill>
+                  <a:sysClr val="windowText" lastClr="000000"/>
+                </a:solidFill>
+              </a:rPr>
+              <a:t>L’humain connait le lien entre les données. L’algorithme va tenter d’apprendre ce lien et sera récompensé quand il progressera</a:t>
+            </a:r>
+            <a:r>
+              <a:rPr lang="fr-FR" sz="1200" b="1" dirty="0">
+                <a:solidFill>
+                  <a:sysClr val="windowText" lastClr="000000"/>
+                </a:solidFill>
+              </a:rPr>
+              <a:t>.</a:t>
+            </a:r>
+          </a:p>
+        </p:txBody>
+      </p:sp>
+      <p:sp>
+        <p:nvSpPr>
+          <p:cNvPr id="11" name="Rectangle : coins arrondis 10">
+            <a:extLst>
+              <a:ext uri="{FF2B5EF4-FFF2-40B4-BE49-F238E27FC236}">
+                <a16:creationId xmlns:a16="http://schemas.microsoft.com/office/drawing/2014/main" id="{D090B649-945B-45FD-989E-1D4CDBC6B3DA}"/>
+              </a:ext>
+            </a:extLst>
+          </p:cNvPr>
+          <p:cNvSpPr/>
+          <p:nvPr/>
+        </p:nvSpPr>
+        <p:spPr>
+          <a:xfrm>
+            <a:off x="5017008" y="2762575"/>
             <a:ext cx="2157984" cy="1664208"/>
           </a:xfrm>
           <a:prstGeom prst="roundRect">
@@ -9602,98 +9764,6 @@
           <a:lstStyle/>
           <a:p>
             <a:pPr algn="ctr"/>
-            <a:r>
-              <a:rPr lang="fr-FR" sz="1200" b="1" dirty="0">
-                <a:solidFill>
-                  <a:sysClr val="windowText" lastClr="000000"/>
-                </a:solidFill>
-              </a:rPr>
-              <a:t>Apprentissage par renforcement</a:t>
-            </a:r>
-          </a:p>
-          <a:p>
-            <a:pPr algn="ctr"/>
-            <a:endParaRPr lang="fr-FR" sz="1200" b="1" dirty="0">
-              <a:solidFill>
-                <a:sysClr val="windowText" lastClr="000000"/>
-              </a:solidFill>
-            </a:endParaRPr>
-          </a:p>
-          <a:p>
-            <a:pPr algn="ctr"/>
-            <a:r>
-              <a:rPr lang="fr-FR" sz="1200" dirty="0">
-                <a:solidFill>
-                  <a:sysClr val="windowText" lastClr="000000"/>
-                </a:solidFill>
-              </a:rPr>
-              <a:t>L’humain connait le lien entre les données. L’algorithme va tenter d’apprendre ce lien et sera récompensé quand il progressera</a:t>
-            </a:r>
-            <a:r>
-              <a:rPr lang="fr-FR" sz="1200" b="1" dirty="0">
-                <a:solidFill>
-                  <a:sysClr val="windowText" lastClr="000000"/>
-                </a:solidFill>
-              </a:rPr>
-              <a:t>.</a:t>
-            </a:r>
-          </a:p>
-        </p:txBody>
-      </p:sp>
-      <p:sp>
-        <p:nvSpPr>
-          <p:cNvPr id="11" name="Rectangle : coins arrondis 10">
-            <a:extLst>
-              <a:ext uri="{FF2B5EF4-FFF2-40B4-BE49-F238E27FC236}">
-                <a16:creationId xmlns:a16="http://schemas.microsoft.com/office/drawing/2014/main" id="{D090B649-945B-45FD-989E-1D4CDBC6B3DA}"/>
-              </a:ext>
-            </a:extLst>
-          </p:cNvPr>
-          <p:cNvSpPr/>
-          <p:nvPr/>
-        </p:nvSpPr>
-        <p:spPr>
-          <a:xfrm>
-            <a:off x="5017008" y="2106592"/>
-            <a:ext cx="2157984" cy="1664208"/>
-          </a:xfrm>
-          <a:prstGeom prst="roundRect">
-            <a:avLst>
-              <a:gd name="adj" fmla="val 5129"/>
-            </a:avLst>
-          </a:prstGeom>
-          <a:solidFill>
-            <a:srgbClr val="FDF3ED"/>
-          </a:solidFill>
-          <a:ln w="28575">
-            <a:solidFill>
-              <a:schemeClr val="accent2">
-                <a:lumMod val="50000"/>
-              </a:schemeClr>
-            </a:solidFill>
-          </a:ln>
-        </p:spPr>
-        <p:style>
-          <a:lnRef idx="2">
-            <a:schemeClr val="accent1">
-              <a:shade val="50000"/>
-            </a:schemeClr>
-          </a:lnRef>
-          <a:fillRef idx="1">
-            <a:schemeClr val="accent1"/>
-          </a:fillRef>
-          <a:effectRef idx="0">
-            <a:schemeClr val="accent1"/>
-          </a:effectRef>
-          <a:fontRef idx="minor">
-            <a:schemeClr val="lt1"/>
-          </a:fontRef>
-        </p:style>
-        <p:txBody>
-          <a:bodyPr rtlCol="0" anchor="t"/>
-          <a:lstStyle/>
-          <a:p>
-            <a:pPr algn="ctr"/>
             <a:endParaRPr lang="fr-FR" sz="1200" b="1" dirty="0">
               <a:solidFill>
                 <a:sysClr val="windowText" lastClr="000000"/>
@@ -9754,7 +9824,7 @@
         </p:nvSpPr>
         <p:spPr>
           <a:xfrm>
-            <a:off x="2131518" y="2106592"/>
+            <a:off x="2131518" y="2762575"/>
             <a:ext cx="2157984" cy="1664208"/>
           </a:xfrm>
           <a:prstGeom prst="roundRect">

--- a/Cy_00_IA/Chapitre_01_Introduction_IA/images/Figures.pptx
+++ b/Cy_00_IA/Chapitre_01_Introduction_IA/images/Figures.pptx
@@ -5,21 +5,22 @@
     <p:sldMasterId id="2147483648" r:id="rId1"/>
   </p:sldMasterIdLst>
   <p:notesMasterIdLst>
-    <p:notesMasterId r:id="rId14"/>
+    <p:notesMasterId r:id="rId15"/>
   </p:notesMasterIdLst>
   <p:sldIdLst>
-    <p:sldId id="256" r:id="rId2"/>
-    <p:sldId id="258" r:id="rId3"/>
-    <p:sldId id="261" r:id="rId4"/>
-    <p:sldId id="267" r:id="rId5"/>
-    <p:sldId id="263" r:id="rId6"/>
-    <p:sldId id="259" r:id="rId7"/>
-    <p:sldId id="257" r:id="rId8"/>
-    <p:sldId id="260" r:id="rId9"/>
-    <p:sldId id="264" r:id="rId10"/>
-    <p:sldId id="262" r:id="rId11"/>
-    <p:sldId id="265" r:id="rId12"/>
-    <p:sldId id="266" r:id="rId13"/>
+    <p:sldId id="268" r:id="rId2"/>
+    <p:sldId id="256" r:id="rId3"/>
+    <p:sldId id="258" r:id="rId4"/>
+    <p:sldId id="261" r:id="rId5"/>
+    <p:sldId id="267" r:id="rId6"/>
+    <p:sldId id="263" r:id="rId7"/>
+    <p:sldId id="259" r:id="rId8"/>
+    <p:sldId id="257" r:id="rId9"/>
+    <p:sldId id="260" r:id="rId10"/>
+    <p:sldId id="264" r:id="rId11"/>
+    <p:sldId id="262" r:id="rId12"/>
+    <p:sldId id="265" r:id="rId13"/>
+    <p:sldId id="266" r:id="rId14"/>
   </p:sldIdLst>
   <p:sldSz cx="12192000" cy="6858000"/>
   <p:notesSz cx="6858000" cy="9144000"/>
@@ -219,7 +220,7 @@
           <a:p>
             <a:fld id="{396B03FB-B087-4631-8B5B-A1A0D1F293BE}" type="datetimeFigureOut">
               <a:rPr lang="fr-FR" smtClean="0"/>
-              <a:t>14/06/2021</a:t>
+              <a:t>08/07/2021</a:t>
             </a:fld>
             <a:endParaRPr lang="fr-FR"/>
           </a:p>
@@ -551,7 +552,7 @@
           <a:p>
             <a:fld id="{4EC20C63-8102-4D27-80EE-D2352E13264B}" type="slidenum">
               <a:rPr lang="fr-FR" smtClean="0"/>
-              <a:t>4</a:t>
+              <a:t>5</a:t>
             </a:fld>
             <a:endParaRPr lang="fr-FR"/>
           </a:p>
@@ -635,7 +636,7 @@
           <a:p>
             <a:fld id="{4EC20C63-8102-4D27-80EE-D2352E13264B}" type="slidenum">
               <a:rPr lang="fr-FR" smtClean="0"/>
-              <a:t>9</a:t>
+              <a:t>10</a:t>
             </a:fld>
             <a:endParaRPr lang="fr-FR"/>
           </a:p>
@@ -801,7 +802,7 @@
           <a:p>
             <a:fld id="{B0AE2BB1-655E-4F57-ABA8-388245A7D361}" type="datetimeFigureOut">
               <a:rPr lang="fr-FR" smtClean="0"/>
-              <a:t>14/06/2021</a:t>
+              <a:t>08/07/2021</a:t>
             </a:fld>
             <a:endParaRPr lang="fr-FR"/>
           </a:p>
@@ -999,7 +1000,7 @@
           <a:p>
             <a:fld id="{B0AE2BB1-655E-4F57-ABA8-388245A7D361}" type="datetimeFigureOut">
               <a:rPr lang="fr-FR" smtClean="0"/>
-              <a:t>14/06/2021</a:t>
+              <a:t>08/07/2021</a:t>
             </a:fld>
             <a:endParaRPr lang="fr-FR"/>
           </a:p>
@@ -1207,7 +1208,7 @@
           <a:p>
             <a:fld id="{B0AE2BB1-655E-4F57-ABA8-388245A7D361}" type="datetimeFigureOut">
               <a:rPr lang="fr-FR" smtClean="0"/>
-              <a:t>14/06/2021</a:t>
+              <a:t>08/07/2021</a:t>
             </a:fld>
             <a:endParaRPr lang="fr-FR"/>
           </a:p>
@@ -1405,7 +1406,7 @@
           <a:p>
             <a:fld id="{B0AE2BB1-655E-4F57-ABA8-388245A7D361}" type="datetimeFigureOut">
               <a:rPr lang="fr-FR" smtClean="0"/>
-              <a:t>14/06/2021</a:t>
+              <a:t>08/07/2021</a:t>
             </a:fld>
             <a:endParaRPr lang="fr-FR"/>
           </a:p>
@@ -1680,7 +1681,7 @@
           <a:p>
             <a:fld id="{B0AE2BB1-655E-4F57-ABA8-388245A7D361}" type="datetimeFigureOut">
               <a:rPr lang="fr-FR" smtClean="0"/>
-              <a:t>14/06/2021</a:t>
+              <a:t>08/07/2021</a:t>
             </a:fld>
             <a:endParaRPr lang="fr-FR"/>
           </a:p>
@@ -1945,7 +1946,7 @@
           <a:p>
             <a:fld id="{B0AE2BB1-655E-4F57-ABA8-388245A7D361}" type="datetimeFigureOut">
               <a:rPr lang="fr-FR" smtClean="0"/>
-              <a:t>14/06/2021</a:t>
+              <a:t>08/07/2021</a:t>
             </a:fld>
             <a:endParaRPr lang="fr-FR"/>
           </a:p>
@@ -2357,7 +2358,7 @@
           <a:p>
             <a:fld id="{B0AE2BB1-655E-4F57-ABA8-388245A7D361}" type="datetimeFigureOut">
               <a:rPr lang="fr-FR" smtClean="0"/>
-              <a:t>14/06/2021</a:t>
+              <a:t>08/07/2021</a:t>
             </a:fld>
             <a:endParaRPr lang="fr-FR"/>
           </a:p>
@@ -2498,7 +2499,7 @@
           <a:p>
             <a:fld id="{B0AE2BB1-655E-4F57-ABA8-388245A7D361}" type="datetimeFigureOut">
               <a:rPr lang="fr-FR" smtClean="0"/>
-              <a:t>14/06/2021</a:t>
+              <a:t>08/07/2021</a:t>
             </a:fld>
             <a:endParaRPr lang="fr-FR"/>
           </a:p>
@@ -2611,7 +2612,7 @@
           <a:p>
             <a:fld id="{B0AE2BB1-655E-4F57-ABA8-388245A7D361}" type="datetimeFigureOut">
               <a:rPr lang="fr-FR" smtClean="0"/>
-              <a:t>14/06/2021</a:t>
+              <a:t>08/07/2021</a:t>
             </a:fld>
             <a:endParaRPr lang="fr-FR"/>
           </a:p>
@@ -2922,7 +2923,7 @@
           <a:p>
             <a:fld id="{B0AE2BB1-655E-4F57-ABA8-388245A7D361}" type="datetimeFigureOut">
               <a:rPr lang="fr-FR" smtClean="0"/>
-              <a:t>14/06/2021</a:t>
+              <a:t>08/07/2021</a:t>
             </a:fld>
             <a:endParaRPr lang="fr-FR"/>
           </a:p>
@@ -3210,7 +3211,7 @@
           <a:p>
             <a:fld id="{B0AE2BB1-655E-4F57-ABA8-388245A7D361}" type="datetimeFigureOut">
               <a:rPr lang="fr-FR" smtClean="0"/>
-              <a:t>14/06/2021</a:t>
+              <a:t>08/07/2021</a:t>
             </a:fld>
             <a:endParaRPr lang="fr-FR"/>
           </a:p>
@@ -3451,7 +3452,7 @@
           <a:p>
             <a:fld id="{B0AE2BB1-655E-4F57-ABA8-388245A7D361}" type="datetimeFigureOut">
               <a:rPr lang="fr-FR" smtClean="0"/>
-              <a:t>14/06/2021</a:t>
+              <a:t>08/07/2021</a:t>
             </a:fld>
             <a:endParaRPr lang="fr-FR"/>
           </a:p>
@@ -3868,12 +3869,153 @@
           <a:chExt cx="0" cy="0"/>
         </a:xfrm>
       </p:grpSpPr>
+      <p:pic>
+        <p:nvPicPr>
+          <p:cNvPr id="5" name="Image 4">
+            <a:extLst>
+              <a:ext uri="{FF2B5EF4-FFF2-40B4-BE49-F238E27FC236}">
+                <a16:creationId xmlns:a16="http://schemas.microsoft.com/office/drawing/2014/main" id="{547B02AD-AC82-4920-8679-CCBF88F939EF}"/>
+              </a:ext>
+            </a:extLst>
+          </p:cNvPr>
+          <p:cNvPicPr>
+            <a:picLocks noChangeAspect="1"/>
+          </p:cNvPicPr>
+          <p:nvPr/>
+        </p:nvPicPr>
+        <p:blipFill rotWithShape="1">
+          <a:blip r:embed="rId2"/>
+          <a:srcRect t="925"/>
+          <a:stretch/>
+        </p:blipFill>
+        <p:spPr>
+          <a:xfrm>
+            <a:off x="3309937" y="666427"/>
+            <a:ext cx="5572125" cy="5577210"/>
+          </a:xfrm>
+          <a:prstGeom prst="rect">
+            <a:avLst/>
+          </a:prstGeom>
+        </p:spPr>
+      </p:pic>
       <p:sp>
         <p:nvSpPr>
-          <p:cNvPr id="4" name="Titre 3">
+          <p:cNvPr id="6" name="Ellipse 5">
             <a:extLst>
               <a:ext uri="{FF2B5EF4-FFF2-40B4-BE49-F238E27FC236}">
-                <a16:creationId xmlns:a16="http://schemas.microsoft.com/office/drawing/2014/main" id="{8FF712B1-8737-428E-93F3-27669E56E535}"/>
+                <a16:creationId xmlns:a16="http://schemas.microsoft.com/office/drawing/2014/main" id="{A3B88563-3111-475B-8C92-A6A37877ECCA}"/>
+              </a:ext>
+            </a:extLst>
+          </p:cNvPr>
+          <p:cNvSpPr/>
+          <p:nvPr/>
+        </p:nvSpPr>
+        <p:spPr>
+          <a:xfrm>
+            <a:off x="4893699" y="4991316"/>
+            <a:ext cx="399082" cy="399082"/>
+          </a:xfrm>
+          <a:prstGeom prst="ellipse">
+            <a:avLst/>
+          </a:prstGeom>
+          <a:noFill/>
+          <a:ln>
+            <a:solidFill>
+              <a:srgbClr val="C00000"/>
+            </a:solidFill>
+          </a:ln>
+        </p:spPr>
+        <p:style>
+          <a:lnRef idx="2">
+            <a:schemeClr val="accent1">
+              <a:shade val="50000"/>
+            </a:schemeClr>
+          </a:lnRef>
+          <a:fillRef idx="1">
+            <a:schemeClr val="accent1"/>
+          </a:fillRef>
+          <a:effectRef idx="0">
+            <a:schemeClr val="accent1"/>
+          </a:effectRef>
+          <a:fontRef idx="minor">
+            <a:schemeClr val="lt1"/>
+          </a:fontRef>
+        </p:style>
+        <p:txBody>
+          <a:bodyPr rtlCol="0" anchor="ctr"/>
+          <a:lstStyle/>
+          <a:p>
+            <a:pPr algn="ctr"/>
+            <a:endParaRPr lang="fr-FR"/>
+          </a:p>
+        </p:txBody>
+      </p:sp>
+      <p:pic>
+        <p:nvPicPr>
+          <p:cNvPr id="8" name="Image 7">
+            <a:extLst>
+              <a:ext uri="{FF2B5EF4-FFF2-40B4-BE49-F238E27FC236}">
+                <a16:creationId xmlns:a16="http://schemas.microsoft.com/office/drawing/2014/main" id="{98A17C55-4BF1-40A2-A8AC-8D59CC7D686E}"/>
+              </a:ext>
+            </a:extLst>
+          </p:cNvPr>
+          <p:cNvPicPr>
+            <a:picLocks noChangeAspect="1"/>
+          </p:cNvPicPr>
+          <p:nvPr/>
+        </p:nvPicPr>
+        <p:blipFill>
+          <a:blip r:embed="rId3"/>
+          <a:stretch>
+            <a:fillRect/>
+          </a:stretch>
+        </p:blipFill>
+        <p:spPr>
+          <a:xfrm>
+            <a:off x="3740096" y="736816"/>
+            <a:ext cx="793480" cy="634784"/>
+          </a:xfrm>
+          <a:prstGeom prst="rect">
+            <a:avLst/>
+          </a:prstGeom>
+        </p:spPr>
+      </p:pic>
+    </p:spTree>
+    <p:extLst>
+      <p:ext uri="{BB962C8B-B14F-4D97-AF65-F5344CB8AC3E}">
+        <p14:creationId xmlns:p14="http://schemas.microsoft.com/office/powerpoint/2010/main" val="1472853568"/>
+      </p:ext>
+    </p:extLst>
+  </p:cSld>
+  <p:clrMapOvr>
+    <a:masterClrMapping/>
+  </p:clrMapOvr>
+</p:sld>
+</file>
+
+<file path=ppt/slides/slide10.xml><?xml version="1.0" encoding="utf-8"?>
+<p:sld xmlns:a="http://schemas.openxmlformats.org/drawingml/2006/main" xmlns:r="http://schemas.openxmlformats.org/officeDocument/2006/relationships" xmlns:p="http://schemas.openxmlformats.org/presentationml/2006/main">
+  <p:cSld>
+    <p:spTree>
+      <p:nvGrpSpPr>
+        <p:cNvPr id="1" name=""/>
+        <p:cNvGrpSpPr/>
+        <p:nvPr/>
+      </p:nvGrpSpPr>
+      <p:grpSpPr>
+        <a:xfrm>
+          <a:off x="0" y="0"/>
+          <a:ext cx="0" cy="0"/>
+          <a:chOff x="0" y="0"/>
+          <a:chExt cx="0" cy="0"/>
+        </a:xfrm>
+      </p:grpSpPr>
+      <p:sp>
+        <p:nvSpPr>
+          <p:cNvPr id="2" name="Titre 1">
+            <a:extLst>
+              <a:ext uri="{FF2B5EF4-FFF2-40B4-BE49-F238E27FC236}">
+                <a16:creationId xmlns:a16="http://schemas.microsoft.com/office/drawing/2014/main" id="{9E3CB60B-07C0-4B60-9769-1F041E53DDC6}"/>
               </a:ext>
             </a:extLst>
           </p:cNvPr>
@@ -3884,28 +4026,29 @@
             <p:ph type="title"/>
           </p:nvPr>
         </p:nvSpPr>
-        <p:spPr/>
+        <p:spPr>
+          <a:xfrm>
+            <a:off x="1622357" y="-264267"/>
+            <a:ext cx="10515600" cy="1325563"/>
+          </a:xfrm>
+        </p:spPr>
         <p:txBody>
           <a:bodyPr/>
           <a:lstStyle/>
           <a:p>
             <a:r>
               <a:rPr lang="fr-FR" dirty="0"/>
-              <a:t>Mécanisme d’IA</a:t>
+              <a:t>Apprentissage non supervisé</a:t>
             </a:r>
-            <a:br>
-              <a:rPr lang="fr-FR" dirty="0"/>
-            </a:br>
-            <a:endParaRPr lang="fr-FR" dirty="0"/>
           </a:p>
         </p:txBody>
       </p:sp>
       <p:sp>
         <p:nvSpPr>
-          <p:cNvPr id="6" name="Rectangle 5">
+          <p:cNvPr id="133" name="Rectangle 132">
             <a:extLst>
               <a:ext uri="{FF2B5EF4-FFF2-40B4-BE49-F238E27FC236}">
-                <a16:creationId xmlns:a16="http://schemas.microsoft.com/office/drawing/2014/main" id="{2BBC1617-C813-4602-8ABC-1F55D8512D5F}"/>
+                <a16:creationId xmlns:a16="http://schemas.microsoft.com/office/drawing/2014/main" id="{D966BE03-919F-424D-8E22-98C9BA390E3F}"/>
               </a:ext>
             </a:extLst>
           </p:cNvPr>
@@ -3914,8 +4057,8 @@
         </p:nvSpPr>
         <p:spPr>
           <a:xfrm>
-            <a:off x="1041990" y="1977656"/>
-            <a:ext cx="1456661" cy="1451344"/>
+            <a:off x="906453" y="1447959"/>
+            <a:ext cx="2437191" cy="2794853"/>
           </a:xfrm>
           <a:prstGeom prst="rect">
             <a:avLst/>
@@ -3926,9 +4069,11 @@
               <a:lumOff val="80000"/>
             </a:schemeClr>
           </a:solidFill>
-          <a:ln w="28575">
+          <a:ln w="19050">
             <a:solidFill>
-              <a:srgbClr val="00B050"/>
+              <a:schemeClr val="accent6">
+                <a:lumMod val="75000"/>
+              </a:schemeClr>
             </a:solidFill>
           </a:ln>
         </p:spPr>
@@ -3949,12 +4094,12 @@
           </a:fontRef>
         </p:style>
         <p:txBody>
-          <a:bodyPr rtlCol="0" anchor="ctr"/>
+          <a:bodyPr rtlCol="0" anchor="t"/>
           <a:lstStyle/>
           <a:p>
             <a:pPr algn="ctr"/>
             <a:r>
-              <a:rPr lang="fr-FR" dirty="0">
+              <a:rPr lang="fr-FR" sz="1600" b="1" dirty="0">
                 <a:solidFill>
                   <a:sysClr val="windowText" lastClr="000000"/>
                 </a:solidFill>
@@ -3966,10 +4111,10 @@
       </p:sp>
       <p:sp>
         <p:nvSpPr>
-          <p:cNvPr id="7" name="Rectangle 6">
+          <p:cNvPr id="77" name="Rectangle 76">
             <a:extLst>
               <a:ext uri="{FF2B5EF4-FFF2-40B4-BE49-F238E27FC236}">
-                <a16:creationId xmlns:a16="http://schemas.microsoft.com/office/drawing/2014/main" id="{3F0F66DC-6284-4570-AA38-6B1EE1E61054}"/>
+                <a16:creationId xmlns:a16="http://schemas.microsoft.com/office/drawing/2014/main" id="{4F3A3A77-94F7-4A99-99F9-1B38337FF1C2}"/>
               </a:ext>
             </a:extLst>
           </p:cNvPr>
@@ -3978,8 +4123,637 @@
         </p:nvSpPr>
         <p:spPr>
           <a:xfrm>
-            <a:off x="3937590" y="1977656"/>
-            <a:ext cx="1456661" cy="1451344"/>
+            <a:off x="1138128" y="1963658"/>
+            <a:ext cx="1958434" cy="2026314"/>
+          </a:xfrm>
+          <a:prstGeom prst="rect">
+            <a:avLst/>
+          </a:prstGeom>
+          <a:solidFill>
+            <a:schemeClr val="accent6">
+              <a:lumMod val="20000"/>
+              <a:lumOff val="80000"/>
+            </a:schemeClr>
+          </a:solidFill>
+          <a:ln w="19050">
+            <a:solidFill>
+              <a:schemeClr val="accent6">
+                <a:lumMod val="75000"/>
+              </a:schemeClr>
+            </a:solidFill>
+          </a:ln>
+        </p:spPr>
+        <p:style>
+          <a:lnRef idx="2">
+            <a:schemeClr val="accent1">
+              <a:shade val="50000"/>
+            </a:schemeClr>
+          </a:lnRef>
+          <a:fillRef idx="1">
+            <a:schemeClr val="accent1"/>
+          </a:fillRef>
+          <a:effectRef idx="0">
+            <a:schemeClr val="accent1"/>
+          </a:effectRef>
+          <a:fontRef idx="minor">
+            <a:schemeClr val="lt1"/>
+          </a:fontRef>
+        </p:style>
+        <p:txBody>
+          <a:bodyPr rtlCol="0" anchor="t"/>
+          <a:lstStyle/>
+          <a:p>
+            <a:pPr algn="ctr"/>
+            <a:r>
+              <a:rPr lang="fr-FR" sz="1200" dirty="0">
+                <a:solidFill>
+                  <a:sysClr val="windowText" lastClr="000000"/>
+                </a:solidFill>
+              </a:rPr>
+              <a:t>Données </a:t>
+            </a:r>
+          </a:p>
+          <a:p>
+            <a:pPr algn="ctr"/>
+            <a:r>
+              <a:rPr lang="fr-FR" sz="1200" dirty="0">
+                <a:solidFill>
+                  <a:sysClr val="windowText" lastClr="000000"/>
+                </a:solidFill>
+              </a:rPr>
+              <a:t>(pour l’apprentissage)</a:t>
+            </a:r>
+          </a:p>
+        </p:txBody>
+      </p:sp>
+      <p:grpSp>
+        <p:nvGrpSpPr>
+          <p:cNvPr id="207" name="Groupe 206">
+            <a:extLst>
+              <a:ext uri="{FF2B5EF4-FFF2-40B4-BE49-F238E27FC236}">
+                <a16:creationId xmlns:a16="http://schemas.microsoft.com/office/drawing/2014/main" id="{643B711E-FC7B-4407-91ED-474AB047F39B}"/>
+              </a:ext>
+            </a:extLst>
+          </p:cNvPr>
+          <p:cNvGrpSpPr/>
+          <p:nvPr/>
+        </p:nvGrpSpPr>
+        <p:grpSpPr>
+          <a:xfrm>
+            <a:off x="1372516" y="2610728"/>
+            <a:ext cx="1456575" cy="1211562"/>
+            <a:chOff x="691117" y="2124915"/>
+            <a:chExt cx="1456575" cy="1211562"/>
+          </a:xfrm>
+        </p:grpSpPr>
+        <p:sp>
+          <p:nvSpPr>
+            <p:cNvPr id="4" name="Rectangle 3">
+              <a:extLst>
+                <a:ext uri="{FF2B5EF4-FFF2-40B4-BE49-F238E27FC236}">
+                  <a16:creationId xmlns:a16="http://schemas.microsoft.com/office/drawing/2014/main" id="{31D671A0-7941-42F0-B296-FD8E2DC10018}"/>
+                </a:ext>
+              </a:extLst>
+            </p:cNvPr>
+            <p:cNvSpPr/>
+            <p:nvPr/>
+          </p:nvSpPr>
+          <p:spPr>
+            <a:xfrm>
+              <a:off x="691117" y="2131088"/>
+              <a:ext cx="288000" cy="288000"/>
+            </a:xfrm>
+            <a:prstGeom prst="rect">
+              <a:avLst/>
+            </a:prstGeom>
+            <a:solidFill>
+              <a:schemeClr val="accent4">
+                <a:lumMod val="20000"/>
+                <a:lumOff val="80000"/>
+              </a:schemeClr>
+            </a:solidFill>
+            <a:ln w="28575">
+              <a:solidFill>
+                <a:schemeClr val="accent4">
+                  <a:lumMod val="50000"/>
+                </a:schemeClr>
+              </a:solidFill>
+            </a:ln>
+          </p:spPr>
+          <p:style>
+            <a:lnRef idx="2">
+              <a:schemeClr val="accent1">
+                <a:shade val="50000"/>
+              </a:schemeClr>
+            </a:lnRef>
+            <a:fillRef idx="1">
+              <a:schemeClr val="accent1"/>
+            </a:fillRef>
+            <a:effectRef idx="0">
+              <a:schemeClr val="accent1"/>
+            </a:effectRef>
+            <a:fontRef idx="minor">
+              <a:schemeClr val="lt1"/>
+            </a:fontRef>
+          </p:style>
+          <p:txBody>
+            <a:bodyPr rtlCol="0" anchor="ctr"/>
+            <a:lstStyle/>
+            <a:p>
+              <a:pPr algn="ctr"/>
+              <a:endParaRPr lang="fr-FR"/>
+            </a:p>
+          </p:txBody>
+        </p:sp>
+        <p:sp>
+          <p:nvSpPr>
+            <p:cNvPr id="5" name="Triangle isocèle 4">
+              <a:extLst>
+                <a:ext uri="{FF2B5EF4-FFF2-40B4-BE49-F238E27FC236}">
+                  <a16:creationId xmlns:a16="http://schemas.microsoft.com/office/drawing/2014/main" id="{EFB3B4A1-3673-4CAF-A61F-BDAB8433C815}"/>
+                </a:ext>
+              </a:extLst>
+            </p:cNvPr>
+            <p:cNvSpPr/>
+            <p:nvPr/>
+          </p:nvSpPr>
+          <p:spPr>
+            <a:xfrm>
+              <a:off x="1263068" y="2135043"/>
+              <a:ext cx="324000" cy="288000"/>
+            </a:xfrm>
+            <a:prstGeom prst="triangle">
+              <a:avLst/>
+            </a:prstGeom>
+            <a:solidFill>
+              <a:schemeClr val="accent2">
+                <a:lumMod val="20000"/>
+                <a:lumOff val="80000"/>
+              </a:schemeClr>
+            </a:solidFill>
+            <a:ln w="28575">
+              <a:solidFill>
+                <a:schemeClr val="accent2">
+                  <a:lumMod val="50000"/>
+                </a:schemeClr>
+              </a:solidFill>
+            </a:ln>
+          </p:spPr>
+          <p:style>
+            <a:lnRef idx="2">
+              <a:schemeClr val="accent1">
+                <a:shade val="50000"/>
+              </a:schemeClr>
+            </a:lnRef>
+            <a:fillRef idx="1">
+              <a:schemeClr val="accent1"/>
+            </a:fillRef>
+            <a:effectRef idx="0">
+              <a:schemeClr val="accent1"/>
+            </a:effectRef>
+            <a:fontRef idx="minor">
+              <a:schemeClr val="lt1"/>
+            </a:fontRef>
+          </p:style>
+          <p:txBody>
+            <a:bodyPr rtlCol="0" anchor="ctr"/>
+            <a:lstStyle/>
+            <a:p>
+              <a:pPr algn="ctr"/>
+              <a:endParaRPr lang="fr-FR"/>
+            </a:p>
+          </p:txBody>
+        </p:sp>
+        <p:sp>
+          <p:nvSpPr>
+            <p:cNvPr id="6" name="Pentagone 5">
+              <a:extLst>
+                <a:ext uri="{FF2B5EF4-FFF2-40B4-BE49-F238E27FC236}">
+                  <a16:creationId xmlns:a16="http://schemas.microsoft.com/office/drawing/2014/main" id="{9113319B-B48F-48E1-A6CB-DF46422ECC0A}"/>
+                </a:ext>
+              </a:extLst>
+            </p:cNvPr>
+            <p:cNvSpPr/>
+            <p:nvPr/>
+          </p:nvSpPr>
+          <p:spPr>
+            <a:xfrm>
+              <a:off x="1859692" y="2124915"/>
+              <a:ext cx="288000" cy="288000"/>
+            </a:xfrm>
+            <a:prstGeom prst="pentagon">
+              <a:avLst/>
+            </a:prstGeom>
+            <a:solidFill>
+              <a:schemeClr val="accent5">
+                <a:lumMod val="20000"/>
+                <a:lumOff val="80000"/>
+              </a:schemeClr>
+            </a:solidFill>
+            <a:ln w="28575">
+              <a:solidFill>
+                <a:schemeClr val="accent5">
+                  <a:lumMod val="50000"/>
+                </a:schemeClr>
+              </a:solidFill>
+            </a:ln>
+          </p:spPr>
+          <p:style>
+            <a:lnRef idx="2">
+              <a:schemeClr val="accent1">
+                <a:shade val="50000"/>
+              </a:schemeClr>
+            </a:lnRef>
+            <a:fillRef idx="1">
+              <a:schemeClr val="accent1"/>
+            </a:fillRef>
+            <a:effectRef idx="0">
+              <a:schemeClr val="accent1"/>
+            </a:effectRef>
+            <a:fontRef idx="minor">
+              <a:schemeClr val="lt1"/>
+            </a:fontRef>
+          </p:style>
+          <p:txBody>
+            <a:bodyPr rtlCol="0" anchor="ctr"/>
+            <a:lstStyle/>
+            <a:p>
+              <a:pPr algn="ctr"/>
+              <a:endParaRPr lang="fr-FR"/>
+            </a:p>
+          </p:txBody>
+        </p:sp>
+        <p:sp>
+          <p:nvSpPr>
+            <p:cNvPr id="42" name="Rectangle 41">
+              <a:extLst>
+                <a:ext uri="{FF2B5EF4-FFF2-40B4-BE49-F238E27FC236}">
+                  <a16:creationId xmlns:a16="http://schemas.microsoft.com/office/drawing/2014/main" id="{6995E2FE-42AF-493E-89DD-CBE0C8EE9975}"/>
+                </a:ext>
+              </a:extLst>
+            </p:cNvPr>
+            <p:cNvSpPr/>
+            <p:nvPr/>
+          </p:nvSpPr>
+          <p:spPr>
+            <a:xfrm>
+              <a:off x="754367" y="2702985"/>
+              <a:ext cx="171286" cy="171286"/>
+            </a:xfrm>
+            <a:prstGeom prst="rect">
+              <a:avLst/>
+            </a:prstGeom>
+            <a:solidFill>
+              <a:schemeClr val="accent4">
+                <a:lumMod val="20000"/>
+                <a:lumOff val="80000"/>
+              </a:schemeClr>
+            </a:solidFill>
+            <a:ln w="28575">
+              <a:solidFill>
+                <a:schemeClr val="accent4">
+                  <a:lumMod val="50000"/>
+                </a:schemeClr>
+              </a:solidFill>
+            </a:ln>
+          </p:spPr>
+          <p:style>
+            <a:lnRef idx="2">
+              <a:schemeClr val="accent1">
+                <a:shade val="50000"/>
+              </a:schemeClr>
+            </a:lnRef>
+            <a:fillRef idx="1">
+              <a:schemeClr val="accent1"/>
+            </a:fillRef>
+            <a:effectRef idx="0">
+              <a:schemeClr val="accent1"/>
+            </a:effectRef>
+            <a:fontRef idx="minor">
+              <a:schemeClr val="lt1"/>
+            </a:fontRef>
+          </p:style>
+          <p:txBody>
+            <a:bodyPr rtlCol="0" anchor="ctr"/>
+            <a:lstStyle/>
+            <a:p>
+              <a:pPr algn="ctr"/>
+              <a:endParaRPr lang="fr-FR"/>
+            </a:p>
+          </p:txBody>
+        </p:sp>
+        <p:sp>
+          <p:nvSpPr>
+            <p:cNvPr id="48" name="Triangle isocèle 47">
+              <a:extLst>
+                <a:ext uri="{FF2B5EF4-FFF2-40B4-BE49-F238E27FC236}">
+                  <a16:creationId xmlns:a16="http://schemas.microsoft.com/office/drawing/2014/main" id="{B661DAE1-0961-404C-ACEE-1627048ABAAF}"/>
+                </a:ext>
+              </a:extLst>
+            </p:cNvPr>
+            <p:cNvSpPr/>
+            <p:nvPr/>
+          </p:nvSpPr>
+          <p:spPr>
+            <a:xfrm>
+              <a:off x="1344949" y="2680195"/>
+              <a:ext cx="218336" cy="194076"/>
+            </a:xfrm>
+            <a:prstGeom prst="triangle">
+              <a:avLst/>
+            </a:prstGeom>
+            <a:solidFill>
+              <a:schemeClr val="accent2">
+                <a:lumMod val="20000"/>
+                <a:lumOff val="80000"/>
+              </a:schemeClr>
+            </a:solidFill>
+            <a:ln w="28575">
+              <a:solidFill>
+                <a:schemeClr val="accent2">
+                  <a:lumMod val="50000"/>
+                </a:schemeClr>
+              </a:solidFill>
+            </a:ln>
+          </p:spPr>
+          <p:style>
+            <a:lnRef idx="2">
+              <a:schemeClr val="accent1">
+                <a:shade val="50000"/>
+              </a:schemeClr>
+            </a:lnRef>
+            <a:fillRef idx="1">
+              <a:schemeClr val="accent1"/>
+            </a:fillRef>
+            <a:effectRef idx="0">
+              <a:schemeClr val="accent1"/>
+            </a:effectRef>
+            <a:fontRef idx="minor">
+              <a:schemeClr val="lt1"/>
+            </a:fontRef>
+          </p:style>
+          <p:txBody>
+            <a:bodyPr rtlCol="0" anchor="ctr"/>
+            <a:lstStyle/>
+            <a:p>
+              <a:pPr algn="ctr"/>
+              <a:endParaRPr lang="fr-FR"/>
+            </a:p>
+          </p:txBody>
+        </p:sp>
+        <p:sp>
+          <p:nvSpPr>
+            <p:cNvPr id="54" name="Pentagone 53">
+              <a:extLst>
+                <a:ext uri="{FF2B5EF4-FFF2-40B4-BE49-F238E27FC236}">
+                  <a16:creationId xmlns:a16="http://schemas.microsoft.com/office/drawing/2014/main" id="{42FD8E12-8D8A-4826-A627-A0DF159EB03A}"/>
+                </a:ext>
+              </a:extLst>
+            </p:cNvPr>
+            <p:cNvSpPr/>
+            <p:nvPr/>
+          </p:nvSpPr>
+          <p:spPr>
+            <a:xfrm>
+              <a:off x="1931794" y="2700915"/>
+              <a:ext cx="173356" cy="173356"/>
+            </a:xfrm>
+            <a:prstGeom prst="pentagon">
+              <a:avLst/>
+            </a:prstGeom>
+            <a:solidFill>
+              <a:schemeClr val="accent5">
+                <a:lumMod val="20000"/>
+                <a:lumOff val="80000"/>
+              </a:schemeClr>
+            </a:solidFill>
+            <a:ln w="28575">
+              <a:solidFill>
+                <a:schemeClr val="accent5">
+                  <a:lumMod val="50000"/>
+                </a:schemeClr>
+              </a:solidFill>
+            </a:ln>
+          </p:spPr>
+          <p:style>
+            <a:lnRef idx="2">
+              <a:schemeClr val="accent1">
+                <a:shade val="50000"/>
+              </a:schemeClr>
+            </a:lnRef>
+            <a:fillRef idx="1">
+              <a:schemeClr val="accent1"/>
+            </a:fillRef>
+            <a:effectRef idx="0">
+              <a:schemeClr val="accent1"/>
+            </a:effectRef>
+            <a:fontRef idx="minor">
+              <a:schemeClr val="lt1"/>
+            </a:fontRef>
+          </p:style>
+          <p:txBody>
+            <a:bodyPr rtlCol="0" anchor="ctr"/>
+            <a:lstStyle/>
+            <a:p>
+              <a:pPr algn="ctr"/>
+              <a:endParaRPr lang="fr-FR"/>
+            </a:p>
+          </p:txBody>
+        </p:sp>
+        <p:sp>
+          <p:nvSpPr>
+            <p:cNvPr id="61" name="Rectangle 60">
+              <a:extLst>
+                <a:ext uri="{FF2B5EF4-FFF2-40B4-BE49-F238E27FC236}">
+                  <a16:creationId xmlns:a16="http://schemas.microsoft.com/office/drawing/2014/main" id="{048C03F7-0259-4890-B276-9070E87C5E37}"/>
+                </a:ext>
+              </a:extLst>
+            </p:cNvPr>
+            <p:cNvSpPr/>
+            <p:nvPr/>
+          </p:nvSpPr>
+          <p:spPr>
+            <a:xfrm rot="2700000">
+              <a:off x="746534" y="3165191"/>
+              <a:ext cx="171286" cy="171286"/>
+            </a:xfrm>
+            <a:prstGeom prst="rect">
+              <a:avLst/>
+            </a:prstGeom>
+            <a:solidFill>
+              <a:schemeClr val="accent4">
+                <a:lumMod val="20000"/>
+                <a:lumOff val="80000"/>
+              </a:schemeClr>
+            </a:solidFill>
+            <a:ln w="28575">
+              <a:solidFill>
+                <a:schemeClr val="accent4">
+                  <a:lumMod val="50000"/>
+                </a:schemeClr>
+              </a:solidFill>
+            </a:ln>
+          </p:spPr>
+          <p:style>
+            <a:lnRef idx="2">
+              <a:schemeClr val="accent1">
+                <a:shade val="50000"/>
+              </a:schemeClr>
+            </a:lnRef>
+            <a:fillRef idx="1">
+              <a:schemeClr val="accent1"/>
+            </a:fillRef>
+            <a:effectRef idx="0">
+              <a:schemeClr val="accent1"/>
+            </a:effectRef>
+            <a:fontRef idx="minor">
+              <a:schemeClr val="lt1"/>
+            </a:fontRef>
+          </p:style>
+          <p:txBody>
+            <a:bodyPr rtlCol="0" anchor="ctr"/>
+            <a:lstStyle/>
+            <a:p>
+              <a:pPr algn="ctr"/>
+              <a:endParaRPr lang="fr-FR" dirty="0"/>
+            </a:p>
+          </p:txBody>
+        </p:sp>
+        <p:sp>
+          <p:nvSpPr>
+            <p:cNvPr id="67" name="Triangle isocèle 66">
+              <a:extLst>
+                <a:ext uri="{FF2B5EF4-FFF2-40B4-BE49-F238E27FC236}">
+                  <a16:creationId xmlns:a16="http://schemas.microsoft.com/office/drawing/2014/main" id="{8CA77BF3-53A7-4565-9C66-9B77E0D990FB}"/>
+                </a:ext>
+              </a:extLst>
+            </p:cNvPr>
+            <p:cNvSpPr/>
+            <p:nvPr/>
+          </p:nvSpPr>
+          <p:spPr>
+            <a:xfrm rot="2700000">
+              <a:off x="1328010" y="3121382"/>
+              <a:ext cx="218336" cy="194076"/>
+            </a:xfrm>
+            <a:prstGeom prst="triangle">
+              <a:avLst/>
+            </a:prstGeom>
+            <a:solidFill>
+              <a:schemeClr val="accent2">
+                <a:lumMod val="20000"/>
+                <a:lumOff val="80000"/>
+              </a:schemeClr>
+            </a:solidFill>
+            <a:ln w="28575">
+              <a:solidFill>
+                <a:schemeClr val="accent2">
+                  <a:lumMod val="50000"/>
+                </a:schemeClr>
+              </a:solidFill>
+            </a:ln>
+          </p:spPr>
+          <p:style>
+            <a:lnRef idx="2">
+              <a:schemeClr val="accent1">
+                <a:shade val="50000"/>
+              </a:schemeClr>
+            </a:lnRef>
+            <a:fillRef idx="1">
+              <a:schemeClr val="accent1"/>
+            </a:fillRef>
+            <a:effectRef idx="0">
+              <a:schemeClr val="accent1"/>
+            </a:effectRef>
+            <a:fontRef idx="minor">
+              <a:schemeClr val="lt1"/>
+            </a:fontRef>
+          </p:style>
+          <p:txBody>
+            <a:bodyPr rtlCol="0" anchor="ctr"/>
+            <a:lstStyle/>
+            <a:p>
+              <a:pPr algn="ctr"/>
+              <a:endParaRPr lang="fr-FR" dirty="0"/>
+            </a:p>
+          </p:txBody>
+        </p:sp>
+        <p:sp>
+          <p:nvSpPr>
+            <p:cNvPr id="73" name="Pentagone 72">
+              <a:extLst>
+                <a:ext uri="{FF2B5EF4-FFF2-40B4-BE49-F238E27FC236}">
+                  <a16:creationId xmlns:a16="http://schemas.microsoft.com/office/drawing/2014/main" id="{9768B5D7-F5F9-435B-8099-4F1108AE2945}"/>
+                </a:ext>
+              </a:extLst>
+            </p:cNvPr>
+            <p:cNvSpPr/>
+            <p:nvPr/>
+          </p:nvSpPr>
+          <p:spPr>
+            <a:xfrm rot="19800000">
+              <a:off x="1921061" y="3146835"/>
+              <a:ext cx="173356" cy="173356"/>
+            </a:xfrm>
+            <a:prstGeom prst="pentagon">
+              <a:avLst/>
+            </a:prstGeom>
+            <a:solidFill>
+              <a:schemeClr val="accent5">
+                <a:lumMod val="20000"/>
+                <a:lumOff val="80000"/>
+              </a:schemeClr>
+            </a:solidFill>
+            <a:ln w="28575">
+              <a:solidFill>
+                <a:schemeClr val="accent5">
+                  <a:lumMod val="50000"/>
+                </a:schemeClr>
+              </a:solidFill>
+            </a:ln>
+          </p:spPr>
+          <p:style>
+            <a:lnRef idx="2">
+              <a:schemeClr val="accent1">
+                <a:shade val="50000"/>
+              </a:schemeClr>
+            </a:lnRef>
+            <a:fillRef idx="1">
+              <a:schemeClr val="accent1"/>
+            </a:fillRef>
+            <a:effectRef idx="0">
+              <a:schemeClr val="accent1"/>
+            </a:effectRef>
+            <a:fontRef idx="minor">
+              <a:schemeClr val="lt1"/>
+            </a:fontRef>
+          </p:style>
+          <p:txBody>
+            <a:bodyPr rtlCol="0" anchor="ctr"/>
+            <a:lstStyle/>
+            <a:p>
+              <a:pPr algn="ctr"/>
+              <a:endParaRPr lang="fr-FR" dirty="0"/>
+            </a:p>
+          </p:txBody>
+        </p:sp>
+      </p:grpSp>
+      <p:sp>
+        <p:nvSpPr>
+          <p:cNvPr id="135" name="Rectangle 134">
+            <a:extLst>
+              <a:ext uri="{FF2B5EF4-FFF2-40B4-BE49-F238E27FC236}">
+                <a16:creationId xmlns:a16="http://schemas.microsoft.com/office/drawing/2014/main" id="{7F06C4D1-75D8-4A9A-BAB3-3DBAC3F58103}"/>
+              </a:ext>
+            </a:extLst>
+          </p:cNvPr>
+          <p:cNvSpPr/>
+          <p:nvPr/>
+        </p:nvSpPr>
+        <p:spPr>
+          <a:xfrm>
+            <a:off x="4859477" y="1447959"/>
+            <a:ext cx="2665144" cy="2861966"/>
           </a:xfrm>
           <a:prstGeom prst="rect">
             <a:avLst/>
@@ -3990,7 +4764,7 @@
               <a:lumOff val="80000"/>
             </a:schemeClr>
           </a:solidFill>
-          <a:ln w="28575">
+          <a:ln w="19050">
             <a:solidFill>
               <a:schemeClr val="accent2">
                 <a:lumMod val="50000"/>
@@ -4015,27 +4789,27 @@
           </a:fontRef>
         </p:style>
         <p:txBody>
-          <a:bodyPr rtlCol="0" anchor="ctr"/>
+          <a:bodyPr rtlCol="0" anchor="t"/>
           <a:lstStyle/>
           <a:p>
             <a:pPr algn="ctr"/>
             <a:r>
-              <a:rPr lang="fr-FR" dirty="0">
+              <a:rPr lang="fr-FR" sz="1600" b="1" dirty="0">
                 <a:solidFill>
                   <a:sysClr val="windowText" lastClr="000000"/>
                 </a:solidFill>
               </a:rPr>
-              <a:t>Un truc</a:t>
+              <a:t>Modèle</a:t>
             </a:r>
           </a:p>
         </p:txBody>
       </p:sp>
       <p:sp>
         <p:nvSpPr>
-          <p:cNvPr id="8" name="Rectangle 7">
+          <p:cNvPr id="136" name="Rectangle 135">
             <a:extLst>
               <a:ext uri="{FF2B5EF4-FFF2-40B4-BE49-F238E27FC236}">
-                <a16:creationId xmlns:a16="http://schemas.microsoft.com/office/drawing/2014/main" id="{E26924C5-46D6-4BEC-A919-810F5E75F12A}"/>
+                <a16:creationId xmlns:a16="http://schemas.microsoft.com/office/drawing/2014/main" id="{1830058D-03EC-4D37-BAB6-7E3139C2E7A7}"/>
               </a:ext>
             </a:extLst>
           </p:cNvPr>
@@ -4044,8 +4818,8 @@
         </p:nvSpPr>
         <p:spPr>
           <a:xfrm>
-            <a:off x="6833190" y="1977656"/>
-            <a:ext cx="1456661" cy="1451344"/>
+            <a:off x="8939917" y="1447959"/>
+            <a:ext cx="2844470" cy="2861966"/>
           </a:xfrm>
           <a:prstGeom prst="rect">
             <a:avLst/>
@@ -4056,10 +4830,10 @@
               <a:lumOff val="80000"/>
             </a:schemeClr>
           </a:solidFill>
-          <a:ln w="28575">
+          <a:ln w="19050">
             <a:solidFill>
               <a:schemeClr val="accent5">
-                <a:lumMod val="75000"/>
+                <a:lumMod val="50000"/>
               </a:schemeClr>
             </a:solidFill>
           </a:ln>
@@ -4081,25 +4855,1412 @@
           </a:fontRef>
         </p:style>
         <p:txBody>
-          <a:bodyPr rtlCol="0" anchor="ctr"/>
+          <a:bodyPr rtlCol="0" anchor="t"/>
           <a:lstStyle/>
           <a:p>
             <a:pPr algn="ctr"/>
             <a:r>
-              <a:rPr lang="fr-FR" dirty="0">
+              <a:rPr lang="fr-FR" sz="1600" b="1" dirty="0">
                 <a:solidFill>
                   <a:sysClr val="windowText" lastClr="000000"/>
                 </a:solidFill>
               </a:rPr>
-              <a:t>Résultat</a:t>
+              <a:t>Résultats</a:t>
             </a:r>
           </a:p>
         </p:txBody>
       </p:sp>
+      <p:sp>
+        <p:nvSpPr>
+          <p:cNvPr id="137" name="Rectangle 136">
+            <a:extLst>
+              <a:ext uri="{FF2B5EF4-FFF2-40B4-BE49-F238E27FC236}">
+                <a16:creationId xmlns:a16="http://schemas.microsoft.com/office/drawing/2014/main" id="{45348341-DB92-49DF-853F-A85F4492B107}"/>
+              </a:ext>
+            </a:extLst>
+          </p:cNvPr>
+          <p:cNvSpPr/>
+          <p:nvPr/>
+        </p:nvSpPr>
+        <p:spPr>
+          <a:xfrm>
+            <a:off x="5451693" y="2234011"/>
+            <a:ext cx="1325525" cy="601032"/>
+          </a:xfrm>
+          <a:prstGeom prst="rect">
+            <a:avLst/>
+          </a:prstGeom>
+          <a:noFill/>
+          <a:ln w="28575">
+            <a:noFill/>
+          </a:ln>
+        </p:spPr>
+        <p:style>
+          <a:lnRef idx="2">
+            <a:schemeClr val="accent1">
+              <a:shade val="50000"/>
+            </a:schemeClr>
+          </a:lnRef>
+          <a:fillRef idx="1">
+            <a:schemeClr val="accent1"/>
+          </a:fillRef>
+          <a:effectRef idx="0">
+            <a:schemeClr val="accent1"/>
+          </a:effectRef>
+          <a:fontRef idx="minor">
+            <a:schemeClr val="lt1"/>
+          </a:fontRef>
+        </p:style>
+        <p:txBody>
+          <a:bodyPr rtlCol="0" anchor="ctr"/>
+          <a:lstStyle/>
+          <a:p>
+            <a:pPr algn="ctr"/>
+            <a:r>
+              <a:rPr lang="fr-FR" sz="1400" b="1" dirty="0">
+                <a:solidFill>
+                  <a:sysClr val="windowText" lastClr="000000"/>
+                </a:solidFill>
+              </a:rPr>
+              <a:t>Apprentissage</a:t>
+            </a:r>
+          </a:p>
+        </p:txBody>
+      </p:sp>
+      <p:pic>
+        <p:nvPicPr>
+          <p:cNvPr id="138" name="Image 137">
+            <a:extLst>
+              <a:ext uri="{FF2B5EF4-FFF2-40B4-BE49-F238E27FC236}">
+                <a16:creationId xmlns:a16="http://schemas.microsoft.com/office/drawing/2014/main" id="{F7E493C6-2AD2-4C22-8CD5-A35968E65267}"/>
+              </a:ext>
+            </a:extLst>
+          </p:cNvPr>
+          <p:cNvPicPr>
+            <a:picLocks noChangeAspect="1"/>
+          </p:cNvPicPr>
+          <p:nvPr/>
+        </p:nvPicPr>
+        <p:blipFill>
+          <a:blip r:embed="rId3"/>
+          <a:stretch>
+            <a:fillRect/>
+          </a:stretch>
+        </p:blipFill>
+        <p:spPr>
+          <a:xfrm>
+            <a:off x="5732237" y="2811042"/>
+            <a:ext cx="764437" cy="677826"/>
+          </a:xfrm>
+          <a:prstGeom prst="rect">
+            <a:avLst/>
+          </a:prstGeom>
+        </p:spPr>
+      </p:pic>
+      <p:grpSp>
+        <p:nvGrpSpPr>
+          <p:cNvPr id="15" name="Groupe 14">
+            <a:extLst>
+              <a:ext uri="{FF2B5EF4-FFF2-40B4-BE49-F238E27FC236}">
+                <a16:creationId xmlns:a16="http://schemas.microsoft.com/office/drawing/2014/main" id="{3A4EC74C-25D8-42DC-B9C9-B9E3BF3FE49B}"/>
+              </a:ext>
+            </a:extLst>
+          </p:cNvPr>
+          <p:cNvGrpSpPr/>
+          <p:nvPr/>
+        </p:nvGrpSpPr>
+        <p:grpSpPr>
+          <a:xfrm>
+            <a:off x="10890732" y="1602485"/>
+            <a:ext cx="798672" cy="371752"/>
+            <a:chOff x="4342282" y="5081398"/>
+            <a:chExt cx="798672" cy="371752"/>
+          </a:xfrm>
+        </p:grpSpPr>
+        <p:sp>
+          <p:nvSpPr>
+            <p:cNvPr id="254" name="ZoneTexte 253">
+              <a:extLst>
+                <a:ext uri="{FF2B5EF4-FFF2-40B4-BE49-F238E27FC236}">
+                  <a16:creationId xmlns:a16="http://schemas.microsoft.com/office/drawing/2014/main" id="{57BCAA68-02C4-49CA-888C-AB294F13706E}"/>
+                </a:ext>
+              </a:extLst>
+            </p:cNvPr>
+            <p:cNvSpPr txBox="1"/>
+            <p:nvPr/>
+          </p:nvSpPr>
+          <p:spPr>
+            <a:xfrm>
+              <a:off x="4494114" y="5081398"/>
+              <a:ext cx="646840" cy="246221"/>
+            </a:xfrm>
+            <a:prstGeom prst="rect">
+              <a:avLst/>
+            </a:prstGeom>
+            <a:noFill/>
+          </p:spPr>
+          <p:txBody>
+            <a:bodyPr wrap="square" rtlCol="0">
+              <a:spAutoFit/>
+            </a:bodyPr>
+            <a:lstStyle/>
+            <a:p>
+              <a:r>
+                <a:rPr lang="fr-FR" sz="1000" dirty="0">
+                  <a:latin typeface="Arial Narrow" panose="020B0606020202030204" pitchFamily="34" charset="0"/>
+                </a:rPr>
+                <a:t>Forme B</a:t>
+              </a:r>
+              <a:endParaRPr lang="fr-FR" dirty="0">
+                <a:latin typeface="Arial Narrow" panose="020B0606020202030204" pitchFamily="34" charset="0"/>
+              </a:endParaRPr>
+            </a:p>
+          </p:txBody>
+        </p:sp>
+        <p:cxnSp>
+          <p:nvCxnSpPr>
+            <p:cNvPr id="255" name="Connecteur droit 254">
+              <a:extLst>
+                <a:ext uri="{FF2B5EF4-FFF2-40B4-BE49-F238E27FC236}">
+                  <a16:creationId xmlns:a16="http://schemas.microsoft.com/office/drawing/2014/main" id="{1D4F76C1-AFF8-4085-9B11-93280AF72619}"/>
+                </a:ext>
+              </a:extLst>
+            </p:cNvPr>
+            <p:cNvCxnSpPr>
+              <a:cxnSpLocks/>
+            </p:cNvCxnSpPr>
+            <p:nvPr/>
+          </p:nvCxnSpPr>
+          <p:spPr>
+            <a:xfrm flipV="1">
+              <a:off x="4342282" y="5237150"/>
+              <a:ext cx="216000" cy="216000"/>
+            </a:xfrm>
+            <a:prstGeom prst="line">
+              <a:avLst/>
+            </a:prstGeom>
+            <a:ln w="9525">
+              <a:solidFill>
+                <a:schemeClr val="tx1"/>
+              </a:solidFill>
+            </a:ln>
+          </p:spPr>
+          <p:style>
+            <a:lnRef idx="1">
+              <a:schemeClr val="accent1"/>
+            </a:lnRef>
+            <a:fillRef idx="0">
+              <a:schemeClr val="accent1"/>
+            </a:fillRef>
+            <a:effectRef idx="0">
+              <a:schemeClr val="accent1"/>
+            </a:effectRef>
+            <a:fontRef idx="minor">
+              <a:schemeClr val="tx1"/>
+            </a:fontRef>
+          </p:style>
+        </p:cxnSp>
+        <p:cxnSp>
+          <p:nvCxnSpPr>
+            <p:cNvPr id="256" name="Connecteur droit 255">
+              <a:extLst>
+                <a:ext uri="{FF2B5EF4-FFF2-40B4-BE49-F238E27FC236}">
+                  <a16:creationId xmlns:a16="http://schemas.microsoft.com/office/drawing/2014/main" id="{D7D42650-E5D9-463D-B8F5-34B8140E8F84}"/>
+                </a:ext>
+              </a:extLst>
+            </p:cNvPr>
+            <p:cNvCxnSpPr>
+              <a:cxnSpLocks/>
+            </p:cNvCxnSpPr>
+            <p:nvPr/>
+          </p:nvCxnSpPr>
+          <p:spPr>
+            <a:xfrm flipV="1">
+              <a:off x="4558282" y="5118827"/>
+              <a:ext cx="0" cy="180000"/>
+            </a:xfrm>
+            <a:prstGeom prst="line">
+              <a:avLst/>
+            </a:prstGeom>
+            <a:ln w="9525">
+              <a:solidFill>
+                <a:schemeClr val="tx1"/>
+              </a:solidFill>
+            </a:ln>
+          </p:spPr>
+          <p:style>
+            <a:lnRef idx="1">
+              <a:schemeClr val="accent1"/>
+            </a:lnRef>
+            <a:fillRef idx="0">
+              <a:schemeClr val="accent1"/>
+            </a:fillRef>
+            <a:effectRef idx="0">
+              <a:schemeClr val="accent1"/>
+            </a:effectRef>
+            <a:fontRef idx="minor">
+              <a:schemeClr val="tx1"/>
+            </a:fontRef>
+          </p:style>
+        </p:cxnSp>
+      </p:grpSp>
+      <p:grpSp>
+        <p:nvGrpSpPr>
+          <p:cNvPr id="16" name="Groupe 15">
+            <a:extLst>
+              <a:ext uri="{FF2B5EF4-FFF2-40B4-BE49-F238E27FC236}">
+                <a16:creationId xmlns:a16="http://schemas.microsoft.com/office/drawing/2014/main" id="{CC4669CA-1BA2-4C73-8B37-386094E0D27E}"/>
+              </a:ext>
+            </a:extLst>
+          </p:cNvPr>
+          <p:cNvGrpSpPr/>
+          <p:nvPr/>
+        </p:nvGrpSpPr>
+        <p:grpSpPr>
+          <a:xfrm>
+            <a:off x="10819611" y="3061850"/>
+            <a:ext cx="869793" cy="400110"/>
+            <a:chOff x="2497931" y="5129464"/>
+            <a:chExt cx="723165" cy="400110"/>
+          </a:xfrm>
+        </p:grpSpPr>
+        <p:sp>
+          <p:nvSpPr>
+            <p:cNvPr id="241" name="ZoneTexte 240">
+              <a:extLst>
+                <a:ext uri="{FF2B5EF4-FFF2-40B4-BE49-F238E27FC236}">
+                  <a16:creationId xmlns:a16="http://schemas.microsoft.com/office/drawing/2014/main" id="{051DD134-D290-4B7C-BD29-549405D3FEFC}"/>
+                </a:ext>
+              </a:extLst>
+            </p:cNvPr>
+            <p:cNvSpPr txBox="1"/>
+            <p:nvPr/>
+          </p:nvSpPr>
+          <p:spPr>
+            <a:xfrm>
+              <a:off x="2649763" y="5129464"/>
+              <a:ext cx="571333" cy="400110"/>
+            </a:xfrm>
+            <a:prstGeom prst="rect">
+              <a:avLst/>
+            </a:prstGeom>
+            <a:noFill/>
+          </p:spPr>
+          <p:txBody>
+            <a:bodyPr wrap="square" rtlCol="0">
+              <a:spAutoFit/>
+            </a:bodyPr>
+            <a:lstStyle/>
+            <a:p>
+              <a:r>
+                <a:rPr lang="fr-FR" sz="1000" dirty="0">
+                  <a:latin typeface="Arial Narrow" panose="020B0606020202030204" pitchFamily="34" charset="0"/>
+                </a:rPr>
+                <a:t>Forme C</a:t>
+              </a:r>
+              <a:endParaRPr lang="fr-FR" dirty="0">
+                <a:latin typeface="Arial Narrow" panose="020B0606020202030204" pitchFamily="34" charset="0"/>
+              </a:endParaRPr>
+            </a:p>
+          </p:txBody>
+        </p:sp>
+        <p:cxnSp>
+          <p:nvCxnSpPr>
+            <p:cNvPr id="242" name="Connecteur droit 241">
+              <a:extLst>
+                <a:ext uri="{FF2B5EF4-FFF2-40B4-BE49-F238E27FC236}">
+                  <a16:creationId xmlns:a16="http://schemas.microsoft.com/office/drawing/2014/main" id="{7102175A-886F-4A2C-82FE-701D5A039783}"/>
+                </a:ext>
+              </a:extLst>
+            </p:cNvPr>
+            <p:cNvCxnSpPr>
+              <a:cxnSpLocks/>
+            </p:cNvCxnSpPr>
+            <p:nvPr/>
+          </p:nvCxnSpPr>
+          <p:spPr>
+            <a:xfrm flipV="1">
+              <a:off x="2497931" y="5285216"/>
+              <a:ext cx="216000" cy="216000"/>
+            </a:xfrm>
+            <a:prstGeom prst="line">
+              <a:avLst/>
+            </a:prstGeom>
+            <a:ln w="9525">
+              <a:solidFill>
+                <a:schemeClr val="tx1"/>
+              </a:solidFill>
+            </a:ln>
+          </p:spPr>
+          <p:style>
+            <a:lnRef idx="1">
+              <a:schemeClr val="accent1"/>
+            </a:lnRef>
+            <a:fillRef idx="0">
+              <a:schemeClr val="accent1"/>
+            </a:fillRef>
+            <a:effectRef idx="0">
+              <a:schemeClr val="accent1"/>
+            </a:effectRef>
+            <a:fontRef idx="minor">
+              <a:schemeClr val="tx1"/>
+            </a:fontRef>
+          </p:style>
+        </p:cxnSp>
+        <p:cxnSp>
+          <p:nvCxnSpPr>
+            <p:cNvPr id="243" name="Connecteur droit 242">
+              <a:extLst>
+                <a:ext uri="{FF2B5EF4-FFF2-40B4-BE49-F238E27FC236}">
+                  <a16:creationId xmlns:a16="http://schemas.microsoft.com/office/drawing/2014/main" id="{1A1948A0-CEC0-422E-AC1E-7DDDF402985D}"/>
+                </a:ext>
+              </a:extLst>
+            </p:cNvPr>
+            <p:cNvCxnSpPr>
+              <a:cxnSpLocks/>
+            </p:cNvCxnSpPr>
+            <p:nvPr/>
+          </p:nvCxnSpPr>
+          <p:spPr>
+            <a:xfrm flipV="1">
+              <a:off x="2713931" y="5166893"/>
+              <a:ext cx="0" cy="180000"/>
+            </a:xfrm>
+            <a:prstGeom prst="line">
+              <a:avLst/>
+            </a:prstGeom>
+            <a:ln w="9525">
+              <a:solidFill>
+                <a:schemeClr val="tx1"/>
+              </a:solidFill>
+            </a:ln>
+          </p:spPr>
+          <p:style>
+            <a:lnRef idx="1">
+              <a:schemeClr val="accent1"/>
+            </a:lnRef>
+            <a:fillRef idx="0">
+              <a:schemeClr val="accent1"/>
+            </a:fillRef>
+            <a:effectRef idx="0">
+              <a:schemeClr val="accent1"/>
+            </a:effectRef>
+            <a:fontRef idx="minor">
+              <a:schemeClr val="tx1"/>
+            </a:fontRef>
+          </p:style>
+        </p:cxnSp>
+      </p:grpSp>
+      <p:grpSp>
+        <p:nvGrpSpPr>
+          <p:cNvPr id="17" name="Groupe 16">
+            <a:extLst>
+              <a:ext uri="{FF2B5EF4-FFF2-40B4-BE49-F238E27FC236}">
+                <a16:creationId xmlns:a16="http://schemas.microsoft.com/office/drawing/2014/main" id="{1E956101-5AF6-48CF-97D9-5F485DB5203C}"/>
+              </a:ext>
+            </a:extLst>
+          </p:cNvPr>
+          <p:cNvGrpSpPr/>
+          <p:nvPr/>
+        </p:nvGrpSpPr>
+        <p:grpSpPr>
+          <a:xfrm>
+            <a:off x="10022206" y="1731173"/>
+            <a:ext cx="911949" cy="371752"/>
+            <a:chOff x="4935687" y="5752810"/>
+            <a:chExt cx="911949" cy="371752"/>
+          </a:xfrm>
+        </p:grpSpPr>
+        <p:sp>
+          <p:nvSpPr>
+            <p:cNvPr id="228" name="ZoneTexte 227">
+              <a:extLst>
+                <a:ext uri="{FF2B5EF4-FFF2-40B4-BE49-F238E27FC236}">
+                  <a16:creationId xmlns:a16="http://schemas.microsoft.com/office/drawing/2014/main" id="{12AD73FC-18A6-4B95-9539-9DE091B561EF}"/>
+                </a:ext>
+              </a:extLst>
+            </p:cNvPr>
+            <p:cNvSpPr txBox="1"/>
+            <p:nvPr/>
+          </p:nvSpPr>
+          <p:spPr>
+            <a:xfrm>
+              <a:off x="5087519" y="5752810"/>
+              <a:ext cx="760117" cy="246221"/>
+            </a:xfrm>
+            <a:prstGeom prst="rect">
+              <a:avLst/>
+            </a:prstGeom>
+            <a:noFill/>
+          </p:spPr>
+          <p:txBody>
+            <a:bodyPr wrap="square" rtlCol="0">
+              <a:spAutoFit/>
+            </a:bodyPr>
+            <a:lstStyle/>
+            <a:p>
+              <a:r>
+                <a:rPr lang="fr-FR" sz="1000" dirty="0">
+                  <a:latin typeface="Arial Narrow" panose="020B0606020202030204" pitchFamily="34" charset="0"/>
+                </a:rPr>
+                <a:t>Forme A</a:t>
+              </a:r>
+              <a:endParaRPr lang="fr-FR" dirty="0">
+                <a:latin typeface="Arial Narrow" panose="020B0606020202030204" pitchFamily="34" charset="0"/>
+              </a:endParaRPr>
+            </a:p>
+          </p:txBody>
+        </p:sp>
+        <p:cxnSp>
+          <p:nvCxnSpPr>
+            <p:cNvPr id="230" name="Connecteur droit 229">
+              <a:extLst>
+                <a:ext uri="{FF2B5EF4-FFF2-40B4-BE49-F238E27FC236}">
+                  <a16:creationId xmlns:a16="http://schemas.microsoft.com/office/drawing/2014/main" id="{CA163815-6E53-404D-947F-8B34D2B41ACA}"/>
+                </a:ext>
+              </a:extLst>
+            </p:cNvPr>
+            <p:cNvCxnSpPr>
+              <a:cxnSpLocks/>
+            </p:cNvCxnSpPr>
+            <p:nvPr/>
+          </p:nvCxnSpPr>
+          <p:spPr>
+            <a:xfrm flipV="1">
+              <a:off x="4935687" y="5908562"/>
+              <a:ext cx="216000" cy="216000"/>
+            </a:xfrm>
+            <a:prstGeom prst="line">
+              <a:avLst/>
+            </a:prstGeom>
+            <a:ln w="9525">
+              <a:solidFill>
+                <a:schemeClr val="tx1"/>
+              </a:solidFill>
+            </a:ln>
+          </p:spPr>
+          <p:style>
+            <a:lnRef idx="1">
+              <a:schemeClr val="accent1"/>
+            </a:lnRef>
+            <a:fillRef idx="0">
+              <a:schemeClr val="accent1"/>
+            </a:fillRef>
+            <a:effectRef idx="0">
+              <a:schemeClr val="accent1"/>
+            </a:effectRef>
+            <a:fontRef idx="minor">
+              <a:schemeClr val="tx1"/>
+            </a:fontRef>
+          </p:style>
+        </p:cxnSp>
+        <p:cxnSp>
+          <p:nvCxnSpPr>
+            <p:cNvPr id="231" name="Connecteur droit 230">
+              <a:extLst>
+                <a:ext uri="{FF2B5EF4-FFF2-40B4-BE49-F238E27FC236}">
+                  <a16:creationId xmlns:a16="http://schemas.microsoft.com/office/drawing/2014/main" id="{92FCE3C1-F4CF-44D6-9FFB-BEDA62B5B5A0}"/>
+                </a:ext>
+              </a:extLst>
+            </p:cNvPr>
+            <p:cNvCxnSpPr>
+              <a:cxnSpLocks/>
+            </p:cNvCxnSpPr>
+            <p:nvPr/>
+          </p:nvCxnSpPr>
+          <p:spPr>
+            <a:xfrm flipV="1">
+              <a:off x="5151687" y="5790239"/>
+              <a:ext cx="0" cy="180000"/>
+            </a:xfrm>
+            <a:prstGeom prst="line">
+              <a:avLst/>
+            </a:prstGeom>
+            <a:ln w="9525">
+              <a:solidFill>
+                <a:schemeClr val="tx1"/>
+              </a:solidFill>
+            </a:ln>
+          </p:spPr>
+          <p:style>
+            <a:lnRef idx="1">
+              <a:schemeClr val="accent1"/>
+            </a:lnRef>
+            <a:fillRef idx="0">
+              <a:schemeClr val="accent1"/>
+            </a:fillRef>
+            <a:effectRef idx="0">
+              <a:schemeClr val="accent1"/>
+            </a:effectRef>
+            <a:fontRef idx="minor">
+              <a:schemeClr val="tx1"/>
+            </a:fontRef>
+          </p:style>
+        </p:cxnSp>
+      </p:grpSp>
+      <p:grpSp>
+        <p:nvGrpSpPr>
+          <p:cNvPr id="264" name="Groupe 263">
+            <a:extLst>
+              <a:ext uri="{FF2B5EF4-FFF2-40B4-BE49-F238E27FC236}">
+                <a16:creationId xmlns:a16="http://schemas.microsoft.com/office/drawing/2014/main" id="{1B1380A9-0FD4-4D8D-B2F9-E8E601643B75}"/>
+              </a:ext>
+            </a:extLst>
+          </p:cNvPr>
+          <p:cNvGrpSpPr/>
+          <p:nvPr/>
+        </p:nvGrpSpPr>
+        <p:grpSpPr>
+          <a:xfrm>
+            <a:off x="9204866" y="1966611"/>
+            <a:ext cx="912331" cy="912331"/>
+            <a:chOff x="6934443" y="5053055"/>
+            <a:chExt cx="912331" cy="912331"/>
+          </a:xfrm>
+        </p:grpSpPr>
+        <p:sp>
+          <p:nvSpPr>
+            <p:cNvPr id="265" name="Pentagone 264">
+              <a:extLst>
+                <a:ext uri="{FF2B5EF4-FFF2-40B4-BE49-F238E27FC236}">
+                  <a16:creationId xmlns:a16="http://schemas.microsoft.com/office/drawing/2014/main" id="{36578E97-6518-49F1-A75C-8582468D196A}"/>
+                </a:ext>
+              </a:extLst>
+            </p:cNvPr>
+            <p:cNvSpPr/>
+            <p:nvPr/>
+          </p:nvSpPr>
+          <p:spPr>
+            <a:xfrm>
+              <a:off x="7079492" y="5410040"/>
+              <a:ext cx="288000" cy="288000"/>
+            </a:xfrm>
+            <a:prstGeom prst="pentagon">
+              <a:avLst/>
+            </a:prstGeom>
+            <a:solidFill>
+              <a:schemeClr val="accent5">
+                <a:lumMod val="20000"/>
+                <a:lumOff val="80000"/>
+              </a:schemeClr>
+            </a:solidFill>
+            <a:ln w="28575">
+              <a:solidFill>
+                <a:schemeClr val="accent5">
+                  <a:lumMod val="50000"/>
+                </a:schemeClr>
+              </a:solidFill>
+            </a:ln>
+          </p:spPr>
+          <p:style>
+            <a:lnRef idx="2">
+              <a:schemeClr val="accent1">
+                <a:shade val="50000"/>
+              </a:schemeClr>
+            </a:lnRef>
+            <a:fillRef idx="1">
+              <a:schemeClr val="accent1"/>
+            </a:fillRef>
+            <a:effectRef idx="0">
+              <a:schemeClr val="accent1"/>
+            </a:effectRef>
+            <a:fontRef idx="minor">
+              <a:schemeClr val="lt1"/>
+            </a:fontRef>
+          </p:style>
+          <p:txBody>
+            <a:bodyPr rtlCol="0" anchor="ctr"/>
+            <a:lstStyle/>
+            <a:p>
+              <a:pPr algn="ctr"/>
+              <a:endParaRPr lang="fr-FR"/>
+            </a:p>
+          </p:txBody>
+        </p:sp>
+        <p:sp>
+          <p:nvSpPr>
+            <p:cNvPr id="266" name="Pentagone 265">
+              <a:extLst>
+                <a:ext uri="{FF2B5EF4-FFF2-40B4-BE49-F238E27FC236}">
+                  <a16:creationId xmlns:a16="http://schemas.microsoft.com/office/drawing/2014/main" id="{3039BC28-04B9-4A50-9F0B-F7A71A7C681D}"/>
+                </a:ext>
+              </a:extLst>
+            </p:cNvPr>
+            <p:cNvSpPr/>
+            <p:nvPr/>
+          </p:nvSpPr>
+          <p:spPr>
+            <a:xfrm>
+              <a:off x="7502391" y="5545529"/>
+              <a:ext cx="173356" cy="173356"/>
+            </a:xfrm>
+            <a:prstGeom prst="pentagon">
+              <a:avLst/>
+            </a:prstGeom>
+            <a:solidFill>
+              <a:schemeClr val="accent5">
+                <a:lumMod val="20000"/>
+                <a:lumOff val="80000"/>
+              </a:schemeClr>
+            </a:solidFill>
+            <a:ln w="28575">
+              <a:solidFill>
+                <a:schemeClr val="accent5">
+                  <a:lumMod val="50000"/>
+                </a:schemeClr>
+              </a:solidFill>
+            </a:ln>
+          </p:spPr>
+          <p:style>
+            <a:lnRef idx="2">
+              <a:schemeClr val="accent1">
+                <a:shade val="50000"/>
+              </a:schemeClr>
+            </a:lnRef>
+            <a:fillRef idx="1">
+              <a:schemeClr val="accent1"/>
+            </a:fillRef>
+            <a:effectRef idx="0">
+              <a:schemeClr val="accent1"/>
+            </a:effectRef>
+            <a:fontRef idx="minor">
+              <a:schemeClr val="lt1"/>
+            </a:fontRef>
+          </p:style>
+          <p:txBody>
+            <a:bodyPr rtlCol="0" anchor="ctr"/>
+            <a:lstStyle/>
+            <a:p>
+              <a:pPr algn="ctr"/>
+              <a:endParaRPr lang="fr-FR"/>
+            </a:p>
+          </p:txBody>
+        </p:sp>
+        <p:sp>
+          <p:nvSpPr>
+            <p:cNvPr id="267" name="Pentagone 266">
+              <a:extLst>
+                <a:ext uri="{FF2B5EF4-FFF2-40B4-BE49-F238E27FC236}">
+                  <a16:creationId xmlns:a16="http://schemas.microsoft.com/office/drawing/2014/main" id="{948602EE-4266-40A4-958D-B17DFE177E44}"/>
+                </a:ext>
+              </a:extLst>
+            </p:cNvPr>
+            <p:cNvSpPr/>
+            <p:nvPr/>
+          </p:nvSpPr>
+          <p:spPr>
+            <a:xfrm rot="19800000">
+              <a:off x="7415713" y="5204957"/>
+              <a:ext cx="173356" cy="173356"/>
+            </a:xfrm>
+            <a:prstGeom prst="pentagon">
+              <a:avLst/>
+            </a:prstGeom>
+            <a:solidFill>
+              <a:schemeClr val="accent5">
+                <a:lumMod val="20000"/>
+                <a:lumOff val="80000"/>
+              </a:schemeClr>
+            </a:solidFill>
+            <a:ln w="28575">
+              <a:solidFill>
+                <a:schemeClr val="accent5">
+                  <a:lumMod val="50000"/>
+                </a:schemeClr>
+              </a:solidFill>
+            </a:ln>
+          </p:spPr>
+          <p:style>
+            <a:lnRef idx="2">
+              <a:schemeClr val="accent1">
+                <a:shade val="50000"/>
+              </a:schemeClr>
+            </a:lnRef>
+            <a:fillRef idx="1">
+              <a:schemeClr val="accent1"/>
+            </a:fillRef>
+            <a:effectRef idx="0">
+              <a:schemeClr val="accent1"/>
+            </a:effectRef>
+            <a:fontRef idx="minor">
+              <a:schemeClr val="lt1"/>
+            </a:fontRef>
+          </p:style>
+          <p:txBody>
+            <a:bodyPr rtlCol="0" anchor="ctr"/>
+            <a:lstStyle/>
+            <a:p>
+              <a:pPr algn="ctr"/>
+              <a:endParaRPr lang="fr-FR" dirty="0"/>
+            </a:p>
+          </p:txBody>
+        </p:sp>
+        <p:sp>
+          <p:nvSpPr>
+            <p:cNvPr id="272" name="Ellipse 271">
+              <a:extLst>
+                <a:ext uri="{FF2B5EF4-FFF2-40B4-BE49-F238E27FC236}">
+                  <a16:creationId xmlns:a16="http://schemas.microsoft.com/office/drawing/2014/main" id="{DD49159C-A32D-427E-9175-62813F8E5CE1}"/>
+                </a:ext>
+              </a:extLst>
+            </p:cNvPr>
+            <p:cNvSpPr/>
+            <p:nvPr/>
+          </p:nvSpPr>
+          <p:spPr>
+            <a:xfrm>
+              <a:off x="6934443" y="5053055"/>
+              <a:ext cx="912331" cy="912331"/>
+            </a:xfrm>
+            <a:prstGeom prst="ellipse">
+              <a:avLst/>
+            </a:prstGeom>
+            <a:noFill/>
+            <a:ln w="19050">
+              <a:solidFill>
+                <a:schemeClr val="accent5">
+                  <a:lumMod val="50000"/>
+                </a:schemeClr>
+              </a:solidFill>
+              <a:prstDash val="dash"/>
+            </a:ln>
+          </p:spPr>
+          <p:style>
+            <a:lnRef idx="2">
+              <a:schemeClr val="accent1">
+                <a:shade val="50000"/>
+              </a:schemeClr>
+            </a:lnRef>
+            <a:fillRef idx="1">
+              <a:schemeClr val="accent1"/>
+            </a:fillRef>
+            <a:effectRef idx="0">
+              <a:schemeClr val="accent1"/>
+            </a:effectRef>
+            <a:fontRef idx="minor">
+              <a:schemeClr val="lt1"/>
+            </a:fontRef>
+          </p:style>
+          <p:txBody>
+            <a:bodyPr rtlCol="0" anchor="t"/>
+            <a:lstStyle/>
+            <a:p>
+              <a:pPr algn="ctr"/>
+              <a:endParaRPr lang="fr-FR" sz="1600" b="1">
+                <a:solidFill>
+                  <a:sysClr val="windowText" lastClr="000000"/>
+                </a:solidFill>
+              </a:endParaRPr>
+            </a:p>
+          </p:txBody>
+        </p:sp>
+      </p:grpSp>
+      <p:grpSp>
+        <p:nvGrpSpPr>
+          <p:cNvPr id="13" name="Groupe 12">
+            <a:extLst>
+              <a:ext uri="{FF2B5EF4-FFF2-40B4-BE49-F238E27FC236}">
+                <a16:creationId xmlns:a16="http://schemas.microsoft.com/office/drawing/2014/main" id="{0000BBD3-4A5A-45FF-9D5F-7022D69D85A1}"/>
+              </a:ext>
+            </a:extLst>
+          </p:cNvPr>
+          <p:cNvGrpSpPr/>
+          <p:nvPr/>
+        </p:nvGrpSpPr>
+        <p:grpSpPr>
+          <a:xfrm>
+            <a:off x="10494626" y="1992878"/>
+            <a:ext cx="912331" cy="912331"/>
+            <a:chOff x="10388407" y="5306638"/>
+            <a:chExt cx="912331" cy="912331"/>
+          </a:xfrm>
+        </p:grpSpPr>
+        <p:sp>
+          <p:nvSpPr>
+            <p:cNvPr id="251" name="Triangle isocèle 250">
+              <a:extLst>
+                <a:ext uri="{FF2B5EF4-FFF2-40B4-BE49-F238E27FC236}">
+                  <a16:creationId xmlns:a16="http://schemas.microsoft.com/office/drawing/2014/main" id="{3C669C35-E578-47A4-BBB8-326B38A53BBA}"/>
+                </a:ext>
+              </a:extLst>
+            </p:cNvPr>
+            <p:cNvSpPr/>
+            <p:nvPr/>
+          </p:nvSpPr>
+          <p:spPr>
+            <a:xfrm>
+              <a:off x="10503936" y="5445445"/>
+              <a:ext cx="324000" cy="288000"/>
+            </a:xfrm>
+            <a:prstGeom prst="triangle">
+              <a:avLst/>
+            </a:prstGeom>
+            <a:solidFill>
+              <a:schemeClr val="accent2">
+                <a:lumMod val="20000"/>
+                <a:lumOff val="80000"/>
+              </a:schemeClr>
+            </a:solidFill>
+            <a:ln w="28575">
+              <a:solidFill>
+                <a:schemeClr val="accent2">
+                  <a:lumMod val="50000"/>
+                </a:schemeClr>
+              </a:solidFill>
+            </a:ln>
+          </p:spPr>
+          <p:style>
+            <a:lnRef idx="2">
+              <a:schemeClr val="accent1">
+                <a:shade val="50000"/>
+              </a:schemeClr>
+            </a:lnRef>
+            <a:fillRef idx="1">
+              <a:schemeClr val="accent1"/>
+            </a:fillRef>
+            <a:effectRef idx="0">
+              <a:schemeClr val="accent1"/>
+            </a:effectRef>
+            <a:fontRef idx="minor">
+              <a:schemeClr val="lt1"/>
+            </a:fontRef>
+          </p:style>
+          <p:txBody>
+            <a:bodyPr rtlCol="0" anchor="ctr"/>
+            <a:lstStyle/>
+            <a:p>
+              <a:pPr algn="ctr"/>
+              <a:endParaRPr lang="fr-FR"/>
+            </a:p>
+          </p:txBody>
+        </p:sp>
+        <p:sp>
+          <p:nvSpPr>
+            <p:cNvPr id="233" name="Triangle isocèle 232">
+              <a:extLst>
+                <a:ext uri="{FF2B5EF4-FFF2-40B4-BE49-F238E27FC236}">
+                  <a16:creationId xmlns:a16="http://schemas.microsoft.com/office/drawing/2014/main" id="{F1D2DA96-B374-489E-B6BC-D7BD3C9E2D5F}"/>
+                </a:ext>
+              </a:extLst>
+            </p:cNvPr>
+            <p:cNvSpPr/>
+            <p:nvPr/>
+          </p:nvSpPr>
+          <p:spPr>
+            <a:xfrm>
+              <a:off x="10685464" y="5881826"/>
+              <a:ext cx="218336" cy="194076"/>
+            </a:xfrm>
+            <a:prstGeom prst="triangle">
+              <a:avLst/>
+            </a:prstGeom>
+            <a:solidFill>
+              <a:schemeClr val="accent2">
+                <a:lumMod val="20000"/>
+                <a:lumOff val="80000"/>
+              </a:schemeClr>
+            </a:solidFill>
+            <a:ln w="28575">
+              <a:solidFill>
+                <a:schemeClr val="accent2">
+                  <a:lumMod val="50000"/>
+                </a:schemeClr>
+              </a:solidFill>
+            </a:ln>
+          </p:spPr>
+          <p:style>
+            <a:lnRef idx="2">
+              <a:schemeClr val="accent1">
+                <a:shade val="50000"/>
+              </a:schemeClr>
+            </a:lnRef>
+            <a:fillRef idx="1">
+              <a:schemeClr val="accent1"/>
+            </a:fillRef>
+            <a:effectRef idx="0">
+              <a:schemeClr val="accent1"/>
+            </a:effectRef>
+            <a:fontRef idx="minor">
+              <a:schemeClr val="lt1"/>
+            </a:fontRef>
+          </p:style>
+          <p:txBody>
+            <a:bodyPr rtlCol="0" anchor="ctr"/>
+            <a:lstStyle/>
+            <a:p>
+              <a:pPr algn="ctr"/>
+              <a:endParaRPr lang="fr-FR"/>
+            </a:p>
+          </p:txBody>
+        </p:sp>
+        <p:sp>
+          <p:nvSpPr>
+            <p:cNvPr id="216" name="Triangle isocèle 215">
+              <a:extLst>
+                <a:ext uri="{FF2B5EF4-FFF2-40B4-BE49-F238E27FC236}">
+                  <a16:creationId xmlns:a16="http://schemas.microsoft.com/office/drawing/2014/main" id="{762BD10D-3773-4422-B0A7-8DA141696DF0}"/>
+                </a:ext>
+              </a:extLst>
+            </p:cNvPr>
+            <p:cNvSpPr/>
+            <p:nvPr/>
+          </p:nvSpPr>
+          <p:spPr>
+            <a:xfrm rot="2700000">
+              <a:off x="10940441" y="5605439"/>
+              <a:ext cx="218336" cy="194076"/>
+            </a:xfrm>
+            <a:prstGeom prst="triangle">
+              <a:avLst/>
+            </a:prstGeom>
+            <a:solidFill>
+              <a:schemeClr val="accent2">
+                <a:lumMod val="20000"/>
+                <a:lumOff val="80000"/>
+              </a:schemeClr>
+            </a:solidFill>
+            <a:ln w="28575">
+              <a:solidFill>
+                <a:schemeClr val="accent2">
+                  <a:lumMod val="50000"/>
+                </a:schemeClr>
+              </a:solidFill>
+            </a:ln>
+          </p:spPr>
+          <p:style>
+            <a:lnRef idx="2">
+              <a:schemeClr val="accent1">
+                <a:shade val="50000"/>
+              </a:schemeClr>
+            </a:lnRef>
+            <a:fillRef idx="1">
+              <a:schemeClr val="accent1"/>
+            </a:fillRef>
+            <a:effectRef idx="0">
+              <a:schemeClr val="accent1"/>
+            </a:effectRef>
+            <a:fontRef idx="minor">
+              <a:schemeClr val="lt1"/>
+            </a:fontRef>
+          </p:style>
+          <p:txBody>
+            <a:bodyPr rtlCol="0" anchor="ctr"/>
+            <a:lstStyle/>
+            <a:p>
+              <a:pPr algn="ctr"/>
+              <a:endParaRPr lang="fr-FR" dirty="0"/>
+            </a:p>
+          </p:txBody>
+        </p:sp>
+        <p:sp>
+          <p:nvSpPr>
+            <p:cNvPr id="274" name="Ellipse 273">
+              <a:extLst>
+                <a:ext uri="{FF2B5EF4-FFF2-40B4-BE49-F238E27FC236}">
+                  <a16:creationId xmlns:a16="http://schemas.microsoft.com/office/drawing/2014/main" id="{B72A038F-ED2A-417C-B707-BC5AC7123CB8}"/>
+                </a:ext>
+              </a:extLst>
+            </p:cNvPr>
+            <p:cNvSpPr/>
+            <p:nvPr/>
+          </p:nvSpPr>
+          <p:spPr>
+            <a:xfrm>
+              <a:off x="10388407" y="5306638"/>
+              <a:ext cx="912331" cy="912331"/>
+            </a:xfrm>
+            <a:prstGeom prst="ellipse">
+              <a:avLst/>
+            </a:prstGeom>
+            <a:noFill/>
+            <a:ln w="19050">
+              <a:solidFill>
+                <a:schemeClr val="accent5">
+                  <a:lumMod val="50000"/>
+                </a:schemeClr>
+              </a:solidFill>
+              <a:prstDash val="dash"/>
+            </a:ln>
+          </p:spPr>
+          <p:style>
+            <a:lnRef idx="2">
+              <a:schemeClr val="accent1">
+                <a:shade val="50000"/>
+              </a:schemeClr>
+            </a:lnRef>
+            <a:fillRef idx="1">
+              <a:schemeClr val="accent1"/>
+            </a:fillRef>
+            <a:effectRef idx="0">
+              <a:schemeClr val="accent1"/>
+            </a:effectRef>
+            <a:fontRef idx="minor">
+              <a:schemeClr val="lt1"/>
+            </a:fontRef>
+          </p:style>
+          <p:txBody>
+            <a:bodyPr rtlCol="0" anchor="t"/>
+            <a:lstStyle/>
+            <a:p>
+              <a:pPr algn="ctr"/>
+              <a:endParaRPr lang="fr-FR" sz="1600" b="1">
+                <a:solidFill>
+                  <a:sysClr val="windowText" lastClr="000000"/>
+                </a:solidFill>
+              </a:endParaRPr>
+            </a:p>
+          </p:txBody>
+        </p:sp>
+      </p:grpSp>
+      <p:grpSp>
+        <p:nvGrpSpPr>
+          <p:cNvPr id="14" name="Groupe 13">
+            <a:extLst>
+              <a:ext uri="{FF2B5EF4-FFF2-40B4-BE49-F238E27FC236}">
+                <a16:creationId xmlns:a16="http://schemas.microsoft.com/office/drawing/2014/main" id="{B32994E0-E247-479B-BCFA-9606555044CD}"/>
+              </a:ext>
+            </a:extLst>
+          </p:cNvPr>
+          <p:cNvGrpSpPr/>
+          <p:nvPr/>
+        </p:nvGrpSpPr>
+        <p:grpSpPr>
+          <a:xfrm>
+            <a:off x="9947319" y="3178650"/>
+            <a:ext cx="912331" cy="912331"/>
+            <a:chOff x="9229192" y="5307040"/>
+            <a:chExt cx="912331" cy="912331"/>
+          </a:xfrm>
+        </p:grpSpPr>
+        <p:sp>
+          <p:nvSpPr>
+            <p:cNvPr id="257" name="Rectangle 256">
+              <a:extLst>
+                <a:ext uri="{FF2B5EF4-FFF2-40B4-BE49-F238E27FC236}">
+                  <a16:creationId xmlns:a16="http://schemas.microsoft.com/office/drawing/2014/main" id="{8F4A44ED-4F40-4B36-B89F-883D30AD2481}"/>
+                </a:ext>
+              </a:extLst>
+            </p:cNvPr>
+            <p:cNvSpPr/>
+            <p:nvPr/>
+          </p:nvSpPr>
+          <p:spPr>
+            <a:xfrm>
+              <a:off x="9393053" y="5540714"/>
+              <a:ext cx="288000" cy="288000"/>
+            </a:xfrm>
+            <a:prstGeom prst="rect">
+              <a:avLst/>
+            </a:prstGeom>
+            <a:solidFill>
+              <a:schemeClr val="accent4">
+                <a:lumMod val="20000"/>
+                <a:lumOff val="80000"/>
+              </a:schemeClr>
+            </a:solidFill>
+            <a:ln w="28575">
+              <a:solidFill>
+                <a:schemeClr val="accent4">
+                  <a:lumMod val="50000"/>
+                </a:schemeClr>
+              </a:solidFill>
+            </a:ln>
+          </p:spPr>
+          <p:style>
+            <a:lnRef idx="2">
+              <a:schemeClr val="accent1">
+                <a:shade val="50000"/>
+              </a:schemeClr>
+            </a:lnRef>
+            <a:fillRef idx="1">
+              <a:schemeClr val="accent1"/>
+            </a:fillRef>
+            <a:effectRef idx="0">
+              <a:schemeClr val="accent1"/>
+            </a:effectRef>
+            <a:fontRef idx="minor">
+              <a:schemeClr val="lt1"/>
+            </a:fontRef>
+          </p:style>
+          <p:txBody>
+            <a:bodyPr rtlCol="0" anchor="ctr"/>
+            <a:lstStyle/>
+            <a:p>
+              <a:pPr algn="ctr"/>
+              <a:endParaRPr lang="fr-FR"/>
+            </a:p>
+          </p:txBody>
+        </p:sp>
+        <p:sp>
+          <p:nvSpPr>
+            <p:cNvPr id="240" name="Rectangle 239">
+              <a:extLst>
+                <a:ext uri="{FF2B5EF4-FFF2-40B4-BE49-F238E27FC236}">
+                  <a16:creationId xmlns:a16="http://schemas.microsoft.com/office/drawing/2014/main" id="{220D1DAC-943D-4B59-80DE-B43949EC6D42}"/>
+                </a:ext>
+              </a:extLst>
+            </p:cNvPr>
+            <p:cNvSpPr/>
+            <p:nvPr/>
+          </p:nvSpPr>
+          <p:spPr>
+            <a:xfrm>
+              <a:off x="9595410" y="5947076"/>
+              <a:ext cx="171286" cy="171286"/>
+            </a:xfrm>
+            <a:prstGeom prst="rect">
+              <a:avLst/>
+            </a:prstGeom>
+            <a:solidFill>
+              <a:schemeClr val="accent4">
+                <a:lumMod val="20000"/>
+                <a:lumOff val="80000"/>
+              </a:schemeClr>
+            </a:solidFill>
+            <a:ln w="28575">
+              <a:solidFill>
+                <a:schemeClr val="accent4">
+                  <a:lumMod val="50000"/>
+                </a:schemeClr>
+              </a:solidFill>
+            </a:ln>
+          </p:spPr>
+          <p:style>
+            <a:lnRef idx="2">
+              <a:schemeClr val="accent1">
+                <a:shade val="50000"/>
+              </a:schemeClr>
+            </a:lnRef>
+            <a:fillRef idx="1">
+              <a:schemeClr val="accent1"/>
+            </a:fillRef>
+            <a:effectRef idx="0">
+              <a:schemeClr val="accent1"/>
+            </a:effectRef>
+            <a:fontRef idx="minor">
+              <a:schemeClr val="lt1"/>
+            </a:fontRef>
+          </p:style>
+          <p:txBody>
+            <a:bodyPr rtlCol="0" anchor="ctr"/>
+            <a:lstStyle/>
+            <a:p>
+              <a:pPr algn="ctr"/>
+              <a:endParaRPr lang="fr-FR"/>
+            </a:p>
+          </p:txBody>
+        </p:sp>
+        <p:sp>
+          <p:nvSpPr>
+            <p:cNvPr id="221" name="Rectangle 220">
+              <a:extLst>
+                <a:ext uri="{FF2B5EF4-FFF2-40B4-BE49-F238E27FC236}">
+                  <a16:creationId xmlns:a16="http://schemas.microsoft.com/office/drawing/2014/main" id="{47127F69-CEF4-43C1-98B0-186F160577E1}"/>
+                </a:ext>
+              </a:extLst>
+            </p:cNvPr>
+            <p:cNvSpPr/>
+            <p:nvPr/>
+          </p:nvSpPr>
+          <p:spPr>
+            <a:xfrm rot="2700000">
+              <a:off x="9868734" y="5602653"/>
+              <a:ext cx="171286" cy="171286"/>
+            </a:xfrm>
+            <a:prstGeom prst="rect">
+              <a:avLst/>
+            </a:prstGeom>
+            <a:solidFill>
+              <a:schemeClr val="accent4">
+                <a:lumMod val="20000"/>
+                <a:lumOff val="80000"/>
+              </a:schemeClr>
+            </a:solidFill>
+            <a:ln w="28575">
+              <a:solidFill>
+                <a:schemeClr val="accent4">
+                  <a:lumMod val="50000"/>
+                </a:schemeClr>
+              </a:solidFill>
+            </a:ln>
+          </p:spPr>
+          <p:style>
+            <a:lnRef idx="2">
+              <a:schemeClr val="accent1">
+                <a:shade val="50000"/>
+              </a:schemeClr>
+            </a:lnRef>
+            <a:fillRef idx="1">
+              <a:schemeClr val="accent1"/>
+            </a:fillRef>
+            <a:effectRef idx="0">
+              <a:schemeClr val="accent1"/>
+            </a:effectRef>
+            <a:fontRef idx="minor">
+              <a:schemeClr val="lt1"/>
+            </a:fontRef>
+          </p:style>
+          <p:txBody>
+            <a:bodyPr rtlCol="0" anchor="ctr"/>
+            <a:lstStyle/>
+            <a:p>
+              <a:pPr algn="ctr"/>
+              <a:endParaRPr lang="fr-FR" dirty="0"/>
+            </a:p>
+          </p:txBody>
+        </p:sp>
+        <p:sp>
+          <p:nvSpPr>
+            <p:cNvPr id="275" name="Ellipse 274">
+              <a:extLst>
+                <a:ext uri="{FF2B5EF4-FFF2-40B4-BE49-F238E27FC236}">
+                  <a16:creationId xmlns:a16="http://schemas.microsoft.com/office/drawing/2014/main" id="{2CA809EE-1DEB-4AF3-8338-0181971A6F64}"/>
+                </a:ext>
+              </a:extLst>
+            </p:cNvPr>
+            <p:cNvSpPr/>
+            <p:nvPr/>
+          </p:nvSpPr>
+          <p:spPr>
+            <a:xfrm>
+              <a:off x="9229192" y="5307040"/>
+              <a:ext cx="912331" cy="912331"/>
+            </a:xfrm>
+            <a:prstGeom prst="ellipse">
+              <a:avLst/>
+            </a:prstGeom>
+            <a:noFill/>
+            <a:ln w="19050">
+              <a:solidFill>
+                <a:schemeClr val="accent5">
+                  <a:lumMod val="50000"/>
+                </a:schemeClr>
+              </a:solidFill>
+              <a:prstDash val="dash"/>
+            </a:ln>
+          </p:spPr>
+          <p:style>
+            <a:lnRef idx="2">
+              <a:schemeClr val="accent1">
+                <a:shade val="50000"/>
+              </a:schemeClr>
+            </a:lnRef>
+            <a:fillRef idx="1">
+              <a:schemeClr val="accent1"/>
+            </a:fillRef>
+            <a:effectRef idx="0">
+              <a:schemeClr val="accent1"/>
+            </a:effectRef>
+            <a:fontRef idx="minor">
+              <a:schemeClr val="lt1"/>
+            </a:fontRef>
+          </p:style>
+          <p:txBody>
+            <a:bodyPr rtlCol="0" anchor="t"/>
+            <a:lstStyle/>
+            <a:p>
+              <a:pPr algn="ctr"/>
+              <a:endParaRPr lang="fr-FR" sz="1600" b="1">
+                <a:solidFill>
+                  <a:sysClr val="windowText" lastClr="000000"/>
+                </a:solidFill>
+              </a:endParaRPr>
+            </a:p>
+          </p:txBody>
+        </p:sp>
+      </p:grpSp>
+      <p:cxnSp>
+        <p:nvCxnSpPr>
+          <p:cNvPr id="98" name="Connecteur droit avec flèche 97">
+            <a:extLst>
+              <a:ext uri="{FF2B5EF4-FFF2-40B4-BE49-F238E27FC236}">
+                <a16:creationId xmlns:a16="http://schemas.microsoft.com/office/drawing/2014/main" id="{5B1C90BF-831F-48BE-A416-8568215E960B}"/>
+              </a:ext>
+            </a:extLst>
+          </p:cNvPr>
+          <p:cNvCxnSpPr>
+            <a:cxnSpLocks/>
+          </p:cNvCxnSpPr>
+          <p:nvPr/>
+        </p:nvCxnSpPr>
+        <p:spPr>
+          <a:xfrm>
+            <a:off x="3343644" y="2957159"/>
+            <a:ext cx="1487402" cy="0"/>
+          </a:xfrm>
+          <a:prstGeom prst="straightConnector1">
+            <a:avLst/>
+          </a:prstGeom>
+          <a:ln w="28575">
+            <a:solidFill>
+              <a:srgbClr val="C00000"/>
+            </a:solidFill>
+            <a:tailEnd type="stealth" w="med" len="lg"/>
+          </a:ln>
+        </p:spPr>
+        <p:style>
+          <a:lnRef idx="1">
+            <a:schemeClr val="accent1"/>
+          </a:lnRef>
+          <a:fillRef idx="0">
+            <a:schemeClr val="accent1"/>
+          </a:fillRef>
+          <a:effectRef idx="0">
+            <a:schemeClr val="accent1"/>
+          </a:effectRef>
+          <a:fontRef idx="minor">
+            <a:schemeClr val="tx1"/>
+          </a:fontRef>
+        </p:style>
+      </p:cxnSp>
+      <p:cxnSp>
+        <p:nvCxnSpPr>
+          <p:cNvPr id="100" name="Connecteur droit avec flèche 99">
+            <a:extLst>
+              <a:ext uri="{FF2B5EF4-FFF2-40B4-BE49-F238E27FC236}">
+                <a16:creationId xmlns:a16="http://schemas.microsoft.com/office/drawing/2014/main" id="{4B6C7FCC-D798-40DB-8641-D3AA90EEA747}"/>
+              </a:ext>
+            </a:extLst>
+          </p:cNvPr>
+          <p:cNvCxnSpPr>
+            <a:cxnSpLocks/>
+          </p:cNvCxnSpPr>
+          <p:nvPr/>
+        </p:nvCxnSpPr>
+        <p:spPr>
+          <a:xfrm>
+            <a:off x="7524621" y="2957159"/>
+            <a:ext cx="1415296" cy="0"/>
+          </a:xfrm>
+          <a:prstGeom prst="straightConnector1">
+            <a:avLst/>
+          </a:prstGeom>
+          <a:ln w="28575">
+            <a:solidFill>
+              <a:srgbClr val="C00000"/>
+            </a:solidFill>
+            <a:tailEnd type="stealth" w="med" len="lg"/>
+          </a:ln>
+        </p:spPr>
+        <p:style>
+          <a:lnRef idx="1">
+            <a:schemeClr val="accent1"/>
+          </a:lnRef>
+          <a:fillRef idx="0">
+            <a:schemeClr val="accent1"/>
+          </a:fillRef>
+          <a:effectRef idx="0">
+            <a:schemeClr val="accent1"/>
+          </a:effectRef>
+          <a:fontRef idx="minor">
+            <a:schemeClr val="tx1"/>
+          </a:fontRef>
+        </p:style>
+      </p:cxnSp>
     </p:spTree>
     <p:extLst>
       <p:ext uri="{BB962C8B-B14F-4D97-AF65-F5344CB8AC3E}">
-        <p14:creationId xmlns:p14="http://schemas.microsoft.com/office/powerpoint/2010/main" val="994271155"/>
+        <p14:creationId xmlns:p14="http://schemas.microsoft.com/office/powerpoint/2010/main" val="761783175"/>
       </p:ext>
     </p:extLst>
   </p:cSld>
@@ -4109,7 +6270,7 @@
 </p:sld>
 </file>
 
-<file path=ppt/slides/slide10.xml><?xml version="1.0" encoding="utf-8"?>
+<file path=ppt/slides/slide11.xml><?xml version="1.0" encoding="utf-8"?>
 <p:sld xmlns:a="http://schemas.openxmlformats.org/drawingml/2006/main" xmlns:r="http://schemas.openxmlformats.org/officeDocument/2006/relationships" xmlns:p="http://schemas.openxmlformats.org/presentationml/2006/main">
   <p:cSld>
     <p:spTree>
@@ -9465,7 +11626,7 @@
 </p:sld>
 </file>
 
-<file path=ppt/slides/slide11.xml><?xml version="1.0" encoding="utf-8"?>
+<file path=ppt/slides/slide12.xml><?xml version="1.0" encoding="utf-8"?>
 <p:sld xmlns:a="http://schemas.openxmlformats.org/drawingml/2006/main" xmlns:r="http://schemas.openxmlformats.org/officeDocument/2006/relationships" xmlns:p="http://schemas.openxmlformats.org/presentationml/2006/main">
   <p:cSld>
     <p:spTree>
@@ -9603,7 +11764,7 @@
           <a:p>
             <a:pPr algn="ctr"/>
             <a:r>
-              <a:rPr lang="fr-FR" sz="1200" b="1" dirty="0" smtClean="0">
+              <a:rPr lang="fr-FR" sz="1200" b="1" dirty="0">
                 <a:solidFill>
                   <a:sysClr val="windowText" lastClr="000000"/>
                 </a:solidFill>
@@ -9923,7 +12084,7 @@
 </p:sld>
 </file>
 
-<file path=ppt/slides/slide12.xml><?xml version="1.0" encoding="utf-8"?>
+<file path=ppt/slides/slide13.xml><?xml version="1.0" encoding="utf-8"?>
 <p:sld xmlns:a="http://schemas.openxmlformats.org/drawingml/2006/main" xmlns:r="http://schemas.openxmlformats.org/officeDocument/2006/relationships" xmlns:p="http://schemas.openxmlformats.org/presentationml/2006/main">
   <p:cSld>
     <p:spTree>
@@ -10598,6 +12759,264 @@
         <p:spPr>
           <a:xfrm>
             <a:off x="1041990" y="1977656"/>
+            <a:ext cx="1456661" cy="1451344"/>
+          </a:xfrm>
+          <a:prstGeom prst="rect">
+            <a:avLst/>
+          </a:prstGeom>
+          <a:solidFill>
+            <a:schemeClr val="accent6">
+              <a:lumMod val="20000"/>
+              <a:lumOff val="80000"/>
+            </a:schemeClr>
+          </a:solidFill>
+          <a:ln w="28575">
+            <a:solidFill>
+              <a:srgbClr val="00B050"/>
+            </a:solidFill>
+          </a:ln>
+        </p:spPr>
+        <p:style>
+          <a:lnRef idx="2">
+            <a:schemeClr val="accent1">
+              <a:shade val="50000"/>
+            </a:schemeClr>
+          </a:lnRef>
+          <a:fillRef idx="1">
+            <a:schemeClr val="accent1"/>
+          </a:fillRef>
+          <a:effectRef idx="0">
+            <a:schemeClr val="accent1"/>
+          </a:effectRef>
+          <a:fontRef idx="minor">
+            <a:schemeClr val="lt1"/>
+          </a:fontRef>
+        </p:style>
+        <p:txBody>
+          <a:bodyPr rtlCol="0" anchor="ctr"/>
+          <a:lstStyle/>
+          <a:p>
+            <a:pPr algn="ctr"/>
+            <a:r>
+              <a:rPr lang="fr-FR" dirty="0">
+                <a:solidFill>
+                  <a:sysClr val="windowText" lastClr="000000"/>
+                </a:solidFill>
+              </a:rPr>
+              <a:t>Données</a:t>
+            </a:r>
+          </a:p>
+        </p:txBody>
+      </p:sp>
+      <p:sp>
+        <p:nvSpPr>
+          <p:cNvPr id="7" name="Rectangle 6">
+            <a:extLst>
+              <a:ext uri="{FF2B5EF4-FFF2-40B4-BE49-F238E27FC236}">
+                <a16:creationId xmlns:a16="http://schemas.microsoft.com/office/drawing/2014/main" id="{3F0F66DC-6284-4570-AA38-6B1EE1E61054}"/>
+              </a:ext>
+            </a:extLst>
+          </p:cNvPr>
+          <p:cNvSpPr/>
+          <p:nvPr/>
+        </p:nvSpPr>
+        <p:spPr>
+          <a:xfrm>
+            <a:off x="3937590" y="1977656"/>
+            <a:ext cx="1456661" cy="1451344"/>
+          </a:xfrm>
+          <a:prstGeom prst="rect">
+            <a:avLst/>
+          </a:prstGeom>
+          <a:solidFill>
+            <a:schemeClr val="accent2">
+              <a:lumMod val="20000"/>
+              <a:lumOff val="80000"/>
+            </a:schemeClr>
+          </a:solidFill>
+          <a:ln w="28575">
+            <a:solidFill>
+              <a:schemeClr val="accent2">
+                <a:lumMod val="50000"/>
+              </a:schemeClr>
+            </a:solidFill>
+          </a:ln>
+        </p:spPr>
+        <p:style>
+          <a:lnRef idx="2">
+            <a:schemeClr val="accent1">
+              <a:shade val="50000"/>
+            </a:schemeClr>
+          </a:lnRef>
+          <a:fillRef idx="1">
+            <a:schemeClr val="accent1"/>
+          </a:fillRef>
+          <a:effectRef idx="0">
+            <a:schemeClr val="accent1"/>
+          </a:effectRef>
+          <a:fontRef idx="minor">
+            <a:schemeClr val="lt1"/>
+          </a:fontRef>
+        </p:style>
+        <p:txBody>
+          <a:bodyPr rtlCol="0" anchor="ctr"/>
+          <a:lstStyle/>
+          <a:p>
+            <a:pPr algn="ctr"/>
+            <a:r>
+              <a:rPr lang="fr-FR" dirty="0">
+                <a:solidFill>
+                  <a:sysClr val="windowText" lastClr="000000"/>
+                </a:solidFill>
+              </a:rPr>
+              <a:t>Un truc</a:t>
+            </a:r>
+          </a:p>
+        </p:txBody>
+      </p:sp>
+      <p:sp>
+        <p:nvSpPr>
+          <p:cNvPr id="8" name="Rectangle 7">
+            <a:extLst>
+              <a:ext uri="{FF2B5EF4-FFF2-40B4-BE49-F238E27FC236}">
+                <a16:creationId xmlns:a16="http://schemas.microsoft.com/office/drawing/2014/main" id="{E26924C5-46D6-4BEC-A919-810F5E75F12A}"/>
+              </a:ext>
+            </a:extLst>
+          </p:cNvPr>
+          <p:cNvSpPr/>
+          <p:nvPr/>
+        </p:nvSpPr>
+        <p:spPr>
+          <a:xfrm>
+            <a:off x="6833190" y="1977656"/>
+            <a:ext cx="1456661" cy="1451344"/>
+          </a:xfrm>
+          <a:prstGeom prst="rect">
+            <a:avLst/>
+          </a:prstGeom>
+          <a:solidFill>
+            <a:schemeClr val="accent5">
+              <a:lumMod val="20000"/>
+              <a:lumOff val="80000"/>
+            </a:schemeClr>
+          </a:solidFill>
+          <a:ln w="28575">
+            <a:solidFill>
+              <a:schemeClr val="accent5">
+                <a:lumMod val="75000"/>
+              </a:schemeClr>
+            </a:solidFill>
+          </a:ln>
+        </p:spPr>
+        <p:style>
+          <a:lnRef idx="2">
+            <a:schemeClr val="accent1">
+              <a:shade val="50000"/>
+            </a:schemeClr>
+          </a:lnRef>
+          <a:fillRef idx="1">
+            <a:schemeClr val="accent1"/>
+          </a:fillRef>
+          <a:effectRef idx="0">
+            <a:schemeClr val="accent1"/>
+          </a:effectRef>
+          <a:fontRef idx="minor">
+            <a:schemeClr val="lt1"/>
+          </a:fontRef>
+        </p:style>
+        <p:txBody>
+          <a:bodyPr rtlCol="0" anchor="ctr"/>
+          <a:lstStyle/>
+          <a:p>
+            <a:pPr algn="ctr"/>
+            <a:r>
+              <a:rPr lang="fr-FR" dirty="0">
+                <a:solidFill>
+                  <a:sysClr val="windowText" lastClr="000000"/>
+                </a:solidFill>
+              </a:rPr>
+              <a:t>Résultat</a:t>
+            </a:r>
+          </a:p>
+        </p:txBody>
+      </p:sp>
+    </p:spTree>
+    <p:extLst>
+      <p:ext uri="{BB962C8B-B14F-4D97-AF65-F5344CB8AC3E}">
+        <p14:creationId xmlns:p14="http://schemas.microsoft.com/office/powerpoint/2010/main" val="994271155"/>
+      </p:ext>
+    </p:extLst>
+  </p:cSld>
+  <p:clrMapOvr>
+    <a:masterClrMapping/>
+  </p:clrMapOvr>
+</p:sld>
+</file>
+
+<file path=ppt/slides/slide3.xml><?xml version="1.0" encoding="utf-8"?>
+<p:sld xmlns:a="http://schemas.openxmlformats.org/drawingml/2006/main" xmlns:r="http://schemas.openxmlformats.org/officeDocument/2006/relationships" xmlns:p="http://schemas.openxmlformats.org/presentationml/2006/main">
+  <p:cSld>
+    <p:spTree>
+      <p:nvGrpSpPr>
+        <p:cNvPr id="1" name=""/>
+        <p:cNvGrpSpPr/>
+        <p:nvPr/>
+      </p:nvGrpSpPr>
+      <p:grpSpPr>
+        <a:xfrm>
+          <a:off x="0" y="0"/>
+          <a:ext cx="0" cy="0"/>
+          <a:chOff x="0" y="0"/>
+          <a:chExt cx="0" cy="0"/>
+        </a:xfrm>
+      </p:grpSpPr>
+      <p:sp>
+        <p:nvSpPr>
+          <p:cNvPr id="4" name="Titre 3">
+            <a:extLst>
+              <a:ext uri="{FF2B5EF4-FFF2-40B4-BE49-F238E27FC236}">
+                <a16:creationId xmlns:a16="http://schemas.microsoft.com/office/drawing/2014/main" id="{8FF712B1-8737-428E-93F3-27669E56E535}"/>
+              </a:ext>
+            </a:extLst>
+          </p:cNvPr>
+          <p:cNvSpPr>
+            <a:spLocks noGrp="1"/>
+          </p:cNvSpPr>
+          <p:nvPr>
+            <p:ph type="title"/>
+          </p:nvPr>
+        </p:nvSpPr>
+        <p:spPr/>
+        <p:txBody>
+          <a:bodyPr/>
+          <a:lstStyle/>
+          <a:p>
+            <a:r>
+              <a:rPr lang="fr-FR" dirty="0"/>
+              <a:t>Mécanisme d’IA</a:t>
+            </a:r>
+            <a:br>
+              <a:rPr lang="fr-FR" dirty="0"/>
+            </a:br>
+            <a:endParaRPr lang="fr-FR" dirty="0"/>
+          </a:p>
+        </p:txBody>
+      </p:sp>
+      <p:sp>
+        <p:nvSpPr>
+          <p:cNvPr id="6" name="Rectangle 5">
+            <a:extLst>
+              <a:ext uri="{FF2B5EF4-FFF2-40B4-BE49-F238E27FC236}">
+                <a16:creationId xmlns:a16="http://schemas.microsoft.com/office/drawing/2014/main" id="{2BBC1617-C813-4602-8ABC-1F55D8512D5F}"/>
+              </a:ext>
+            </a:extLst>
+          </p:cNvPr>
+          <p:cNvSpPr/>
+          <p:nvPr/>
+        </p:nvSpPr>
+        <p:spPr>
+          <a:xfrm>
+            <a:off x="1041990" y="1977656"/>
             <a:ext cx="1456661" cy="2179674"/>
           </a:xfrm>
           <a:prstGeom prst="rect">
@@ -11203,7 +13622,7 @@
 </p:sld>
 </file>
 
-<file path=ppt/slides/slide3.xml><?xml version="1.0" encoding="utf-8"?>
+<file path=ppt/slides/slide4.xml><?xml version="1.0" encoding="utf-8"?>
 <p:sld xmlns:a="http://schemas.openxmlformats.org/drawingml/2006/main" xmlns:r="http://schemas.openxmlformats.org/officeDocument/2006/relationships" xmlns:p="http://schemas.openxmlformats.org/presentationml/2006/main">
   <p:cSld>
     <p:spTree>
@@ -12289,7 +14708,7 @@
 </p:sld>
 </file>
 
-<file path=ppt/slides/slide4.xml><?xml version="1.0" encoding="utf-8"?>
+<file path=ppt/slides/slide5.xml><?xml version="1.0" encoding="utf-8"?>
 <p:sld xmlns:a="http://schemas.openxmlformats.org/drawingml/2006/main" xmlns:r="http://schemas.openxmlformats.org/officeDocument/2006/relationships" xmlns:p="http://schemas.openxmlformats.org/presentationml/2006/main">
   <p:cSld>
     <p:spTree>
@@ -13930,7 +16349,7 @@
 </p:sld>
 </file>
 
-<file path=ppt/slides/slide5.xml><?xml version="1.0" encoding="utf-8"?>
+<file path=ppt/slides/slide6.xml><?xml version="1.0" encoding="utf-8"?>
 <p:sld xmlns:a="http://schemas.openxmlformats.org/drawingml/2006/main" xmlns:r="http://schemas.openxmlformats.org/officeDocument/2006/relationships" xmlns:p="http://schemas.openxmlformats.org/presentationml/2006/main">
   <p:cSld>
     <p:spTree>
@@ -14693,7 +17112,7 @@
 </p:sld>
 </file>
 
-<file path=ppt/slides/slide6.xml><?xml version="1.0" encoding="utf-8"?>
+<file path=ppt/slides/slide7.xml><?xml version="1.0" encoding="utf-8"?>
 <p:sld xmlns:a="http://schemas.openxmlformats.org/drawingml/2006/main" xmlns:r="http://schemas.openxmlformats.org/officeDocument/2006/relationships" xmlns:p="http://schemas.openxmlformats.org/presentationml/2006/main">
   <p:cSld>
     <p:spTree>
@@ -15818,7 +18237,7 @@
 </p:sld>
 </file>
 
-<file path=ppt/slides/slide7.xml><?xml version="1.0" encoding="utf-8"?>
+<file path=ppt/slides/slide8.xml><?xml version="1.0" encoding="utf-8"?>
 <p:sld xmlns:a="http://schemas.openxmlformats.org/drawingml/2006/main" xmlns:r="http://schemas.openxmlformats.org/officeDocument/2006/relationships" xmlns:p="http://schemas.openxmlformats.org/presentationml/2006/main">
   <p:cSld>
     <p:spTree>
@@ -16464,7 +18883,7 @@
 </p:sld>
 </file>
 
-<file path=ppt/slides/slide8.xml><?xml version="1.0" encoding="utf-8"?>
+<file path=ppt/slides/slide9.xml><?xml version="1.0" encoding="utf-8"?>
 <p:sld xmlns:a="http://schemas.openxmlformats.org/drawingml/2006/main" xmlns:r="http://schemas.openxmlformats.org/officeDocument/2006/relationships" xmlns:p="http://schemas.openxmlformats.org/presentationml/2006/main">
   <p:cSld>
     <p:spTree>
@@ -20284,2283 +22703,6 @@
 </p:sld>
 </file>
 
-<file path=ppt/slides/slide9.xml><?xml version="1.0" encoding="utf-8"?>
-<p:sld xmlns:a="http://schemas.openxmlformats.org/drawingml/2006/main" xmlns:r="http://schemas.openxmlformats.org/officeDocument/2006/relationships" xmlns:p="http://schemas.openxmlformats.org/presentationml/2006/main">
-  <p:cSld>
-    <p:spTree>
-      <p:nvGrpSpPr>
-        <p:cNvPr id="1" name=""/>
-        <p:cNvGrpSpPr/>
-        <p:nvPr/>
-      </p:nvGrpSpPr>
-      <p:grpSpPr>
-        <a:xfrm>
-          <a:off x="0" y="0"/>
-          <a:ext cx="0" cy="0"/>
-          <a:chOff x="0" y="0"/>
-          <a:chExt cx="0" cy="0"/>
-        </a:xfrm>
-      </p:grpSpPr>
-      <p:sp>
-        <p:nvSpPr>
-          <p:cNvPr id="2" name="Titre 1">
-            <a:extLst>
-              <a:ext uri="{FF2B5EF4-FFF2-40B4-BE49-F238E27FC236}">
-                <a16:creationId xmlns:a16="http://schemas.microsoft.com/office/drawing/2014/main" id="{9E3CB60B-07C0-4B60-9769-1F041E53DDC6}"/>
-              </a:ext>
-            </a:extLst>
-          </p:cNvPr>
-          <p:cNvSpPr>
-            <a:spLocks noGrp="1"/>
-          </p:cNvSpPr>
-          <p:nvPr>
-            <p:ph type="title"/>
-          </p:nvPr>
-        </p:nvSpPr>
-        <p:spPr>
-          <a:xfrm>
-            <a:off x="1622357" y="-264267"/>
-            <a:ext cx="10515600" cy="1325563"/>
-          </a:xfrm>
-        </p:spPr>
-        <p:txBody>
-          <a:bodyPr/>
-          <a:lstStyle/>
-          <a:p>
-            <a:r>
-              <a:rPr lang="fr-FR" dirty="0"/>
-              <a:t>Apprentissage non supervisé</a:t>
-            </a:r>
-          </a:p>
-        </p:txBody>
-      </p:sp>
-      <p:sp>
-        <p:nvSpPr>
-          <p:cNvPr id="133" name="Rectangle 132">
-            <a:extLst>
-              <a:ext uri="{FF2B5EF4-FFF2-40B4-BE49-F238E27FC236}">
-                <a16:creationId xmlns:a16="http://schemas.microsoft.com/office/drawing/2014/main" id="{D966BE03-919F-424D-8E22-98C9BA390E3F}"/>
-              </a:ext>
-            </a:extLst>
-          </p:cNvPr>
-          <p:cNvSpPr/>
-          <p:nvPr/>
-        </p:nvSpPr>
-        <p:spPr>
-          <a:xfrm>
-            <a:off x="906453" y="1447959"/>
-            <a:ext cx="2437191" cy="2794853"/>
-          </a:xfrm>
-          <a:prstGeom prst="rect">
-            <a:avLst/>
-          </a:prstGeom>
-          <a:solidFill>
-            <a:schemeClr val="accent6">
-              <a:lumMod val="20000"/>
-              <a:lumOff val="80000"/>
-            </a:schemeClr>
-          </a:solidFill>
-          <a:ln w="19050">
-            <a:solidFill>
-              <a:schemeClr val="accent6">
-                <a:lumMod val="75000"/>
-              </a:schemeClr>
-            </a:solidFill>
-          </a:ln>
-        </p:spPr>
-        <p:style>
-          <a:lnRef idx="2">
-            <a:schemeClr val="accent1">
-              <a:shade val="50000"/>
-            </a:schemeClr>
-          </a:lnRef>
-          <a:fillRef idx="1">
-            <a:schemeClr val="accent1"/>
-          </a:fillRef>
-          <a:effectRef idx="0">
-            <a:schemeClr val="accent1"/>
-          </a:effectRef>
-          <a:fontRef idx="minor">
-            <a:schemeClr val="lt1"/>
-          </a:fontRef>
-        </p:style>
-        <p:txBody>
-          <a:bodyPr rtlCol="0" anchor="t"/>
-          <a:lstStyle/>
-          <a:p>
-            <a:pPr algn="ctr"/>
-            <a:r>
-              <a:rPr lang="fr-FR" sz="1600" b="1" dirty="0">
-                <a:solidFill>
-                  <a:sysClr val="windowText" lastClr="000000"/>
-                </a:solidFill>
-              </a:rPr>
-              <a:t>Données</a:t>
-            </a:r>
-          </a:p>
-        </p:txBody>
-      </p:sp>
-      <p:sp>
-        <p:nvSpPr>
-          <p:cNvPr id="77" name="Rectangle 76">
-            <a:extLst>
-              <a:ext uri="{FF2B5EF4-FFF2-40B4-BE49-F238E27FC236}">
-                <a16:creationId xmlns:a16="http://schemas.microsoft.com/office/drawing/2014/main" id="{4F3A3A77-94F7-4A99-99F9-1B38337FF1C2}"/>
-              </a:ext>
-            </a:extLst>
-          </p:cNvPr>
-          <p:cNvSpPr/>
-          <p:nvPr/>
-        </p:nvSpPr>
-        <p:spPr>
-          <a:xfrm>
-            <a:off x="1138128" y="1963658"/>
-            <a:ext cx="1958434" cy="2026314"/>
-          </a:xfrm>
-          <a:prstGeom prst="rect">
-            <a:avLst/>
-          </a:prstGeom>
-          <a:solidFill>
-            <a:schemeClr val="accent6">
-              <a:lumMod val="20000"/>
-              <a:lumOff val="80000"/>
-            </a:schemeClr>
-          </a:solidFill>
-          <a:ln w="19050">
-            <a:solidFill>
-              <a:schemeClr val="accent6">
-                <a:lumMod val="75000"/>
-              </a:schemeClr>
-            </a:solidFill>
-          </a:ln>
-        </p:spPr>
-        <p:style>
-          <a:lnRef idx="2">
-            <a:schemeClr val="accent1">
-              <a:shade val="50000"/>
-            </a:schemeClr>
-          </a:lnRef>
-          <a:fillRef idx="1">
-            <a:schemeClr val="accent1"/>
-          </a:fillRef>
-          <a:effectRef idx="0">
-            <a:schemeClr val="accent1"/>
-          </a:effectRef>
-          <a:fontRef idx="minor">
-            <a:schemeClr val="lt1"/>
-          </a:fontRef>
-        </p:style>
-        <p:txBody>
-          <a:bodyPr rtlCol="0" anchor="t"/>
-          <a:lstStyle/>
-          <a:p>
-            <a:pPr algn="ctr"/>
-            <a:r>
-              <a:rPr lang="fr-FR" sz="1200" dirty="0">
-                <a:solidFill>
-                  <a:sysClr val="windowText" lastClr="000000"/>
-                </a:solidFill>
-              </a:rPr>
-              <a:t>Données </a:t>
-            </a:r>
-          </a:p>
-          <a:p>
-            <a:pPr algn="ctr"/>
-            <a:r>
-              <a:rPr lang="fr-FR" sz="1200" dirty="0">
-                <a:solidFill>
-                  <a:sysClr val="windowText" lastClr="000000"/>
-                </a:solidFill>
-              </a:rPr>
-              <a:t>(pour l’apprentissage)</a:t>
-            </a:r>
-          </a:p>
-        </p:txBody>
-      </p:sp>
-      <p:grpSp>
-        <p:nvGrpSpPr>
-          <p:cNvPr id="207" name="Groupe 206">
-            <a:extLst>
-              <a:ext uri="{FF2B5EF4-FFF2-40B4-BE49-F238E27FC236}">
-                <a16:creationId xmlns:a16="http://schemas.microsoft.com/office/drawing/2014/main" id="{643B711E-FC7B-4407-91ED-474AB047F39B}"/>
-              </a:ext>
-            </a:extLst>
-          </p:cNvPr>
-          <p:cNvGrpSpPr/>
-          <p:nvPr/>
-        </p:nvGrpSpPr>
-        <p:grpSpPr>
-          <a:xfrm>
-            <a:off x="1372516" y="2610728"/>
-            <a:ext cx="1456575" cy="1211562"/>
-            <a:chOff x="691117" y="2124915"/>
-            <a:chExt cx="1456575" cy="1211562"/>
-          </a:xfrm>
-        </p:grpSpPr>
-        <p:sp>
-          <p:nvSpPr>
-            <p:cNvPr id="4" name="Rectangle 3">
-              <a:extLst>
-                <a:ext uri="{FF2B5EF4-FFF2-40B4-BE49-F238E27FC236}">
-                  <a16:creationId xmlns:a16="http://schemas.microsoft.com/office/drawing/2014/main" id="{31D671A0-7941-42F0-B296-FD8E2DC10018}"/>
-                </a:ext>
-              </a:extLst>
-            </p:cNvPr>
-            <p:cNvSpPr/>
-            <p:nvPr/>
-          </p:nvSpPr>
-          <p:spPr>
-            <a:xfrm>
-              <a:off x="691117" y="2131088"/>
-              <a:ext cx="288000" cy="288000"/>
-            </a:xfrm>
-            <a:prstGeom prst="rect">
-              <a:avLst/>
-            </a:prstGeom>
-            <a:solidFill>
-              <a:schemeClr val="accent4">
-                <a:lumMod val="20000"/>
-                <a:lumOff val="80000"/>
-              </a:schemeClr>
-            </a:solidFill>
-            <a:ln w="28575">
-              <a:solidFill>
-                <a:schemeClr val="accent4">
-                  <a:lumMod val="50000"/>
-                </a:schemeClr>
-              </a:solidFill>
-            </a:ln>
-          </p:spPr>
-          <p:style>
-            <a:lnRef idx="2">
-              <a:schemeClr val="accent1">
-                <a:shade val="50000"/>
-              </a:schemeClr>
-            </a:lnRef>
-            <a:fillRef idx="1">
-              <a:schemeClr val="accent1"/>
-            </a:fillRef>
-            <a:effectRef idx="0">
-              <a:schemeClr val="accent1"/>
-            </a:effectRef>
-            <a:fontRef idx="minor">
-              <a:schemeClr val="lt1"/>
-            </a:fontRef>
-          </p:style>
-          <p:txBody>
-            <a:bodyPr rtlCol="0" anchor="ctr"/>
-            <a:lstStyle/>
-            <a:p>
-              <a:pPr algn="ctr"/>
-              <a:endParaRPr lang="fr-FR"/>
-            </a:p>
-          </p:txBody>
-        </p:sp>
-        <p:sp>
-          <p:nvSpPr>
-            <p:cNvPr id="5" name="Triangle isocèle 4">
-              <a:extLst>
-                <a:ext uri="{FF2B5EF4-FFF2-40B4-BE49-F238E27FC236}">
-                  <a16:creationId xmlns:a16="http://schemas.microsoft.com/office/drawing/2014/main" id="{EFB3B4A1-3673-4CAF-A61F-BDAB8433C815}"/>
-                </a:ext>
-              </a:extLst>
-            </p:cNvPr>
-            <p:cNvSpPr/>
-            <p:nvPr/>
-          </p:nvSpPr>
-          <p:spPr>
-            <a:xfrm>
-              <a:off x="1263068" y="2135043"/>
-              <a:ext cx="324000" cy="288000"/>
-            </a:xfrm>
-            <a:prstGeom prst="triangle">
-              <a:avLst/>
-            </a:prstGeom>
-            <a:solidFill>
-              <a:schemeClr val="accent2">
-                <a:lumMod val="20000"/>
-                <a:lumOff val="80000"/>
-              </a:schemeClr>
-            </a:solidFill>
-            <a:ln w="28575">
-              <a:solidFill>
-                <a:schemeClr val="accent2">
-                  <a:lumMod val="50000"/>
-                </a:schemeClr>
-              </a:solidFill>
-            </a:ln>
-          </p:spPr>
-          <p:style>
-            <a:lnRef idx="2">
-              <a:schemeClr val="accent1">
-                <a:shade val="50000"/>
-              </a:schemeClr>
-            </a:lnRef>
-            <a:fillRef idx="1">
-              <a:schemeClr val="accent1"/>
-            </a:fillRef>
-            <a:effectRef idx="0">
-              <a:schemeClr val="accent1"/>
-            </a:effectRef>
-            <a:fontRef idx="minor">
-              <a:schemeClr val="lt1"/>
-            </a:fontRef>
-          </p:style>
-          <p:txBody>
-            <a:bodyPr rtlCol="0" anchor="ctr"/>
-            <a:lstStyle/>
-            <a:p>
-              <a:pPr algn="ctr"/>
-              <a:endParaRPr lang="fr-FR"/>
-            </a:p>
-          </p:txBody>
-        </p:sp>
-        <p:sp>
-          <p:nvSpPr>
-            <p:cNvPr id="6" name="Pentagone 5">
-              <a:extLst>
-                <a:ext uri="{FF2B5EF4-FFF2-40B4-BE49-F238E27FC236}">
-                  <a16:creationId xmlns:a16="http://schemas.microsoft.com/office/drawing/2014/main" id="{9113319B-B48F-48E1-A6CB-DF46422ECC0A}"/>
-                </a:ext>
-              </a:extLst>
-            </p:cNvPr>
-            <p:cNvSpPr/>
-            <p:nvPr/>
-          </p:nvSpPr>
-          <p:spPr>
-            <a:xfrm>
-              <a:off x="1859692" y="2124915"/>
-              <a:ext cx="288000" cy="288000"/>
-            </a:xfrm>
-            <a:prstGeom prst="pentagon">
-              <a:avLst/>
-            </a:prstGeom>
-            <a:solidFill>
-              <a:schemeClr val="accent5">
-                <a:lumMod val="20000"/>
-                <a:lumOff val="80000"/>
-              </a:schemeClr>
-            </a:solidFill>
-            <a:ln w="28575">
-              <a:solidFill>
-                <a:schemeClr val="accent5">
-                  <a:lumMod val="50000"/>
-                </a:schemeClr>
-              </a:solidFill>
-            </a:ln>
-          </p:spPr>
-          <p:style>
-            <a:lnRef idx="2">
-              <a:schemeClr val="accent1">
-                <a:shade val="50000"/>
-              </a:schemeClr>
-            </a:lnRef>
-            <a:fillRef idx="1">
-              <a:schemeClr val="accent1"/>
-            </a:fillRef>
-            <a:effectRef idx="0">
-              <a:schemeClr val="accent1"/>
-            </a:effectRef>
-            <a:fontRef idx="minor">
-              <a:schemeClr val="lt1"/>
-            </a:fontRef>
-          </p:style>
-          <p:txBody>
-            <a:bodyPr rtlCol="0" anchor="ctr"/>
-            <a:lstStyle/>
-            <a:p>
-              <a:pPr algn="ctr"/>
-              <a:endParaRPr lang="fr-FR"/>
-            </a:p>
-          </p:txBody>
-        </p:sp>
-        <p:sp>
-          <p:nvSpPr>
-            <p:cNvPr id="42" name="Rectangle 41">
-              <a:extLst>
-                <a:ext uri="{FF2B5EF4-FFF2-40B4-BE49-F238E27FC236}">
-                  <a16:creationId xmlns:a16="http://schemas.microsoft.com/office/drawing/2014/main" id="{6995E2FE-42AF-493E-89DD-CBE0C8EE9975}"/>
-                </a:ext>
-              </a:extLst>
-            </p:cNvPr>
-            <p:cNvSpPr/>
-            <p:nvPr/>
-          </p:nvSpPr>
-          <p:spPr>
-            <a:xfrm>
-              <a:off x="754367" y="2702985"/>
-              <a:ext cx="171286" cy="171286"/>
-            </a:xfrm>
-            <a:prstGeom prst="rect">
-              <a:avLst/>
-            </a:prstGeom>
-            <a:solidFill>
-              <a:schemeClr val="accent4">
-                <a:lumMod val="20000"/>
-                <a:lumOff val="80000"/>
-              </a:schemeClr>
-            </a:solidFill>
-            <a:ln w="28575">
-              <a:solidFill>
-                <a:schemeClr val="accent4">
-                  <a:lumMod val="50000"/>
-                </a:schemeClr>
-              </a:solidFill>
-            </a:ln>
-          </p:spPr>
-          <p:style>
-            <a:lnRef idx="2">
-              <a:schemeClr val="accent1">
-                <a:shade val="50000"/>
-              </a:schemeClr>
-            </a:lnRef>
-            <a:fillRef idx="1">
-              <a:schemeClr val="accent1"/>
-            </a:fillRef>
-            <a:effectRef idx="0">
-              <a:schemeClr val="accent1"/>
-            </a:effectRef>
-            <a:fontRef idx="minor">
-              <a:schemeClr val="lt1"/>
-            </a:fontRef>
-          </p:style>
-          <p:txBody>
-            <a:bodyPr rtlCol="0" anchor="ctr"/>
-            <a:lstStyle/>
-            <a:p>
-              <a:pPr algn="ctr"/>
-              <a:endParaRPr lang="fr-FR"/>
-            </a:p>
-          </p:txBody>
-        </p:sp>
-        <p:sp>
-          <p:nvSpPr>
-            <p:cNvPr id="48" name="Triangle isocèle 47">
-              <a:extLst>
-                <a:ext uri="{FF2B5EF4-FFF2-40B4-BE49-F238E27FC236}">
-                  <a16:creationId xmlns:a16="http://schemas.microsoft.com/office/drawing/2014/main" id="{B661DAE1-0961-404C-ACEE-1627048ABAAF}"/>
-                </a:ext>
-              </a:extLst>
-            </p:cNvPr>
-            <p:cNvSpPr/>
-            <p:nvPr/>
-          </p:nvSpPr>
-          <p:spPr>
-            <a:xfrm>
-              <a:off x="1344949" y="2680195"/>
-              <a:ext cx="218336" cy="194076"/>
-            </a:xfrm>
-            <a:prstGeom prst="triangle">
-              <a:avLst/>
-            </a:prstGeom>
-            <a:solidFill>
-              <a:schemeClr val="accent2">
-                <a:lumMod val="20000"/>
-                <a:lumOff val="80000"/>
-              </a:schemeClr>
-            </a:solidFill>
-            <a:ln w="28575">
-              <a:solidFill>
-                <a:schemeClr val="accent2">
-                  <a:lumMod val="50000"/>
-                </a:schemeClr>
-              </a:solidFill>
-            </a:ln>
-          </p:spPr>
-          <p:style>
-            <a:lnRef idx="2">
-              <a:schemeClr val="accent1">
-                <a:shade val="50000"/>
-              </a:schemeClr>
-            </a:lnRef>
-            <a:fillRef idx="1">
-              <a:schemeClr val="accent1"/>
-            </a:fillRef>
-            <a:effectRef idx="0">
-              <a:schemeClr val="accent1"/>
-            </a:effectRef>
-            <a:fontRef idx="minor">
-              <a:schemeClr val="lt1"/>
-            </a:fontRef>
-          </p:style>
-          <p:txBody>
-            <a:bodyPr rtlCol="0" anchor="ctr"/>
-            <a:lstStyle/>
-            <a:p>
-              <a:pPr algn="ctr"/>
-              <a:endParaRPr lang="fr-FR"/>
-            </a:p>
-          </p:txBody>
-        </p:sp>
-        <p:sp>
-          <p:nvSpPr>
-            <p:cNvPr id="54" name="Pentagone 53">
-              <a:extLst>
-                <a:ext uri="{FF2B5EF4-FFF2-40B4-BE49-F238E27FC236}">
-                  <a16:creationId xmlns:a16="http://schemas.microsoft.com/office/drawing/2014/main" id="{42FD8E12-8D8A-4826-A627-A0DF159EB03A}"/>
-                </a:ext>
-              </a:extLst>
-            </p:cNvPr>
-            <p:cNvSpPr/>
-            <p:nvPr/>
-          </p:nvSpPr>
-          <p:spPr>
-            <a:xfrm>
-              <a:off x="1931794" y="2700915"/>
-              <a:ext cx="173356" cy="173356"/>
-            </a:xfrm>
-            <a:prstGeom prst="pentagon">
-              <a:avLst/>
-            </a:prstGeom>
-            <a:solidFill>
-              <a:schemeClr val="accent5">
-                <a:lumMod val="20000"/>
-                <a:lumOff val="80000"/>
-              </a:schemeClr>
-            </a:solidFill>
-            <a:ln w="28575">
-              <a:solidFill>
-                <a:schemeClr val="accent5">
-                  <a:lumMod val="50000"/>
-                </a:schemeClr>
-              </a:solidFill>
-            </a:ln>
-          </p:spPr>
-          <p:style>
-            <a:lnRef idx="2">
-              <a:schemeClr val="accent1">
-                <a:shade val="50000"/>
-              </a:schemeClr>
-            </a:lnRef>
-            <a:fillRef idx="1">
-              <a:schemeClr val="accent1"/>
-            </a:fillRef>
-            <a:effectRef idx="0">
-              <a:schemeClr val="accent1"/>
-            </a:effectRef>
-            <a:fontRef idx="minor">
-              <a:schemeClr val="lt1"/>
-            </a:fontRef>
-          </p:style>
-          <p:txBody>
-            <a:bodyPr rtlCol="0" anchor="ctr"/>
-            <a:lstStyle/>
-            <a:p>
-              <a:pPr algn="ctr"/>
-              <a:endParaRPr lang="fr-FR"/>
-            </a:p>
-          </p:txBody>
-        </p:sp>
-        <p:sp>
-          <p:nvSpPr>
-            <p:cNvPr id="61" name="Rectangle 60">
-              <a:extLst>
-                <a:ext uri="{FF2B5EF4-FFF2-40B4-BE49-F238E27FC236}">
-                  <a16:creationId xmlns:a16="http://schemas.microsoft.com/office/drawing/2014/main" id="{048C03F7-0259-4890-B276-9070E87C5E37}"/>
-                </a:ext>
-              </a:extLst>
-            </p:cNvPr>
-            <p:cNvSpPr/>
-            <p:nvPr/>
-          </p:nvSpPr>
-          <p:spPr>
-            <a:xfrm rot="2700000">
-              <a:off x="746534" y="3165191"/>
-              <a:ext cx="171286" cy="171286"/>
-            </a:xfrm>
-            <a:prstGeom prst="rect">
-              <a:avLst/>
-            </a:prstGeom>
-            <a:solidFill>
-              <a:schemeClr val="accent4">
-                <a:lumMod val="20000"/>
-                <a:lumOff val="80000"/>
-              </a:schemeClr>
-            </a:solidFill>
-            <a:ln w="28575">
-              <a:solidFill>
-                <a:schemeClr val="accent4">
-                  <a:lumMod val="50000"/>
-                </a:schemeClr>
-              </a:solidFill>
-            </a:ln>
-          </p:spPr>
-          <p:style>
-            <a:lnRef idx="2">
-              <a:schemeClr val="accent1">
-                <a:shade val="50000"/>
-              </a:schemeClr>
-            </a:lnRef>
-            <a:fillRef idx="1">
-              <a:schemeClr val="accent1"/>
-            </a:fillRef>
-            <a:effectRef idx="0">
-              <a:schemeClr val="accent1"/>
-            </a:effectRef>
-            <a:fontRef idx="minor">
-              <a:schemeClr val="lt1"/>
-            </a:fontRef>
-          </p:style>
-          <p:txBody>
-            <a:bodyPr rtlCol="0" anchor="ctr"/>
-            <a:lstStyle/>
-            <a:p>
-              <a:pPr algn="ctr"/>
-              <a:endParaRPr lang="fr-FR" dirty="0"/>
-            </a:p>
-          </p:txBody>
-        </p:sp>
-        <p:sp>
-          <p:nvSpPr>
-            <p:cNvPr id="67" name="Triangle isocèle 66">
-              <a:extLst>
-                <a:ext uri="{FF2B5EF4-FFF2-40B4-BE49-F238E27FC236}">
-                  <a16:creationId xmlns:a16="http://schemas.microsoft.com/office/drawing/2014/main" id="{8CA77BF3-53A7-4565-9C66-9B77E0D990FB}"/>
-                </a:ext>
-              </a:extLst>
-            </p:cNvPr>
-            <p:cNvSpPr/>
-            <p:nvPr/>
-          </p:nvSpPr>
-          <p:spPr>
-            <a:xfrm rot="2700000">
-              <a:off x="1328010" y="3121382"/>
-              <a:ext cx="218336" cy="194076"/>
-            </a:xfrm>
-            <a:prstGeom prst="triangle">
-              <a:avLst/>
-            </a:prstGeom>
-            <a:solidFill>
-              <a:schemeClr val="accent2">
-                <a:lumMod val="20000"/>
-                <a:lumOff val="80000"/>
-              </a:schemeClr>
-            </a:solidFill>
-            <a:ln w="28575">
-              <a:solidFill>
-                <a:schemeClr val="accent2">
-                  <a:lumMod val="50000"/>
-                </a:schemeClr>
-              </a:solidFill>
-            </a:ln>
-          </p:spPr>
-          <p:style>
-            <a:lnRef idx="2">
-              <a:schemeClr val="accent1">
-                <a:shade val="50000"/>
-              </a:schemeClr>
-            </a:lnRef>
-            <a:fillRef idx="1">
-              <a:schemeClr val="accent1"/>
-            </a:fillRef>
-            <a:effectRef idx="0">
-              <a:schemeClr val="accent1"/>
-            </a:effectRef>
-            <a:fontRef idx="minor">
-              <a:schemeClr val="lt1"/>
-            </a:fontRef>
-          </p:style>
-          <p:txBody>
-            <a:bodyPr rtlCol="0" anchor="ctr"/>
-            <a:lstStyle/>
-            <a:p>
-              <a:pPr algn="ctr"/>
-              <a:endParaRPr lang="fr-FR" dirty="0"/>
-            </a:p>
-          </p:txBody>
-        </p:sp>
-        <p:sp>
-          <p:nvSpPr>
-            <p:cNvPr id="73" name="Pentagone 72">
-              <a:extLst>
-                <a:ext uri="{FF2B5EF4-FFF2-40B4-BE49-F238E27FC236}">
-                  <a16:creationId xmlns:a16="http://schemas.microsoft.com/office/drawing/2014/main" id="{9768B5D7-F5F9-435B-8099-4F1108AE2945}"/>
-                </a:ext>
-              </a:extLst>
-            </p:cNvPr>
-            <p:cNvSpPr/>
-            <p:nvPr/>
-          </p:nvSpPr>
-          <p:spPr>
-            <a:xfrm rot="19800000">
-              <a:off x="1921061" y="3146835"/>
-              <a:ext cx="173356" cy="173356"/>
-            </a:xfrm>
-            <a:prstGeom prst="pentagon">
-              <a:avLst/>
-            </a:prstGeom>
-            <a:solidFill>
-              <a:schemeClr val="accent5">
-                <a:lumMod val="20000"/>
-                <a:lumOff val="80000"/>
-              </a:schemeClr>
-            </a:solidFill>
-            <a:ln w="28575">
-              <a:solidFill>
-                <a:schemeClr val="accent5">
-                  <a:lumMod val="50000"/>
-                </a:schemeClr>
-              </a:solidFill>
-            </a:ln>
-          </p:spPr>
-          <p:style>
-            <a:lnRef idx="2">
-              <a:schemeClr val="accent1">
-                <a:shade val="50000"/>
-              </a:schemeClr>
-            </a:lnRef>
-            <a:fillRef idx="1">
-              <a:schemeClr val="accent1"/>
-            </a:fillRef>
-            <a:effectRef idx="0">
-              <a:schemeClr val="accent1"/>
-            </a:effectRef>
-            <a:fontRef idx="minor">
-              <a:schemeClr val="lt1"/>
-            </a:fontRef>
-          </p:style>
-          <p:txBody>
-            <a:bodyPr rtlCol="0" anchor="ctr"/>
-            <a:lstStyle/>
-            <a:p>
-              <a:pPr algn="ctr"/>
-              <a:endParaRPr lang="fr-FR" dirty="0"/>
-            </a:p>
-          </p:txBody>
-        </p:sp>
-      </p:grpSp>
-      <p:sp>
-        <p:nvSpPr>
-          <p:cNvPr id="135" name="Rectangle 134">
-            <a:extLst>
-              <a:ext uri="{FF2B5EF4-FFF2-40B4-BE49-F238E27FC236}">
-                <a16:creationId xmlns:a16="http://schemas.microsoft.com/office/drawing/2014/main" id="{7F06C4D1-75D8-4A9A-BAB3-3DBAC3F58103}"/>
-              </a:ext>
-            </a:extLst>
-          </p:cNvPr>
-          <p:cNvSpPr/>
-          <p:nvPr/>
-        </p:nvSpPr>
-        <p:spPr>
-          <a:xfrm>
-            <a:off x="4859477" y="1447959"/>
-            <a:ext cx="2665144" cy="2861966"/>
-          </a:xfrm>
-          <a:prstGeom prst="rect">
-            <a:avLst/>
-          </a:prstGeom>
-          <a:solidFill>
-            <a:schemeClr val="accent2">
-              <a:lumMod val="20000"/>
-              <a:lumOff val="80000"/>
-            </a:schemeClr>
-          </a:solidFill>
-          <a:ln w="19050">
-            <a:solidFill>
-              <a:schemeClr val="accent2">
-                <a:lumMod val="50000"/>
-              </a:schemeClr>
-            </a:solidFill>
-          </a:ln>
-        </p:spPr>
-        <p:style>
-          <a:lnRef idx="2">
-            <a:schemeClr val="accent1">
-              <a:shade val="50000"/>
-            </a:schemeClr>
-          </a:lnRef>
-          <a:fillRef idx="1">
-            <a:schemeClr val="accent1"/>
-          </a:fillRef>
-          <a:effectRef idx="0">
-            <a:schemeClr val="accent1"/>
-          </a:effectRef>
-          <a:fontRef idx="minor">
-            <a:schemeClr val="lt1"/>
-          </a:fontRef>
-        </p:style>
-        <p:txBody>
-          <a:bodyPr rtlCol="0" anchor="t"/>
-          <a:lstStyle/>
-          <a:p>
-            <a:pPr algn="ctr"/>
-            <a:r>
-              <a:rPr lang="fr-FR" sz="1600" b="1" dirty="0">
-                <a:solidFill>
-                  <a:sysClr val="windowText" lastClr="000000"/>
-                </a:solidFill>
-              </a:rPr>
-              <a:t>Modèle</a:t>
-            </a:r>
-          </a:p>
-        </p:txBody>
-      </p:sp>
-      <p:sp>
-        <p:nvSpPr>
-          <p:cNvPr id="136" name="Rectangle 135">
-            <a:extLst>
-              <a:ext uri="{FF2B5EF4-FFF2-40B4-BE49-F238E27FC236}">
-                <a16:creationId xmlns:a16="http://schemas.microsoft.com/office/drawing/2014/main" id="{1830058D-03EC-4D37-BAB6-7E3139C2E7A7}"/>
-              </a:ext>
-            </a:extLst>
-          </p:cNvPr>
-          <p:cNvSpPr/>
-          <p:nvPr/>
-        </p:nvSpPr>
-        <p:spPr>
-          <a:xfrm>
-            <a:off x="8939917" y="1447959"/>
-            <a:ext cx="2844470" cy="2861966"/>
-          </a:xfrm>
-          <a:prstGeom prst="rect">
-            <a:avLst/>
-          </a:prstGeom>
-          <a:solidFill>
-            <a:schemeClr val="accent5">
-              <a:lumMod val="20000"/>
-              <a:lumOff val="80000"/>
-            </a:schemeClr>
-          </a:solidFill>
-          <a:ln w="19050">
-            <a:solidFill>
-              <a:schemeClr val="accent5">
-                <a:lumMod val="50000"/>
-              </a:schemeClr>
-            </a:solidFill>
-          </a:ln>
-        </p:spPr>
-        <p:style>
-          <a:lnRef idx="2">
-            <a:schemeClr val="accent1">
-              <a:shade val="50000"/>
-            </a:schemeClr>
-          </a:lnRef>
-          <a:fillRef idx="1">
-            <a:schemeClr val="accent1"/>
-          </a:fillRef>
-          <a:effectRef idx="0">
-            <a:schemeClr val="accent1"/>
-          </a:effectRef>
-          <a:fontRef idx="minor">
-            <a:schemeClr val="lt1"/>
-          </a:fontRef>
-        </p:style>
-        <p:txBody>
-          <a:bodyPr rtlCol="0" anchor="t"/>
-          <a:lstStyle/>
-          <a:p>
-            <a:pPr algn="ctr"/>
-            <a:r>
-              <a:rPr lang="fr-FR" sz="1600" b="1" dirty="0">
-                <a:solidFill>
-                  <a:sysClr val="windowText" lastClr="000000"/>
-                </a:solidFill>
-              </a:rPr>
-              <a:t>Résultats</a:t>
-            </a:r>
-          </a:p>
-        </p:txBody>
-      </p:sp>
-      <p:sp>
-        <p:nvSpPr>
-          <p:cNvPr id="137" name="Rectangle 136">
-            <a:extLst>
-              <a:ext uri="{FF2B5EF4-FFF2-40B4-BE49-F238E27FC236}">
-                <a16:creationId xmlns:a16="http://schemas.microsoft.com/office/drawing/2014/main" id="{45348341-DB92-49DF-853F-A85F4492B107}"/>
-              </a:ext>
-            </a:extLst>
-          </p:cNvPr>
-          <p:cNvSpPr/>
-          <p:nvPr/>
-        </p:nvSpPr>
-        <p:spPr>
-          <a:xfrm>
-            <a:off x="5451693" y="2234011"/>
-            <a:ext cx="1325525" cy="601032"/>
-          </a:xfrm>
-          <a:prstGeom prst="rect">
-            <a:avLst/>
-          </a:prstGeom>
-          <a:noFill/>
-          <a:ln w="28575">
-            <a:noFill/>
-          </a:ln>
-        </p:spPr>
-        <p:style>
-          <a:lnRef idx="2">
-            <a:schemeClr val="accent1">
-              <a:shade val="50000"/>
-            </a:schemeClr>
-          </a:lnRef>
-          <a:fillRef idx="1">
-            <a:schemeClr val="accent1"/>
-          </a:fillRef>
-          <a:effectRef idx="0">
-            <a:schemeClr val="accent1"/>
-          </a:effectRef>
-          <a:fontRef idx="minor">
-            <a:schemeClr val="lt1"/>
-          </a:fontRef>
-        </p:style>
-        <p:txBody>
-          <a:bodyPr rtlCol="0" anchor="ctr"/>
-          <a:lstStyle/>
-          <a:p>
-            <a:pPr algn="ctr"/>
-            <a:r>
-              <a:rPr lang="fr-FR" sz="1400" b="1" dirty="0">
-                <a:solidFill>
-                  <a:sysClr val="windowText" lastClr="000000"/>
-                </a:solidFill>
-              </a:rPr>
-              <a:t>Apprentissage</a:t>
-            </a:r>
-          </a:p>
-        </p:txBody>
-      </p:sp>
-      <p:pic>
-        <p:nvPicPr>
-          <p:cNvPr id="138" name="Image 137">
-            <a:extLst>
-              <a:ext uri="{FF2B5EF4-FFF2-40B4-BE49-F238E27FC236}">
-                <a16:creationId xmlns:a16="http://schemas.microsoft.com/office/drawing/2014/main" id="{F7E493C6-2AD2-4C22-8CD5-A35968E65267}"/>
-              </a:ext>
-            </a:extLst>
-          </p:cNvPr>
-          <p:cNvPicPr>
-            <a:picLocks noChangeAspect="1"/>
-          </p:cNvPicPr>
-          <p:nvPr/>
-        </p:nvPicPr>
-        <p:blipFill>
-          <a:blip r:embed="rId3"/>
-          <a:stretch>
-            <a:fillRect/>
-          </a:stretch>
-        </p:blipFill>
-        <p:spPr>
-          <a:xfrm>
-            <a:off x="5732237" y="2811042"/>
-            <a:ext cx="764437" cy="677826"/>
-          </a:xfrm>
-          <a:prstGeom prst="rect">
-            <a:avLst/>
-          </a:prstGeom>
-        </p:spPr>
-      </p:pic>
-      <p:grpSp>
-        <p:nvGrpSpPr>
-          <p:cNvPr id="15" name="Groupe 14">
-            <a:extLst>
-              <a:ext uri="{FF2B5EF4-FFF2-40B4-BE49-F238E27FC236}">
-                <a16:creationId xmlns:a16="http://schemas.microsoft.com/office/drawing/2014/main" id="{3A4EC74C-25D8-42DC-B9C9-B9E3BF3FE49B}"/>
-              </a:ext>
-            </a:extLst>
-          </p:cNvPr>
-          <p:cNvGrpSpPr/>
-          <p:nvPr/>
-        </p:nvGrpSpPr>
-        <p:grpSpPr>
-          <a:xfrm>
-            <a:off x="10890732" y="1602485"/>
-            <a:ext cx="798672" cy="371752"/>
-            <a:chOff x="4342282" y="5081398"/>
-            <a:chExt cx="798672" cy="371752"/>
-          </a:xfrm>
-        </p:grpSpPr>
-        <p:sp>
-          <p:nvSpPr>
-            <p:cNvPr id="254" name="ZoneTexte 253">
-              <a:extLst>
-                <a:ext uri="{FF2B5EF4-FFF2-40B4-BE49-F238E27FC236}">
-                  <a16:creationId xmlns:a16="http://schemas.microsoft.com/office/drawing/2014/main" id="{57BCAA68-02C4-49CA-888C-AB294F13706E}"/>
-                </a:ext>
-              </a:extLst>
-            </p:cNvPr>
-            <p:cNvSpPr txBox="1"/>
-            <p:nvPr/>
-          </p:nvSpPr>
-          <p:spPr>
-            <a:xfrm>
-              <a:off x="4494114" y="5081398"/>
-              <a:ext cx="646840" cy="246221"/>
-            </a:xfrm>
-            <a:prstGeom prst="rect">
-              <a:avLst/>
-            </a:prstGeom>
-            <a:noFill/>
-          </p:spPr>
-          <p:txBody>
-            <a:bodyPr wrap="square" rtlCol="0">
-              <a:spAutoFit/>
-            </a:bodyPr>
-            <a:lstStyle/>
-            <a:p>
-              <a:r>
-                <a:rPr lang="fr-FR" sz="1000" dirty="0">
-                  <a:latin typeface="Arial Narrow" panose="020B0606020202030204" pitchFamily="34" charset="0"/>
-                </a:rPr>
-                <a:t>Forme B</a:t>
-              </a:r>
-              <a:endParaRPr lang="fr-FR" dirty="0">
-                <a:latin typeface="Arial Narrow" panose="020B0606020202030204" pitchFamily="34" charset="0"/>
-              </a:endParaRPr>
-            </a:p>
-          </p:txBody>
-        </p:sp>
-        <p:cxnSp>
-          <p:nvCxnSpPr>
-            <p:cNvPr id="255" name="Connecteur droit 254">
-              <a:extLst>
-                <a:ext uri="{FF2B5EF4-FFF2-40B4-BE49-F238E27FC236}">
-                  <a16:creationId xmlns:a16="http://schemas.microsoft.com/office/drawing/2014/main" id="{1D4F76C1-AFF8-4085-9B11-93280AF72619}"/>
-                </a:ext>
-              </a:extLst>
-            </p:cNvPr>
-            <p:cNvCxnSpPr>
-              <a:cxnSpLocks/>
-            </p:cNvCxnSpPr>
-            <p:nvPr/>
-          </p:nvCxnSpPr>
-          <p:spPr>
-            <a:xfrm flipV="1">
-              <a:off x="4342282" y="5237150"/>
-              <a:ext cx="216000" cy="216000"/>
-            </a:xfrm>
-            <a:prstGeom prst="line">
-              <a:avLst/>
-            </a:prstGeom>
-            <a:ln w="9525">
-              <a:solidFill>
-                <a:schemeClr val="tx1"/>
-              </a:solidFill>
-            </a:ln>
-          </p:spPr>
-          <p:style>
-            <a:lnRef idx="1">
-              <a:schemeClr val="accent1"/>
-            </a:lnRef>
-            <a:fillRef idx="0">
-              <a:schemeClr val="accent1"/>
-            </a:fillRef>
-            <a:effectRef idx="0">
-              <a:schemeClr val="accent1"/>
-            </a:effectRef>
-            <a:fontRef idx="minor">
-              <a:schemeClr val="tx1"/>
-            </a:fontRef>
-          </p:style>
-        </p:cxnSp>
-        <p:cxnSp>
-          <p:nvCxnSpPr>
-            <p:cNvPr id="256" name="Connecteur droit 255">
-              <a:extLst>
-                <a:ext uri="{FF2B5EF4-FFF2-40B4-BE49-F238E27FC236}">
-                  <a16:creationId xmlns:a16="http://schemas.microsoft.com/office/drawing/2014/main" id="{D7D42650-E5D9-463D-B8F5-34B8140E8F84}"/>
-                </a:ext>
-              </a:extLst>
-            </p:cNvPr>
-            <p:cNvCxnSpPr>
-              <a:cxnSpLocks/>
-            </p:cNvCxnSpPr>
-            <p:nvPr/>
-          </p:nvCxnSpPr>
-          <p:spPr>
-            <a:xfrm flipV="1">
-              <a:off x="4558282" y="5118827"/>
-              <a:ext cx="0" cy="180000"/>
-            </a:xfrm>
-            <a:prstGeom prst="line">
-              <a:avLst/>
-            </a:prstGeom>
-            <a:ln w="9525">
-              <a:solidFill>
-                <a:schemeClr val="tx1"/>
-              </a:solidFill>
-            </a:ln>
-          </p:spPr>
-          <p:style>
-            <a:lnRef idx="1">
-              <a:schemeClr val="accent1"/>
-            </a:lnRef>
-            <a:fillRef idx="0">
-              <a:schemeClr val="accent1"/>
-            </a:fillRef>
-            <a:effectRef idx="0">
-              <a:schemeClr val="accent1"/>
-            </a:effectRef>
-            <a:fontRef idx="minor">
-              <a:schemeClr val="tx1"/>
-            </a:fontRef>
-          </p:style>
-        </p:cxnSp>
-      </p:grpSp>
-      <p:grpSp>
-        <p:nvGrpSpPr>
-          <p:cNvPr id="16" name="Groupe 15">
-            <a:extLst>
-              <a:ext uri="{FF2B5EF4-FFF2-40B4-BE49-F238E27FC236}">
-                <a16:creationId xmlns:a16="http://schemas.microsoft.com/office/drawing/2014/main" id="{CC4669CA-1BA2-4C73-8B37-386094E0D27E}"/>
-              </a:ext>
-            </a:extLst>
-          </p:cNvPr>
-          <p:cNvGrpSpPr/>
-          <p:nvPr/>
-        </p:nvGrpSpPr>
-        <p:grpSpPr>
-          <a:xfrm>
-            <a:off x="10819611" y="3061850"/>
-            <a:ext cx="869793" cy="400110"/>
-            <a:chOff x="2497931" y="5129464"/>
-            <a:chExt cx="723165" cy="400110"/>
-          </a:xfrm>
-        </p:grpSpPr>
-        <p:sp>
-          <p:nvSpPr>
-            <p:cNvPr id="241" name="ZoneTexte 240">
-              <a:extLst>
-                <a:ext uri="{FF2B5EF4-FFF2-40B4-BE49-F238E27FC236}">
-                  <a16:creationId xmlns:a16="http://schemas.microsoft.com/office/drawing/2014/main" id="{051DD134-D290-4B7C-BD29-549405D3FEFC}"/>
-                </a:ext>
-              </a:extLst>
-            </p:cNvPr>
-            <p:cNvSpPr txBox="1"/>
-            <p:nvPr/>
-          </p:nvSpPr>
-          <p:spPr>
-            <a:xfrm>
-              <a:off x="2649763" y="5129464"/>
-              <a:ext cx="571333" cy="400110"/>
-            </a:xfrm>
-            <a:prstGeom prst="rect">
-              <a:avLst/>
-            </a:prstGeom>
-            <a:noFill/>
-          </p:spPr>
-          <p:txBody>
-            <a:bodyPr wrap="square" rtlCol="0">
-              <a:spAutoFit/>
-            </a:bodyPr>
-            <a:lstStyle/>
-            <a:p>
-              <a:r>
-                <a:rPr lang="fr-FR" sz="1000" dirty="0">
-                  <a:latin typeface="Arial Narrow" panose="020B0606020202030204" pitchFamily="34" charset="0"/>
-                </a:rPr>
-                <a:t>Forme C</a:t>
-              </a:r>
-              <a:endParaRPr lang="fr-FR" dirty="0">
-                <a:latin typeface="Arial Narrow" panose="020B0606020202030204" pitchFamily="34" charset="0"/>
-              </a:endParaRPr>
-            </a:p>
-          </p:txBody>
-        </p:sp>
-        <p:cxnSp>
-          <p:nvCxnSpPr>
-            <p:cNvPr id="242" name="Connecteur droit 241">
-              <a:extLst>
-                <a:ext uri="{FF2B5EF4-FFF2-40B4-BE49-F238E27FC236}">
-                  <a16:creationId xmlns:a16="http://schemas.microsoft.com/office/drawing/2014/main" id="{7102175A-886F-4A2C-82FE-701D5A039783}"/>
-                </a:ext>
-              </a:extLst>
-            </p:cNvPr>
-            <p:cNvCxnSpPr>
-              <a:cxnSpLocks/>
-            </p:cNvCxnSpPr>
-            <p:nvPr/>
-          </p:nvCxnSpPr>
-          <p:spPr>
-            <a:xfrm flipV="1">
-              <a:off x="2497931" y="5285216"/>
-              <a:ext cx="216000" cy="216000"/>
-            </a:xfrm>
-            <a:prstGeom prst="line">
-              <a:avLst/>
-            </a:prstGeom>
-            <a:ln w="9525">
-              <a:solidFill>
-                <a:schemeClr val="tx1"/>
-              </a:solidFill>
-            </a:ln>
-          </p:spPr>
-          <p:style>
-            <a:lnRef idx="1">
-              <a:schemeClr val="accent1"/>
-            </a:lnRef>
-            <a:fillRef idx="0">
-              <a:schemeClr val="accent1"/>
-            </a:fillRef>
-            <a:effectRef idx="0">
-              <a:schemeClr val="accent1"/>
-            </a:effectRef>
-            <a:fontRef idx="minor">
-              <a:schemeClr val="tx1"/>
-            </a:fontRef>
-          </p:style>
-        </p:cxnSp>
-        <p:cxnSp>
-          <p:nvCxnSpPr>
-            <p:cNvPr id="243" name="Connecteur droit 242">
-              <a:extLst>
-                <a:ext uri="{FF2B5EF4-FFF2-40B4-BE49-F238E27FC236}">
-                  <a16:creationId xmlns:a16="http://schemas.microsoft.com/office/drawing/2014/main" id="{1A1948A0-CEC0-422E-AC1E-7DDDF402985D}"/>
-                </a:ext>
-              </a:extLst>
-            </p:cNvPr>
-            <p:cNvCxnSpPr>
-              <a:cxnSpLocks/>
-            </p:cNvCxnSpPr>
-            <p:nvPr/>
-          </p:nvCxnSpPr>
-          <p:spPr>
-            <a:xfrm flipV="1">
-              <a:off x="2713931" y="5166893"/>
-              <a:ext cx="0" cy="180000"/>
-            </a:xfrm>
-            <a:prstGeom prst="line">
-              <a:avLst/>
-            </a:prstGeom>
-            <a:ln w="9525">
-              <a:solidFill>
-                <a:schemeClr val="tx1"/>
-              </a:solidFill>
-            </a:ln>
-          </p:spPr>
-          <p:style>
-            <a:lnRef idx="1">
-              <a:schemeClr val="accent1"/>
-            </a:lnRef>
-            <a:fillRef idx="0">
-              <a:schemeClr val="accent1"/>
-            </a:fillRef>
-            <a:effectRef idx="0">
-              <a:schemeClr val="accent1"/>
-            </a:effectRef>
-            <a:fontRef idx="minor">
-              <a:schemeClr val="tx1"/>
-            </a:fontRef>
-          </p:style>
-        </p:cxnSp>
-      </p:grpSp>
-      <p:grpSp>
-        <p:nvGrpSpPr>
-          <p:cNvPr id="17" name="Groupe 16">
-            <a:extLst>
-              <a:ext uri="{FF2B5EF4-FFF2-40B4-BE49-F238E27FC236}">
-                <a16:creationId xmlns:a16="http://schemas.microsoft.com/office/drawing/2014/main" id="{1E956101-5AF6-48CF-97D9-5F485DB5203C}"/>
-              </a:ext>
-            </a:extLst>
-          </p:cNvPr>
-          <p:cNvGrpSpPr/>
-          <p:nvPr/>
-        </p:nvGrpSpPr>
-        <p:grpSpPr>
-          <a:xfrm>
-            <a:off x="10022206" y="1731173"/>
-            <a:ext cx="911949" cy="371752"/>
-            <a:chOff x="4935687" y="5752810"/>
-            <a:chExt cx="911949" cy="371752"/>
-          </a:xfrm>
-        </p:grpSpPr>
-        <p:sp>
-          <p:nvSpPr>
-            <p:cNvPr id="228" name="ZoneTexte 227">
-              <a:extLst>
-                <a:ext uri="{FF2B5EF4-FFF2-40B4-BE49-F238E27FC236}">
-                  <a16:creationId xmlns:a16="http://schemas.microsoft.com/office/drawing/2014/main" id="{12AD73FC-18A6-4B95-9539-9DE091B561EF}"/>
-                </a:ext>
-              </a:extLst>
-            </p:cNvPr>
-            <p:cNvSpPr txBox="1"/>
-            <p:nvPr/>
-          </p:nvSpPr>
-          <p:spPr>
-            <a:xfrm>
-              <a:off x="5087519" y="5752810"/>
-              <a:ext cx="760117" cy="246221"/>
-            </a:xfrm>
-            <a:prstGeom prst="rect">
-              <a:avLst/>
-            </a:prstGeom>
-            <a:noFill/>
-          </p:spPr>
-          <p:txBody>
-            <a:bodyPr wrap="square" rtlCol="0">
-              <a:spAutoFit/>
-            </a:bodyPr>
-            <a:lstStyle/>
-            <a:p>
-              <a:r>
-                <a:rPr lang="fr-FR" sz="1000" dirty="0">
-                  <a:latin typeface="Arial Narrow" panose="020B0606020202030204" pitchFamily="34" charset="0"/>
-                </a:rPr>
-                <a:t>Forme A</a:t>
-              </a:r>
-              <a:endParaRPr lang="fr-FR" dirty="0">
-                <a:latin typeface="Arial Narrow" panose="020B0606020202030204" pitchFamily="34" charset="0"/>
-              </a:endParaRPr>
-            </a:p>
-          </p:txBody>
-        </p:sp>
-        <p:cxnSp>
-          <p:nvCxnSpPr>
-            <p:cNvPr id="230" name="Connecteur droit 229">
-              <a:extLst>
-                <a:ext uri="{FF2B5EF4-FFF2-40B4-BE49-F238E27FC236}">
-                  <a16:creationId xmlns:a16="http://schemas.microsoft.com/office/drawing/2014/main" id="{CA163815-6E53-404D-947F-8B34D2B41ACA}"/>
-                </a:ext>
-              </a:extLst>
-            </p:cNvPr>
-            <p:cNvCxnSpPr>
-              <a:cxnSpLocks/>
-            </p:cNvCxnSpPr>
-            <p:nvPr/>
-          </p:nvCxnSpPr>
-          <p:spPr>
-            <a:xfrm flipV="1">
-              <a:off x="4935687" y="5908562"/>
-              <a:ext cx="216000" cy="216000"/>
-            </a:xfrm>
-            <a:prstGeom prst="line">
-              <a:avLst/>
-            </a:prstGeom>
-            <a:ln w="9525">
-              <a:solidFill>
-                <a:schemeClr val="tx1"/>
-              </a:solidFill>
-            </a:ln>
-          </p:spPr>
-          <p:style>
-            <a:lnRef idx="1">
-              <a:schemeClr val="accent1"/>
-            </a:lnRef>
-            <a:fillRef idx="0">
-              <a:schemeClr val="accent1"/>
-            </a:fillRef>
-            <a:effectRef idx="0">
-              <a:schemeClr val="accent1"/>
-            </a:effectRef>
-            <a:fontRef idx="minor">
-              <a:schemeClr val="tx1"/>
-            </a:fontRef>
-          </p:style>
-        </p:cxnSp>
-        <p:cxnSp>
-          <p:nvCxnSpPr>
-            <p:cNvPr id="231" name="Connecteur droit 230">
-              <a:extLst>
-                <a:ext uri="{FF2B5EF4-FFF2-40B4-BE49-F238E27FC236}">
-                  <a16:creationId xmlns:a16="http://schemas.microsoft.com/office/drawing/2014/main" id="{92FCE3C1-F4CF-44D6-9FFB-BEDA62B5B5A0}"/>
-                </a:ext>
-              </a:extLst>
-            </p:cNvPr>
-            <p:cNvCxnSpPr>
-              <a:cxnSpLocks/>
-            </p:cNvCxnSpPr>
-            <p:nvPr/>
-          </p:nvCxnSpPr>
-          <p:spPr>
-            <a:xfrm flipV="1">
-              <a:off x="5151687" y="5790239"/>
-              <a:ext cx="0" cy="180000"/>
-            </a:xfrm>
-            <a:prstGeom prst="line">
-              <a:avLst/>
-            </a:prstGeom>
-            <a:ln w="9525">
-              <a:solidFill>
-                <a:schemeClr val="tx1"/>
-              </a:solidFill>
-            </a:ln>
-          </p:spPr>
-          <p:style>
-            <a:lnRef idx="1">
-              <a:schemeClr val="accent1"/>
-            </a:lnRef>
-            <a:fillRef idx="0">
-              <a:schemeClr val="accent1"/>
-            </a:fillRef>
-            <a:effectRef idx="0">
-              <a:schemeClr val="accent1"/>
-            </a:effectRef>
-            <a:fontRef idx="minor">
-              <a:schemeClr val="tx1"/>
-            </a:fontRef>
-          </p:style>
-        </p:cxnSp>
-      </p:grpSp>
-      <p:grpSp>
-        <p:nvGrpSpPr>
-          <p:cNvPr id="264" name="Groupe 263">
-            <a:extLst>
-              <a:ext uri="{FF2B5EF4-FFF2-40B4-BE49-F238E27FC236}">
-                <a16:creationId xmlns:a16="http://schemas.microsoft.com/office/drawing/2014/main" id="{1B1380A9-0FD4-4D8D-B2F9-E8E601643B75}"/>
-              </a:ext>
-            </a:extLst>
-          </p:cNvPr>
-          <p:cNvGrpSpPr/>
-          <p:nvPr/>
-        </p:nvGrpSpPr>
-        <p:grpSpPr>
-          <a:xfrm>
-            <a:off x="9204866" y="1966611"/>
-            <a:ext cx="912331" cy="912331"/>
-            <a:chOff x="6934443" y="5053055"/>
-            <a:chExt cx="912331" cy="912331"/>
-          </a:xfrm>
-        </p:grpSpPr>
-        <p:sp>
-          <p:nvSpPr>
-            <p:cNvPr id="265" name="Pentagone 264">
-              <a:extLst>
-                <a:ext uri="{FF2B5EF4-FFF2-40B4-BE49-F238E27FC236}">
-                  <a16:creationId xmlns:a16="http://schemas.microsoft.com/office/drawing/2014/main" id="{36578E97-6518-49F1-A75C-8582468D196A}"/>
-                </a:ext>
-              </a:extLst>
-            </p:cNvPr>
-            <p:cNvSpPr/>
-            <p:nvPr/>
-          </p:nvSpPr>
-          <p:spPr>
-            <a:xfrm>
-              <a:off x="7079492" y="5410040"/>
-              <a:ext cx="288000" cy="288000"/>
-            </a:xfrm>
-            <a:prstGeom prst="pentagon">
-              <a:avLst/>
-            </a:prstGeom>
-            <a:solidFill>
-              <a:schemeClr val="accent5">
-                <a:lumMod val="20000"/>
-                <a:lumOff val="80000"/>
-              </a:schemeClr>
-            </a:solidFill>
-            <a:ln w="28575">
-              <a:solidFill>
-                <a:schemeClr val="accent5">
-                  <a:lumMod val="50000"/>
-                </a:schemeClr>
-              </a:solidFill>
-            </a:ln>
-          </p:spPr>
-          <p:style>
-            <a:lnRef idx="2">
-              <a:schemeClr val="accent1">
-                <a:shade val="50000"/>
-              </a:schemeClr>
-            </a:lnRef>
-            <a:fillRef idx="1">
-              <a:schemeClr val="accent1"/>
-            </a:fillRef>
-            <a:effectRef idx="0">
-              <a:schemeClr val="accent1"/>
-            </a:effectRef>
-            <a:fontRef idx="minor">
-              <a:schemeClr val="lt1"/>
-            </a:fontRef>
-          </p:style>
-          <p:txBody>
-            <a:bodyPr rtlCol="0" anchor="ctr"/>
-            <a:lstStyle/>
-            <a:p>
-              <a:pPr algn="ctr"/>
-              <a:endParaRPr lang="fr-FR"/>
-            </a:p>
-          </p:txBody>
-        </p:sp>
-        <p:sp>
-          <p:nvSpPr>
-            <p:cNvPr id="266" name="Pentagone 265">
-              <a:extLst>
-                <a:ext uri="{FF2B5EF4-FFF2-40B4-BE49-F238E27FC236}">
-                  <a16:creationId xmlns:a16="http://schemas.microsoft.com/office/drawing/2014/main" id="{3039BC28-04B9-4A50-9F0B-F7A71A7C681D}"/>
-                </a:ext>
-              </a:extLst>
-            </p:cNvPr>
-            <p:cNvSpPr/>
-            <p:nvPr/>
-          </p:nvSpPr>
-          <p:spPr>
-            <a:xfrm>
-              <a:off x="7502391" y="5545529"/>
-              <a:ext cx="173356" cy="173356"/>
-            </a:xfrm>
-            <a:prstGeom prst="pentagon">
-              <a:avLst/>
-            </a:prstGeom>
-            <a:solidFill>
-              <a:schemeClr val="accent5">
-                <a:lumMod val="20000"/>
-                <a:lumOff val="80000"/>
-              </a:schemeClr>
-            </a:solidFill>
-            <a:ln w="28575">
-              <a:solidFill>
-                <a:schemeClr val="accent5">
-                  <a:lumMod val="50000"/>
-                </a:schemeClr>
-              </a:solidFill>
-            </a:ln>
-          </p:spPr>
-          <p:style>
-            <a:lnRef idx="2">
-              <a:schemeClr val="accent1">
-                <a:shade val="50000"/>
-              </a:schemeClr>
-            </a:lnRef>
-            <a:fillRef idx="1">
-              <a:schemeClr val="accent1"/>
-            </a:fillRef>
-            <a:effectRef idx="0">
-              <a:schemeClr val="accent1"/>
-            </a:effectRef>
-            <a:fontRef idx="minor">
-              <a:schemeClr val="lt1"/>
-            </a:fontRef>
-          </p:style>
-          <p:txBody>
-            <a:bodyPr rtlCol="0" anchor="ctr"/>
-            <a:lstStyle/>
-            <a:p>
-              <a:pPr algn="ctr"/>
-              <a:endParaRPr lang="fr-FR"/>
-            </a:p>
-          </p:txBody>
-        </p:sp>
-        <p:sp>
-          <p:nvSpPr>
-            <p:cNvPr id="267" name="Pentagone 266">
-              <a:extLst>
-                <a:ext uri="{FF2B5EF4-FFF2-40B4-BE49-F238E27FC236}">
-                  <a16:creationId xmlns:a16="http://schemas.microsoft.com/office/drawing/2014/main" id="{948602EE-4266-40A4-958D-B17DFE177E44}"/>
-                </a:ext>
-              </a:extLst>
-            </p:cNvPr>
-            <p:cNvSpPr/>
-            <p:nvPr/>
-          </p:nvSpPr>
-          <p:spPr>
-            <a:xfrm rot="19800000">
-              <a:off x="7415713" y="5204957"/>
-              <a:ext cx="173356" cy="173356"/>
-            </a:xfrm>
-            <a:prstGeom prst="pentagon">
-              <a:avLst/>
-            </a:prstGeom>
-            <a:solidFill>
-              <a:schemeClr val="accent5">
-                <a:lumMod val="20000"/>
-                <a:lumOff val="80000"/>
-              </a:schemeClr>
-            </a:solidFill>
-            <a:ln w="28575">
-              <a:solidFill>
-                <a:schemeClr val="accent5">
-                  <a:lumMod val="50000"/>
-                </a:schemeClr>
-              </a:solidFill>
-            </a:ln>
-          </p:spPr>
-          <p:style>
-            <a:lnRef idx="2">
-              <a:schemeClr val="accent1">
-                <a:shade val="50000"/>
-              </a:schemeClr>
-            </a:lnRef>
-            <a:fillRef idx="1">
-              <a:schemeClr val="accent1"/>
-            </a:fillRef>
-            <a:effectRef idx="0">
-              <a:schemeClr val="accent1"/>
-            </a:effectRef>
-            <a:fontRef idx="minor">
-              <a:schemeClr val="lt1"/>
-            </a:fontRef>
-          </p:style>
-          <p:txBody>
-            <a:bodyPr rtlCol="0" anchor="ctr"/>
-            <a:lstStyle/>
-            <a:p>
-              <a:pPr algn="ctr"/>
-              <a:endParaRPr lang="fr-FR" dirty="0"/>
-            </a:p>
-          </p:txBody>
-        </p:sp>
-        <p:sp>
-          <p:nvSpPr>
-            <p:cNvPr id="272" name="Ellipse 271">
-              <a:extLst>
-                <a:ext uri="{FF2B5EF4-FFF2-40B4-BE49-F238E27FC236}">
-                  <a16:creationId xmlns:a16="http://schemas.microsoft.com/office/drawing/2014/main" id="{DD49159C-A32D-427E-9175-62813F8E5CE1}"/>
-                </a:ext>
-              </a:extLst>
-            </p:cNvPr>
-            <p:cNvSpPr/>
-            <p:nvPr/>
-          </p:nvSpPr>
-          <p:spPr>
-            <a:xfrm>
-              <a:off x="6934443" y="5053055"/>
-              <a:ext cx="912331" cy="912331"/>
-            </a:xfrm>
-            <a:prstGeom prst="ellipse">
-              <a:avLst/>
-            </a:prstGeom>
-            <a:noFill/>
-            <a:ln w="19050">
-              <a:solidFill>
-                <a:schemeClr val="accent5">
-                  <a:lumMod val="50000"/>
-                </a:schemeClr>
-              </a:solidFill>
-              <a:prstDash val="dash"/>
-            </a:ln>
-          </p:spPr>
-          <p:style>
-            <a:lnRef idx="2">
-              <a:schemeClr val="accent1">
-                <a:shade val="50000"/>
-              </a:schemeClr>
-            </a:lnRef>
-            <a:fillRef idx="1">
-              <a:schemeClr val="accent1"/>
-            </a:fillRef>
-            <a:effectRef idx="0">
-              <a:schemeClr val="accent1"/>
-            </a:effectRef>
-            <a:fontRef idx="minor">
-              <a:schemeClr val="lt1"/>
-            </a:fontRef>
-          </p:style>
-          <p:txBody>
-            <a:bodyPr rtlCol="0" anchor="t"/>
-            <a:lstStyle/>
-            <a:p>
-              <a:pPr algn="ctr"/>
-              <a:endParaRPr lang="fr-FR" sz="1600" b="1">
-                <a:solidFill>
-                  <a:sysClr val="windowText" lastClr="000000"/>
-                </a:solidFill>
-              </a:endParaRPr>
-            </a:p>
-          </p:txBody>
-        </p:sp>
-      </p:grpSp>
-      <p:grpSp>
-        <p:nvGrpSpPr>
-          <p:cNvPr id="13" name="Groupe 12">
-            <a:extLst>
-              <a:ext uri="{FF2B5EF4-FFF2-40B4-BE49-F238E27FC236}">
-                <a16:creationId xmlns:a16="http://schemas.microsoft.com/office/drawing/2014/main" id="{0000BBD3-4A5A-45FF-9D5F-7022D69D85A1}"/>
-              </a:ext>
-            </a:extLst>
-          </p:cNvPr>
-          <p:cNvGrpSpPr/>
-          <p:nvPr/>
-        </p:nvGrpSpPr>
-        <p:grpSpPr>
-          <a:xfrm>
-            <a:off x="10494626" y="1992878"/>
-            <a:ext cx="912331" cy="912331"/>
-            <a:chOff x="10388407" y="5306638"/>
-            <a:chExt cx="912331" cy="912331"/>
-          </a:xfrm>
-        </p:grpSpPr>
-        <p:sp>
-          <p:nvSpPr>
-            <p:cNvPr id="251" name="Triangle isocèle 250">
-              <a:extLst>
-                <a:ext uri="{FF2B5EF4-FFF2-40B4-BE49-F238E27FC236}">
-                  <a16:creationId xmlns:a16="http://schemas.microsoft.com/office/drawing/2014/main" id="{3C669C35-E578-47A4-BBB8-326B38A53BBA}"/>
-                </a:ext>
-              </a:extLst>
-            </p:cNvPr>
-            <p:cNvSpPr/>
-            <p:nvPr/>
-          </p:nvSpPr>
-          <p:spPr>
-            <a:xfrm>
-              <a:off x="10503936" y="5445445"/>
-              <a:ext cx="324000" cy="288000"/>
-            </a:xfrm>
-            <a:prstGeom prst="triangle">
-              <a:avLst/>
-            </a:prstGeom>
-            <a:solidFill>
-              <a:schemeClr val="accent2">
-                <a:lumMod val="20000"/>
-                <a:lumOff val="80000"/>
-              </a:schemeClr>
-            </a:solidFill>
-            <a:ln w="28575">
-              <a:solidFill>
-                <a:schemeClr val="accent2">
-                  <a:lumMod val="50000"/>
-                </a:schemeClr>
-              </a:solidFill>
-            </a:ln>
-          </p:spPr>
-          <p:style>
-            <a:lnRef idx="2">
-              <a:schemeClr val="accent1">
-                <a:shade val="50000"/>
-              </a:schemeClr>
-            </a:lnRef>
-            <a:fillRef idx="1">
-              <a:schemeClr val="accent1"/>
-            </a:fillRef>
-            <a:effectRef idx="0">
-              <a:schemeClr val="accent1"/>
-            </a:effectRef>
-            <a:fontRef idx="minor">
-              <a:schemeClr val="lt1"/>
-            </a:fontRef>
-          </p:style>
-          <p:txBody>
-            <a:bodyPr rtlCol="0" anchor="ctr"/>
-            <a:lstStyle/>
-            <a:p>
-              <a:pPr algn="ctr"/>
-              <a:endParaRPr lang="fr-FR"/>
-            </a:p>
-          </p:txBody>
-        </p:sp>
-        <p:sp>
-          <p:nvSpPr>
-            <p:cNvPr id="233" name="Triangle isocèle 232">
-              <a:extLst>
-                <a:ext uri="{FF2B5EF4-FFF2-40B4-BE49-F238E27FC236}">
-                  <a16:creationId xmlns:a16="http://schemas.microsoft.com/office/drawing/2014/main" id="{F1D2DA96-B374-489E-B6BC-D7BD3C9E2D5F}"/>
-                </a:ext>
-              </a:extLst>
-            </p:cNvPr>
-            <p:cNvSpPr/>
-            <p:nvPr/>
-          </p:nvSpPr>
-          <p:spPr>
-            <a:xfrm>
-              <a:off x="10685464" y="5881826"/>
-              <a:ext cx="218336" cy="194076"/>
-            </a:xfrm>
-            <a:prstGeom prst="triangle">
-              <a:avLst/>
-            </a:prstGeom>
-            <a:solidFill>
-              <a:schemeClr val="accent2">
-                <a:lumMod val="20000"/>
-                <a:lumOff val="80000"/>
-              </a:schemeClr>
-            </a:solidFill>
-            <a:ln w="28575">
-              <a:solidFill>
-                <a:schemeClr val="accent2">
-                  <a:lumMod val="50000"/>
-                </a:schemeClr>
-              </a:solidFill>
-            </a:ln>
-          </p:spPr>
-          <p:style>
-            <a:lnRef idx="2">
-              <a:schemeClr val="accent1">
-                <a:shade val="50000"/>
-              </a:schemeClr>
-            </a:lnRef>
-            <a:fillRef idx="1">
-              <a:schemeClr val="accent1"/>
-            </a:fillRef>
-            <a:effectRef idx="0">
-              <a:schemeClr val="accent1"/>
-            </a:effectRef>
-            <a:fontRef idx="minor">
-              <a:schemeClr val="lt1"/>
-            </a:fontRef>
-          </p:style>
-          <p:txBody>
-            <a:bodyPr rtlCol="0" anchor="ctr"/>
-            <a:lstStyle/>
-            <a:p>
-              <a:pPr algn="ctr"/>
-              <a:endParaRPr lang="fr-FR"/>
-            </a:p>
-          </p:txBody>
-        </p:sp>
-        <p:sp>
-          <p:nvSpPr>
-            <p:cNvPr id="216" name="Triangle isocèle 215">
-              <a:extLst>
-                <a:ext uri="{FF2B5EF4-FFF2-40B4-BE49-F238E27FC236}">
-                  <a16:creationId xmlns:a16="http://schemas.microsoft.com/office/drawing/2014/main" id="{762BD10D-3773-4422-B0A7-8DA141696DF0}"/>
-                </a:ext>
-              </a:extLst>
-            </p:cNvPr>
-            <p:cNvSpPr/>
-            <p:nvPr/>
-          </p:nvSpPr>
-          <p:spPr>
-            <a:xfrm rot="2700000">
-              <a:off x="10940441" y="5605439"/>
-              <a:ext cx="218336" cy="194076"/>
-            </a:xfrm>
-            <a:prstGeom prst="triangle">
-              <a:avLst/>
-            </a:prstGeom>
-            <a:solidFill>
-              <a:schemeClr val="accent2">
-                <a:lumMod val="20000"/>
-                <a:lumOff val="80000"/>
-              </a:schemeClr>
-            </a:solidFill>
-            <a:ln w="28575">
-              <a:solidFill>
-                <a:schemeClr val="accent2">
-                  <a:lumMod val="50000"/>
-                </a:schemeClr>
-              </a:solidFill>
-            </a:ln>
-          </p:spPr>
-          <p:style>
-            <a:lnRef idx="2">
-              <a:schemeClr val="accent1">
-                <a:shade val="50000"/>
-              </a:schemeClr>
-            </a:lnRef>
-            <a:fillRef idx="1">
-              <a:schemeClr val="accent1"/>
-            </a:fillRef>
-            <a:effectRef idx="0">
-              <a:schemeClr val="accent1"/>
-            </a:effectRef>
-            <a:fontRef idx="minor">
-              <a:schemeClr val="lt1"/>
-            </a:fontRef>
-          </p:style>
-          <p:txBody>
-            <a:bodyPr rtlCol="0" anchor="ctr"/>
-            <a:lstStyle/>
-            <a:p>
-              <a:pPr algn="ctr"/>
-              <a:endParaRPr lang="fr-FR" dirty="0"/>
-            </a:p>
-          </p:txBody>
-        </p:sp>
-        <p:sp>
-          <p:nvSpPr>
-            <p:cNvPr id="274" name="Ellipse 273">
-              <a:extLst>
-                <a:ext uri="{FF2B5EF4-FFF2-40B4-BE49-F238E27FC236}">
-                  <a16:creationId xmlns:a16="http://schemas.microsoft.com/office/drawing/2014/main" id="{B72A038F-ED2A-417C-B707-BC5AC7123CB8}"/>
-                </a:ext>
-              </a:extLst>
-            </p:cNvPr>
-            <p:cNvSpPr/>
-            <p:nvPr/>
-          </p:nvSpPr>
-          <p:spPr>
-            <a:xfrm>
-              <a:off x="10388407" y="5306638"/>
-              <a:ext cx="912331" cy="912331"/>
-            </a:xfrm>
-            <a:prstGeom prst="ellipse">
-              <a:avLst/>
-            </a:prstGeom>
-            <a:noFill/>
-            <a:ln w="19050">
-              <a:solidFill>
-                <a:schemeClr val="accent5">
-                  <a:lumMod val="50000"/>
-                </a:schemeClr>
-              </a:solidFill>
-              <a:prstDash val="dash"/>
-            </a:ln>
-          </p:spPr>
-          <p:style>
-            <a:lnRef idx="2">
-              <a:schemeClr val="accent1">
-                <a:shade val="50000"/>
-              </a:schemeClr>
-            </a:lnRef>
-            <a:fillRef idx="1">
-              <a:schemeClr val="accent1"/>
-            </a:fillRef>
-            <a:effectRef idx="0">
-              <a:schemeClr val="accent1"/>
-            </a:effectRef>
-            <a:fontRef idx="minor">
-              <a:schemeClr val="lt1"/>
-            </a:fontRef>
-          </p:style>
-          <p:txBody>
-            <a:bodyPr rtlCol="0" anchor="t"/>
-            <a:lstStyle/>
-            <a:p>
-              <a:pPr algn="ctr"/>
-              <a:endParaRPr lang="fr-FR" sz="1600" b="1">
-                <a:solidFill>
-                  <a:sysClr val="windowText" lastClr="000000"/>
-                </a:solidFill>
-              </a:endParaRPr>
-            </a:p>
-          </p:txBody>
-        </p:sp>
-      </p:grpSp>
-      <p:grpSp>
-        <p:nvGrpSpPr>
-          <p:cNvPr id="14" name="Groupe 13">
-            <a:extLst>
-              <a:ext uri="{FF2B5EF4-FFF2-40B4-BE49-F238E27FC236}">
-                <a16:creationId xmlns:a16="http://schemas.microsoft.com/office/drawing/2014/main" id="{B32994E0-E247-479B-BCFA-9606555044CD}"/>
-              </a:ext>
-            </a:extLst>
-          </p:cNvPr>
-          <p:cNvGrpSpPr/>
-          <p:nvPr/>
-        </p:nvGrpSpPr>
-        <p:grpSpPr>
-          <a:xfrm>
-            <a:off x="9947319" y="3178650"/>
-            <a:ext cx="912331" cy="912331"/>
-            <a:chOff x="9229192" y="5307040"/>
-            <a:chExt cx="912331" cy="912331"/>
-          </a:xfrm>
-        </p:grpSpPr>
-        <p:sp>
-          <p:nvSpPr>
-            <p:cNvPr id="257" name="Rectangle 256">
-              <a:extLst>
-                <a:ext uri="{FF2B5EF4-FFF2-40B4-BE49-F238E27FC236}">
-                  <a16:creationId xmlns:a16="http://schemas.microsoft.com/office/drawing/2014/main" id="{8F4A44ED-4F40-4B36-B89F-883D30AD2481}"/>
-                </a:ext>
-              </a:extLst>
-            </p:cNvPr>
-            <p:cNvSpPr/>
-            <p:nvPr/>
-          </p:nvSpPr>
-          <p:spPr>
-            <a:xfrm>
-              <a:off x="9393053" y="5540714"/>
-              <a:ext cx="288000" cy="288000"/>
-            </a:xfrm>
-            <a:prstGeom prst="rect">
-              <a:avLst/>
-            </a:prstGeom>
-            <a:solidFill>
-              <a:schemeClr val="accent4">
-                <a:lumMod val="20000"/>
-                <a:lumOff val="80000"/>
-              </a:schemeClr>
-            </a:solidFill>
-            <a:ln w="28575">
-              <a:solidFill>
-                <a:schemeClr val="accent4">
-                  <a:lumMod val="50000"/>
-                </a:schemeClr>
-              </a:solidFill>
-            </a:ln>
-          </p:spPr>
-          <p:style>
-            <a:lnRef idx="2">
-              <a:schemeClr val="accent1">
-                <a:shade val="50000"/>
-              </a:schemeClr>
-            </a:lnRef>
-            <a:fillRef idx="1">
-              <a:schemeClr val="accent1"/>
-            </a:fillRef>
-            <a:effectRef idx="0">
-              <a:schemeClr val="accent1"/>
-            </a:effectRef>
-            <a:fontRef idx="minor">
-              <a:schemeClr val="lt1"/>
-            </a:fontRef>
-          </p:style>
-          <p:txBody>
-            <a:bodyPr rtlCol="0" anchor="ctr"/>
-            <a:lstStyle/>
-            <a:p>
-              <a:pPr algn="ctr"/>
-              <a:endParaRPr lang="fr-FR"/>
-            </a:p>
-          </p:txBody>
-        </p:sp>
-        <p:sp>
-          <p:nvSpPr>
-            <p:cNvPr id="240" name="Rectangle 239">
-              <a:extLst>
-                <a:ext uri="{FF2B5EF4-FFF2-40B4-BE49-F238E27FC236}">
-                  <a16:creationId xmlns:a16="http://schemas.microsoft.com/office/drawing/2014/main" id="{220D1DAC-943D-4B59-80DE-B43949EC6D42}"/>
-                </a:ext>
-              </a:extLst>
-            </p:cNvPr>
-            <p:cNvSpPr/>
-            <p:nvPr/>
-          </p:nvSpPr>
-          <p:spPr>
-            <a:xfrm>
-              <a:off x="9595410" y="5947076"/>
-              <a:ext cx="171286" cy="171286"/>
-            </a:xfrm>
-            <a:prstGeom prst="rect">
-              <a:avLst/>
-            </a:prstGeom>
-            <a:solidFill>
-              <a:schemeClr val="accent4">
-                <a:lumMod val="20000"/>
-                <a:lumOff val="80000"/>
-              </a:schemeClr>
-            </a:solidFill>
-            <a:ln w="28575">
-              <a:solidFill>
-                <a:schemeClr val="accent4">
-                  <a:lumMod val="50000"/>
-                </a:schemeClr>
-              </a:solidFill>
-            </a:ln>
-          </p:spPr>
-          <p:style>
-            <a:lnRef idx="2">
-              <a:schemeClr val="accent1">
-                <a:shade val="50000"/>
-              </a:schemeClr>
-            </a:lnRef>
-            <a:fillRef idx="1">
-              <a:schemeClr val="accent1"/>
-            </a:fillRef>
-            <a:effectRef idx="0">
-              <a:schemeClr val="accent1"/>
-            </a:effectRef>
-            <a:fontRef idx="minor">
-              <a:schemeClr val="lt1"/>
-            </a:fontRef>
-          </p:style>
-          <p:txBody>
-            <a:bodyPr rtlCol="0" anchor="ctr"/>
-            <a:lstStyle/>
-            <a:p>
-              <a:pPr algn="ctr"/>
-              <a:endParaRPr lang="fr-FR"/>
-            </a:p>
-          </p:txBody>
-        </p:sp>
-        <p:sp>
-          <p:nvSpPr>
-            <p:cNvPr id="221" name="Rectangle 220">
-              <a:extLst>
-                <a:ext uri="{FF2B5EF4-FFF2-40B4-BE49-F238E27FC236}">
-                  <a16:creationId xmlns:a16="http://schemas.microsoft.com/office/drawing/2014/main" id="{47127F69-CEF4-43C1-98B0-186F160577E1}"/>
-                </a:ext>
-              </a:extLst>
-            </p:cNvPr>
-            <p:cNvSpPr/>
-            <p:nvPr/>
-          </p:nvSpPr>
-          <p:spPr>
-            <a:xfrm rot="2700000">
-              <a:off x="9868734" y="5602653"/>
-              <a:ext cx="171286" cy="171286"/>
-            </a:xfrm>
-            <a:prstGeom prst="rect">
-              <a:avLst/>
-            </a:prstGeom>
-            <a:solidFill>
-              <a:schemeClr val="accent4">
-                <a:lumMod val="20000"/>
-                <a:lumOff val="80000"/>
-              </a:schemeClr>
-            </a:solidFill>
-            <a:ln w="28575">
-              <a:solidFill>
-                <a:schemeClr val="accent4">
-                  <a:lumMod val="50000"/>
-                </a:schemeClr>
-              </a:solidFill>
-            </a:ln>
-          </p:spPr>
-          <p:style>
-            <a:lnRef idx="2">
-              <a:schemeClr val="accent1">
-                <a:shade val="50000"/>
-              </a:schemeClr>
-            </a:lnRef>
-            <a:fillRef idx="1">
-              <a:schemeClr val="accent1"/>
-            </a:fillRef>
-            <a:effectRef idx="0">
-              <a:schemeClr val="accent1"/>
-            </a:effectRef>
-            <a:fontRef idx="minor">
-              <a:schemeClr val="lt1"/>
-            </a:fontRef>
-          </p:style>
-          <p:txBody>
-            <a:bodyPr rtlCol="0" anchor="ctr"/>
-            <a:lstStyle/>
-            <a:p>
-              <a:pPr algn="ctr"/>
-              <a:endParaRPr lang="fr-FR" dirty="0"/>
-            </a:p>
-          </p:txBody>
-        </p:sp>
-        <p:sp>
-          <p:nvSpPr>
-            <p:cNvPr id="275" name="Ellipse 274">
-              <a:extLst>
-                <a:ext uri="{FF2B5EF4-FFF2-40B4-BE49-F238E27FC236}">
-                  <a16:creationId xmlns:a16="http://schemas.microsoft.com/office/drawing/2014/main" id="{2CA809EE-1DEB-4AF3-8338-0181971A6F64}"/>
-                </a:ext>
-              </a:extLst>
-            </p:cNvPr>
-            <p:cNvSpPr/>
-            <p:nvPr/>
-          </p:nvSpPr>
-          <p:spPr>
-            <a:xfrm>
-              <a:off x="9229192" y="5307040"/>
-              <a:ext cx="912331" cy="912331"/>
-            </a:xfrm>
-            <a:prstGeom prst="ellipse">
-              <a:avLst/>
-            </a:prstGeom>
-            <a:noFill/>
-            <a:ln w="19050">
-              <a:solidFill>
-                <a:schemeClr val="accent5">
-                  <a:lumMod val="50000"/>
-                </a:schemeClr>
-              </a:solidFill>
-              <a:prstDash val="dash"/>
-            </a:ln>
-          </p:spPr>
-          <p:style>
-            <a:lnRef idx="2">
-              <a:schemeClr val="accent1">
-                <a:shade val="50000"/>
-              </a:schemeClr>
-            </a:lnRef>
-            <a:fillRef idx="1">
-              <a:schemeClr val="accent1"/>
-            </a:fillRef>
-            <a:effectRef idx="0">
-              <a:schemeClr val="accent1"/>
-            </a:effectRef>
-            <a:fontRef idx="minor">
-              <a:schemeClr val="lt1"/>
-            </a:fontRef>
-          </p:style>
-          <p:txBody>
-            <a:bodyPr rtlCol="0" anchor="t"/>
-            <a:lstStyle/>
-            <a:p>
-              <a:pPr algn="ctr"/>
-              <a:endParaRPr lang="fr-FR" sz="1600" b="1">
-                <a:solidFill>
-                  <a:sysClr val="windowText" lastClr="000000"/>
-                </a:solidFill>
-              </a:endParaRPr>
-            </a:p>
-          </p:txBody>
-        </p:sp>
-      </p:grpSp>
-      <p:cxnSp>
-        <p:nvCxnSpPr>
-          <p:cNvPr id="98" name="Connecteur droit avec flèche 97">
-            <a:extLst>
-              <a:ext uri="{FF2B5EF4-FFF2-40B4-BE49-F238E27FC236}">
-                <a16:creationId xmlns:a16="http://schemas.microsoft.com/office/drawing/2014/main" id="{5B1C90BF-831F-48BE-A416-8568215E960B}"/>
-              </a:ext>
-            </a:extLst>
-          </p:cNvPr>
-          <p:cNvCxnSpPr>
-            <a:cxnSpLocks/>
-          </p:cNvCxnSpPr>
-          <p:nvPr/>
-        </p:nvCxnSpPr>
-        <p:spPr>
-          <a:xfrm>
-            <a:off x="3343644" y="2957159"/>
-            <a:ext cx="1487402" cy="0"/>
-          </a:xfrm>
-          <a:prstGeom prst="straightConnector1">
-            <a:avLst/>
-          </a:prstGeom>
-          <a:ln w="28575">
-            <a:solidFill>
-              <a:srgbClr val="C00000"/>
-            </a:solidFill>
-            <a:tailEnd type="stealth" w="med" len="lg"/>
-          </a:ln>
-        </p:spPr>
-        <p:style>
-          <a:lnRef idx="1">
-            <a:schemeClr val="accent1"/>
-          </a:lnRef>
-          <a:fillRef idx="0">
-            <a:schemeClr val="accent1"/>
-          </a:fillRef>
-          <a:effectRef idx="0">
-            <a:schemeClr val="accent1"/>
-          </a:effectRef>
-          <a:fontRef idx="minor">
-            <a:schemeClr val="tx1"/>
-          </a:fontRef>
-        </p:style>
-      </p:cxnSp>
-      <p:cxnSp>
-        <p:nvCxnSpPr>
-          <p:cNvPr id="100" name="Connecteur droit avec flèche 99">
-            <a:extLst>
-              <a:ext uri="{FF2B5EF4-FFF2-40B4-BE49-F238E27FC236}">
-                <a16:creationId xmlns:a16="http://schemas.microsoft.com/office/drawing/2014/main" id="{4B6C7FCC-D798-40DB-8641-D3AA90EEA747}"/>
-              </a:ext>
-            </a:extLst>
-          </p:cNvPr>
-          <p:cNvCxnSpPr>
-            <a:cxnSpLocks/>
-          </p:cNvCxnSpPr>
-          <p:nvPr/>
-        </p:nvCxnSpPr>
-        <p:spPr>
-          <a:xfrm>
-            <a:off x="7524621" y="2957159"/>
-            <a:ext cx="1415296" cy="0"/>
-          </a:xfrm>
-          <a:prstGeom prst="straightConnector1">
-            <a:avLst/>
-          </a:prstGeom>
-          <a:ln w="28575">
-            <a:solidFill>
-              <a:srgbClr val="C00000"/>
-            </a:solidFill>
-            <a:tailEnd type="stealth" w="med" len="lg"/>
-          </a:ln>
-        </p:spPr>
-        <p:style>
-          <a:lnRef idx="1">
-            <a:schemeClr val="accent1"/>
-          </a:lnRef>
-          <a:fillRef idx="0">
-            <a:schemeClr val="accent1"/>
-          </a:fillRef>
-          <a:effectRef idx="0">
-            <a:schemeClr val="accent1"/>
-          </a:effectRef>
-          <a:fontRef idx="minor">
-            <a:schemeClr val="tx1"/>
-          </a:fontRef>
-        </p:style>
-      </p:cxnSp>
-    </p:spTree>
-    <p:extLst>
-      <p:ext uri="{BB962C8B-B14F-4D97-AF65-F5344CB8AC3E}">
-        <p14:creationId xmlns:p14="http://schemas.microsoft.com/office/powerpoint/2010/main" val="761783175"/>
-      </p:ext>
-    </p:extLst>
-  </p:cSld>
-  <p:clrMapOvr>
-    <a:masterClrMapping/>
-  </p:clrMapOvr>
-</p:sld>
-</file>
-
 <file path=ppt/theme/theme1.xml><?xml version="1.0" encoding="utf-8"?>
 <a:theme xmlns:a="http://schemas.openxmlformats.org/drawingml/2006/main" name="Thème Office">
   <a:themeElements>

--- a/Cy_00_IA/Chapitre_01_Introduction_IA/images/Figures.pptx
+++ b/Cy_00_IA/Chapitre_01_Introduction_IA/images/Figures.pptx
@@ -3912,8 +3912,8 @@
         </p:nvSpPr>
         <p:spPr>
           <a:xfrm>
-            <a:off x="4893699" y="4991316"/>
-            <a:ext cx="399082" cy="399082"/>
+            <a:off x="4800600" y="4991316"/>
+            <a:ext cx="422331" cy="422331"/>
           </a:xfrm>
           <a:prstGeom prst="ellipse">
             <a:avLst/>
@@ -3946,7 +3946,7 @@
           <a:lstStyle/>
           <a:p>
             <a:pPr algn="ctr"/>
-            <a:endParaRPr lang="fr-FR"/>
+            <a:endParaRPr lang="fr-FR" dirty="0"/>
           </a:p>
         </p:txBody>
       </p:sp>
@@ -3972,14 +3972,350 @@
         </p:blipFill>
         <p:spPr>
           <a:xfrm>
-            <a:off x="3740096" y="736816"/>
-            <a:ext cx="793480" cy="634784"/>
+            <a:off x="3740095" y="736816"/>
+            <a:ext cx="1412335" cy="1129868"/>
           </a:xfrm>
           <a:prstGeom prst="rect">
             <a:avLst/>
           </a:prstGeom>
         </p:spPr>
       </p:pic>
+      <p:sp>
+        <p:nvSpPr>
+          <p:cNvPr id="9" name="Ellipse 8">
+            <a:extLst>
+              <a:ext uri="{FF2B5EF4-FFF2-40B4-BE49-F238E27FC236}">
+                <a16:creationId xmlns:a16="http://schemas.microsoft.com/office/drawing/2014/main" id="{720DD2B9-FA65-4D13-8D11-45834A1DABE1}"/>
+              </a:ext>
+            </a:extLst>
+          </p:cNvPr>
+          <p:cNvSpPr/>
+          <p:nvPr/>
+        </p:nvSpPr>
+        <p:spPr>
+          <a:xfrm>
+            <a:off x="5966848" y="2731683"/>
+            <a:ext cx="446651" cy="446651"/>
+          </a:xfrm>
+          <a:prstGeom prst="ellipse">
+            <a:avLst/>
+          </a:prstGeom>
+          <a:noFill/>
+          <a:ln>
+            <a:solidFill>
+              <a:srgbClr val="C00000"/>
+            </a:solidFill>
+          </a:ln>
+        </p:spPr>
+        <p:style>
+          <a:lnRef idx="2">
+            <a:schemeClr val="accent1">
+              <a:shade val="50000"/>
+            </a:schemeClr>
+          </a:lnRef>
+          <a:fillRef idx="1">
+            <a:schemeClr val="accent1"/>
+          </a:fillRef>
+          <a:effectRef idx="0">
+            <a:schemeClr val="accent1"/>
+          </a:effectRef>
+          <a:fontRef idx="minor">
+            <a:schemeClr val="lt1"/>
+          </a:fontRef>
+        </p:style>
+        <p:txBody>
+          <a:bodyPr rtlCol="0" anchor="ctr"/>
+          <a:lstStyle/>
+          <a:p>
+            <a:pPr algn="ctr"/>
+            <a:endParaRPr lang="fr-FR"/>
+          </a:p>
+        </p:txBody>
+      </p:sp>
+      <p:sp>
+        <p:nvSpPr>
+          <p:cNvPr id="10" name="Signe de multiplication 9">
+            <a:extLst>
+              <a:ext uri="{FF2B5EF4-FFF2-40B4-BE49-F238E27FC236}">
+                <a16:creationId xmlns:a16="http://schemas.microsoft.com/office/drawing/2014/main" id="{71971AFC-E1EE-448A-8ECF-4A8F514B7DB3}"/>
+              </a:ext>
+            </a:extLst>
+          </p:cNvPr>
+          <p:cNvSpPr/>
+          <p:nvPr/>
+        </p:nvSpPr>
+        <p:spPr>
+          <a:xfrm>
+            <a:off x="6135140" y="2899975"/>
+            <a:ext cx="110066" cy="110066"/>
+          </a:xfrm>
+          <a:prstGeom prst="mathMultiply">
+            <a:avLst/>
+          </a:prstGeom>
+          <a:solidFill>
+            <a:schemeClr val="accent2">
+              <a:lumMod val="60000"/>
+              <a:lumOff val="40000"/>
+            </a:schemeClr>
+          </a:solidFill>
+          <a:ln>
+            <a:solidFill>
+              <a:srgbClr val="C00000"/>
+            </a:solidFill>
+          </a:ln>
+        </p:spPr>
+        <p:style>
+          <a:lnRef idx="2">
+            <a:schemeClr val="accent1">
+              <a:shade val="50000"/>
+            </a:schemeClr>
+          </a:lnRef>
+          <a:fillRef idx="1">
+            <a:schemeClr val="accent1"/>
+          </a:fillRef>
+          <a:effectRef idx="0">
+            <a:schemeClr val="accent1"/>
+          </a:effectRef>
+          <a:fontRef idx="minor">
+            <a:schemeClr val="lt1"/>
+          </a:fontRef>
+        </p:style>
+        <p:txBody>
+          <a:bodyPr rtlCol="0" anchor="ctr"/>
+          <a:lstStyle/>
+          <a:p>
+            <a:pPr algn="ctr"/>
+            <a:endParaRPr lang="fr-FR"/>
+          </a:p>
+        </p:txBody>
+      </p:sp>
+      <p:sp>
+        <p:nvSpPr>
+          <p:cNvPr id="11" name="Signe de multiplication 10">
+            <a:extLst>
+              <a:ext uri="{FF2B5EF4-FFF2-40B4-BE49-F238E27FC236}">
+                <a16:creationId xmlns:a16="http://schemas.microsoft.com/office/drawing/2014/main" id="{F243B67A-7074-4D4E-A4F7-7BDF987B23FD}"/>
+              </a:ext>
+            </a:extLst>
+          </p:cNvPr>
+          <p:cNvSpPr/>
+          <p:nvPr/>
+        </p:nvSpPr>
+        <p:spPr>
+          <a:xfrm>
+            <a:off x="4956732" y="5147448"/>
+            <a:ext cx="110066" cy="110066"/>
+          </a:xfrm>
+          <a:prstGeom prst="mathMultiply">
+            <a:avLst/>
+          </a:prstGeom>
+          <a:solidFill>
+            <a:schemeClr val="accent2">
+              <a:lumMod val="60000"/>
+              <a:lumOff val="40000"/>
+            </a:schemeClr>
+          </a:solidFill>
+          <a:ln>
+            <a:solidFill>
+              <a:srgbClr val="C00000"/>
+            </a:solidFill>
+          </a:ln>
+        </p:spPr>
+        <p:style>
+          <a:lnRef idx="2">
+            <a:schemeClr val="accent1">
+              <a:shade val="50000"/>
+            </a:schemeClr>
+          </a:lnRef>
+          <a:fillRef idx="1">
+            <a:schemeClr val="accent1"/>
+          </a:fillRef>
+          <a:effectRef idx="0">
+            <a:schemeClr val="accent1"/>
+          </a:effectRef>
+          <a:fontRef idx="minor">
+            <a:schemeClr val="lt1"/>
+          </a:fontRef>
+        </p:style>
+        <p:txBody>
+          <a:bodyPr rtlCol="0" anchor="ctr"/>
+          <a:lstStyle/>
+          <a:p>
+            <a:pPr algn="ctr"/>
+            <a:endParaRPr lang="fr-FR"/>
+          </a:p>
+        </p:txBody>
+      </p:sp>
+      <p:sp>
+        <p:nvSpPr>
+          <p:cNvPr id="12" name="ZoneTexte 11">
+            <a:extLst>
+              <a:ext uri="{FF2B5EF4-FFF2-40B4-BE49-F238E27FC236}">
+                <a16:creationId xmlns:a16="http://schemas.microsoft.com/office/drawing/2014/main" id="{60DAF2B1-120A-4D9B-B109-8A76A817F2D1}"/>
+              </a:ext>
+            </a:extLst>
+          </p:cNvPr>
+          <p:cNvSpPr txBox="1"/>
+          <p:nvPr/>
+        </p:nvSpPr>
+        <p:spPr>
+          <a:xfrm>
+            <a:off x="5415560" y="4341653"/>
+            <a:ext cx="1192442" cy="369332"/>
+          </a:xfrm>
+          <a:prstGeom prst="rect">
+            <a:avLst/>
+          </a:prstGeom>
+          <a:noFill/>
+        </p:spPr>
+        <p:txBody>
+          <a:bodyPr wrap="none" rtlCol="0">
+            <a:spAutoFit/>
+          </a:bodyPr>
+          <a:lstStyle/>
+          <a:p>
+            <a:r>
+              <a:rPr lang="fr-FR" dirty="0"/>
+              <a:t>Candidat 1</a:t>
+            </a:r>
+          </a:p>
+        </p:txBody>
+      </p:sp>
+      <p:sp>
+        <p:nvSpPr>
+          <p:cNvPr id="13" name="ZoneTexte 12">
+            <a:extLst>
+              <a:ext uri="{FF2B5EF4-FFF2-40B4-BE49-F238E27FC236}">
+                <a16:creationId xmlns:a16="http://schemas.microsoft.com/office/drawing/2014/main" id="{9E3E0CA4-F163-475F-8200-7177B4602BCD}"/>
+              </a:ext>
+            </a:extLst>
+          </p:cNvPr>
+          <p:cNvSpPr txBox="1"/>
+          <p:nvPr/>
+        </p:nvSpPr>
+        <p:spPr>
+          <a:xfrm>
+            <a:off x="6682396" y="3417576"/>
+            <a:ext cx="1192442" cy="369332"/>
+          </a:xfrm>
+          <a:prstGeom prst="rect">
+            <a:avLst/>
+          </a:prstGeom>
+          <a:noFill/>
+        </p:spPr>
+        <p:txBody>
+          <a:bodyPr wrap="none" rtlCol="0">
+            <a:spAutoFit/>
+          </a:bodyPr>
+          <a:lstStyle/>
+          <a:p>
+            <a:r>
+              <a:rPr lang="fr-FR" dirty="0"/>
+              <a:t>Candidat 2</a:t>
+            </a:r>
+          </a:p>
+        </p:txBody>
+      </p:sp>
+      <p:sp>
+        <p:nvSpPr>
+          <p:cNvPr id="14" name="Arc 13">
+            <a:extLst>
+              <a:ext uri="{FF2B5EF4-FFF2-40B4-BE49-F238E27FC236}">
+                <a16:creationId xmlns:a16="http://schemas.microsoft.com/office/drawing/2014/main" id="{D8CAE118-AAEE-47D2-A0B1-0CB22DBEF062}"/>
+              </a:ext>
+            </a:extLst>
+          </p:cNvPr>
+          <p:cNvSpPr/>
+          <p:nvPr/>
+        </p:nvSpPr>
+        <p:spPr>
+          <a:xfrm rot="10800000">
+            <a:off x="6204426" y="2800455"/>
+            <a:ext cx="836613" cy="836613"/>
+          </a:xfrm>
+          <a:prstGeom prst="arc">
+            <a:avLst/>
+          </a:prstGeom>
+          <a:ln w="28575">
+            <a:solidFill>
+              <a:srgbClr val="C00000"/>
+            </a:solidFill>
+            <a:tailEnd type="stealth" w="med" len="lg"/>
+          </a:ln>
+        </p:spPr>
+        <p:style>
+          <a:lnRef idx="1">
+            <a:schemeClr val="accent1"/>
+          </a:lnRef>
+          <a:fillRef idx="0">
+            <a:schemeClr val="accent1"/>
+          </a:fillRef>
+          <a:effectRef idx="0">
+            <a:schemeClr val="accent1"/>
+          </a:effectRef>
+          <a:fontRef idx="minor">
+            <a:schemeClr val="tx1"/>
+          </a:fontRef>
+        </p:style>
+        <p:txBody>
+          <a:bodyPr rtlCol="0" anchor="ctr"/>
+          <a:lstStyle/>
+          <a:p>
+            <a:pPr algn="ctr"/>
+            <a:endParaRPr lang="fr-FR"/>
+          </a:p>
+        </p:txBody>
+      </p:sp>
+      <p:sp>
+        <p:nvSpPr>
+          <p:cNvPr id="15" name="Arc 14">
+            <a:extLst>
+              <a:ext uri="{FF2B5EF4-FFF2-40B4-BE49-F238E27FC236}">
+                <a16:creationId xmlns:a16="http://schemas.microsoft.com/office/drawing/2014/main" id="{47450B07-85AA-4284-832B-D66851D10939}"/>
+              </a:ext>
+            </a:extLst>
+          </p:cNvPr>
+          <p:cNvSpPr/>
+          <p:nvPr/>
+        </p:nvSpPr>
+        <p:spPr>
+          <a:xfrm flipH="1">
+            <a:off x="5034731" y="4578957"/>
+            <a:ext cx="836613" cy="836613"/>
+          </a:xfrm>
+          <a:prstGeom prst="arc">
+            <a:avLst/>
+          </a:prstGeom>
+          <a:ln w="28575">
+            <a:solidFill>
+              <a:srgbClr val="C00000"/>
+            </a:solidFill>
+            <a:tailEnd type="stealth" w="med" len="lg"/>
+          </a:ln>
+        </p:spPr>
+        <p:style>
+          <a:lnRef idx="1">
+            <a:schemeClr val="accent1"/>
+          </a:lnRef>
+          <a:fillRef idx="0">
+            <a:schemeClr val="accent1"/>
+          </a:fillRef>
+          <a:effectRef idx="0">
+            <a:schemeClr val="accent1"/>
+          </a:effectRef>
+          <a:fontRef idx="minor">
+            <a:schemeClr val="tx1"/>
+          </a:fontRef>
+        </p:style>
+        <p:txBody>
+          <a:bodyPr rtlCol="0" anchor="ctr"/>
+          <a:lstStyle/>
+          <a:p>
+            <a:pPr algn="ctr"/>
+            <a:endParaRPr lang="fr-FR"/>
+          </a:p>
+        </p:txBody>
+      </p:sp>
     </p:spTree>
     <p:extLst>
       <p:ext uri="{BB962C8B-B14F-4D97-AF65-F5344CB8AC3E}">
